--- a/Richard_Palmer_Case_Study_2.pptx
+++ b/Richard_Palmer_Case_Study_2.pptx
@@ -7,15 +7,20 @@
   <p:sldIdLst>
     <p:sldId id="256" r:id="rId2"/>
     <p:sldId id="257" r:id="rId3"/>
-    <p:sldId id="258" r:id="rId4"/>
-    <p:sldId id="266" r:id="rId5"/>
+    <p:sldId id="271" r:id="rId4"/>
+    <p:sldId id="258" r:id="rId5"/>
     <p:sldId id="259" r:id="rId6"/>
-    <p:sldId id="263" r:id="rId7"/>
-    <p:sldId id="260" r:id="rId8"/>
-    <p:sldId id="261" r:id="rId9"/>
-    <p:sldId id="262" r:id="rId10"/>
-    <p:sldId id="265" r:id="rId11"/>
-    <p:sldId id="264" r:id="rId12"/>
+    <p:sldId id="266" r:id="rId7"/>
+    <p:sldId id="263" r:id="rId8"/>
+    <p:sldId id="260" r:id="rId9"/>
+    <p:sldId id="272" r:id="rId10"/>
+    <p:sldId id="267" r:id="rId11"/>
+    <p:sldId id="265" r:id="rId12"/>
+    <p:sldId id="262" r:id="rId13"/>
+    <p:sldId id="268" r:id="rId14"/>
+    <p:sldId id="269" r:id="rId15"/>
+    <p:sldId id="270" r:id="rId16"/>
+    <p:sldId id="264" r:id="rId17"/>
   </p:sldIdLst>
   <p:sldSz cx="12192000" cy="6858000"/>
   <p:notesSz cx="6858000" cy="9144000"/>
@@ -129,12 +134,707 @@
     <p1510:client id="{4AD42B81-B42F-DE53-D511-C61598CACD6A}" v="96" dt="2019-12-01T12:57:02.834"/>
     <p1510:client id="{6410553B-006E-4404-B364-4E304CFFFDC3}" v="18" dt="2019-11-28T16:16:27.823"/>
     <p1510:client id="{CC769451-7BD4-4FCB-31EB-5E96060FD399}" v="147" dt="2019-12-01T12:52:34.822"/>
+    <p1510:client id="{D55C5B8B-BF46-44B3-61F5-B3F921415970}" v="500" dt="2019-12-05T01:35:39.690"/>
+    <p1510:client id="{DEA42B5C-91DD-F7DA-9CB1-8AF39E8313A6}" v="664" dt="2019-12-05T02:20:26.388"/>
+    <p1510:client id="{FFE397E9-C487-E6D3-4354-4F1EEBF7E254}" v="1501" dt="2019-12-04T04:30:54.628"/>
   </p1510:revLst>
 </p1510:revInfo>
 </file>
 
 <file path=ppt/changesInfos/changesInfo1.xml><?xml version="1.0" encoding="utf-8"?>
 <pc:chgInfo xmlns:a="http://schemas.openxmlformats.org/drawingml/2006/main" xmlns:r="http://schemas.openxmlformats.org/officeDocument/2006/relationships" xmlns:ac="http://schemas.microsoft.com/office/drawing/2013/main/command" xmlns:pc="http://schemas.microsoft.com/office/powerpoint/2013/main/command">
+  <pc:docChgLst>
+    <pc:chgData name="Palmer, Richard" userId="S::richardp@smu.edu::43400b70-1035-4110-bc72-99ab0b2feca9" providerId="AD" clId="Web-{FFE397E9-C487-E6D3-4354-4F1EEBF7E254}"/>
+    <pc:docChg chg="addSld delSld modSld sldOrd">
+      <pc:chgData name="Palmer, Richard" userId="S::richardp@smu.edu::43400b70-1035-4110-bc72-99ab0b2feca9" providerId="AD" clId="Web-{FFE397E9-C487-E6D3-4354-4F1EEBF7E254}" dt="2019-12-04T04:30:54.628" v="1445" actId="20577"/>
+      <pc:docMkLst>
+        <pc:docMk/>
+      </pc:docMkLst>
+      <pc:sldChg chg="addSp modSp">
+        <pc:chgData name="Palmer, Richard" userId="S::richardp@smu.edu::43400b70-1035-4110-bc72-99ab0b2feca9" providerId="AD" clId="Web-{FFE397E9-C487-E6D3-4354-4F1EEBF7E254}" dt="2019-12-04T03:23:43.266" v="844" actId="1076"/>
+        <pc:sldMkLst>
+          <pc:docMk/>
+          <pc:sldMk cId="1174405010" sldId="256"/>
+        </pc:sldMkLst>
+        <pc:spChg chg="mod">
+          <ac:chgData name="Palmer, Richard" userId="S::richardp@smu.edu::43400b70-1035-4110-bc72-99ab0b2feca9" providerId="AD" clId="Web-{FFE397E9-C487-E6D3-4354-4F1EEBF7E254}" dt="2019-12-04T03:23:38.766" v="842" actId="1076"/>
+          <ac:spMkLst>
+            <pc:docMk/>
+            <pc:sldMk cId="1174405010" sldId="256"/>
+            <ac:spMk id="2" creationId="{45171EB5-B946-4312-8289-366CFFC770F1}"/>
+          </ac:spMkLst>
+        </pc:spChg>
+        <pc:picChg chg="add mod">
+          <ac:chgData name="Palmer, Richard" userId="S::richardp@smu.edu::43400b70-1035-4110-bc72-99ab0b2feca9" providerId="AD" clId="Web-{FFE397E9-C487-E6D3-4354-4F1EEBF7E254}" dt="2019-12-04T03:23:41.719" v="843" actId="1076"/>
+          <ac:picMkLst>
+            <pc:docMk/>
+            <pc:sldMk cId="1174405010" sldId="256"/>
+            <ac:picMk id="4" creationId="{89665CD5-73EE-4B35-BE1B-D39806E673BB}"/>
+          </ac:picMkLst>
+        </pc:picChg>
+        <pc:picChg chg="add mod">
+          <ac:chgData name="Palmer, Richard" userId="S::richardp@smu.edu::43400b70-1035-4110-bc72-99ab0b2feca9" providerId="AD" clId="Web-{FFE397E9-C487-E6D3-4354-4F1EEBF7E254}" dt="2019-12-04T03:23:43.266" v="844" actId="1076"/>
+          <ac:picMkLst>
+            <pc:docMk/>
+            <pc:sldMk cId="1174405010" sldId="256"/>
+            <ac:picMk id="6" creationId="{E8B4D577-DFD0-486C-B7A7-D8ACB1CAFD9B}"/>
+          </ac:picMkLst>
+        </pc:picChg>
+      </pc:sldChg>
+      <pc:sldChg chg="modSp">
+        <pc:chgData name="Palmer, Richard" userId="S::richardp@smu.edu::43400b70-1035-4110-bc72-99ab0b2feca9" providerId="AD" clId="Web-{FFE397E9-C487-E6D3-4354-4F1EEBF7E254}" dt="2019-12-04T02:44:52.150" v="31" actId="20577"/>
+        <pc:sldMkLst>
+          <pc:docMk/>
+          <pc:sldMk cId="571005782" sldId="257"/>
+        </pc:sldMkLst>
+        <pc:spChg chg="mod">
+          <ac:chgData name="Palmer, Richard" userId="S::richardp@smu.edu::43400b70-1035-4110-bc72-99ab0b2feca9" providerId="AD" clId="Web-{FFE397E9-C487-E6D3-4354-4F1EEBF7E254}" dt="2019-12-04T02:44:52.150" v="31" actId="20577"/>
+          <ac:spMkLst>
+            <pc:docMk/>
+            <pc:sldMk cId="571005782" sldId="257"/>
+            <ac:spMk id="3" creationId="{0F4EE506-20AE-41DD-9FAD-C8FB50BC6A9D}"/>
+          </ac:spMkLst>
+        </pc:spChg>
+      </pc:sldChg>
+      <pc:sldChg chg="addSp delSp modSp">
+        <pc:chgData name="Palmer, Richard" userId="S::richardp@smu.edu::43400b70-1035-4110-bc72-99ab0b2feca9" providerId="AD" clId="Web-{FFE397E9-C487-E6D3-4354-4F1EEBF7E254}" dt="2019-12-04T02:56:26.693" v="202" actId="1076"/>
+        <pc:sldMkLst>
+          <pc:docMk/>
+          <pc:sldMk cId="3062841289" sldId="259"/>
+        </pc:sldMkLst>
+        <pc:spChg chg="add mod">
+          <ac:chgData name="Palmer, Richard" userId="S::richardp@smu.edu::43400b70-1035-4110-bc72-99ab0b2feca9" providerId="AD" clId="Web-{FFE397E9-C487-E6D3-4354-4F1EEBF7E254}" dt="2019-12-04T02:53:03.804" v="134" actId="1076"/>
+          <ac:spMkLst>
+            <pc:docMk/>
+            <pc:sldMk cId="3062841289" sldId="259"/>
+            <ac:spMk id="4" creationId="{B7D8C75E-3919-4708-B60F-EA4869D2AD04}"/>
+          </ac:spMkLst>
+        </pc:spChg>
+        <pc:spChg chg="add mod">
+          <ac:chgData name="Palmer, Richard" userId="S::richardp@smu.edu::43400b70-1035-4110-bc72-99ab0b2feca9" providerId="AD" clId="Web-{FFE397E9-C487-E6D3-4354-4F1EEBF7E254}" dt="2019-12-04T02:56:26.693" v="202" actId="1076"/>
+          <ac:spMkLst>
+            <pc:docMk/>
+            <pc:sldMk cId="3062841289" sldId="259"/>
+            <ac:spMk id="10" creationId="{1F773844-F9C3-461B-BA86-284717CD7B07}"/>
+          </ac:spMkLst>
+        </pc:spChg>
+        <pc:spChg chg="add mod">
+          <ac:chgData name="Palmer, Richard" userId="S::richardp@smu.edu::43400b70-1035-4110-bc72-99ab0b2feca9" providerId="AD" clId="Web-{FFE397E9-C487-E6D3-4354-4F1EEBF7E254}" dt="2019-12-04T02:56:23.959" v="201" actId="1076"/>
+          <ac:spMkLst>
+            <pc:docMk/>
+            <pc:sldMk cId="3062841289" sldId="259"/>
+            <ac:spMk id="11" creationId="{897EBAB0-76DD-4783-8309-6DA8129BF359}"/>
+          </ac:spMkLst>
+        </pc:spChg>
+        <pc:spChg chg="add mod">
+          <ac:chgData name="Palmer, Richard" userId="S::richardp@smu.edu::43400b70-1035-4110-bc72-99ab0b2feca9" providerId="AD" clId="Web-{FFE397E9-C487-E6D3-4354-4F1EEBF7E254}" dt="2019-12-04T02:56:21.303" v="200" actId="1076"/>
+          <ac:spMkLst>
+            <pc:docMk/>
+            <pc:sldMk cId="3062841289" sldId="259"/>
+            <ac:spMk id="14" creationId="{253A6AB5-B69B-4294-B360-D5C49986CAAE}"/>
+          </ac:spMkLst>
+        </pc:spChg>
+        <pc:picChg chg="del">
+          <ac:chgData name="Palmer, Richard" userId="S::richardp@smu.edu::43400b70-1035-4110-bc72-99ab0b2feca9" providerId="AD" clId="Web-{FFE397E9-C487-E6D3-4354-4F1EEBF7E254}" dt="2019-12-04T02:45:04.369" v="34"/>
+          <ac:picMkLst>
+            <pc:docMk/>
+            <pc:sldMk cId="3062841289" sldId="259"/>
+            <ac:picMk id="3" creationId="{51608092-4C75-4120-B268-583247A43057}"/>
+          </ac:picMkLst>
+        </pc:picChg>
+        <pc:picChg chg="del">
+          <ac:chgData name="Palmer, Richard" userId="S::richardp@smu.edu::43400b70-1035-4110-bc72-99ab0b2feca9" providerId="AD" clId="Web-{FFE397E9-C487-E6D3-4354-4F1EEBF7E254}" dt="2019-12-04T02:45:06.806" v="35"/>
+          <ac:picMkLst>
+            <pc:docMk/>
+            <pc:sldMk cId="3062841289" sldId="259"/>
+            <ac:picMk id="5" creationId="{BBAD3CAA-12C7-4620-842D-987AB0DA3453}"/>
+          </ac:picMkLst>
+        </pc:picChg>
+        <pc:picChg chg="add mod">
+          <ac:chgData name="Palmer, Richard" userId="S::richardp@smu.edu::43400b70-1035-4110-bc72-99ab0b2feca9" providerId="AD" clId="Web-{FFE397E9-C487-E6D3-4354-4F1EEBF7E254}" dt="2019-12-04T02:56:16.427" v="198" actId="1076"/>
+          <ac:picMkLst>
+            <pc:docMk/>
+            <pc:sldMk cId="3062841289" sldId="259"/>
+            <ac:picMk id="6" creationId="{505D2B80-FB1D-4FFC-919C-7620DDD62EA2}"/>
+          </ac:picMkLst>
+        </pc:picChg>
+        <pc:picChg chg="add mod">
+          <ac:chgData name="Palmer, Richard" userId="S::richardp@smu.edu::43400b70-1035-4110-bc72-99ab0b2feca9" providerId="AD" clId="Web-{FFE397E9-C487-E6D3-4354-4F1EEBF7E254}" dt="2019-12-04T02:56:17.710" v="199" actId="1076"/>
+          <ac:picMkLst>
+            <pc:docMk/>
+            <pc:sldMk cId="3062841289" sldId="259"/>
+            <ac:picMk id="8" creationId="{3E17CF34-1AE3-4F37-A7AC-97C21EDA2191}"/>
+          </ac:picMkLst>
+        </pc:picChg>
+        <pc:picChg chg="add mod">
+          <ac:chgData name="Palmer, Richard" userId="S::richardp@smu.edu::43400b70-1035-4110-bc72-99ab0b2feca9" providerId="AD" clId="Web-{FFE397E9-C487-E6D3-4354-4F1EEBF7E254}" dt="2019-12-04T02:56:09.881" v="196" actId="1076"/>
+          <ac:picMkLst>
+            <pc:docMk/>
+            <pc:sldMk cId="3062841289" sldId="259"/>
+            <ac:picMk id="12" creationId="{2D974750-8AD5-43ED-897E-E42083A272C8}"/>
+          </ac:picMkLst>
+        </pc:picChg>
+      </pc:sldChg>
+      <pc:sldChg chg="addSp delSp modSp">
+        <pc:chgData name="Palmer, Richard" userId="S::richardp@smu.edu::43400b70-1035-4110-bc72-99ab0b2feca9" providerId="AD" clId="Web-{FFE397E9-C487-E6D3-4354-4F1EEBF7E254}" dt="2019-12-04T03:03:43.597" v="347" actId="14100"/>
+        <pc:sldMkLst>
+          <pc:docMk/>
+          <pc:sldMk cId="1676086117" sldId="261"/>
+        </pc:sldMkLst>
+        <pc:spChg chg="mod">
+          <ac:chgData name="Palmer, Richard" userId="S::richardp@smu.edu::43400b70-1035-4110-bc72-99ab0b2feca9" providerId="AD" clId="Web-{FFE397E9-C487-E6D3-4354-4F1EEBF7E254}" dt="2019-12-04T03:03:43.597" v="347" actId="14100"/>
+          <ac:spMkLst>
+            <pc:docMk/>
+            <pc:sldMk cId="1676086117" sldId="261"/>
+            <ac:spMk id="2" creationId="{DA62DB64-5026-473E-A925-E8441BA6A8D8}"/>
+          </ac:spMkLst>
+        </pc:spChg>
+        <pc:spChg chg="del">
+          <ac:chgData name="Palmer, Richard" userId="S::richardp@smu.edu::43400b70-1035-4110-bc72-99ab0b2feca9" providerId="AD" clId="Web-{FFE397E9-C487-E6D3-4354-4F1EEBF7E254}" dt="2019-12-04T02:57:33.255" v="203"/>
+          <ac:spMkLst>
+            <pc:docMk/>
+            <pc:sldMk cId="1676086117" sldId="261"/>
+            <ac:spMk id="3" creationId="{B07AAD01-A1E0-4A34-AB84-8E806E0138D1}"/>
+          </ac:spMkLst>
+        </pc:spChg>
+        <pc:spChg chg="add mod">
+          <ac:chgData name="Palmer, Richard" userId="S::richardp@smu.edu::43400b70-1035-4110-bc72-99ab0b2feca9" providerId="AD" clId="Web-{FFE397E9-C487-E6D3-4354-4F1EEBF7E254}" dt="2019-12-04T03:02:57.847" v="329" actId="1076"/>
+          <ac:spMkLst>
+            <pc:docMk/>
+            <pc:sldMk cId="1676086117" sldId="261"/>
+            <ac:spMk id="6" creationId="{009C17EA-14E6-4396-9E37-6227F9A5B2D9}"/>
+          </ac:spMkLst>
+        </pc:spChg>
+        <pc:spChg chg="add mod">
+          <ac:chgData name="Palmer, Richard" userId="S::richardp@smu.edu::43400b70-1035-4110-bc72-99ab0b2feca9" providerId="AD" clId="Web-{FFE397E9-C487-E6D3-4354-4F1EEBF7E254}" dt="2019-12-04T03:02:48.300" v="326" actId="1076"/>
+          <ac:spMkLst>
+            <pc:docMk/>
+            <pc:sldMk cId="1676086117" sldId="261"/>
+            <ac:spMk id="7" creationId="{64DDD6E2-C914-4F19-AE81-950E6AEA93D3}"/>
+          </ac:spMkLst>
+        </pc:spChg>
+        <pc:picChg chg="add mod">
+          <ac:chgData name="Palmer, Richard" userId="S::richardp@smu.edu::43400b70-1035-4110-bc72-99ab0b2feca9" providerId="AD" clId="Web-{FFE397E9-C487-E6D3-4354-4F1EEBF7E254}" dt="2019-12-04T03:03:00.909" v="330" actId="1076"/>
+          <ac:picMkLst>
+            <pc:docMk/>
+            <pc:sldMk cId="1676086117" sldId="261"/>
+            <ac:picMk id="4" creationId="{EECB5684-0F7D-4A6D-BEE7-CB9C6EE1A266}"/>
+          </ac:picMkLst>
+        </pc:picChg>
+        <pc:picChg chg="add mod">
+          <ac:chgData name="Palmer, Richard" userId="S::richardp@smu.edu::43400b70-1035-4110-bc72-99ab0b2feca9" providerId="AD" clId="Web-{FFE397E9-C487-E6D3-4354-4F1EEBF7E254}" dt="2019-12-04T03:02:51.425" v="327" actId="1076"/>
+          <ac:picMkLst>
+            <pc:docMk/>
+            <pc:sldMk cId="1676086117" sldId="261"/>
+            <ac:picMk id="8" creationId="{342F992F-4121-4393-B0BD-9F9D14A62FBA}"/>
+          </ac:picMkLst>
+        </pc:picChg>
+      </pc:sldChg>
+      <pc:sldChg chg="addSp delSp modSp">
+        <pc:chgData name="Palmer, Richard" userId="S::richardp@smu.edu::43400b70-1035-4110-bc72-99ab0b2feca9" providerId="AD" clId="Web-{FFE397E9-C487-E6D3-4354-4F1EEBF7E254}" dt="2019-12-04T04:29:30.518" v="1239" actId="14100"/>
+        <pc:sldMkLst>
+          <pc:docMk/>
+          <pc:sldMk cId="2720238524" sldId="262"/>
+        </pc:sldMkLst>
+        <pc:spChg chg="del">
+          <ac:chgData name="Palmer, Richard" userId="S::richardp@smu.edu::43400b70-1035-4110-bc72-99ab0b2feca9" providerId="AD" clId="Web-{FFE397E9-C487-E6D3-4354-4F1EEBF7E254}" dt="2019-12-04T03:31:52.201" v="1052"/>
+          <ac:spMkLst>
+            <pc:docMk/>
+            <pc:sldMk cId="2720238524" sldId="262"/>
+            <ac:spMk id="2" creationId="{962ECD9E-97CE-48D5-A991-0A9E0B209344}"/>
+          </ac:spMkLst>
+        </pc:spChg>
+        <pc:spChg chg="del">
+          <ac:chgData name="Palmer, Richard" userId="S::richardp@smu.edu::43400b70-1035-4110-bc72-99ab0b2feca9" providerId="AD" clId="Web-{FFE397E9-C487-E6D3-4354-4F1EEBF7E254}" dt="2019-12-04T03:24:23.469" v="849"/>
+          <ac:spMkLst>
+            <pc:docMk/>
+            <pc:sldMk cId="2720238524" sldId="262"/>
+            <ac:spMk id="3" creationId="{E16CA4F1-FC1F-4B45-9388-F9E0DA2D798F}"/>
+          </ac:spMkLst>
+        </pc:spChg>
+        <pc:spChg chg="add del mod">
+          <ac:chgData name="Palmer, Richard" userId="S::richardp@smu.edu::43400b70-1035-4110-bc72-99ab0b2feca9" providerId="AD" clId="Web-{FFE397E9-C487-E6D3-4354-4F1EEBF7E254}" dt="2019-12-04T03:32:08.201" v="1059"/>
+          <ac:spMkLst>
+            <pc:docMk/>
+            <pc:sldMk cId="2720238524" sldId="262"/>
+            <ac:spMk id="5" creationId="{4924B86D-B374-4450-99D4-5057717055FF}"/>
+          </ac:spMkLst>
+        </pc:spChg>
+        <pc:spChg chg="add mod">
+          <ac:chgData name="Palmer, Richard" userId="S::richardp@smu.edu::43400b70-1035-4110-bc72-99ab0b2feca9" providerId="AD" clId="Web-{FFE397E9-C487-E6D3-4354-4F1EEBF7E254}" dt="2019-12-04T04:16:27.262" v="1175" actId="14100"/>
+          <ac:spMkLst>
+            <pc:docMk/>
+            <pc:sldMk cId="2720238524" sldId="262"/>
+            <ac:spMk id="6" creationId="{11658270-D567-48C1-B143-386A65F06115}"/>
+          </ac:spMkLst>
+        </pc:spChg>
+        <pc:picChg chg="add mod">
+          <ac:chgData name="Palmer, Richard" userId="S::richardp@smu.edu::43400b70-1035-4110-bc72-99ab0b2feca9" providerId="AD" clId="Web-{FFE397E9-C487-E6D3-4354-4F1EEBF7E254}" dt="2019-12-04T04:29:30.518" v="1239" actId="14100"/>
+          <ac:picMkLst>
+            <pc:docMk/>
+            <pc:sldMk cId="2720238524" sldId="262"/>
+            <ac:picMk id="2" creationId="{ECE73D98-102F-4B7E-AA50-66DF8B754BF9}"/>
+          </ac:picMkLst>
+        </pc:picChg>
+        <pc:picChg chg="add mod">
+          <ac:chgData name="Palmer, Richard" userId="S::richardp@smu.edu::43400b70-1035-4110-bc72-99ab0b2feca9" providerId="AD" clId="Web-{FFE397E9-C487-E6D3-4354-4F1EEBF7E254}" dt="2019-12-04T04:19:23.028" v="1196" actId="1076"/>
+          <ac:picMkLst>
+            <pc:docMk/>
+            <pc:sldMk cId="2720238524" sldId="262"/>
+            <ac:picMk id="4" creationId="{3A704620-9CB5-46BD-897D-8D008157CEAB}"/>
+          </ac:picMkLst>
+        </pc:picChg>
+        <pc:picChg chg="add mod">
+          <ac:chgData name="Palmer, Richard" userId="S::richardp@smu.edu::43400b70-1035-4110-bc72-99ab0b2feca9" providerId="AD" clId="Web-{FFE397E9-C487-E6D3-4354-4F1EEBF7E254}" dt="2019-12-04T04:19:39.591" v="1201" actId="1076"/>
+          <ac:picMkLst>
+            <pc:docMk/>
+            <pc:sldMk cId="2720238524" sldId="262"/>
+            <ac:picMk id="7" creationId="{A2362BE0-23AD-4C99-8844-B0F88A3C60F3}"/>
+          </ac:picMkLst>
+        </pc:picChg>
+        <pc:picChg chg="add mod">
+          <ac:chgData name="Palmer, Richard" userId="S::richardp@smu.edu::43400b70-1035-4110-bc72-99ab0b2feca9" providerId="AD" clId="Web-{FFE397E9-C487-E6D3-4354-4F1EEBF7E254}" dt="2019-12-04T04:19:38.325" v="1200" actId="1076"/>
+          <ac:picMkLst>
+            <pc:docMk/>
+            <pc:sldMk cId="2720238524" sldId="262"/>
+            <ac:picMk id="9" creationId="{5C710331-A695-474E-BFA1-F352BF566A54}"/>
+          </ac:picMkLst>
+        </pc:picChg>
+      </pc:sldChg>
+      <pc:sldChg chg="modSp">
+        <pc:chgData name="Palmer, Richard" userId="S::richardp@smu.edu::43400b70-1035-4110-bc72-99ab0b2feca9" providerId="AD" clId="Web-{FFE397E9-C487-E6D3-4354-4F1EEBF7E254}" dt="2019-12-04T04:30:54.628" v="1444" actId="20577"/>
+        <pc:sldMkLst>
+          <pc:docMk/>
+          <pc:sldMk cId="4259731772" sldId="264"/>
+        </pc:sldMkLst>
+        <pc:spChg chg="mod">
+          <ac:chgData name="Palmer, Richard" userId="S::richardp@smu.edu::43400b70-1035-4110-bc72-99ab0b2feca9" providerId="AD" clId="Web-{FFE397E9-C487-E6D3-4354-4F1EEBF7E254}" dt="2019-12-04T04:30:54.628" v="1444" actId="20577"/>
+          <ac:spMkLst>
+            <pc:docMk/>
+            <pc:sldMk cId="4259731772" sldId="264"/>
+            <ac:spMk id="3" creationId="{DF91C6DC-BC42-4557-970D-AB473BF53112}"/>
+          </ac:spMkLst>
+        </pc:spChg>
+      </pc:sldChg>
+      <pc:sldChg chg="addSp delSp modSp ord">
+        <pc:chgData name="Palmer, Richard" userId="S::richardp@smu.edu::43400b70-1035-4110-bc72-99ab0b2feca9" providerId="AD" clId="Web-{FFE397E9-C487-E6D3-4354-4F1EEBF7E254}" dt="2019-12-04T04:15:59.528" v="1168" actId="20577"/>
+        <pc:sldMkLst>
+          <pc:docMk/>
+          <pc:sldMk cId="631460421" sldId="265"/>
+        </pc:sldMkLst>
+        <pc:spChg chg="del mod">
+          <ac:chgData name="Palmer, Richard" userId="S::richardp@smu.edu::43400b70-1035-4110-bc72-99ab0b2feca9" providerId="AD" clId="Web-{FFE397E9-C487-E6D3-4354-4F1EEBF7E254}" dt="2019-12-04T03:32:01.623" v="1056"/>
+          <ac:spMkLst>
+            <pc:docMk/>
+            <pc:sldMk cId="631460421" sldId="265"/>
+            <ac:spMk id="2" creationId="{2D692C4E-6F2E-4E1D-9848-3BA648DB374B}"/>
+          </ac:spMkLst>
+        </pc:spChg>
+        <pc:spChg chg="add mod">
+          <ac:chgData name="Palmer, Richard" userId="S::richardp@smu.edu::43400b70-1035-4110-bc72-99ab0b2feca9" providerId="AD" clId="Web-{FFE397E9-C487-E6D3-4354-4F1EEBF7E254}" dt="2019-12-04T04:15:46.652" v="1162" actId="1076"/>
+          <ac:spMkLst>
+            <pc:docMk/>
+            <pc:sldMk cId="631460421" sldId="265"/>
+            <ac:spMk id="2" creationId="{BF25D8BE-4B77-476C-BE65-6420DA92DBC6}"/>
+          </ac:spMkLst>
+        </pc:spChg>
+        <pc:spChg chg="add mod">
+          <ac:chgData name="Palmer, Richard" userId="S::richardp@smu.edu::43400b70-1035-4110-bc72-99ab0b2feca9" providerId="AD" clId="Web-{FFE397E9-C487-E6D3-4354-4F1EEBF7E254}" dt="2019-12-04T04:15:24.871" v="1152" actId="1076"/>
+          <ac:spMkLst>
+            <pc:docMk/>
+            <pc:sldMk cId="631460421" sldId="265"/>
+            <ac:spMk id="3" creationId="{187B26C8-2276-4BB1-A3EC-19A8BDEF5D1F}"/>
+          </ac:spMkLst>
+        </pc:spChg>
+        <pc:spChg chg="del">
+          <ac:chgData name="Palmer, Richard" userId="S::richardp@smu.edu::43400b70-1035-4110-bc72-99ab0b2feca9" providerId="AD" clId="Web-{FFE397E9-C487-E6D3-4354-4F1EEBF7E254}" dt="2019-12-04T03:25:07.109" v="850"/>
+          <ac:spMkLst>
+            <pc:docMk/>
+            <pc:sldMk cId="631460421" sldId="265"/>
+            <ac:spMk id="3" creationId="{C4723448-DED8-44C4-8C6A-3073FF1DEDF9}"/>
+          </ac:spMkLst>
+        </pc:spChg>
+        <pc:spChg chg="add mod">
+          <ac:chgData name="Palmer, Richard" userId="S::richardp@smu.edu::43400b70-1035-4110-bc72-99ab0b2feca9" providerId="AD" clId="Web-{FFE397E9-C487-E6D3-4354-4F1EEBF7E254}" dt="2019-12-04T04:14:40.715" v="1135" actId="1076"/>
+          <ac:spMkLst>
+            <pc:docMk/>
+            <pc:sldMk cId="631460421" sldId="265"/>
+            <ac:spMk id="4" creationId="{39D6E491-8AB9-4735-BB7A-478DEA934D89}"/>
+          </ac:spMkLst>
+        </pc:spChg>
+        <pc:spChg chg="add mod">
+          <ac:chgData name="Palmer, Richard" userId="S::richardp@smu.edu::43400b70-1035-4110-bc72-99ab0b2feca9" providerId="AD" clId="Web-{FFE397E9-C487-E6D3-4354-4F1EEBF7E254}" dt="2019-12-04T04:14:45.496" v="1136" actId="1076"/>
+          <ac:spMkLst>
+            <pc:docMk/>
+            <pc:sldMk cId="631460421" sldId="265"/>
+            <ac:spMk id="5" creationId="{5639DECA-7879-4378-BA3B-2F8643D2AADA}"/>
+          </ac:spMkLst>
+        </pc:spChg>
+        <pc:spChg chg="add mod">
+          <ac:chgData name="Palmer, Richard" userId="S::richardp@smu.edu::43400b70-1035-4110-bc72-99ab0b2feca9" providerId="AD" clId="Web-{FFE397E9-C487-E6D3-4354-4F1EEBF7E254}" dt="2019-12-04T04:15:04.840" v="1146" actId="1076"/>
+          <ac:spMkLst>
+            <pc:docMk/>
+            <pc:sldMk cId="631460421" sldId="265"/>
+            <ac:spMk id="6" creationId="{6C7A67AB-A53C-443F-9553-03D9808CE209}"/>
+          </ac:spMkLst>
+        </pc:spChg>
+        <pc:spChg chg="add mod">
+          <ac:chgData name="Palmer, Richard" userId="S::richardp@smu.edu::43400b70-1035-4110-bc72-99ab0b2feca9" providerId="AD" clId="Web-{FFE397E9-C487-E6D3-4354-4F1EEBF7E254}" dt="2019-12-04T04:14:55.277" v="1140" actId="20577"/>
+          <ac:spMkLst>
+            <pc:docMk/>
+            <pc:sldMk cId="631460421" sldId="265"/>
+            <ac:spMk id="7" creationId="{49CA7528-27E6-434B-AF2A-D857D0091E6B}"/>
+          </ac:spMkLst>
+        </pc:spChg>
+        <pc:spChg chg="add mod">
+          <ac:chgData name="Palmer, Richard" userId="S::richardp@smu.edu::43400b70-1035-4110-bc72-99ab0b2feca9" providerId="AD" clId="Web-{FFE397E9-C487-E6D3-4354-4F1EEBF7E254}" dt="2019-12-04T03:32:18.982" v="1062" actId="1076"/>
+          <ac:spMkLst>
+            <pc:docMk/>
+            <pc:sldMk cId="631460421" sldId="265"/>
+            <ac:spMk id="8" creationId="{40F6BFEB-9A23-405A-8A45-F032C4011C73}"/>
+          </ac:spMkLst>
+        </pc:spChg>
+        <pc:spChg chg="add del mod">
+          <ac:chgData name="Palmer, Richard" userId="S::richardp@smu.edu::43400b70-1035-4110-bc72-99ab0b2feca9" providerId="AD" clId="Web-{FFE397E9-C487-E6D3-4354-4F1EEBF7E254}" dt="2019-12-04T03:32:16.138" v="1061"/>
+          <ac:spMkLst>
+            <pc:docMk/>
+            <pc:sldMk cId="631460421" sldId="265"/>
+            <ac:spMk id="10" creationId="{AB90E825-1E8A-4760-9CD4-4167BD84C401}"/>
+          </ac:spMkLst>
+        </pc:spChg>
+        <pc:spChg chg="add mod">
+          <ac:chgData name="Palmer, Richard" userId="S::richardp@smu.edu::43400b70-1035-4110-bc72-99ab0b2feca9" providerId="AD" clId="Web-{FFE397E9-C487-E6D3-4354-4F1EEBF7E254}" dt="2019-12-04T04:15:55.324" v="1165" actId="20577"/>
+          <ac:spMkLst>
+            <pc:docMk/>
+            <pc:sldMk cId="631460421" sldId="265"/>
+            <ac:spMk id="12" creationId="{5F09DD68-9063-48B5-A54A-6213FB1D9CDC}"/>
+          </ac:spMkLst>
+        </pc:spChg>
+        <pc:spChg chg="add mod">
+          <ac:chgData name="Palmer, Richard" userId="S::richardp@smu.edu::43400b70-1035-4110-bc72-99ab0b2feca9" providerId="AD" clId="Web-{FFE397E9-C487-E6D3-4354-4F1EEBF7E254}" dt="2019-12-04T04:15:59.528" v="1168" actId="20577"/>
+          <ac:spMkLst>
+            <pc:docMk/>
+            <pc:sldMk cId="631460421" sldId="265"/>
+            <ac:spMk id="14" creationId="{333E67DB-3C85-431C-B0AA-D548CA983081}"/>
+          </ac:spMkLst>
+        </pc:spChg>
+      </pc:sldChg>
+      <pc:sldChg chg="ord">
+        <pc:chgData name="Palmer, Richard" userId="S::richardp@smu.edu::43400b70-1035-4110-bc72-99ab0b2feca9" providerId="AD" clId="Web-{FFE397E9-C487-E6D3-4354-4F1EEBF7E254}" dt="2019-12-04T02:51:50.632" v="36"/>
+        <pc:sldMkLst>
+          <pc:docMk/>
+          <pc:sldMk cId="3606331855" sldId="266"/>
+        </pc:sldMkLst>
+      </pc:sldChg>
+      <pc:sldChg chg="addSp delSp modSp add replId">
+        <pc:chgData name="Palmer, Richard" userId="S::richardp@smu.edu::43400b70-1035-4110-bc72-99ab0b2feca9" providerId="AD" clId="Web-{FFE397E9-C487-E6D3-4354-4F1EEBF7E254}" dt="2019-12-04T03:24:11.297" v="848"/>
+        <pc:sldMkLst>
+          <pc:docMk/>
+          <pc:sldMk cId="1826252599" sldId="267"/>
+        </pc:sldMkLst>
+        <pc:spChg chg="mod">
+          <ac:chgData name="Palmer, Richard" userId="S::richardp@smu.edu::43400b70-1035-4110-bc72-99ab0b2feca9" providerId="AD" clId="Web-{FFE397E9-C487-E6D3-4354-4F1EEBF7E254}" dt="2019-12-04T03:03:30.034" v="339" actId="20577"/>
+          <ac:spMkLst>
+            <pc:docMk/>
+            <pc:sldMk cId="1826252599" sldId="267"/>
+            <ac:spMk id="2" creationId="{DA62DB64-5026-473E-A925-E8441BA6A8D8}"/>
+          </ac:spMkLst>
+        </pc:spChg>
+        <pc:spChg chg="del">
+          <ac:chgData name="Palmer, Richard" userId="S::richardp@smu.edu::43400b70-1035-4110-bc72-99ab0b2feca9" providerId="AD" clId="Web-{FFE397E9-C487-E6D3-4354-4F1EEBF7E254}" dt="2019-12-04T03:24:11.297" v="848"/>
+          <ac:spMkLst>
+            <pc:docMk/>
+            <pc:sldMk cId="1826252599" sldId="267"/>
+            <ac:spMk id="6" creationId="{009C17EA-14E6-4396-9E37-6227F9A5B2D9}"/>
+          </ac:spMkLst>
+        </pc:spChg>
+        <pc:spChg chg="mod">
+          <ac:chgData name="Palmer, Richard" userId="S::richardp@smu.edu::43400b70-1035-4110-bc72-99ab0b2feca9" providerId="AD" clId="Web-{FFE397E9-C487-E6D3-4354-4F1EEBF7E254}" dt="2019-12-04T03:20:09.517" v="819" actId="20577"/>
+          <ac:spMkLst>
+            <pc:docMk/>
+            <pc:sldMk cId="1826252599" sldId="267"/>
+            <ac:spMk id="7" creationId="{64DDD6E2-C914-4F19-AE81-950E6AEA93D3}"/>
+          </ac:spMkLst>
+        </pc:spChg>
+        <pc:graphicFrameChg chg="add mod modGraphic">
+          <ac:chgData name="Palmer, Richard" userId="S::richardp@smu.edu::43400b70-1035-4110-bc72-99ab0b2feca9" providerId="AD" clId="Web-{FFE397E9-C487-E6D3-4354-4F1EEBF7E254}" dt="2019-12-04T03:20:40.611" v="829"/>
+          <ac:graphicFrameMkLst>
+            <pc:docMk/>
+            <pc:sldMk cId="1826252599" sldId="267"/>
+            <ac:graphicFrameMk id="3" creationId="{C410FA3C-1D98-49EC-8652-5D51553F8E6F}"/>
+          </ac:graphicFrameMkLst>
+        </pc:graphicFrameChg>
+        <pc:graphicFrameChg chg="add mod modGraphic">
+          <ac:chgData name="Palmer, Richard" userId="S::richardp@smu.edu::43400b70-1035-4110-bc72-99ab0b2feca9" providerId="AD" clId="Web-{FFE397E9-C487-E6D3-4354-4F1EEBF7E254}" dt="2019-12-04T03:24:07.594" v="847" actId="1076"/>
+          <ac:graphicFrameMkLst>
+            <pc:docMk/>
+            <pc:sldMk cId="1826252599" sldId="267"/>
+            <ac:graphicFrameMk id="9" creationId="{798BB1FE-7880-4153-B40D-73D90260A66B}"/>
+          </ac:graphicFrameMkLst>
+        </pc:graphicFrameChg>
+        <pc:picChg chg="del">
+          <ac:chgData name="Palmer, Richard" userId="S::richardp@smu.edu::43400b70-1035-4110-bc72-99ab0b2feca9" providerId="AD" clId="Web-{FFE397E9-C487-E6D3-4354-4F1EEBF7E254}" dt="2019-12-04T03:03:53.112" v="349"/>
+          <ac:picMkLst>
+            <pc:docMk/>
+            <pc:sldMk cId="1826252599" sldId="267"/>
+            <ac:picMk id="4" creationId="{EECB5684-0F7D-4A6D-BEE7-CB9C6EE1A266}"/>
+          </ac:picMkLst>
+        </pc:picChg>
+        <pc:picChg chg="del">
+          <ac:chgData name="Palmer, Richard" userId="S::richardp@smu.edu::43400b70-1035-4110-bc72-99ab0b2feca9" providerId="AD" clId="Web-{FFE397E9-C487-E6D3-4354-4F1EEBF7E254}" dt="2019-12-04T03:03:51.315" v="348"/>
+          <ac:picMkLst>
+            <pc:docMk/>
+            <pc:sldMk cId="1826252599" sldId="267"/>
+            <ac:picMk id="8" creationId="{342F992F-4121-4393-B0BD-9F9D14A62FBA}"/>
+          </ac:picMkLst>
+        </pc:picChg>
+      </pc:sldChg>
+      <pc:sldChg chg="modSp add del replId">
+        <pc:chgData name="Palmer, Richard" userId="S::richardp@smu.edu::43400b70-1035-4110-bc72-99ab0b2feca9" providerId="AD" clId="Web-{FFE397E9-C487-E6D3-4354-4F1EEBF7E254}" dt="2019-12-04T04:16:05.231" v="1170"/>
+        <pc:sldMkLst>
+          <pc:docMk/>
+          <pc:sldMk cId="582949951" sldId="268"/>
+        </pc:sldMkLst>
+        <pc:spChg chg="mod">
+          <ac:chgData name="Palmer, Richard" userId="S::richardp@smu.edu::43400b70-1035-4110-bc72-99ab0b2feca9" providerId="AD" clId="Web-{FFE397E9-C487-E6D3-4354-4F1EEBF7E254}" dt="2019-12-04T04:13:27.793" v="1073" actId="20577"/>
+          <ac:spMkLst>
+            <pc:docMk/>
+            <pc:sldMk cId="582949951" sldId="268"/>
+            <ac:spMk id="4" creationId="{39D6E491-8AB9-4735-BB7A-478DEA934D89}"/>
+          </ac:spMkLst>
+        </pc:spChg>
+        <pc:spChg chg="mod">
+          <ac:chgData name="Palmer, Richard" userId="S::richardp@smu.edu::43400b70-1035-4110-bc72-99ab0b2feca9" providerId="AD" clId="Web-{FFE397E9-C487-E6D3-4354-4F1EEBF7E254}" dt="2019-12-04T04:14:11.355" v="1123" actId="14100"/>
+          <ac:spMkLst>
+            <pc:docMk/>
+            <pc:sldMk cId="582949951" sldId="268"/>
+            <ac:spMk id="5" creationId="{5639DECA-7879-4378-BA3B-2F8643D2AADA}"/>
+          </ac:spMkLst>
+        </pc:spChg>
+        <pc:spChg chg="mod">
+          <ac:chgData name="Palmer, Richard" userId="S::richardp@smu.edu::43400b70-1035-4110-bc72-99ab0b2feca9" providerId="AD" clId="Web-{FFE397E9-C487-E6D3-4354-4F1EEBF7E254}" dt="2019-12-04T04:13:43.949" v="1080" actId="20577"/>
+          <ac:spMkLst>
+            <pc:docMk/>
+            <pc:sldMk cId="582949951" sldId="268"/>
+            <ac:spMk id="6" creationId="{6C7A67AB-A53C-443F-9553-03D9808CE209}"/>
+          </ac:spMkLst>
+        </pc:spChg>
+        <pc:spChg chg="mod">
+          <ac:chgData name="Palmer, Richard" userId="S::richardp@smu.edu::43400b70-1035-4110-bc72-99ab0b2feca9" providerId="AD" clId="Web-{FFE397E9-C487-E6D3-4354-4F1EEBF7E254}" dt="2019-12-04T04:14:35.856" v="1134" actId="1076"/>
+          <ac:spMkLst>
+            <pc:docMk/>
+            <pc:sldMk cId="582949951" sldId="268"/>
+            <ac:spMk id="7" creationId="{49CA7528-27E6-434B-AF2A-D857D0091E6B}"/>
+          </ac:spMkLst>
+        </pc:spChg>
+      </pc:sldChg>
+      <pc:sldChg chg="addSp modSp add replId">
+        <pc:chgData name="Palmer, Richard" userId="S::richardp@smu.edu::43400b70-1035-4110-bc72-99ab0b2feca9" providerId="AD" clId="Web-{FFE397E9-C487-E6D3-4354-4F1EEBF7E254}" dt="2019-12-04T04:18:47.637" v="1192" actId="14100"/>
+        <pc:sldMkLst>
+          <pc:docMk/>
+          <pc:sldMk cId="2546712907" sldId="268"/>
+        </pc:sldMkLst>
+        <pc:spChg chg="mod">
+          <ac:chgData name="Palmer, Richard" userId="S::richardp@smu.edu::43400b70-1035-4110-bc72-99ab0b2feca9" providerId="AD" clId="Web-{FFE397E9-C487-E6D3-4354-4F1EEBF7E254}" dt="2019-12-04T04:16:50.278" v="1181" actId="20577"/>
+          <ac:spMkLst>
+            <pc:docMk/>
+            <pc:sldMk cId="2546712907" sldId="268"/>
+            <ac:spMk id="6" creationId="{11658270-D567-48C1-B143-386A65F06115}"/>
+          </ac:spMkLst>
+        </pc:spChg>
+        <pc:picChg chg="add mod">
+          <ac:chgData name="Palmer, Richard" userId="S::richardp@smu.edu::43400b70-1035-4110-bc72-99ab0b2feca9" providerId="AD" clId="Web-{FFE397E9-C487-E6D3-4354-4F1EEBF7E254}" dt="2019-12-04T04:18:05.747" v="1186" actId="1076"/>
+          <ac:picMkLst>
+            <pc:docMk/>
+            <pc:sldMk cId="2546712907" sldId="268"/>
+            <ac:picMk id="2" creationId="{3F774206-8E3E-4FDD-A3F8-50BED1DE620B}"/>
+          </ac:picMkLst>
+        </pc:picChg>
+        <pc:picChg chg="add mod">
+          <ac:chgData name="Palmer, Richard" userId="S::richardp@smu.edu::43400b70-1035-4110-bc72-99ab0b2feca9" providerId="AD" clId="Web-{FFE397E9-C487-E6D3-4354-4F1EEBF7E254}" dt="2019-12-04T04:18:07.434" v="1187" actId="1076"/>
+          <ac:picMkLst>
+            <pc:docMk/>
+            <pc:sldMk cId="2546712907" sldId="268"/>
+            <ac:picMk id="4" creationId="{FB773202-1D02-429D-AA1C-C3DA5084414F}"/>
+          </ac:picMkLst>
+        </pc:picChg>
+        <pc:picChg chg="add mod">
+          <ac:chgData name="Palmer, Richard" userId="S::richardp@smu.edu::43400b70-1035-4110-bc72-99ab0b2feca9" providerId="AD" clId="Web-{FFE397E9-C487-E6D3-4354-4F1EEBF7E254}" dt="2019-12-04T04:18:16.528" v="1189" actId="1076"/>
+          <ac:picMkLst>
+            <pc:docMk/>
+            <pc:sldMk cId="2546712907" sldId="268"/>
+            <ac:picMk id="7" creationId="{C51D8B3C-998B-4808-AD5B-09BD4D680204}"/>
+          </ac:picMkLst>
+        </pc:picChg>
+        <pc:picChg chg="add mod">
+          <ac:chgData name="Palmer, Richard" userId="S::richardp@smu.edu::43400b70-1035-4110-bc72-99ab0b2feca9" providerId="AD" clId="Web-{FFE397E9-C487-E6D3-4354-4F1EEBF7E254}" dt="2019-12-04T04:18:47.637" v="1192" actId="14100"/>
+          <ac:picMkLst>
+            <pc:docMk/>
+            <pc:sldMk cId="2546712907" sldId="268"/>
+            <ac:picMk id="9" creationId="{54CF6BAC-B09E-4FD2-BD47-10792E373A0A}"/>
+          </ac:picMkLst>
+        </pc:picChg>
+      </pc:sldChg>
+      <pc:sldChg chg="addSp delSp modSp add replId">
+        <pc:chgData name="Palmer, Richard" userId="S::richardp@smu.edu::43400b70-1035-4110-bc72-99ab0b2feca9" providerId="AD" clId="Web-{FFE397E9-C487-E6D3-4354-4F1EEBF7E254}" dt="2019-12-04T04:22:56.297" v="1229" actId="1076"/>
+        <pc:sldMkLst>
+          <pc:docMk/>
+          <pc:sldMk cId="2958660219" sldId="269"/>
+        </pc:sldMkLst>
+        <pc:spChg chg="mod">
+          <ac:chgData name="Palmer, Richard" userId="S::richardp@smu.edu::43400b70-1035-4110-bc72-99ab0b2feca9" providerId="AD" clId="Web-{FFE397E9-C487-E6D3-4354-4F1EEBF7E254}" dt="2019-12-04T04:20:14.747" v="1207" actId="20577"/>
+          <ac:spMkLst>
+            <pc:docMk/>
+            <pc:sldMk cId="2958660219" sldId="269"/>
+            <ac:spMk id="6" creationId="{11658270-D567-48C1-B143-386A65F06115}"/>
+          </ac:spMkLst>
+        </pc:spChg>
+        <pc:picChg chg="del">
+          <ac:chgData name="Palmer, Richard" userId="S::richardp@smu.edu::43400b70-1035-4110-bc72-99ab0b2feca9" providerId="AD" clId="Web-{FFE397E9-C487-E6D3-4354-4F1EEBF7E254}" dt="2019-12-04T04:20:18.528" v="1209"/>
+          <ac:picMkLst>
+            <pc:docMk/>
+            <pc:sldMk cId="2958660219" sldId="269"/>
+            <ac:picMk id="2" creationId="{3F774206-8E3E-4FDD-A3F8-50BED1DE620B}"/>
+          </ac:picMkLst>
+        </pc:picChg>
+        <pc:picChg chg="add mod">
+          <ac:chgData name="Palmer, Richard" userId="S::richardp@smu.edu::43400b70-1035-4110-bc72-99ab0b2feca9" providerId="AD" clId="Web-{FFE397E9-C487-E6D3-4354-4F1EEBF7E254}" dt="2019-12-04T04:22:50.500" v="1228" actId="14100"/>
+          <ac:picMkLst>
+            <pc:docMk/>
+            <pc:sldMk cId="2958660219" sldId="269"/>
+            <ac:picMk id="3" creationId="{4AE0200E-D1FC-46AF-A6E7-82DF101F98DE}"/>
+          </ac:picMkLst>
+        </pc:picChg>
+        <pc:picChg chg="del">
+          <ac:chgData name="Palmer, Richard" userId="S::richardp@smu.edu::43400b70-1035-4110-bc72-99ab0b2feca9" providerId="AD" clId="Web-{FFE397E9-C487-E6D3-4354-4F1EEBF7E254}" dt="2019-12-04T04:20:19.169" v="1210"/>
+          <ac:picMkLst>
+            <pc:docMk/>
+            <pc:sldMk cId="2958660219" sldId="269"/>
+            <ac:picMk id="4" creationId="{FB773202-1D02-429D-AA1C-C3DA5084414F}"/>
+          </ac:picMkLst>
+        </pc:picChg>
+        <pc:picChg chg="del">
+          <ac:chgData name="Palmer, Richard" userId="S::richardp@smu.edu::43400b70-1035-4110-bc72-99ab0b2feca9" providerId="AD" clId="Web-{FFE397E9-C487-E6D3-4354-4F1EEBF7E254}" dt="2019-12-04T04:20:20.309" v="1211"/>
+          <ac:picMkLst>
+            <pc:docMk/>
+            <pc:sldMk cId="2958660219" sldId="269"/>
+            <ac:picMk id="7" creationId="{C51D8B3C-998B-4808-AD5B-09BD4D680204}"/>
+          </ac:picMkLst>
+        </pc:picChg>
+        <pc:picChg chg="add mod">
+          <ac:chgData name="Palmer, Richard" userId="S::richardp@smu.edu::43400b70-1035-4110-bc72-99ab0b2feca9" providerId="AD" clId="Web-{FFE397E9-C487-E6D3-4354-4F1EEBF7E254}" dt="2019-12-04T04:20:45.794" v="1215" actId="1076"/>
+          <ac:picMkLst>
+            <pc:docMk/>
+            <pc:sldMk cId="2958660219" sldId="269"/>
+            <ac:picMk id="8" creationId="{A5FDB890-B63F-4D90-A4B9-80DDE7CA0DAB}"/>
+          </ac:picMkLst>
+        </pc:picChg>
+        <pc:picChg chg="del">
+          <ac:chgData name="Palmer, Richard" userId="S::richardp@smu.edu::43400b70-1035-4110-bc72-99ab0b2feca9" providerId="AD" clId="Web-{FFE397E9-C487-E6D3-4354-4F1EEBF7E254}" dt="2019-12-04T04:20:16.575" v="1208"/>
+          <ac:picMkLst>
+            <pc:docMk/>
+            <pc:sldMk cId="2958660219" sldId="269"/>
+            <ac:picMk id="9" creationId="{54CF6BAC-B09E-4FD2-BD47-10792E373A0A}"/>
+          </ac:picMkLst>
+        </pc:picChg>
+        <pc:picChg chg="add mod">
+          <ac:chgData name="Palmer, Richard" userId="S::richardp@smu.edu::43400b70-1035-4110-bc72-99ab0b2feca9" providerId="AD" clId="Web-{FFE397E9-C487-E6D3-4354-4F1EEBF7E254}" dt="2019-12-04T04:21:06.937" v="1220" actId="1076"/>
+          <ac:picMkLst>
+            <pc:docMk/>
+            <pc:sldMk cId="2958660219" sldId="269"/>
+            <ac:picMk id="11" creationId="{7666F415-1191-418E-BC4D-FE2F2658C1EB}"/>
+          </ac:picMkLst>
+        </pc:picChg>
+        <pc:picChg chg="add mod">
+          <ac:chgData name="Palmer, Richard" userId="S::richardp@smu.edu::43400b70-1035-4110-bc72-99ab0b2feca9" providerId="AD" clId="Web-{FFE397E9-C487-E6D3-4354-4F1EEBF7E254}" dt="2019-12-04T04:22:56.297" v="1229" actId="1076"/>
+          <ac:picMkLst>
+            <pc:docMk/>
+            <pc:sldMk cId="2958660219" sldId="269"/>
+            <ac:picMk id="13" creationId="{8C305995-89EE-40D1-9C00-5CD04D8F62DE}"/>
+          </ac:picMkLst>
+        </pc:picChg>
+      </pc:sldChg>
+      <pc:sldChg chg="addSp delSp modSp add replId">
+        <pc:chgData name="Palmer, Richard" userId="S::richardp@smu.edu::43400b70-1035-4110-bc72-99ab0b2feca9" providerId="AD" clId="Web-{FFE397E9-C487-E6D3-4354-4F1EEBF7E254}" dt="2019-12-04T04:25:14.689" v="1238" actId="1076"/>
+        <pc:sldMkLst>
+          <pc:docMk/>
+          <pc:sldMk cId="2039184488" sldId="270"/>
+        </pc:sldMkLst>
+        <pc:spChg chg="mod">
+          <ac:chgData name="Palmer, Richard" userId="S::richardp@smu.edu::43400b70-1035-4110-bc72-99ab0b2feca9" providerId="AD" clId="Web-{FFE397E9-C487-E6D3-4354-4F1EEBF7E254}" dt="2019-12-04T04:22:23.219" v="1221" actId="20577"/>
+          <ac:spMkLst>
+            <pc:docMk/>
+            <pc:sldMk cId="2039184488" sldId="270"/>
+            <ac:spMk id="6" creationId="{11658270-D567-48C1-B143-386A65F06115}"/>
+          </ac:spMkLst>
+        </pc:spChg>
+        <pc:picChg chg="del">
+          <ac:chgData name="Palmer, Richard" userId="S::richardp@smu.edu::43400b70-1035-4110-bc72-99ab0b2feca9" providerId="AD" clId="Web-{FFE397E9-C487-E6D3-4354-4F1EEBF7E254}" dt="2019-12-04T04:22:27.110" v="1223"/>
+          <ac:picMkLst>
+            <pc:docMk/>
+            <pc:sldMk cId="2039184488" sldId="270"/>
+            <ac:picMk id="2" creationId="{3F774206-8E3E-4FDD-A3F8-50BED1DE620B}"/>
+          </ac:picMkLst>
+        </pc:picChg>
+        <pc:picChg chg="add mod">
+          <ac:chgData name="Palmer, Richard" userId="S::richardp@smu.edu::43400b70-1035-4110-bc72-99ab0b2feca9" providerId="AD" clId="Web-{FFE397E9-C487-E6D3-4354-4F1EEBF7E254}" dt="2019-12-04T04:23:47.861" v="1232" actId="14100"/>
+          <ac:picMkLst>
+            <pc:docMk/>
+            <pc:sldMk cId="2039184488" sldId="270"/>
+            <ac:picMk id="3" creationId="{344F6E6A-EA03-4D70-AAE6-E42A0171418F}"/>
+          </ac:picMkLst>
+        </pc:picChg>
+        <pc:picChg chg="del">
+          <ac:chgData name="Palmer, Richard" userId="S::richardp@smu.edu::43400b70-1035-4110-bc72-99ab0b2feca9" providerId="AD" clId="Web-{FFE397E9-C487-E6D3-4354-4F1EEBF7E254}" dt="2019-12-04T04:22:27.891" v="1224"/>
+          <ac:picMkLst>
+            <pc:docMk/>
+            <pc:sldMk cId="2039184488" sldId="270"/>
+            <ac:picMk id="4" creationId="{FB773202-1D02-429D-AA1C-C3DA5084414F}"/>
+          </ac:picMkLst>
+        </pc:picChg>
+        <pc:picChg chg="del">
+          <ac:chgData name="Palmer, Richard" userId="S::richardp@smu.edu::43400b70-1035-4110-bc72-99ab0b2feca9" providerId="AD" clId="Web-{FFE397E9-C487-E6D3-4354-4F1EEBF7E254}" dt="2019-12-04T04:22:28.625" v="1225"/>
+          <ac:picMkLst>
+            <pc:docMk/>
+            <pc:sldMk cId="2039184488" sldId="270"/>
+            <ac:picMk id="7" creationId="{C51D8B3C-998B-4808-AD5B-09BD4D680204}"/>
+          </ac:picMkLst>
+        </pc:picChg>
+        <pc:picChg chg="add mod">
+          <ac:chgData name="Palmer, Richard" userId="S::richardp@smu.edu::43400b70-1035-4110-bc72-99ab0b2feca9" providerId="AD" clId="Web-{FFE397E9-C487-E6D3-4354-4F1EEBF7E254}" dt="2019-12-04T04:25:00.752" v="1234" actId="1076"/>
+          <ac:picMkLst>
+            <pc:docMk/>
+            <pc:sldMk cId="2039184488" sldId="270"/>
+            <ac:picMk id="8" creationId="{B77BE2B2-93D3-4974-A1EC-3007A371610D}"/>
+          </ac:picMkLst>
+        </pc:picChg>
+        <pc:picChg chg="del">
+          <ac:chgData name="Palmer, Richard" userId="S::richardp@smu.edu::43400b70-1035-4110-bc72-99ab0b2feca9" providerId="AD" clId="Web-{FFE397E9-C487-E6D3-4354-4F1EEBF7E254}" dt="2019-12-04T04:22:26.219" v="1222"/>
+          <ac:picMkLst>
+            <pc:docMk/>
+            <pc:sldMk cId="2039184488" sldId="270"/>
+            <ac:picMk id="9" creationId="{54CF6BAC-B09E-4FD2-BD47-10792E373A0A}"/>
+          </ac:picMkLst>
+        </pc:picChg>
+        <pc:picChg chg="add mod">
+          <ac:chgData name="Palmer, Richard" userId="S::richardp@smu.edu::43400b70-1035-4110-bc72-99ab0b2feca9" providerId="AD" clId="Web-{FFE397E9-C487-E6D3-4354-4F1EEBF7E254}" dt="2019-12-04T04:25:06.502" v="1236" actId="1076"/>
+          <ac:picMkLst>
+            <pc:docMk/>
+            <pc:sldMk cId="2039184488" sldId="270"/>
+            <ac:picMk id="11" creationId="{07A34234-B83B-4F20-9C2E-A063EDD4BE51}"/>
+          </ac:picMkLst>
+        </pc:picChg>
+        <pc:picChg chg="add mod">
+          <ac:chgData name="Palmer, Richard" userId="S::richardp@smu.edu::43400b70-1035-4110-bc72-99ab0b2feca9" providerId="AD" clId="Web-{FFE397E9-C487-E6D3-4354-4F1EEBF7E254}" dt="2019-12-04T04:25:14.689" v="1238" actId="1076"/>
+          <ac:picMkLst>
+            <pc:docMk/>
+            <pc:sldMk cId="2039184488" sldId="270"/>
+            <ac:picMk id="13" creationId="{67D0F1DD-DF34-42B8-BB4A-E790370C85DA}"/>
+          </ac:picMkLst>
+        </pc:picChg>
+      </pc:sldChg>
+    </pc:docChg>
+  </pc:docChgLst>
   <pc:docChgLst>
     <pc:chgData name="Palmer, Richard" userId="S::richardp@smu.edu::43400b70-1035-4110-bc72-99ab0b2feca9" providerId="AD" clId="Web-{0B45A002-486E-7E7F-FB3F-1409AE707455}"/>
     <pc:docChg chg="addSld modSld">
@@ -455,6 +1155,357 @@
             <ac:spMk id="9" creationId="{FF9C90A7-458B-487A-8A37-F26B5CAABCAA}"/>
           </ac:spMkLst>
         </pc:spChg>
+      </pc:sldChg>
+    </pc:docChg>
+  </pc:docChgLst>
+  <pc:docChgLst>
+    <pc:chgData name="Palmer, Richard" userId="S::richardp@smu.edu::43400b70-1035-4110-bc72-99ab0b2feca9" providerId="AD" clId="Web-{DEA42B5C-91DD-F7DA-9CB1-8AF39E8313A6}"/>
+    <pc:docChg chg="addSld delSld modSld">
+      <pc:chgData name="Palmer, Richard" userId="S::richardp@smu.edu::43400b70-1035-4110-bc72-99ab0b2feca9" providerId="AD" clId="Web-{DEA42B5C-91DD-F7DA-9CB1-8AF39E8313A6}" dt="2019-12-05T02:20:26.388" v="636" actId="1076"/>
+      <pc:docMkLst>
+        <pc:docMk/>
+      </pc:docMkLst>
+      <pc:sldChg chg="addSp modSp">
+        <pc:chgData name="Palmer, Richard" userId="S::richardp@smu.edu::43400b70-1035-4110-bc72-99ab0b2feca9" providerId="AD" clId="Web-{DEA42B5C-91DD-F7DA-9CB1-8AF39E8313A6}" dt="2019-12-05T01:49:17.709" v="158" actId="20577"/>
+        <pc:sldMkLst>
+          <pc:docMk/>
+          <pc:sldMk cId="543934158" sldId="260"/>
+        </pc:sldMkLst>
+        <pc:spChg chg="add mod">
+          <ac:chgData name="Palmer, Richard" userId="S::richardp@smu.edu::43400b70-1035-4110-bc72-99ab0b2feca9" providerId="AD" clId="Web-{DEA42B5C-91DD-F7DA-9CB1-8AF39E8313A6}" dt="2019-12-05T01:49:17.709" v="158" actId="20577"/>
+          <ac:spMkLst>
+            <pc:docMk/>
+            <pc:sldMk cId="543934158" sldId="260"/>
+            <ac:spMk id="3" creationId="{21ECA876-F104-4563-BC9F-BBAF6B0C46B7}"/>
+          </ac:spMkLst>
+        </pc:spChg>
+      </pc:sldChg>
+      <pc:sldChg chg="addSp delSp del">
+        <pc:chgData name="Palmer, Richard" userId="S::richardp@smu.edu::43400b70-1035-4110-bc72-99ab0b2feca9" providerId="AD" clId="Web-{DEA42B5C-91DD-F7DA-9CB1-8AF39E8313A6}" dt="2019-12-05T02:11:48.157" v="332"/>
+        <pc:sldMkLst>
+          <pc:docMk/>
+          <pc:sldMk cId="1676086117" sldId="261"/>
+        </pc:sldMkLst>
+        <pc:picChg chg="add del">
+          <ac:chgData name="Palmer, Richard" userId="S::richardp@smu.edu::43400b70-1035-4110-bc72-99ab0b2feca9" providerId="AD" clId="Web-{DEA42B5C-91DD-F7DA-9CB1-8AF39E8313A6}" dt="2019-12-05T01:49:32.022" v="161"/>
+          <ac:picMkLst>
+            <pc:docMk/>
+            <pc:sldMk cId="1676086117" sldId="261"/>
+            <ac:picMk id="8" creationId="{342F992F-4121-4393-B0BD-9F9D14A62FBA}"/>
+          </ac:picMkLst>
+        </pc:picChg>
+      </pc:sldChg>
+      <pc:sldChg chg="modSp">
+        <pc:chgData name="Palmer, Richard" userId="S::richardp@smu.edu::43400b70-1035-4110-bc72-99ab0b2feca9" providerId="AD" clId="Web-{DEA42B5C-91DD-F7DA-9CB1-8AF39E8313A6}" dt="2019-12-05T01:41:12.206" v="65" actId="14100"/>
+        <pc:sldMkLst>
+          <pc:docMk/>
+          <pc:sldMk cId="2720238524" sldId="262"/>
+        </pc:sldMkLst>
+        <pc:picChg chg="mod">
+          <ac:chgData name="Palmer, Richard" userId="S::richardp@smu.edu::43400b70-1035-4110-bc72-99ab0b2feca9" providerId="AD" clId="Web-{DEA42B5C-91DD-F7DA-9CB1-8AF39E8313A6}" dt="2019-12-05T01:40:59.784" v="59" actId="1076"/>
+          <ac:picMkLst>
+            <pc:docMk/>
+            <pc:sldMk cId="2720238524" sldId="262"/>
+            <ac:picMk id="2" creationId="{ECE73D98-102F-4B7E-AA50-66DF8B754BF9}"/>
+          </ac:picMkLst>
+        </pc:picChg>
+        <pc:picChg chg="mod">
+          <ac:chgData name="Palmer, Richard" userId="S::richardp@smu.edu::43400b70-1035-4110-bc72-99ab0b2feca9" providerId="AD" clId="Web-{DEA42B5C-91DD-F7DA-9CB1-8AF39E8313A6}" dt="2019-12-05T01:41:03.674" v="61" actId="14100"/>
+          <ac:picMkLst>
+            <pc:docMk/>
+            <pc:sldMk cId="2720238524" sldId="262"/>
+            <ac:picMk id="4" creationId="{3A704620-9CB5-46BD-897D-8D008157CEAB}"/>
+          </ac:picMkLst>
+        </pc:picChg>
+        <pc:picChg chg="mod">
+          <ac:chgData name="Palmer, Richard" userId="S::richardp@smu.edu::43400b70-1035-4110-bc72-99ab0b2feca9" providerId="AD" clId="Web-{DEA42B5C-91DD-F7DA-9CB1-8AF39E8313A6}" dt="2019-12-05T01:41:07.174" v="63" actId="14100"/>
+          <ac:picMkLst>
+            <pc:docMk/>
+            <pc:sldMk cId="2720238524" sldId="262"/>
+            <ac:picMk id="7" creationId="{A2362BE0-23AD-4C99-8844-B0F88A3C60F3}"/>
+          </ac:picMkLst>
+        </pc:picChg>
+        <pc:picChg chg="mod">
+          <ac:chgData name="Palmer, Richard" userId="S::richardp@smu.edu::43400b70-1035-4110-bc72-99ab0b2feca9" providerId="AD" clId="Web-{DEA42B5C-91DD-F7DA-9CB1-8AF39E8313A6}" dt="2019-12-05T01:41:12.206" v="65" actId="14100"/>
+          <ac:picMkLst>
+            <pc:docMk/>
+            <pc:sldMk cId="2720238524" sldId="262"/>
+            <ac:picMk id="9" creationId="{5C710331-A695-474E-BFA1-F352BF566A54}"/>
+          </ac:picMkLst>
+        </pc:picChg>
+      </pc:sldChg>
+      <pc:sldChg chg="modSp">
+        <pc:chgData name="Palmer, Richard" userId="S::richardp@smu.edu::43400b70-1035-4110-bc72-99ab0b2feca9" providerId="AD" clId="Web-{DEA42B5C-91DD-F7DA-9CB1-8AF39E8313A6}" dt="2019-12-05T01:37:38.642" v="29" actId="1076"/>
+        <pc:sldMkLst>
+          <pc:docMk/>
+          <pc:sldMk cId="296933770" sldId="263"/>
+        </pc:sldMkLst>
+        <pc:picChg chg="mod">
+          <ac:chgData name="Palmer, Richard" userId="S::richardp@smu.edu::43400b70-1035-4110-bc72-99ab0b2feca9" providerId="AD" clId="Web-{DEA42B5C-91DD-F7DA-9CB1-8AF39E8313A6}" dt="2019-12-05T01:37:05.907" v="18" actId="14100"/>
+          <ac:picMkLst>
+            <pc:docMk/>
+            <pc:sldMk cId="296933770" sldId="263"/>
+            <ac:picMk id="4" creationId="{7259DB84-D22C-4E2D-AA0D-CC048D0FDAD8}"/>
+          </ac:picMkLst>
+        </pc:picChg>
+        <pc:picChg chg="mod">
+          <ac:chgData name="Palmer, Richard" userId="S::richardp@smu.edu::43400b70-1035-4110-bc72-99ab0b2feca9" providerId="AD" clId="Web-{DEA42B5C-91DD-F7DA-9CB1-8AF39E8313A6}" dt="2019-12-05T01:37:07.188" v="19" actId="1076"/>
+          <ac:picMkLst>
+            <pc:docMk/>
+            <pc:sldMk cId="296933770" sldId="263"/>
+            <ac:picMk id="6" creationId="{591CBAE3-4138-4B31-9120-0CF55DC0A44A}"/>
+          </ac:picMkLst>
+        </pc:picChg>
+        <pc:picChg chg="mod">
+          <ac:chgData name="Palmer, Richard" userId="S::richardp@smu.edu::43400b70-1035-4110-bc72-99ab0b2feca9" providerId="AD" clId="Web-{DEA42B5C-91DD-F7DA-9CB1-8AF39E8313A6}" dt="2019-12-05T01:36:57.782" v="16" actId="1076"/>
+          <ac:picMkLst>
+            <pc:docMk/>
+            <pc:sldMk cId="296933770" sldId="263"/>
+            <ac:picMk id="8" creationId="{5D95C45B-64C4-43CF-ADB1-CA685047CD7E}"/>
+          </ac:picMkLst>
+        </pc:picChg>
+        <pc:picChg chg="mod">
+          <ac:chgData name="Palmer, Richard" userId="S::richardp@smu.edu::43400b70-1035-4110-bc72-99ab0b2feca9" providerId="AD" clId="Web-{DEA42B5C-91DD-F7DA-9CB1-8AF39E8313A6}" dt="2019-12-05T01:37:38.642" v="29" actId="1076"/>
+          <ac:picMkLst>
+            <pc:docMk/>
+            <pc:sldMk cId="296933770" sldId="263"/>
+            <ac:picMk id="10" creationId="{DBD8F01C-32D4-4050-B6EB-05D244549DBD}"/>
+          </ac:picMkLst>
+        </pc:picChg>
+        <pc:picChg chg="mod">
+          <ac:chgData name="Palmer, Richard" userId="S::richardp@smu.edu::43400b70-1035-4110-bc72-99ab0b2feca9" providerId="AD" clId="Web-{DEA42B5C-91DD-F7DA-9CB1-8AF39E8313A6}" dt="2019-12-05T01:37:36.782" v="28" actId="1076"/>
+          <ac:picMkLst>
+            <pc:docMk/>
+            <pc:sldMk cId="296933770" sldId="263"/>
+            <ac:picMk id="12" creationId="{DC1FAF56-7DEC-4D0D-B41C-67FE395D09FF}"/>
+          </ac:picMkLst>
+        </pc:picChg>
+        <pc:picChg chg="mod">
+          <ac:chgData name="Palmer, Richard" userId="S::richardp@smu.edu::43400b70-1035-4110-bc72-99ab0b2feca9" providerId="AD" clId="Web-{DEA42B5C-91DD-F7DA-9CB1-8AF39E8313A6}" dt="2019-12-05T01:36:43.844" v="9" actId="14100"/>
+          <ac:picMkLst>
+            <pc:docMk/>
+            <pc:sldMk cId="296933770" sldId="263"/>
+            <ac:picMk id="14" creationId="{299B2439-9B58-4EA0-AE5B-F0343EC3A58C}"/>
+          </ac:picMkLst>
+        </pc:picChg>
+        <pc:picChg chg="mod">
+          <ac:chgData name="Palmer, Richard" userId="S::richardp@smu.edu::43400b70-1035-4110-bc72-99ab0b2feca9" providerId="AD" clId="Web-{DEA42B5C-91DD-F7DA-9CB1-8AF39E8313A6}" dt="2019-12-05T01:37:34.907" v="27" actId="1076"/>
+          <ac:picMkLst>
+            <pc:docMk/>
+            <pc:sldMk cId="296933770" sldId="263"/>
+            <ac:picMk id="16" creationId="{507D54C6-5097-4C85-8F03-BD1399D11DE3}"/>
+          </ac:picMkLst>
+        </pc:picChg>
+      </pc:sldChg>
+      <pc:sldChg chg="modSp">
+        <pc:chgData name="Palmer, Richard" userId="S::richardp@smu.edu::43400b70-1035-4110-bc72-99ab0b2feca9" providerId="AD" clId="Web-{DEA42B5C-91DD-F7DA-9CB1-8AF39E8313A6}" dt="2019-12-05T02:19:02.462" v="564" actId="20577"/>
+        <pc:sldMkLst>
+          <pc:docMk/>
+          <pc:sldMk cId="4259731772" sldId="264"/>
+        </pc:sldMkLst>
+        <pc:spChg chg="mod">
+          <ac:chgData name="Palmer, Richard" userId="S::richardp@smu.edu::43400b70-1035-4110-bc72-99ab0b2feca9" providerId="AD" clId="Web-{DEA42B5C-91DD-F7DA-9CB1-8AF39E8313A6}" dt="2019-12-05T02:19:02.462" v="564" actId="20577"/>
+          <ac:spMkLst>
+            <pc:docMk/>
+            <pc:sldMk cId="4259731772" sldId="264"/>
+            <ac:spMk id="3" creationId="{DF91C6DC-BC42-4557-970D-AB473BF53112}"/>
+          </ac:spMkLst>
+        </pc:spChg>
+      </pc:sldChg>
+      <pc:sldChg chg="addSp modSp">
+        <pc:chgData name="Palmer, Richard" userId="S::richardp@smu.edu::43400b70-1035-4110-bc72-99ab0b2feca9" providerId="AD" clId="Web-{DEA42B5C-91DD-F7DA-9CB1-8AF39E8313A6}" dt="2019-12-05T02:20:26.388" v="636" actId="1076"/>
+        <pc:sldMkLst>
+          <pc:docMk/>
+          <pc:sldMk cId="1826252599" sldId="267"/>
+        </pc:sldMkLst>
+        <pc:spChg chg="add mod">
+          <ac:chgData name="Palmer, Richard" userId="S::richardp@smu.edu::43400b70-1035-4110-bc72-99ab0b2feca9" providerId="AD" clId="Web-{DEA42B5C-91DD-F7DA-9CB1-8AF39E8313A6}" dt="2019-12-05T02:20:21.966" v="634" actId="14100"/>
+          <ac:spMkLst>
+            <pc:docMk/>
+            <pc:sldMk cId="1826252599" sldId="267"/>
+            <ac:spMk id="4" creationId="{6A6E15C9-C247-4700-ACBE-0C8024055763}"/>
+          </ac:spMkLst>
+        </pc:spChg>
+        <pc:graphicFrameChg chg="mod modGraphic">
+          <ac:chgData name="Palmer, Richard" userId="S::richardp@smu.edu::43400b70-1035-4110-bc72-99ab0b2feca9" providerId="AD" clId="Web-{DEA42B5C-91DD-F7DA-9CB1-8AF39E8313A6}" dt="2019-12-05T02:19:45.696" v="568" actId="1076"/>
+          <ac:graphicFrameMkLst>
+            <pc:docMk/>
+            <pc:sldMk cId="1826252599" sldId="267"/>
+            <ac:graphicFrameMk id="3" creationId="{C410FA3C-1D98-49EC-8652-5D51553F8E6F}"/>
+          </ac:graphicFrameMkLst>
+        </pc:graphicFrameChg>
+        <pc:graphicFrameChg chg="mod modGraphic">
+          <ac:chgData name="Palmer, Richard" userId="S::richardp@smu.edu::43400b70-1035-4110-bc72-99ab0b2feca9" providerId="AD" clId="Web-{DEA42B5C-91DD-F7DA-9CB1-8AF39E8313A6}" dt="2019-12-05T02:20:26.388" v="636" actId="1076"/>
+          <ac:graphicFrameMkLst>
+            <pc:docMk/>
+            <pc:sldMk cId="1826252599" sldId="267"/>
+            <ac:graphicFrameMk id="9" creationId="{798BB1FE-7880-4153-B40D-73D90260A66B}"/>
+          </ac:graphicFrameMkLst>
+        </pc:graphicFrameChg>
+      </pc:sldChg>
+      <pc:sldChg chg="modSp">
+        <pc:chgData name="Palmer, Richard" userId="S::richardp@smu.edu::43400b70-1035-4110-bc72-99ab0b2feca9" providerId="AD" clId="Web-{DEA42B5C-91DD-F7DA-9CB1-8AF39E8313A6}" dt="2019-12-05T01:40:52.565" v="58" actId="1076"/>
+        <pc:sldMkLst>
+          <pc:docMk/>
+          <pc:sldMk cId="2546712907" sldId="268"/>
+        </pc:sldMkLst>
+        <pc:picChg chg="mod">
+          <ac:chgData name="Palmer, Richard" userId="S::richardp@smu.edu::43400b70-1035-4110-bc72-99ab0b2feca9" providerId="AD" clId="Web-{DEA42B5C-91DD-F7DA-9CB1-8AF39E8313A6}" dt="2019-12-05T01:40:35.877" v="51" actId="14100"/>
+          <ac:picMkLst>
+            <pc:docMk/>
+            <pc:sldMk cId="2546712907" sldId="268"/>
+            <ac:picMk id="2" creationId="{3F774206-8E3E-4FDD-A3F8-50BED1DE620B}"/>
+          </ac:picMkLst>
+        </pc:picChg>
+        <pc:picChg chg="mod">
+          <ac:chgData name="Palmer, Richard" userId="S::richardp@smu.edu::43400b70-1035-4110-bc72-99ab0b2feca9" providerId="AD" clId="Web-{DEA42B5C-91DD-F7DA-9CB1-8AF39E8313A6}" dt="2019-12-05T01:40:52.565" v="58" actId="1076"/>
+          <ac:picMkLst>
+            <pc:docMk/>
+            <pc:sldMk cId="2546712907" sldId="268"/>
+            <ac:picMk id="4" creationId="{FB773202-1D02-429D-AA1C-C3DA5084414F}"/>
+          </ac:picMkLst>
+        </pc:picChg>
+        <pc:picChg chg="mod">
+          <ac:chgData name="Palmer, Richard" userId="S::richardp@smu.edu::43400b70-1035-4110-bc72-99ab0b2feca9" providerId="AD" clId="Web-{DEA42B5C-91DD-F7DA-9CB1-8AF39E8313A6}" dt="2019-12-05T01:40:51.081" v="57" actId="1076"/>
+          <ac:picMkLst>
+            <pc:docMk/>
+            <pc:sldMk cId="2546712907" sldId="268"/>
+            <ac:picMk id="7" creationId="{C51D8B3C-998B-4808-AD5B-09BD4D680204}"/>
+          </ac:picMkLst>
+        </pc:picChg>
+        <pc:picChg chg="mod">
+          <ac:chgData name="Palmer, Richard" userId="S::richardp@smu.edu::43400b70-1035-4110-bc72-99ab0b2feca9" providerId="AD" clId="Web-{DEA42B5C-91DD-F7DA-9CB1-8AF39E8313A6}" dt="2019-12-05T01:40:31.455" v="49" actId="1076"/>
+          <ac:picMkLst>
+            <pc:docMk/>
+            <pc:sldMk cId="2546712907" sldId="268"/>
+            <ac:picMk id="9" creationId="{54CF6BAC-B09E-4FD2-BD47-10792E373A0A}"/>
+          </ac:picMkLst>
+        </pc:picChg>
+      </pc:sldChg>
+      <pc:sldChg chg="modSp">
+        <pc:chgData name="Palmer, Richard" userId="S::richardp@smu.edu::43400b70-1035-4110-bc72-99ab0b2feca9" providerId="AD" clId="Web-{DEA42B5C-91DD-F7DA-9CB1-8AF39E8313A6}" dt="2019-12-05T01:40:23.315" v="48" actId="14100"/>
+        <pc:sldMkLst>
+          <pc:docMk/>
+          <pc:sldMk cId="2958660219" sldId="269"/>
+        </pc:sldMkLst>
+        <pc:picChg chg="mod">
+          <ac:chgData name="Palmer, Richard" userId="S::richardp@smu.edu::43400b70-1035-4110-bc72-99ab0b2feca9" providerId="AD" clId="Web-{DEA42B5C-91DD-F7DA-9CB1-8AF39E8313A6}" dt="2019-12-05T01:40:10.674" v="42" actId="1076"/>
+          <ac:picMkLst>
+            <pc:docMk/>
+            <pc:sldMk cId="2958660219" sldId="269"/>
+            <ac:picMk id="3" creationId="{4AE0200E-D1FC-46AF-A6E7-82DF101F98DE}"/>
+          </ac:picMkLst>
+        </pc:picChg>
+        <pc:picChg chg="mod">
+          <ac:chgData name="Palmer, Richard" userId="S::richardp@smu.edu::43400b70-1035-4110-bc72-99ab0b2feca9" providerId="AD" clId="Web-{DEA42B5C-91DD-F7DA-9CB1-8AF39E8313A6}" dt="2019-12-05T01:40:13.736" v="44" actId="14100"/>
+          <ac:picMkLst>
+            <pc:docMk/>
+            <pc:sldMk cId="2958660219" sldId="269"/>
+            <ac:picMk id="8" creationId="{A5FDB890-B63F-4D90-A4B9-80DDE7CA0DAB}"/>
+          </ac:picMkLst>
+        </pc:picChg>
+        <pc:picChg chg="mod">
+          <ac:chgData name="Palmer, Richard" userId="S::richardp@smu.edu::43400b70-1035-4110-bc72-99ab0b2feca9" providerId="AD" clId="Web-{DEA42B5C-91DD-F7DA-9CB1-8AF39E8313A6}" dt="2019-12-05T01:40:17.627" v="46" actId="14100"/>
+          <ac:picMkLst>
+            <pc:docMk/>
+            <pc:sldMk cId="2958660219" sldId="269"/>
+            <ac:picMk id="11" creationId="{7666F415-1191-418E-BC4D-FE2F2658C1EB}"/>
+          </ac:picMkLst>
+        </pc:picChg>
+        <pc:picChg chg="mod">
+          <ac:chgData name="Palmer, Richard" userId="S::richardp@smu.edu::43400b70-1035-4110-bc72-99ab0b2feca9" providerId="AD" clId="Web-{DEA42B5C-91DD-F7DA-9CB1-8AF39E8313A6}" dt="2019-12-05T01:40:23.315" v="48" actId="14100"/>
+          <ac:picMkLst>
+            <pc:docMk/>
+            <pc:sldMk cId="2958660219" sldId="269"/>
+            <ac:picMk id="13" creationId="{8C305995-89EE-40D1-9C00-5CD04D8F62DE}"/>
+          </ac:picMkLst>
+        </pc:picChg>
+      </pc:sldChg>
+      <pc:sldChg chg="modSp">
+        <pc:chgData name="Palmer, Richard" userId="S::richardp@smu.edu::43400b70-1035-4110-bc72-99ab0b2feca9" providerId="AD" clId="Web-{DEA42B5C-91DD-F7DA-9CB1-8AF39E8313A6}" dt="2019-12-05T01:40:06.471" v="41" actId="1076"/>
+        <pc:sldMkLst>
+          <pc:docMk/>
+          <pc:sldMk cId="2039184488" sldId="270"/>
+        </pc:sldMkLst>
+        <pc:picChg chg="mod">
+          <ac:chgData name="Palmer, Richard" userId="S::richardp@smu.edu::43400b70-1035-4110-bc72-99ab0b2feca9" providerId="AD" clId="Web-{DEA42B5C-91DD-F7DA-9CB1-8AF39E8313A6}" dt="2019-12-05T01:40:06.471" v="41" actId="1076"/>
+          <ac:picMkLst>
+            <pc:docMk/>
+            <pc:sldMk cId="2039184488" sldId="270"/>
+            <ac:picMk id="3" creationId="{344F6E6A-EA03-4D70-AAE6-E42A0171418F}"/>
+          </ac:picMkLst>
+        </pc:picChg>
+        <pc:picChg chg="mod">
+          <ac:chgData name="Palmer, Richard" userId="S::richardp@smu.edu::43400b70-1035-4110-bc72-99ab0b2feca9" providerId="AD" clId="Web-{DEA42B5C-91DD-F7DA-9CB1-8AF39E8313A6}" dt="2019-12-05T01:39:52.393" v="35" actId="14100"/>
+          <ac:picMkLst>
+            <pc:docMk/>
+            <pc:sldMk cId="2039184488" sldId="270"/>
+            <ac:picMk id="8" creationId="{B77BE2B2-93D3-4974-A1EC-3007A371610D}"/>
+          </ac:picMkLst>
+        </pc:picChg>
+        <pc:picChg chg="mod">
+          <ac:chgData name="Palmer, Richard" userId="S::richardp@smu.edu::43400b70-1035-4110-bc72-99ab0b2feca9" providerId="AD" clId="Web-{DEA42B5C-91DD-F7DA-9CB1-8AF39E8313A6}" dt="2019-12-05T01:39:58.065" v="38" actId="14100"/>
+          <ac:picMkLst>
+            <pc:docMk/>
+            <pc:sldMk cId="2039184488" sldId="270"/>
+            <ac:picMk id="11" creationId="{07A34234-B83B-4F20-9C2E-A063EDD4BE51}"/>
+          </ac:picMkLst>
+        </pc:picChg>
+        <pc:picChg chg="mod">
+          <ac:chgData name="Palmer, Richard" userId="S::richardp@smu.edu::43400b70-1035-4110-bc72-99ab0b2feca9" providerId="AD" clId="Web-{DEA42B5C-91DD-F7DA-9CB1-8AF39E8313A6}" dt="2019-12-05T01:40:03.393" v="40" actId="14100"/>
+          <ac:picMkLst>
+            <pc:docMk/>
+            <pc:sldMk cId="2039184488" sldId="270"/>
+            <ac:picMk id="13" creationId="{67D0F1DD-DF34-42B8-BB4A-E790370C85DA}"/>
+          </ac:picMkLst>
+        </pc:picChg>
+      </pc:sldChg>
+      <pc:sldChg chg="addSp delSp modSp add replId">
+        <pc:chgData name="Palmer, Richard" userId="S::richardp@smu.edu::43400b70-1035-4110-bc72-99ab0b2feca9" providerId="AD" clId="Web-{DEA42B5C-91DD-F7DA-9CB1-8AF39E8313A6}" dt="2019-12-05T02:11:32.313" v="331"/>
+        <pc:sldMkLst>
+          <pc:docMk/>
+          <pc:sldMk cId="1226730694" sldId="272"/>
+        </pc:sldMkLst>
+        <pc:spChg chg="mod">
+          <ac:chgData name="Palmer, Richard" userId="S::richardp@smu.edu::43400b70-1035-4110-bc72-99ab0b2feca9" providerId="AD" clId="Web-{DEA42B5C-91DD-F7DA-9CB1-8AF39E8313A6}" dt="2019-12-05T02:09:14.109" v="192" actId="1076"/>
+          <ac:spMkLst>
+            <pc:docMk/>
+            <pc:sldMk cId="1226730694" sldId="272"/>
+            <ac:spMk id="6" creationId="{009C17EA-14E6-4396-9E37-6227F9A5B2D9}"/>
+          </ac:spMkLst>
+        </pc:spChg>
+        <pc:graphicFrameChg chg="add del mod modGraphic">
+          <ac:chgData name="Palmer, Richard" userId="S::richardp@smu.edu::43400b70-1035-4110-bc72-99ab0b2feca9" providerId="AD" clId="Web-{DEA42B5C-91DD-F7DA-9CB1-8AF39E8313A6}" dt="2019-12-05T01:59:24.511" v="188"/>
+          <ac:graphicFrameMkLst>
+            <pc:docMk/>
+            <pc:sldMk cId="1226730694" sldId="272"/>
+            <ac:graphicFrameMk id="3" creationId="{819BD2CD-34ED-4E17-9DBC-CBC9596C10F8}"/>
+          </ac:graphicFrameMkLst>
+        </pc:graphicFrameChg>
+        <pc:graphicFrameChg chg="add mod modGraphic">
+          <ac:chgData name="Palmer, Richard" userId="S::richardp@smu.edu::43400b70-1035-4110-bc72-99ab0b2feca9" providerId="AD" clId="Web-{DEA42B5C-91DD-F7DA-9CB1-8AF39E8313A6}" dt="2019-12-05T02:11:32.313" v="331"/>
+          <ac:graphicFrameMkLst>
+            <pc:docMk/>
+            <pc:sldMk cId="1226730694" sldId="272"/>
+            <ac:graphicFrameMk id="10" creationId="{4909268A-F99F-4612-A54F-E7E99745906A}"/>
+          </ac:graphicFrameMkLst>
+        </pc:graphicFrameChg>
+        <pc:picChg chg="mod">
+          <ac:chgData name="Palmer, Richard" userId="S::richardp@smu.edu::43400b70-1035-4110-bc72-99ab0b2feca9" providerId="AD" clId="Web-{DEA42B5C-91DD-F7DA-9CB1-8AF39E8313A6}" dt="2019-12-05T02:09:10.734" v="191" actId="1076"/>
+          <ac:picMkLst>
+            <pc:docMk/>
+            <pc:sldMk cId="1226730694" sldId="272"/>
+            <ac:picMk id="4" creationId="{EECB5684-0F7D-4A6D-BEE7-CB9C6EE1A266}"/>
+          </ac:picMkLst>
+        </pc:picChg>
+        <pc:picChg chg="del">
+          <ac:chgData name="Palmer, Richard" userId="S::richardp@smu.edu::43400b70-1035-4110-bc72-99ab0b2feca9" providerId="AD" clId="Web-{DEA42B5C-91DD-F7DA-9CB1-8AF39E8313A6}" dt="2019-12-05T01:50:17.538" v="163"/>
+          <ac:picMkLst>
+            <pc:docMk/>
+            <pc:sldMk cId="1226730694" sldId="272"/>
+            <ac:picMk id="8" creationId="{342F992F-4121-4393-B0BD-9F9D14A62FBA}"/>
+          </ac:picMkLst>
+        </pc:picChg>
       </pc:sldChg>
     </pc:docChg>
   </pc:docChgLst>
@@ -1147,6 +2198,122 @@
           </pc:sldLayoutMkLst>
         </pc:sldLayoutChg>
       </pc:sldMasterChg>
+    </pc:docChg>
+  </pc:docChgLst>
+  <pc:docChgLst>
+    <pc:chgData name="Palmer, Richard" userId="S::richardp@smu.edu::43400b70-1035-4110-bc72-99ab0b2feca9" providerId="AD" clId="Web-{D55C5B8B-BF46-44B3-61F5-B3F921415970}"/>
+    <pc:docChg chg="addSld modSld">
+      <pc:chgData name="Palmer, Richard" userId="S::richardp@smu.edu::43400b70-1035-4110-bc72-99ab0b2feca9" providerId="AD" clId="Web-{D55C5B8B-BF46-44B3-61F5-B3F921415970}" dt="2019-12-05T01:35:39.690" v="493" actId="20577"/>
+      <pc:docMkLst>
+        <pc:docMk/>
+      </pc:docMkLst>
+      <pc:sldChg chg="modSp">
+        <pc:chgData name="Palmer, Richard" userId="S::richardp@smu.edu::43400b70-1035-4110-bc72-99ab0b2feca9" providerId="AD" clId="Web-{D55C5B8B-BF46-44B3-61F5-B3F921415970}" dt="2019-12-05T01:20:30.812" v="13" actId="20577"/>
+        <pc:sldMkLst>
+          <pc:docMk/>
+          <pc:sldMk cId="1174405010" sldId="256"/>
+        </pc:sldMkLst>
+        <pc:spChg chg="mod">
+          <ac:chgData name="Palmer, Richard" userId="S::richardp@smu.edu::43400b70-1035-4110-bc72-99ab0b2feca9" providerId="AD" clId="Web-{D55C5B8B-BF46-44B3-61F5-B3F921415970}" dt="2019-12-05T01:20:30.812" v="13" actId="20577"/>
+          <ac:spMkLst>
+            <pc:docMk/>
+            <pc:sldMk cId="1174405010" sldId="256"/>
+            <ac:spMk id="3" creationId="{C2605CF5-3F14-4641-B1F2-FBD2ED63F39E}"/>
+          </ac:spMkLst>
+        </pc:spChg>
+      </pc:sldChg>
+      <pc:sldChg chg="modSp">
+        <pc:chgData name="Palmer, Richard" userId="S::richardp@smu.edu::43400b70-1035-4110-bc72-99ab0b2feca9" providerId="AD" clId="Web-{D55C5B8B-BF46-44B3-61F5-B3F921415970}" dt="2019-12-05T01:31:11.297" v="245" actId="20577"/>
+        <pc:sldMkLst>
+          <pc:docMk/>
+          <pc:sldMk cId="571005782" sldId="257"/>
+        </pc:sldMkLst>
+        <pc:spChg chg="mod">
+          <ac:chgData name="Palmer, Richard" userId="S::richardp@smu.edu::43400b70-1035-4110-bc72-99ab0b2feca9" providerId="AD" clId="Web-{D55C5B8B-BF46-44B3-61F5-B3F921415970}" dt="2019-12-05T01:31:11.297" v="245" actId="20577"/>
+          <ac:spMkLst>
+            <pc:docMk/>
+            <pc:sldMk cId="571005782" sldId="257"/>
+            <ac:spMk id="3" creationId="{0F4EE506-20AE-41DD-9FAD-C8FB50BC6A9D}"/>
+          </ac:spMkLst>
+        </pc:spChg>
+      </pc:sldChg>
+      <pc:sldChg chg="modSp">
+        <pc:chgData name="Palmer, Richard" userId="S::richardp@smu.edu::43400b70-1035-4110-bc72-99ab0b2feca9" providerId="AD" clId="Web-{D55C5B8B-BF46-44B3-61F5-B3F921415970}" dt="2019-12-05T01:29:05.719" v="209" actId="20577"/>
+        <pc:sldMkLst>
+          <pc:docMk/>
+          <pc:sldMk cId="1660629260" sldId="258"/>
+        </pc:sldMkLst>
+        <pc:spChg chg="mod">
+          <ac:chgData name="Palmer, Richard" userId="S::richardp@smu.edu::43400b70-1035-4110-bc72-99ab0b2feca9" providerId="AD" clId="Web-{D55C5B8B-BF46-44B3-61F5-B3F921415970}" dt="2019-12-05T01:29:05.719" v="209" actId="20577"/>
+          <ac:spMkLst>
+            <pc:docMk/>
+            <pc:sldMk cId="1660629260" sldId="258"/>
+            <ac:spMk id="4" creationId="{E5AAAB72-4136-4F40-A245-237789039C9F}"/>
+          </ac:spMkLst>
+        </pc:spChg>
+      </pc:sldChg>
+      <pc:sldChg chg="modSp">
+        <pc:chgData name="Palmer, Richard" userId="S::richardp@smu.edu::43400b70-1035-4110-bc72-99ab0b2feca9" providerId="AD" clId="Web-{D55C5B8B-BF46-44B3-61F5-B3F921415970}" dt="2019-12-05T01:35:39.284" v="491" actId="20577"/>
+        <pc:sldMkLst>
+          <pc:docMk/>
+          <pc:sldMk cId="3606331855" sldId="266"/>
+        </pc:sldMkLst>
+        <pc:spChg chg="mod">
+          <ac:chgData name="Palmer, Richard" userId="S::richardp@smu.edu::43400b70-1035-4110-bc72-99ab0b2feca9" providerId="AD" clId="Web-{D55C5B8B-BF46-44B3-61F5-B3F921415970}" dt="2019-12-05T01:35:39.284" v="491" actId="20577"/>
+          <ac:spMkLst>
+            <pc:docMk/>
+            <pc:sldMk cId="3606331855" sldId="266"/>
+            <ac:spMk id="4" creationId="{E5AAAB72-4136-4F40-A245-237789039C9F}"/>
+          </ac:spMkLst>
+        </pc:spChg>
+        <pc:spChg chg="mod">
+          <ac:chgData name="Palmer, Richard" userId="S::richardp@smu.edu::43400b70-1035-4110-bc72-99ab0b2feca9" providerId="AD" clId="Web-{D55C5B8B-BF46-44B3-61F5-B3F921415970}" dt="2019-12-05T01:35:19.831" v="481" actId="20577"/>
+          <ac:spMkLst>
+            <pc:docMk/>
+            <pc:sldMk cId="3606331855" sldId="266"/>
+            <ac:spMk id="5" creationId="{EA3DFE9E-02ED-4757-B548-D65B4F464B9A}"/>
+          </ac:spMkLst>
+        </pc:spChg>
+        <pc:spChg chg="mod">
+          <ac:chgData name="Palmer, Richard" userId="S::richardp@smu.edu::43400b70-1035-4110-bc72-99ab0b2feca9" providerId="AD" clId="Web-{D55C5B8B-BF46-44B3-61F5-B3F921415970}" dt="2019-12-05T01:35:33.597" v="489" actId="20577"/>
+          <ac:spMkLst>
+            <pc:docMk/>
+            <pc:sldMk cId="3606331855" sldId="266"/>
+            <ac:spMk id="6" creationId="{3020A309-B46A-4B15-B15E-45FDA3CD3025}"/>
+          </ac:spMkLst>
+        </pc:spChg>
+        <pc:spChg chg="mod">
+          <ac:chgData name="Palmer, Richard" userId="S::richardp@smu.edu::43400b70-1035-4110-bc72-99ab0b2feca9" providerId="AD" clId="Web-{D55C5B8B-BF46-44B3-61F5-B3F921415970}" dt="2019-12-05T01:35:25.956" v="484" actId="20577"/>
+          <ac:spMkLst>
+            <pc:docMk/>
+            <pc:sldMk cId="3606331855" sldId="266"/>
+            <ac:spMk id="8" creationId="{A9DF3C34-73B1-4025-B827-F0E361D74310}"/>
+          </ac:spMkLst>
+        </pc:spChg>
+      </pc:sldChg>
+      <pc:sldChg chg="modSp add replId">
+        <pc:chgData name="Palmer, Richard" userId="S::richardp@smu.edu::43400b70-1035-4110-bc72-99ab0b2feca9" providerId="AD" clId="Web-{D55C5B8B-BF46-44B3-61F5-B3F921415970}" dt="2019-12-05T01:32:35.409" v="384" actId="20577"/>
+        <pc:sldMkLst>
+          <pc:docMk/>
+          <pc:sldMk cId="497441252" sldId="271"/>
+        </pc:sldMkLst>
+        <pc:spChg chg="mod">
+          <ac:chgData name="Palmer, Richard" userId="S::richardp@smu.edu::43400b70-1035-4110-bc72-99ab0b2feca9" providerId="AD" clId="Web-{D55C5B8B-BF46-44B3-61F5-B3F921415970}" dt="2019-12-05T01:26:41.094" v="138" actId="20577"/>
+          <ac:spMkLst>
+            <pc:docMk/>
+            <pc:sldMk cId="497441252" sldId="271"/>
+            <ac:spMk id="2" creationId="{EB991E55-071B-4799-BA07-82F8BC421AA5}"/>
+          </ac:spMkLst>
+        </pc:spChg>
+        <pc:spChg chg="mod">
+          <ac:chgData name="Palmer, Richard" userId="S::richardp@smu.edu::43400b70-1035-4110-bc72-99ab0b2feca9" providerId="AD" clId="Web-{D55C5B8B-BF46-44B3-61F5-B3F921415970}" dt="2019-12-05T01:32:35.409" v="384" actId="20577"/>
+          <ac:spMkLst>
+            <pc:docMk/>
+            <pc:sldMk cId="497441252" sldId="271"/>
+            <ac:spMk id="3" creationId="{0F4EE506-20AE-41DD-9FAD-C8FB50BC6A9D}"/>
+          </ac:spMkLst>
+        </pc:spChg>
+      </pc:sldChg>
     </pc:docChg>
   </pc:docChgLst>
 </pc:chgInfo>
@@ -1194,7 +2361,7 @@
           </a:lstStyle>
           <a:p>
             <a:r>
-              <a:rPr lang="en-US" dirty="0"/>
+              <a:rPr lang="en-US"/>
               <a:t>Click to edit Master title style</a:t>
             </a:r>
           </a:p>
@@ -1313,7 +2480,7 @@
           </a:lstStyle>
           <a:p>
             <a:r>
-              <a:rPr lang="en-US" dirty="0"/>
+              <a:rPr lang="en-US"/>
               <a:t>Click to edit Master subtitle style</a:t>
             </a:r>
           </a:p>
@@ -1336,9 +2503,9 @@
           <a:p>
             <a:fld id="{4AAD347D-5ACD-4C99-B74B-A9C85AD731AF}" type="datetimeFigureOut">
               <a:rPr lang="en-US" dirty="0"/>
-              <a:t>12/1/2019</a:t>
+              <a:t>12/4/2019</a:t>
             </a:fld>
-            <a:endParaRPr lang="en-US" dirty="0"/>
+            <a:endParaRPr lang="en-US"/>
           </a:p>
         </p:txBody>
       </p:sp>
@@ -1357,7 +2524,7 @@
           <a:bodyPr/>
           <a:lstStyle/>
           <a:p>
-            <a:endParaRPr lang="en-US" dirty="0"/>
+            <a:endParaRPr lang="en-US"/>
           </a:p>
         </p:txBody>
       </p:sp>
@@ -1380,7 +2547,7 @@
               <a:rPr lang="en-US" dirty="0"/>
               <a:t>‹#›</a:t>
             </a:fld>
-            <a:endParaRPr lang="en-US" dirty="0"/>
+            <a:endParaRPr lang="en-US"/>
           </a:p>
         </p:txBody>
       </p:sp>
@@ -1441,7 +2608,7 @@
           </a:lstStyle>
           <a:p>
             <a:r>
-              <a:rPr lang="en-US" dirty="0"/>
+              <a:rPr lang="en-US"/>
               <a:t>Click to edit Master title style</a:t>
             </a:r>
           </a:p>
@@ -1518,7 +2685,7 @@
             </a:lvl9pPr>
           </a:lstStyle>
           <a:p>
-            <a:endParaRPr lang="en-US" dirty="0"/>
+            <a:endParaRPr lang="en-US"/>
           </a:p>
         </p:txBody>
       </p:sp>
@@ -1583,7 +2750,7 @@
           <a:p>
             <a:pPr lvl="0"/>
             <a:r>
-              <a:rPr lang="en-US" dirty="0"/>
+              <a:rPr lang="en-US"/>
               <a:t>Click to edit Master text styles</a:t>
             </a:r>
           </a:p>
@@ -1606,9 +2773,9 @@
           <a:p>
             <a:fld id="{4509A250-FF31-4206-8172-F9D3106AACB1}" type="datetimeFigureOut">
               <a:rPr lang="en-US" dirty="0"/>
-              <a:t>12/1/2019</a:t>
+              <a:t>12/4/2019</a:t>
             </a:fld>
-            <a:endParaRPr lang="en-US" dirty="0"/>
+            <a:endParaRPr lang="en-US"/>
           </a:p>
         </p:txBody>
       </p:sp>
@@ -1627,7 +2794,7 @@
           <a:bodyPr/>
           <a:lstStyle/>
           <a:p>
-            <a:endParaRPr lang="en-US" dirty="0"/>
+            <a:endParaRPr lang="en-US"/>
           </a:p>
         </p:txBody>
       </p:sp>
@@ -1650,7 +2817,7 @@
               <a:rPr lang="en-US" dirty="0"/>
               <a:t>‹#›</a:t>
             </a:fld>
-            <a:endParaRPr lang="en-US" dirty="0"/>
+            <a:endParaRPr lang="en-US"/>
           </a:p>
         </p:txBody>
       </p:sp>
@@ -1709,7 +2876,7 @@
           </a:lstStyle>
           <a:p>
             <a:r>
-              <a:rPr lang="en-US" dirty="0"/>
+              <a:rPr lang="en-US"/>
               <a:t>Click to edit Master title style</a:t>
             </a:r>
           </a:p>
@@ -1776,7 +2943,7 @@
           <a:p>
             <a:pPr lvl="0"/>
             <a:r>
-              <a:rPr lang="en-US" dirty="0"/>
+              <a:rPr lang="en-US"/>
               <a:t>Click to edit Master text styles</a:t>
             </a:r>
           </a:p>
@@ -1799,9 +2966,9 @@
           <a:p>
             <a:fld id="{4509A250-FF31-4206-8172-F9D3106AACB1}" type="datetimeFigureOut">
               <a:rPr lang="en-US" dirty="0"/>
-              <a:t>12/1/2019</a:t>
+              <a:t>12/4/2019</a:t>
             </a:fld>
-            <a:endParaRPr lang="en-US" dirty="0"/>
+            <a:endParaRPr lang="en-US"/>
           </a:p>
         </p:txBody>
       </p:sp>
@@ -1820,7 +2987,7 @@
           <a:bodyPr/>
           <a:lstStyle/>
           <a:p>
-            <a:endParaRPr lang="en-US" dirty="0"/>
+            <a:endParaRPr lang="en-US"/>
           </a:p>
         </p:txBody>
       </p:sp>
@@ -1843,7 +3010,7 @@
               <a:rPr lang="en-US" dirty="0"/>
               <a:t>‹#›</a:t>
             </a:fld>
-            <a:endParaRPr lang="en-US" dirty="0"/>
+            <a:endParaRPr lang="en-US"/>
           </a:p>
         </p:txBody>
       </p:sp>
@@ -1902,7 +3069,7 @@
           </a:lstStyle>
           <a:p>
             <a:r>
-              <a:rPr lang="en-US" dirty="0"/>
+              <a:rPr lang="en-US"/>
               <a:t>Click to edit Master title style</a:t>
             </a:r>
           </a:p>
@@ -1981,7 +3148,7 @@
               <a:buNone/>
             </a:pPr>
             <a:r>
-              <a:rPr lang="en-US" dirty="0"/>
+              <a:rPr lang="en-US"/>
               <a:t>Click to edit Master text styles</a:t>
             </a:r>
           </a:p>
@@ -2048,7 +3215,7 @@
           <a:p>
             <a:pPr lvl="0"/>
             <a:r>
-              <a:rPr lang="en-US" dirty="0"/>
+              <a:rPr lang="en-US"/>
               <a:t>Click to edit Master text styles</a:t>
             </a:r>
           </a:p>
@@ -2071,9 +3238,9 @@
           <a:p>
             <a:fld id="{4509A250-FF31-4206-8172-F9D3106AACB1}" type="datetimeFigureOut">
               <a:rPr lang="en-US" dirty="0"/>
-              <a:t>12/1/2019</a:t>
+              <a:t>12/4/2019</a:t>
             </a:fld>
-            <a:endParaRPr lang="en-US" dirty="0"/>
+            <a:endParaRPr lang="en-US"/>
           </a:p>
         </p:txBody>
       </p:sp>
@@ -2092,7 +3259,7 @@
           <a:bodyPr/>
           <a:lstStyle/>
           <a:p>
-            <a:endParaRPr lang="en-US" dirty="0"/>
+            <a:endParaRPr lang="en-US"/>
           </a:p>
         </p:txBody>
       </p:sp>
@@ -2115,7 +3282,7 @@
               <a:rPr lang="en-US" dirty="0"/>
               <a:t>‹#›</a:t>
             </a:fld>
-            <a:endParaRPr lang="en-US" dirty="0"/>
+            <a:endParaRPr lang="en-US"/>
           </a:p>
         </p:txBody>
       </p:sp>
@@ -2160,7 +3327,7 @@
           <a:p>
             <a:pPr lvl="0"/>
             <a:r>
-              <a:rPr lang="en-US" dirty="0"/>
+              <a:rPr lang="en-US"/>
               <a:t>“</a:t>
             </a:r>
           </a:p>
@@ -2207,7 +3374,7 @@
           <a:p>
             <a:pPr lvl="0"/>
             <a:r>
-              <a:rPr lang="en-US" dirty="0"/>
+              <a:rPr lang="en-US"/>
               <a:t>”</a:t>
             </a:r>
           </a:p>
@@ -2268,7 +3435,7 @@
           </a:lstStyle>
           <a:p>
             <a:r>
-              <a:rPr lang="en-US" dirty="0"/>
+              <a:rPr lang="en-US"/>
               <a:t>Click to edit Master title style</a:t>
             </a:r>
           </a:p>
@@ -2388,7 +3555,7 @@
           <a:p>
             <a:pPr lvl="0"/>
             <a:r>
-              <a:rPr lang="en-US" dirty="0"/>
+              <a:rPr lang="en-US"/>
               <a:t>Click to edit Master text styles</a:t>
             </a:r>
           </a:p>
@@ -2411,9 +3578,9 @@
           <a:p>
             <a:fld id="{4509A250-FF31-4206-8172-F9D3106AACB1}" type="datetimeFigureOut">
               <a:rPr lang="en-US" dirty="0"/>
-              <a:t>12/1/2019</a:t>
+              <a:t>12/4/2019</a:t>
             </a:fld>
-            <a:endParaRPr lang="en-US" dirty="0"/>
+            <a:endParaRPr lang="en-US"/>
           </a:p>
         </p:txBody>
       </p:sp>
@@ -2432,7 +3599,7 @@
           <a:bodyPr/>
           <a:lstStyle/>
           <a:p>
-            <a:endParaRPr lang="en-US" dirty="0"/>
+            <a:endParaRPr lang="en-US"/>
           </a:p>
         </p:txBody>
       </p:sp>
@@ -2455,7 +3622,7 @@
               <a:rPr lang="en-US" dirty="0"/>
               <a:t>‹#›</a:t>
             </a:fld>
-            <a:endParaRPr lang="en-US" dirty="0"/>
+            <a:endParaRPr lang="en-US"/>
           </a:p>
         </p:txBody>
       </p:sp>
@@ -2509,7 +3676,7 @@
           </a:lstStyle>
           <a:p>
             <a:r>
-              <a:rPr lang="en-US" dirty="0"/>
+              <a:rPr lang="en-US"/>
               <a:t>Click to edit Master title style</a:t>
             </a:r>
           </a:p>
@@ -2583,7 +3750,7 @@
           <a:p>
             <a:pPr lvl="0"/>
             <a:r>
-              <a:rPr lang="en-US" dirty="0"/>
+              <a:rPr lang="en-US"/>
               <a:t>Click to edit Master text styles</a:t>
             </a:r>
           </a:p>
@@ -2650,7 +3817,7 @@
           <a:p>
             <a:pPr lvl="0"/>
             <a:r>
-              <a:rPr lang="en-US" dirty="0"/>
+              <a:rPr lang="en-US"/>
               <a:t>Click to edit Master text styles</a:t>
             </a:r>
           </a:p>
@@ -2724,7 +3891,7 @@
           <a:p>
             <a:pPr lvl="0"/>
             <a:r>
-              <a:rPr lang="en-US" dirty="0"/>
+              <a:rPr lang="en-US"/>
               <a:t>Click to edit Master text styles</a:t>
             </a:r>
           </a:p>
@@ -2791,7 +3958,7 @@
           <a:p>
             <a:pPr lvl="0"/>
             <a:r>
-              <a:rPr lang="en-US" dirty="0"/>
+              <a:rPr lang="en-US"/>
               <a:t>Click to edit Master text styles</a:t>
             </a:r>
           </a:p>
@@ -2865,7 +4032,7 @@
           <a:p>
             <a:pPr lvl="0"/>
             <a:r>
-              <a:rPr lang="en-US" dirty="0"/>
+              <a:rPr lang="en-US"/>
               <a:t>Click to edit Master text styles</a:t>
             </a:r>
           </a:p>
@@ -2932,7 +4099,7 @@
           <a:p>
             <a:pPr lvl="0"/>
             <a:r>
-              <a:rPr lang="en-US" dirty="0"/>
+              <a:rPr lang="en-US"/>
               <a:t>Click to edit Master text styles</a:t>
             </a:r>
           </a:p>
@@ -3033,9 +4200,9 @@
           <a:p>
             <a:fld id="{4509A250-FF31-4206-8172-F9D3106AACB1}" type="datetimeFigureOut">
               <a:rPr lang="en-US" dirty="0"/>
-              <a:t>12/1/2019</a:t>
+              <a:t>12/4/2019</a:t>
             </a:fld>
-            <a:endParaRPr lang="en-US" dirty="0"/>
+            <a:endParaRPr lang="en-US"/>
           </a:p>
         </p:txBody>
       </p:sp>
@@ -3054,7 +4221,7 @@
           <a:bodyPr/>
           <a:lstStyle/>
           <a:p>
-            <a:endParaRPr lang="en-US" dirty="0"/>
+            <a:endParaRPr lang="en-US"/>
           </a:p>
         </p:txBody>
       </p:sp>
@@ -3077,7 +4244,7 @@
               <a:rPr lang="en-US" dirty="0"/>
               <a:t>‹#›</a:t>
             </a:fld>
-            <a:endParaRPr lang="en-US" dirty="0"/>
+            <a:endParaRPr lang="en-US"/>
           </a:p>
         </p:txBody>
       </p:sp>
@@ -3131,7 +4298,7 @@
           </a:lstStyle>
           <a:p>
             <a:r>
-              <a:rPr lang="en-US" dirty="0"/>
+              <a:rPr lang="en-US"/>
               <a:t>Click to edit Master title style</a:t>
             </a:r>
           </a:p>
@@ -3205,7 +4372,7 @@
           <a:p>
             <a:pPr lvl="0"/>
             <a:r>
-              <a:rPr lang="en-US" dirty="0"/>
+              <a:rPr lang="en-US"/>
               <a:t>Click to edit Master text styles</a:t>
             </a:r>
           </a:p>
@@ -3282,7 +4449,7 @@
             </a:lvl9pPr>
           </a:lstStyle>
           <a:p>
-            <a:endParaRPr lang="en-US" dirty="0"/>
+            <a:endParaRPr lang="en-US"/>
           </a:p>
         </p:txBody>
       </p:sp>
@@ -3347,7 +4514,7 @@
           <a:p>
             <a:pPr lvl="0"/>
             <a:r>
-              <a:rPr lang="en-US" dirty="0"/>
+              <a:rPr lang="en-US"/>
               <a:t>Click to edit Master text styles</a:t>
             </a:r>
           </a:p>
@@ -3421,7 +4588,7 @@
           <a:p>
             <a:pPr lvl="0"/>
             <a:r>
-              <a:rPr lang="en-US" dirty="0"/>
+              <a:rPr lang="en-US"/>
               <a:t>Click to edit Master text styles</a:t>
             </a:r>
           </a:p>
@@ -3498,7 +4665,7 @@
             </a:lvl9pPr>
           </a:lstStyle>
           <a:p>
-            <a:endParaRPr lang="en-US" dirty="0"/>
+            <a:endParaRPr lang="en-US"/>
           </a:p>
         </p:txBody>
       </p:sp>
@@ -3563,7 +4730,7 @@
           <a:p>
             <a:pPr lvl="0"/>
             <a:r>
-              <a:rPr lang="en-US" dirty="0"/>
+              <a:rPr lang="en-US"/>
               <a:t>Click to edit Master text styles</a:t>
             </a:r>
           </a:p>
@@ -3637,7 +4804,7 @@
           <a:p>
             <a:pPr lvl="0"/>
             <a:r>
-              <a:rPr lang="en-US" dirty="0"/>
+              <a:rPr lang="en-US"/>
               <a:t>Click to edit Master text styles</a:t>
             </a:r>
           </a:p>
@@ -3714,7 +4881,7 @@
             </a:lvl9pPr>
           </a:lstStyle>
           <a:p>
-            <a:endParaRPr lang="en-US" dirty="0"/>
+            <a:endParaRPr lang="en-US"/>
           </a:p>
         </p:txBody>
       </p:sp>
@@ -3779,7 +4946,7 @@
           <a:p>
             <a:pPr lvl="0"/>
             <a:r>
-              <a:rPr lang="en-US" dirty="0"/>
+              <a:rPr lang="en-US"/>
               <a:t>Click to edit Master text styles</a:t>
             </a:r>
           </a:p>
@@ -3880,9 +5047,9 @@
           <a:p>
             <a:fld id="{4509A250-FF31-4206-8172-F9D3106AACB1}" type="datetimeFigureOut">
               <a:rPr lang="en-US" dirty="0"/>
-              <a:t>12/1/2019</a:t>
+              <a:t>12/4/2019</a:t>
             </a:fld>
-            <a:endParaRPr lang="en-US" dirty="0"/>
+            <a:endParaRPr lang="en-US"/>
           </a:p>
         </p:txBody>
       </p:sp>
@@ -3901,7 +5068,7 @@
           <a:bodyPr/>
           <a:lstStyle/>
           <a:p>
-            <a:endParaRPr lang="en-US" dirty="0"/>
+            <a:endParaRPr lang="en-US"/>
           </a:p>
         </p:txBody>
       </p:sp>
@@ -3924,7 +5091,7 @@
               <a:rPr lang="en-US" dirty="0"/>
               <a:t>‹#›</a:t>
             </a:fld>
-            <a:endParaRPr lang="en-US" dirty="0"/>
+            <a:endParaRPr lang="en-US"/>
           </a:p>
         </p:txBody>
       </p:sp>
@@ -3974,7 +5141,7 @@
           <a:lstStyle/>
           <a:p>
             <a:r>
-              <a:rPr lang="en-US" dirty="0"/>
+              <a:rPr lang="en-US"/>
               <a:t>Click to edit Master title style</a:t>
             </a:r>
           </a:p>
@@ -3997,35 +5164,35 @@
           <a:p>
             <a:pPr lvl="0"/>
             <a:r>
-              <a:rPr lang="en-US" dirty="0"/>
+              <a:rPr lang="en-US"/>
               <a:t>Click to edit Master text styles</a:t>
             </a:r>
           </a:p>
           <a:p>
             <a:pPr lvl="1"/>
             <a:r>
-              <a:rPr lang="en-US" dirty="0"/>
+              <a:rPr lang="en-US"/>
               <a:t>Second level</a:t>
             </a:r>
           </a:p>
           <a:p>
             <a:pPr lvl="2"/>
             <a:r>
-              <a:rPr lang="en-US" dirty="0"/>
+              <a:rPr lang="en-US"/>
               <a:t>Third level</a:t>
             </a:r>
           </a:p>
           <a:p>
             <a:pPr lvl="3"/>
             <a:r>
-              <a:rPr lang="en-US" dirty="0"/>
+              <a:rPr lang="en-US"/>
               <a:t>Fourth level</a:t>
             </a:r>
           </a:p>
           <a:p>
             <a:pPr lvl="4"/>
             <a:r>
-              <a:rPr lang="en-US" dirty="0"/>
+              <a:rPr lang="en-US"/>
               <a:t>Fifth level</a:t>
             </a:r>
           </a:p>
@@ -4048,9 +5215,9 @@
           <a:p>
             <a:fld id="{4509A250-FF31-4206-8172-F9D3106AACB1}" type="datetimeFigureOut">
               <a:rPr lang="en-US" dirty="0"/>
-              <a:t>12/1/2019</a:t>
+              <a:t>12/4/2019</a:t>
             </a:fld>
-            <a:endParaRPr lang="en-US" dirty="0"/>
+            <a:endParaRPr lang="en-US"/>
           </a:p>
         </p:txBody>
       </p:sp>
@@ -4069,7 +5236,7 @@
           <a:bodyPr/>
           <a:lstStyle/>
           <a:p>
-            <a:endParaRPr lang="en-US" dirty="0"/>
+            <a:endParaRPr lang="en-US"/>
           </a:p>
         </p:txBody>
       </p:sp>
@@ -4092,7 +5259,7 @@
               <a:rPr lang="en-US" dirty="0"/>
               <a:t>‹#›</a:t>
             </a:fld>
-            <a:endParaRPr lang="en-US" dirty="0"/>
+            <a:endParaRPr lang="en-US"/>
           </a:p>
         </p:txBody>
       </p:sp>
@@ -4147,7 +5314,7 @@
           <a:lstStyle/>
           <a:p>
             <a:r>
-              <a:rPr lang="en-US" dirty="0"/>
+              <a:rPr lang="en-US"/>
               <a:t>Click to edit Master title style</a:t>
             </a:r>
           </a:p>
@@ -4175,35 +5342,35 @@
           <a:p>
             <a:pPr lvl="0"/>
             <a:r>
-              <a:rPr lang="en-US" dirty="0"/>
+              <a:rPr lang="en-US"/>
               <a:t>Click to edit Master text styles</a:t>
             </a:r>
           </a:p>
           <a:p>
             <a:pPr lvl="1"/>
             <a:r>
-              <a:rPr lang="en-US" dirty="0"/>
+              <a:rPr lang="en-US"/>
               <a:t>Second level</a:t>
             </a:r>
           </a:p>
           <a:p>
             <a:pPr lvl="2"/>
             <a:r>
-              <a:rPr lang="en-US" dirty="0"/>
+              <a:rPr lang="en-US"/>
               <a:t>Third level</a:t>
             </a:r>
           </a:p>
           <a:p>
             <a:pPr lvl="3"/>
             <a:r>
-              <a:rPr lang="en-US" dirty="0"/>
+              <a:rPr lang="en-US"/>
               <a:t>Fourth level</a:t>
             </a:r>
           </a:p>
           <a:p>
             <a:pPr lvl="4"/>
             <a:r>
-              <a:rPr lang="en-US" dirty="0"/>
+              <a:rPr lang="en-US"/>
               <a:t>Fifth level</a:t>
             </a:r>
           </a:p>
@@ -4226,9 +5393,9 @@
           <a:p>
             <a:fld id="{4509A250-FF31-4206-8172-F9D3106AACB1}" type="datetimeFigureOut">
               <a:rPr lang="en-US" dirty="0"/>
-              <a:t>12/1/2019</a:t>
+              <a:t>12/4/2019</a:t>
             </a:fld>
-            <a:endParaRPr lang="en-US" dirty="0"/>
+            <a:endParaRPr lang="en-US"/>
           </a:p>
         </p:txBody>
       </p:sp>
@@ -4247,7 +5414,7 @@
           <a:bodyPr/>
           <a:lstStyle/>
           <a:p>
-            <a:endParaRPr lang="en-US" dirty="0"/>
+            <a:endParaRPr lang="en-US"/>
           </a:p>
         </p:txBody>
       </p:sp>
@@ -4270,7 +5437,7 @@
               <a:rPr lang="en-US" dirty="0"/>
               <a:t>‹#›</a:t>
             </a:fld>
-            <a:endParaRPr lang="en-US" dirty="0"/>
+            <a:endParaRPr lang="en-US"/>
           </a:p>
         </p:txBody>
       </p:sp>
@@ -4320,7 +5487,7 @@
           <a:lstStyle/>
           <a:p>
             <a:r>
-              <a:rPr lang="en-US" dirty="0"/>
+              <a:rPr lang="en-US"/>
               <a:t>Click to edit Master title style</a:t>
             </a:r>
           </a:p>
@@ -4343,35 +5510,35 @@
           <a:p>
             <a:pPr lvl="0"/>
             <a:r>
-              <a:rPr lang="en-US" dirty="0"/>
+              <a:rPr lang="en-US"/>
               <a:t>Click to edit Master text styles</a:t>
             </a:r>
           </a:p>
           <a:p>
             <a:pPr lvl="1"/>
             <a:r>
-              <a:rPr lang="en-US" dirty="0"/>
+              <a:rPr lang="en-US"/>
               <a:t>Second level</a:t>
             </a:r>
           </a:p>
           <a:p>
             <a:pPr lvl="2"/>
             <a:r>
-              <a:rPr lang="en-US" dirty="0"/>
+              <a:rPr lang="en-US"/>
               <a:t>Third level</a:t>
             </a:r>
           </a:p>
           <a:p>
             <a:pPr lvl="3"/>
             <a:r>
-              <a:rPr lang="en-US" dirty="0"/>
+              <a:rPr lang="en-US"/>
               <a:t>Fourth level</a:t>
             </a:r>
           </a:p>
           <a:p>
             <a:pPr lvl="4"/>
             <a:r>
-              <a:rPr lang="en-US" dirty="0"/>
+              <a:rPr lang="en-US"/>
               <a:t>Fifth level</a:t>
             </a:r>
           </a:p>
@@ -4394,9 +5561,9 @@
           <a:p>
             <a:fld id="{4509A250-FF31-4206-8172-F9D3106AACB1}" type="datetimeFigureOut">
               <a:rPr lang="en-US" dirty="0"/>
-              <a:t>12/1/2019</a:t>
+              <a:t>12/4/2019</a:t>
             </a:fld>
-            <a:endParaRPr lang="en-US" dirty="0"/>
+            <a:endParaRPr lang="en-US"/>
           </a:p>
         </p:txBody>
       </p:sp>
@@ -4415,7 +5582,7 @@
           <a:bodyPr/>
           <a:lstStyle/>
           <a:p>
-            <a:endParaRPr lang="en-US" dirty="0"/>
+            <a:endParaRPr lang="en-US"/>
           </a:p>
         </p:txBody>
       </p:sp>
@@ -4438,7 +5605,7 @@
               <a:rPr lang="en-US" dirty="0"/>
               <a:t>‹#›</a:t>
             </a:fld>
-            <a:endParaRPr lang="en-US" dirty="0"/>
+            <a:endParaRPr lang="en-US"/>
           </a:p>
         </p:txBody>
       </p:sp>
@@ -4497,7 +5664,7 @@
           </a:lstStyle>
           <a:p>
             <a:r>
-              <a:rPr lang="en-US" dirty="0"/>
+              <a:rPr lang="en-US"/>
               <a:t>Click to edit Master title style</a:t>
             </a:r>
           </a:p>
@@ -4617,7 +5784,7 @@
           <a:p>
             <a:pPr lvl="0"/>
             <a:r>
-              <a:rPr lang="en-US" dirty="0"/>
+              <a:rPr lang="en-US"/>
               <a:t>Click to edit Master text styles</a:t>
             </a:r>
           </a:p>
@@ -4640,9 +5807,9 @@
           <a:p>
             <a:fld id="{9796027F-7875-4030-9381-8BD8C4F21935}" type="datetimeFigureOut">
               <a:rPr lang="en-US" dirty="0"/>
-              <a:t>12/1/2019</a:t>
+              <a:t>12/4/2019</a:t>
             </a:fld>
-            <a:endParaRPr lang="en-US" dirty="0"/>
+            <a:endParaRPr lang="en-US"/>
           </a:p>
         </p:txBody>
       </p:sp>
@@ -4661,7 +5828,7 @@
           <a:bodyPr/>
           <a:lstStyle/>
           <a:p>
-            <a:endParaRPr lang="en-US" dirty="0"/>
+            <a:endParaRPr lang="en-US"/>
           </a:p>
         </p:txBody>
       </p:sp>
@@ -4684,7 +5851,7 @@
               <a:rPr lang="en-US" dirty="0"/>
               <a:t>‹#›</a:t>
             </a:fld>
-            <a:endParaRPr lang="en-US" dirty="0"/>
+            <a:endParaRPr lang="en-US"/>
           </a:p>
         </p:txBody>
       </p:sp>
@@ -4734,7 +5901,7 @@
           <a:lstStyle/>
           <a:p>
             <a:r>
-              <a:rPr lang="en-US" dirty="0"/>
+              <a:rPr lang="en-US"/>
               <a:t>Click to edit Master title style</a:t>
             </a:r>
           </a:p>
@@ -4792,35 +5959,35 @@
           <a:p>
             <a:pPr lvl="0"/>
             <a:r>
-              <a:rPr lang="en-US" dirty="0"/>
+              <a:rPr lang="en-US"/>
               <a:t>Click to edit Master text styles</a:t>
             </a:r>
           </a:p>
           <a:p>
             <a:pPr lvl="1"/>
             <a:r>
-              <a:rPr lang="en-US" dirty="0"/>
+              <a:rPr lang="en-US"/>
               <a:t>Second level</a:t>
             </a:r>
           </a:p>
           <a:p>
             <a:pPr lvl="2"/>
             <a:r>
-              <a:rPr lang="en-US" dirty="0"/>
+              <a:rPr lang="en-US"/>
               <a:t>Third level</a:t>
             </a:r>
           </a:p>
           <a:p>
             <a:pPr lvl="3"/>
             <a:r>
-              <a:rPr lang="en-US" dirty="0"/>
+              <a:rPr lang="en-US"/>
               <a:t>Fourth level</a:t>
             </a:r>
           </a:p>
           <a:p>
             <a:pPr lvl="4"/>
             <a:r>
-              <a:rPr lang="en-US" dirty="0"/>
+              <a:rPr lang="en-US"/>
               <a:t>Fifth level</a:t>
             </a:r>
           </a:p>
@@ -4878,35 +6045,35 @@
           <a:p>
             <a:pPr lvl="0"/>
             <a:r>
-              <a:rPr lang="en-US" dirty="0"/>
+              <a:rPr lang="en-US"/>
               <a:t>Click to edit Master text styles</a:t>
             </a:r>
           </a:p>
           <a:p>
             <a:pPr lvl="1"/>
             <a:r>
-              <a:rPr lang="en-US" dirty="0"/>
+              <a:rPr lang="en-US"/>
               <a:t>Second level</a:t>
             </a:r>
           </a:p>
           <a:p>
             <a:pPr lvl="2"/>
             <a:r>
-              <a:rPr lang="en-US" dirty="0"/>
+              <a:rPr lang="en-US"/>
               <a:t>Third level</a:t>
             </a:r>
           </a:p>
           <a:p>
             <a:pPr lvl="3"/>
             <a:r>
-              <a:rPr lang="en-US" dirty="0"/>
+              <a:rPr lang="en-US"/>
               <a:t>Fourth level</a:t>
             </a:r>
           </a:p>
           <a:p>
             <a:pPr lvl="4"/>
             <a:r>
-              <a:rPr lang="en-US" dirty="0"/>
+              <a:rPr lang="en-US"/>
               <a:t>Fifth level</a:t>
             </a:r>
           </a:p>
@@ -4929,9 +6096,9 @@
           <a:p>
             <a:fld id="{9796027F-7875-4030-9381-8BD8C4F21935}" type="datetimeFigureOut">
               <a:rPr lang="en-US" dirty="0"/>
-              <a:t>12/1/2019</a:t>
+              <a:t>12/4/2019</a:t>
             </a:fld>
-            <a:endParaRPr lang="en-US" dirty="0"/>
+            <a:endParaRPr lang="en-US"/>
           </a:p>
         </p:txBody>
       </p:sp>
@@ -4950,7 +6117,7 @@
           <a:bodyPr/>
           <a:lstStyle/>
           <a:p>
-            <a:endParaRPr lang="en-US" dirty="0"/>
+            <a:endParaRPr lang="en-US"/>
           </a:p>
         </p:txBody>
       </p:sp>
@@ -4973,7 +6140,7 @@
               <a:rPr lang="en-US" dirty="0"/>
               <a:t>‹#›</a:t>
             </a:fld>
-            <a:endParaRPr lang="en-US" dirty="0"/>
+            <a:endParaRPr lang="en-US"/>
           </a:p>
         </p:txBody>
       </p:sp>
@@ -5027,7 +6194,7 @@
           </a:lstStyle>
           <a:p>
             <a:r>
-              <a:rPr lang="en-US" dirty="0"/>
+              <a:rPr lang="en-US"/>
               <a:t>Click to edit Master title style</a:t>
             </a:r>
           </a:p>
@@ -5101,7 +6268,7 @@
           <a:p>
             <a:pPr lvl="0"/>
             <a:r>
-              <a:rPr lang="en-US" dirty="0"/>
+              <a:rPr lang="en-US"/>
               <a:t>Click to edit Master text styles</a:t>
             </a:r>
           </a:p>
@@ -5159,35 +6326,35 @@
           <a:p>
             <a:pPr lvl="0"/>
             <a:r>
-              <a:rPr lang="en-US" dirty="0"/>
+              <a:rPr lang="en-US"/>
               <a:t>Click to edit Master text styles</a:t>
             </a:r>
           </a:p>
           <a:p>
             <a:pPr lvl="1"/>
             <a:r>
-              <a:rPr lang="en-US" dirty="0"/>
+              <a:rPr lang="en-US"/>
               <a:t>Second level</a:t>
             </a:r>
           </a:p>
           <a:p>
             <a:pPr lvl="2"/>
             <a:r>
-              <a:rPr lang="en-US" dirty="0"/>
+              <a:rPr lang="en-US"/>
               <a:t>Third level</a:t>
             </a:r>
           </a:p>
           <a:p>
             <a:pPr lvl="3"/>
             <a:r>
-              <a:rPr lang="en-US" dirty="0"/>
+              <a:rPr lang="en-US"/>
               <a:t>Fourth level</a:t>
             </a:r>
           </a:p>
           <a:p>
             <a:pPr lvl="4"/>
             <a:r>
-              <a:rPr lang="en-US" dirty="0"/>
+              <a:rPr lang="en-US"/>
               <a:t>Fifth level</a:t>
             </a:r>
           </a:p>
@@ -5261,7 +6428,7 @@
           <a:p>
             <a:pPr lvl="0"/>
             <a:r>
-              <a:rPr lang="en-US" dirty="0"/>
+              <a:rPr lang="en-US"/>
               <a:t>Click to edit Master text styles</a:t>
             </a:r>
           </a:p>
@@ -5319,35 +6486,35 @@
           <a:p>
             <a:pPr lvl="0"/>
             <a:r>
-              <a:rPr lang="en-US" dirty="0"/>
+              <a:rPr lang="en-US"/>
               <a:t>Click to edit Master text styles</a:t>
             </a:r>
           </a:p>
           <a:p>
             <a:pPr lvl="1"/>
             <a:r>
-              <a:rPr lang="en-US" dirty="0"/>
+              <a:rPr lang="en-US"/>
               <a:t>Second level</a:t>
             </a:r>
           </a:p>
           <a:p>
             <a:pPr lvl="2"/>
             <a:r>
-              <a:rPr lang="en-US" dirty="0"/>
+              <a:rPr lang="en-US"/>
               <a:t>Third level</a:t>
             </a:r>
           </a:p>
           <a:p>
             <a:pPr lvl="3"/>
             <a:r>
-              <a:rPr lang="en-US" dirty="0"/>
+              <a:rPr lang="en-US"/>
               <a:t>Fourth level</a:t>
             </a:r>
           </a:p>
           <a:p>
             <a:pPr lvl="4"/>
             <a:r>
-              <a:rPr lang="en-US" dirty="0"/>
+              <a:rPr lang="en-US"/>
               <a:t>Fifth level</a:t>
             </a:r>
           </a:p>
@@ -5370,9 +6537,9 @@
           <a:p>
             <a:fld id="{9796027F-7875-4030-9381-8BD8C4F21935}" type="datetimeFigureOut">
               <a:rPr lang="en-US" dirty="0"/>
-              <a:t>12/1/2019</a:t>
+              <a:t>12/4/2019</a:t>
             </a:fld>
-            <a:endParaRPr lang="en-US" dirty="0"/>
+            <a:endParaRPr lang="en-US"/>
           </a:p>
         </p:txBody>
       </p:sp>
@@ -5391,7 +6558,7 @@
           <a:bodyPr/>
           <a:lstStyle/>
           <a:p>
-            <a:endParaRPr lang="en-US" dirty="0"/>
+            <a:endParaRPr lang="en-US"/>
           </a:p>
         </p:txBody>
       </p:sp>
@@ -5414,7 +6581,7 @@
               <a:rPr lang="en-US" dirty="0"/>
               <a:t>‹#›</a:t>
             </a:fld>
-            <a:endParaRPr lang="en-US" dirty="0"/>
+            <a:endParaRPr lang="en-US"/>
           </a:p>
         </p:txBody>
       </p:sp>
@@ -5464,7 +6631,7 @@
           <a:lstStyle/>
           <a:p>
             <a:r>
-              <a:rPr lang="en-US" dirty="0"/>
+              <a:rPr lang="en-US"/>
               <a:t>Click to edit Master title style</a:t>
             </a:r>
           </a:p>
@@ -5487,9 +6654,9 @@
           <a:p>
             <a:fld id="{4509A250-FF31-4206-8172-F9D3106AACB1}" type="datetimeFigureOut">
               <a:rPr lang="en-US" dirty="0"/>
-              <a:t>12/1/2019</a:t>
+              <a:t>12/4/2019</a:t>
             </a:fld>
-            <a:endParaRPr lang="en-US" dirty="0"/>
+            <a:endParaRPr lang="en-US"/>
           </a:p>
         </p:txBody>
       </p:sp>
@@ -5508,7 +6675,7 @@
           <a:bodyPr/>
           <a:lstStyle/>
           <a:p>
-            <a:endParaRPr lang="en-US" dirty="0"/>
+            <a:endParaRPr lang="en-US"/>
           </a:p>
         </p:txBody>
       </p:sp>
@@ -5531,7 +6698,7 @@
               <a:rPr lang="en-US" dirty="0"/>
               <a:t>‹#›</a:t>
             </a:fld>
-            <a:endParaRPr lang="en-US" dirty="0"/>
+            <a:endParaRPr lang="en-US"/>
           </a:p>
         </p:txBody>
       </p:sp>
@@ -5582,9 +6749,9 @@
           <a:p>
             <a:fld id="{4509A250-FF31-4206-8172-F9D3106AACB1}" type="datetimeFigureOut">
               <a:rPr lang="en-US" dirty="0"/>
-              <a:t>12/1/2019</a:t>
+              <a:t>12/4/2019</a:t>
             </a:fld>
-            <a:endParaRPr lang="en-US" dirty="0"/>
+            <a:endParaRPr lang="en-US"/>
           </a:p>
         </p:txBody>
       </p:sp>
@@ -5603,7 +6770,7 @@
           <a:bodyPr/>
           <a:lstStyle/>
           <a:p>
-            <a:endParaRPr lang="en-US" dirty="0"/>
+            <a:endParaRPr lang="en-US"/>
           </a:p>
         </p:txBody>
       </p:sp>
@@ -5626,7 +6793,7 @@
               <a:rPr lang="en-US" dirty="0"/>
               <a:t>‹#›</a:t>
             </a:fld>
-            <a:endParaRPr lang="en-US" dirty="0"/>
+            <a:endParaRPr lang="en-US"/>
           </a:p>
         </p:txBody>
       </p:sp>
@@ -5685,7 +6852,7 @@
           </a:lstStyle>
           <a:p>
             <a:r>
-              <a:rPr lang="en-US" dirty="0"/>
+              <a:rPr lang="en-US"/>
               <a:t>Click to edit Master title style</a:t>
             </a:r>
           </a:p>
@@ -5743,35 +6910,35 @@
           <a:p>
             <a:pPr lvl="0"/>
             <a:r>
-              <a:rPr lang="en-US" dirty="0"/>
+              <a:rPr lang="en-US"/>
               <a:t>Click to edit Master text styles</a:t>
             </a:r>
           </a:p>
           <a:p>
             <a:pPr lvl="1"/>
             <a:r>
-              <a:rPr lang="en-US" dirty="0"/>
+              <a:rPr lang="en-US"/>
               <a:t>Second level</a:t>
             </a:r>
           </a:p>
           <a:p>
             <a:pPr lvl="2"/>
             <a:r>
-              <a:rPr lang="en-US" dirty="0"/>
+              <a:rPr lang="en-US"/>
               <a:t>Third level</a:t>
             </a:r>
           </a:p>
           <a:p>
             <a:pPr lvl="3"/>
             <a:r>
-              <a:rPr lang="en-US" dirty="0"/>
+              <a:rPr lang="en-US"/>
               <a:t>Fourth level</a:t>
             </a:r>
           </a:p>
           <a:p>
             <a:pPr lvl="4"/>
             <a:r>
-              <a:rPr lang="en-US" dirty="0"/>
+              <a:rPr lang="en-US"/>
               <a:t>Fifth level</a:t>
             </a:r>
           </a:p>
@@ -5836,7 +7003,7 @@
           <a:p>
             <a:pPr lvl="0"/>
             <a:r>
-              <a:rPr lang="en-US" dirty="0"/>
+              <a:rPr lang="en-US"/>
               <a:t>Click to edit Master text styles</a:t>
             </a:r>
           </a:p>
@@ -5859,9 +7026,9 @@
           <a:p>
             <a:fld id="{4509A250-FF31-4206-8172-F9D3106AACB1}" type="datetimeFigureOut">
               <a:rPr lang="en-US" dirty="0"/>
-              <a:t>12/1/2019</a:t>
+              <a:t>12/4/2019</a:t>
             </a:fld>
-            <a:endParaRPr lang="en-US" dirty="0"/>
+            <a:endParaRPr lang="en-US"/>
           </a:p>
         </p:txBody>
       </p:sp>
@@ -5880,7 +7047,7 @@
           <a:bodyPr/>
           <a:lstStyle/>
           <a:p>
-            <a:endParaRPr lang="en-US" dirty="0"/>
+            <a:endParaRPr lang="en-US"/>
           </a:p>
         </p:txBody>
       </p:sp>
@@ -5903,7 +7070,7 @@
               <a:rPr lang="en-US" dirty="0"/>
               <a:t>‹#›</a:t>
             </a:fld>
-            <a:endParaRPr lang="en-US" dirty="0"/>
+            <a:endParaRPr lang="en-US"/>
           </a:p>
         </p:txBody>
       </p:sp>
@@ -5964,7 +7131,7 @@
           </a:lstStyle>
           <a:p>
             <a:r>
-              <a:rPr lang="en-US" dirty="0"/>
+              <a:rPr lang="en-US"/>
               <a:t>Click to edit Master title style</a:t>
             </a:r>
           </a:p>
@@ -6041,7 +7208,7 @@
             </a:lvl9pPr>
           </a:lstStyle>
           <a:p>
-            <a:endParaRPr lang="en-US" dirty="0"/>
+            <a:endParaRPr lang="en-US"/>
           </a:p>
         </p:txBody>
       </p:sp>
@@ -6106,7 +7273,7 @@
           <a:p>
             <a:pPr lvl="0"/>
             <a:r>
-              <a:rPr lang="en-US" dirty="0"/>
+              <a:rPr lang="en-US"/>
               <a:t>Click to edit Master text styles</a:t>
             </a:r>
           </a:p>
@@ -6129,9 +7296,9 @@
           <a:p>
             <a:fld id="{4509A250-FF31-4206-8172-F9D3106AACB1}" type="datetimeFigureOut">
               <a:rPr lang="en-US" dirty="0"/>
-              <a:t>12/1/2019</a:t>
+              <a:t>12/4/2019</a:t>
             </a:fld>
-            <a:endParaRPr lang="en-US" dirty="0"/>
+            <a:endParaRPr lang="en-US"/>
           </a:p>
         </p:txBody>
       </p:sp>
@@ -6150,7 +7317,7 @@
           <a:bodyPr/>
           <a:lstStyle/>
           <a:p>
-            <a:endParaRPr lang="en-US" dirty="0"/>
+            <a:endParaRPr lang="en-US"/>
           </a:p>
         </p:txBody>
       </p:sp>
@@ -6173,7 +7340,7 @@
               <a:rPr lang="en-US" dirty="0"/>
               <a:t>‹#›</a:t>
             </a:fld>
-            <a:endParaRPr lang="en-US" dirty="0"/>
+            <a:endParaRPr lang="en-US"/>
           </a:p>
         </p:txBody>
       </p:sp>
@@ -6453,7 +7620,7 @@
           <a:lstStyle/>
           <a:p>
             <a:r>
-              <a:rPr lang="en-US" dirty="0"/>
+              <a:rPr lang="en-US"/>
               <a:t>Click to edit Master title style</a:t>
             </a:r>
           </a:p>
@@ -6486,35 +7653,35 @@
           <a:p>
             <a:pPr lvl="0"/>
             <a:r>
-              <a:rPr lang="en-US" dirty="0"/>
+              <a:rPr lang="en-US"/>
               <a:t>Click to edit Master text styles</a:t>
             </a:r>
           </a:p>
           <a:p>
             <a:pPr lvl="1"/>
             <a:r>
-              <a:rPr lang="en-US" dirty="0"/>
+              <a:rPr lang="en-US"/>
               <a:t>Second level</a:t>
             </a:r>
           </a:p>
           <a:p>
             <a:pPr lvl="2"/>
             <a:r>
-              <a:rPr lang="en-US" dirty="0"/>
+              <a:rPr lang="en-US"/>
               <a:t>Third level</a:t>
             </a:r>
           </a:p>
           <a:p>
             <a:pPr lvl="3"/>
             <a:r>
-              <a:rPr lang="en-US" dirty="0"/>
+              <a:rPr lang="en-US"/>
               <a:t>Fourth level</a:t>
             </a:r>
           </a:p>
           <a:p>
             <a:pPr lvl="4"/>
             <a:r>
-              <a:rPr lang="en-US" dirty="0"/>
+              <a:rPr lang="en-US"/>
               <a:t>Fifth level</a:t>
             </a:r>
           </a:p>
@@ -6556,9 +7723,9 @@
           <a:p>
             <a:fld id="{4AAD347D-5ACD-4C99-B74B-A9C85AD731AF}" type="datetimeFigureOut">
               <a:rPr lang="en-US" dirty="0"/>
-              <a:t>12/1/2019</a:t>
+              <a:t>12/4/2019</a:t>
             </a:fld>
-            <a:endParaRPr lang="en-US" dirty="0"/>
+            <a:endParaRPr lang="en-US"/>
           </a:p>
         </p:txBody>
       </p:sp>
@@ -6596,7 +7763,7 @@
             </a:lvl1pPr>
           </a:lstStyle>
           <a:p>
-            <a:endParaRPr lang="en-US" dirty="0"/>
+            <a:endParaRPr lang="en-US"/>
           </a:p>
         </p:txBody>
       </p:sp>
@@ -6637,7 +7804,7 @@
               <a:rPr lang="en-US" dirty="0"/>
               <a:t>‹#›</a:t>
             </a:fld>
-            <a:endParaRPr lang="en-US" dirty="0"/>
+            <a:endParaRPr lang="en-US"/>
           </a:p>
         </p:txBody>
       </p:sp>
@@ -7103,7 +8270,7 @@
         </p:nvSpPr>
         <p:spPr>
           <a:xfrm>
-            <a:off x="2589213" y="2514600"/>
+            <a:off x="2163010" y="2010905"/>
             <a:ext cx="9232899" cy="2262781"/>
           </a:xfrm>
         </p:spPr>
@@ -7114,17 +8281,11 @@
           <a:lstStyle/>
           <a:p>
             <a:r>
-              <a:rPr lang="en-US" dirty="0">
+              <a:rPr lang="en-US">
                 <a:cs typeface="Calibri Light"/>
               </a:rPr>
               <a:t>Attrition and Salary Prediction</a:t>
             </a:r>
-            <a:br>
-              <a:rPr lang="en-US" dirty="0">
-                <a:cs typeface="Calibri Light"/>
-              </a:rPr>
-            </a:br>
-            <a:endParaRPr lang="en-US"/>
           </a:p>
         </p:txBody>
       </p:sp>
@@ -7144,15 +8305,20 @@
             <p:ph type="subTitle" idx="1"/>
           </p:nvPr>
         </p:nvSpPr>
-        <p:spPr/>
+        <p:spPr>
+          <a:xfrm>
+            <a:off x="1154955" y="4777380"/>
+            <a:ext cx="10212074" cy="1602253"/>
+          </a:xfrm>
+        </p:spPr>
         <p:txBody>
           <a:bodyPr vert="horz" lIns="91440" tIns="45720" rIns="91440" bIns="45720" rtlCol="0" anchor="t">
-            <a:normAutofit fontScale="70000" lnSpcReduction="20000"/>
+            <a:normAutofit/>
           </a:bodyPr>
           <a:lstStyle/>
           <a:p>
             <a:r>
-              <a:rPr lang="en-US" dirty="0">
+              <a:rPr lang="en-US">
                 <a:cs typeface="Calibri"/>
               </a:rPr>
               <a:t>Richard M. Palmer</a:t>
@@ -7160,7 +8326,7 @@
           </a:p>
           <a:p>
             <a:r>
-              <a:rPr lang="en-US" dirty="0">
+              <a:rPr lang="en-US">
                 <a:cs typeface="Calibri"/>
               </a:rPr>
               <a:t>Case Study 2</a:t>
@@ -7168,22 +8334,74 @@
           </a:p>
           <a:p>
             <a:r>
-              <a:rPr lang="en-US" dirty="0">
+              <a:rPr lang="en-US">
                 <a:cs typeface="Calibri"/>
               </a:rPr>
-              <a:t>DS6306 – Section 408</a:t>
-            </a:r>
-          </a:p>
-          <a:p>
-            <a:r>
-              <a:rPr lang="en-US" dirty="0">
-                <a:cs typeface="Calibri"/>
-              </a:rPr>
-              <a:t>Fall 208 – Bivin Sadler</a:t>
+              <a:t>DS6306 – Section 408 - Fall 208 - Bivin Sadler</a:t>
             </a:r>
           </a:p>
         </p:txBody>
       </p:sp>
+      <p:pic>
+        <p:nvPicPr>
+          <p:cNvPr id="4" name="Picture 4" descr="A close up of a logo&#10;&#10;Description generated with very high confidence">
+            <a:extLst>
+              <a:ext uri="{FF2B5EF4-FFF2-40B4-BE49-F238E27FC236}">
+                <a16:creationId xmlns:a16="http://schemas.microsoft.com/office/drawing/2014/main" id="{89665CD5-73EE-4B35-BE1B-D39806E673BB}"/>
+              </a:ext>
+            </a:extLst>
+          </p:cNvPr>
+          <p:cNvPicPr>
+            <a:picLocks noChangeAspect="1"/>
+          </p:cNvPicPr>
+          <p:nvPr/>
+        </p:nvPicPr>
+        <p:blipFill>
+          <a:blip r:embed="rId2"/>
+          <a:stretch>
+            <a:fillRect/>
+          </a:stretch>
+        </p:blipFill>
+        <p:spPr>
+          <a:xfrm>
+            <a:off x="769749" y="672884"/>
+            <a:ext cx="1495587" cy="1495587"/>
+          </a:xfrm>
+          <a:prstGeom prst="rect">
+            <a:avLst/>
+          </a:prstGeom>
+        </p:spPr>
+      </p:pic>
+      <p:pic>
+        <p:nvPicPr>
+          <p:cNvPr id="6" name="Picture 6" descr="A close up of a logo&#10;&#10;Description generated with very high confidence">
+            <a:extLst>
+              <a:ext uri="{FF2B5EF4-FFF2-40B4-BE49-F238E27FC236}">
+                <a16:creationId xmlns:a16="http://schemas.microsoft.com/office/drawing/2014/main" id="{E8B4D577-DFD0-486C-B7A7-D8ACB1CAFD9B}"/>
+              </a:ext>
+            </a:extLst>
+          </p:cNvPr>
+          <p:cNvPicPr>
+            <a:picLocks noChangeAspect="1"/>
+          </p:cNvPicPr>
+          <p:nvPr/>
+        </p:nvPicPr>
+        <p:blipFill>
+          <a:blip r:embed="rId3"/>
+          <a:stretch>
+            <a:fillRect/>
+          </a:stretch>
+        </p:blipFill>
+        <p:spPr>
+          <a:xfrm>
+            <a:off x="8792705" y="4627535"/>
+            <a:ext cx="1606658" cy="1606658"/>
+          </a:xfrm>
+          <a:prstGeom prst="rect">
+            <a:avLst/>
+          </a:prstGeom>
+        </p:spPr>
+      </p:pic>
     </p:spTree>
     <p:extLst>
       <p:ext uri="{BB962C8B-B14F-4D97-AF65-F5344CB8AC3E}">
@@ -7219,7 +8437,7 @@
           <p:cNvPr id="2" name="Title 1">
             <a:extLst>
               <a:ext uri="{FF2B5EF4-FFF2-40B4-BE49-F238E27FC236}">
-                <a16:creationId xmlns:a16="http://schemas.microsoft.com/office/drawing/2014/main" id="{2D692C4E-6F2E-4E1D-9848-3BA648DB374B}"/>
+                <a16:creationId xmlns:a16="http://schemas.microsoft.com/office/drawing/2014/main" id="{DA62DB64-5026-473E-A925-E8441BA6A8D8}"/>
               </a:ext>
             </a:extLst>
           </p:cNvPr>
@@ -7230,47 +8448,643 @@
             <p:ph type="title"/>
           </p:nvPr>
         </p:nvSpPr>
-        <p:spPr/>
+        <p:spPr>
+          <a:xfrm>
+            <a:off x="646111" y="452718"/>
+            <a:ext cx="10347536" cy="1400530"/>
+          </a:xfrm>
+        </p:spPr>
         <p:txBody>
           <a:bodyPr/>
           <a:lstStyle/>
           <a:p>
             <a:r>
               <a:rPr lang="en-US"/>
-              <a:t>Prediction by Linear Regression</a:t>
+              <a:t>Prediction by K-Nearest-Neighbor (2)</a:t>
             </a:r>
           </a:p>
         </p:txBody>
       </p:sp>
       <p:sp>
         <p:nvSpPr>
-          <p:cNvPr id="3" name="Content Placeholder 2">
+          <p:cNvPr id="7" name="TextBox 6">
             <a:extLst>
               <a:ext uri="{FF2B5EF4-FFF2-40B4-BE49-F238E27FC236}">
-                <a16:creationId xmlns:a16="http://schemas.microsoft.com/office/drawing/2014/main" id="{C4723448-DED8-44C4-8C6A-3073FF1DEDF9}"/>
+                <a16:creationId xmlns:a16="http://schemas.microsoft.com/office/drawing/2014/main" id="{64DDD6E2-C914-4F19-AE81-950E6AEA93D3}"/>
               </a:ext>
             </a:extLst>
           </p:cNvPr>
-          <p:cNvSpPr>
-            <a:spLocks noGrp="1"/>
-          </p:cNvSpPr>
+          <p:cNvSpPr txBox="1"/>
+          <p:nvPr/>
+        </p:nvSpPr>
+        <p:spPr>
+          <a:xfrm>
+            <a:off x="742107" y="1337644"/>
+            <a:ext cx="9844077" cy="2308324"/>
+          </a:xfrm>
+          <a:prstGeom prst="rect">
+            <a:avLst/>
+          </a:prstGeom>
+          <a:noFill/>
+        </p:spPr>
+        <p:txBody>
+          <a:bodyPr rot="0" spcFirstLastPara="0" vertOverflow="overflow" horzOverflow="overflow" vert="horz" wrap="square" lIns="91440" tIns="45720" rIns="91440" bIns="45720" numCol="1" spcCol="0" rtlCol="0" fromWordArt="0" anchor="t" anchorCtr="0" forceAA="0" compatLnSpc="1">
+            <a:prstTxWarp prst="textNoShape">
+              <a:avLst/>
+            </a:prstTxWarp>
+            <a:spAutoFit/>
+          </a:bodyPr>
+          <a:lstStyle/>
+          <a:p>
+            <a:r>
+              <a:rPr lang="en-US"/>
+              <a:t>Problem of small attrition count relative to total number of employees</a:t>
+            </a:r>
+          </a:p>
+          <a:p>
+            <a:pPr marL="285750" indent="-285750">
+              <a:buFont typeface="Arial"/>
+              <a:buChar char="•"/>
+            </a:pPr>
+            <a:r>
+              <a:rPr lang="en-US"/>
+              <a:t>For training (finding K), select equal number of 'Yes' and 'No' Observations</a:t>
+            </a:r>
+          </a:p>
+          <a:p>
+            <a:pPr marL="285750" indent="-285750">
+              <a:buFont typeface="Arial"/>
+              <a:buChar char="•"/>
+            </a:pPr>
+            <a:r>
+              <a:rPr lang="en-US"/>
+              <a:t>For blind dataset, assume same statistics as training data</a:t>
+            </a:r>
+          </a:p>
+          <a:p>
+            <a:pPr marL="285750" indent="-285750">
+              <a:buFont typeface="Arial"/>
+              <a:buChar char="•"/>
+            </a:pPr>
+            <a:r>
+              <a:rPr lang="en-US"/>
+              <a:t>Algorithm:</a:t>
+            </a:r>
+          </a:p>
+          <a:p>
+            <a:pPr marL="742950" lvl="1" indent="-285750">
+              <a:buFont typeface="Arial"/>
+              <a:buChar char="•"/>
+            </a:pPr>
+            <a:r>
+              <a:rPr lang="en-US"/>
+              <a:t>Apply </a:t>
+            </a:r>
+            <a:r>
+              <a:rPr lang="en-US" err="1"/>
+              <a:t>knn</a:t>
+            </a:r>
+            <a:r>
+              <a:rPr lang="en-US"/>
+              <a:t>, return probabilities</a:t>
+            </a:r>
+          </a:p>
+          <a:p>
+            <a:pPr marL="742950" lvl="1" indent="-285750">
+              <a:buFont typeface="Arial"/>
+              <a:buChar char="•"/>
+            </a:pPr>
+            <a:r>
+              <a:rPr lang="en-US"/>
+              <a:t>Multiply probabilities by K size to get raw number of votes for Yes and No</a:t>
+            </a:r>
+          </a:p>
+          <a:p>
+            <a:pPr marL="742950" lvl="1" indent="-285750">
+              <a:buFont typeface="Arial"/>
+              <a:buChar char="•"/>
+            </a:pPr>
+            <a:r>
+              <a:rPr lang="en-US"/>
+              <a:t>Divide raw vote count by expected number of Yes or No votes to get score</a:t>
+            </a:r>
+          </a:p>
+          <a:p>
+            <a:pPr marL="742950" lvl="1" indent="-285750">
+              <a:buFont typeface="Arial"/>
+              <a:buChar char="•"/>
+            </a:pPr>
+            <a:r>
+              <a:rPr lang="en-US"/>
+              <a:t>Use score to determine new decision Yes or No</a:t>
+            </a:r>
+          </a:p>
+        </p:txBody>
+      </p:sp>
+      <p:graphicFrame>
+        <p:nvGraphicFramePr>
+          <p:cNvPr id="3" name="Table 4">
+            <a:extLst>
+              <a:ext uri="{FF2B5EF4-FFF2-40B4-BE49-F238E27FC236}">
+                <a16:creationId xmlns:a16="http://schemas.microsoft.com/office/drawing/2014/main" id="{C410FA3C-1D98-49EC-8652-5D51553F8E6F}"/>
+              </a:ext>
+            </a:extLst>
+          </p:cNvPr>
+          <p:cNvGraphicFramePr>
+            <a:graphicFrameLocks noGrp="1"/>
+          </p:cNvGraphicFramePr>
           <p:nvPr>
-            <p:ph idx="1"/>
+            <p:extLst>
+              <p:ext uri="{D42A27DB-BD31-4B8C-83A1-F6EECF244321}">
+                <p14:modId xmlns:p14="http://schemas.microsoft.com/office/powerpoint/2010/main" val="1625902851"/>
+              </p:ext>
+            </p:extLst>
           </p:nvPr>
-        </p:nvSpPr>
-        <p:spPr/>
+        </p:nvGraphicFramePr>
+        <p:xfrm>
+          <a:off x="411983" y="3933610"/>
+          <a:ext cx="6718960" cy="1344081"/>
+        </p:xfrm>
+        <a:graphic>
+          <a:graphicData uri="http://schemas.openxmlformats.org/drawingml/2006/table">
+            <a:tbl>
+              <a:tblPr firstRow="1" bandRow="1">
+                <a:tableStyleId>{5C22544A-7EE6-4342-B048-85BDC9FD1C3A}</a:tableStyleId>
+              </a:tblPr>
+              <a:tblGrid>
+                <a:gridCol w="1343792">
+                  <a:extLst>
+                    <a:ext uri="{9D8B030D-6E8A-4147-A177-3AD203B41FA5}">
+                      <a16:colId xmlns:a16="http://schemas.microsoft.com/office/drawing/2014/main" val="2885577738"/>
+                    </a:ext>
+                  </a:extLst>
+                </a:gridCol>
+                <a:gridCol w="1343792">
+                  <a:extLst>
+                    <a:ext uri="{9D8B030D-6E8A-4147-A177-3AD203B41FA5}">
+                      <a16:colId xmlns:a16="http://schemas.microsoft.com/office/drawing/2014/main" val="2351530261"/>
+                    </a:ext>
+                  </a:extLst>
+                </a:gridCol>
+                <a:gridCol w="1343792">
+                  <a:extLst>
+                    <a:ext uri="{9D8B030D-6E8A-4147-A177-3AD203B41FA5}">
+                      <a16:colId xmlns:a16="http://schemas.microsoft.com/office/drawing/2014/main" val="1732472343"/>
+                    </a:ext>
+                  </a:extLst>
+                </a:gridCol>
+                <a:gridCol w="1343792">
+                  <a:extLst>
+                    <a:ext uri="{9D8B030D-6E8A-4147-A177-3AD203B41FA5}">
+                      <a16:colId xmlns:a16="http://schemas.microsoft.com/office/drawing/2014/main" val="320291371"/>
+                    </a:ext>
+                  </a:extLst>
+                </a:gridCol>
+                <a:gridCol w="1343792">
+                  <a:extLst>
+                    <a:ext uri="{9D8B030D-6E8A-4147-A177-3AD203B41FA5}">
+                      <a16:colId xmlns:a16="http://schemas.microsoft.com/office/drawing/2014/main" val="2013391115"/>
+                    </a:ext>
+                  </a:extLst>
+                </a:gridCol>
+              </a:tblGrid>
+              <a:tr h="448027">
+                <a:tc gridSpan="2">
+                  <a:txBody>
+                    <a:bodyPr/>
+                    <a:lstStyle/>
+                    <a:p>
+                      <a:r>
+                        <a:rPr lang="en-US"/>
+                        <a:t>Training Data</a:t>
+                      </a:r>
+                    </a:p>
+                  </a:txBody>
+                  <a:tcPr/>
+                </a:tc>
+                <a:tc hMerge="1">
+                  <a:txBody>
+                    <a:bodyPr/>
+                    <a:lstStyle/>
+                    <a:p>
+                      <a:endParaRPr lang="en-US"/>
+                    </a:p>
+                  </a:txBody>
+                  <a:tcPr/>
+                </a:tc>
+                <a:tc>
+                  <a:txBody>
+                    <a:bodyPr/>
+                    <a:lstStyle/>
+                    <a:p>
+                      <a:pPr lvl="0">
+                        <a:buNone/>
+                      </a:pPr>
+                      <a:endParaRPr lang="en-US"/>
+                    </a:p>
+                  </a:txBody>
+                  <a:tcPr/>
+                </a:tc>
+                <a:tc>
+                  <a:txBody>
+                    <a:bodyPr/>
+                    <a:lstStyle/>
+                    <a:p>
+                      <a:pPr lvl="0">
+                        <a:buNone/>
+                      </a:pPr>
+                      <a:endParaRPr lang="en-US"/>
+                    </a:p>
+                  </a:txBody>
+                  <a:tcPr/>
+                </a:tc>
+                <a:tc>
+                  <a:txBody>
+                    <a:bodyPr/>
+                    <a:lstStyle/>
+                    <a:p>
+                      <a:pPr lvl="0">
+                        <a:buNone/>
+                      </a:pPr>
+                      <a:endParaRPr lang="en-US"/>
+                    </a:p>
+                  </a:txBody>
+                  <a:tcPr/>
+                </a:tc>
+                <a:extLst>
+                  <a:ext uri="{0D108BD9-81ED-4DB2-BD59-A6C34878D82A}">
+                    <a16:rowId xmlns:a16="http://schemas.microsoft.com/office/drawing/2014/main" val="465726767"/>
+                  </a:ext>
+                </a:extLst>
+              </a:tr>
+              <a:tr h="448027">
+                <a:tc>
+                  <a:txBody>
+                    <a:bodyPr/>
+                    <a:lstStyle/>
+                    <a:p>
+                      <a:r>
+                        <a:rPr lang="en-US"/>
+                        <a:t>No</a:t>
+                      </a:r>
+                    </a:p>
+                  </a:txBody>
+                  <a:tcPr/>
+                </a:tc>
+                <a:tc>
+                  <a:txBody>
+                    <a:bodyPr/>
+                    <a:lstStyle/>
+                    <a:p>
+                      <a:pPr lvl="0">
+                        <a:buNone/>
+                      </a:pPr>
+                      <a:r>
+                        <a:rPr lang="en-US"/>
+                        <a:t>Yes</a:t>
+                      </a:r>
+                    </a:p>
+                  </a:txBody>
+                  <a:tcPr/>
+                </a:tc>
+                <a:tc>
+                  <a:txBody>
+                    <a:bodyPr/>
+                    <a:lstStyle/>
+                    <a:p>
+                      <a:pPr lvl="0">
+                        <a:buNone/>
+                      </a:pPr>
+                      <a:r>
+                        <a:rPr lang="en-US"/>
+                        <a:t>Accuracy</a:t>
+                      </a:r>
+                    </a:p>
+                  </a:txBody>
+                  <a:tcPr/>
+                </a:tc>
+                <a:tc>
+                  <a:txBody>
+                    <a:bodyPr/>
+                    <a:lstStyle/>
+                    <a:p>
+                      <a:pPr lvl="0">
+                        <a:buNone/>
+                      </a:pPr>
+                      <a:r>
+                        <a:rPr lang="en-US"/>
+                        <a:t>Sensitivity</a:t>
+                      </a:r>
+                    </a:p>
+                  </a:txBody>
+                  <a:tcPr/>
+                </a:tc>
+                <a:tc>
+                  <a:txBody>
+                    <a:bodyPr/>
+                    <a:lstStyle/>
+                    <a:p>
+                      <a:pPr lvl="0">
+                        <a:buNone/>
+                      </a:pPr>
+                      <a:r>
+                        <a:rPr lang="en-US"/>
+                        <a:t>Specificity</a:t>
+                      </a:r>
+                    </a:p>
+                  </a:txBody>
+                  <a:tcPr/>
+                </a:tc>
+                <a:extLst>
+                  <a:ext uri="{0D108BD9-81ED-4DB2-BD59-A6C34878D82A}">
+                    <a16:rowId xmlns:a16="http://schemas.microsoft.com/office/drawing/2014/main" val="336111216"/>
+                  </a:ext>
+                </a:extLst>
+              </a:tr>
+              <a:tr h="448027">
+                <a:tc>
+                  <a:txBody>
+                    <a:bodyPr/>
+                    <a:lstStyle/>
+                    <a:p>
+                      <a:r>
+                        <a:rPr lang="en-US"/>
+                        <a:t>730</a:t>
+                      </a:r>
+                    </a:p>
+                  </a:txBody>
+                  <a:tcPr/>
+                </a:tc>
+                <a:tc>
+                  <a:txBody>
+                    <a:bodyPr/>
+                    <a:lstStyle/>
+                    <a:p>
+                      <a:r>
+                        <a:rPr lang="en-US"/>
+                        <a:t>140</a:t>
+                      </a:r>
+                    </a:p>
+                  </a:txBody>
+                  <a:tcPr/>
+                </a:tc>
+                <a:tc>
+                  <a:txBody>
+                    <a:bodyPr/>
+                    <a:lstStyle/>
+                    <a:p>
+                      <a:pPr lvl="0">
+                        <a:buNone/>
+                      </a:pPr>
+                      <a:r>
+                        <a:rPr lang="en-US"/>
+                        <a:t>85%</a:t>
+                      </a:r>
+                    </a:p>
+                  </a:txBody>
+                  <a:tcPr/>
+                </a:tc>
+                <a:tc>
+                  <a:txBody>
+                    <a:bodyPr/>
+                    <a:lstStyle/>
+                    <a:p>
+                      <a:pPr lvl="0">
+                        <a:buNone/>
+                      </a:pPr>
+                      <a:r>
+                        <a:rPr lang="en-US"/>
+                        <a:t>100%</a:t>
+                      </a:r>
+                    </a:p>
+                  </a:txBody>
+                  <a:tcPr/>
+                </a:tc>
+                <a:tc>
+                  <a:txBody>
+                    <a:bodyPr/>
+                    <a:lstStyle/>
+                    <a:p>
+                      <a:pPr lvl="0">
+                        <a:buNone/>
+                      </a:pPr>
+                      <a:r>
+                        <a:rPr lang="en-US"/>
+                        <a:t>84%</a:t>
+                      </a:r>
+                    </a:p>
+                  </a:txBody>
+                  <a:tcPr/>
+                </a:tc>
+                <a:extLst>
+                  <a:ext uri="{0D108BD9-81ED-4DB2-BD59-A6C34878D82A}">
+                    <a16:rowId xmlns:a16="http://schemas.microsoft.com/office/drawing/2014/main" val="3332335947"/>
+                  </a:ext>
+                </a:extLst>
+              </a:tr>
+            </a:tbl>
+          </a:graphicData>
+        </a:graphic>
+      </p:graphicFrame>
+      <p:graphicFrame>
+        <p:nvGraphicFramePr>
+          <p:cNvPr id="9" name="Table 4">
+            <a:extLst>
+              <a:ext uri="{FF2B5EF4-FFF2-40B4-BE49-F238E27FC236}">
+                <a16:creationId xmlns:a16="http://schemas.microsoft.com/office/drawing/2014/main" id="{798BB1FE-7880-4153-B40D-73D90260A66B}"/>
+              </a:ext>
+            </a:extLst>
+          </p:cNvPr>
+          <p:cNvGraphicFramePr>
+            <a:graphicFrameLocks noGrp="1"/>
+          </p:cNvGraphicFramePr>
+          <p:nvPr>
+            <p:extLst>
+              <p:ext uri="{D42A27DB-BD31-4B8C-83A1-F6EECF244321}">
+                <p14:modId xmlns:p14="http://schemas.microsoft.com/office/powerpoint/2010/main" val="1259082890"/>
+              </p:ext>
+            </p:extLst>
+          </p:nvPr>
+        </p:nvGraphicFramePr>
+        <p:xfrm>
+          <a:off x="8699499" y="5312833"/>
+          <a:ext cx="3097716" cy="1372304"/>
+        </p:xfrm>
+        <a:graphic>
+          <a:graphicData uri="http://schemas.openxmlformats.org/drawingml/2006/table">
+            <a:tbl>
+              <a:tblPr firstRow="1" bandRow="1">
+                <a:tableStyleId>{5C22544A-7EE6-4342-B048-85BDC9FD1C3A}</a:tableStyleId>
+              </a:tblPr>
+              <a:tblGrid>
+                <a:gridCol w="1548858">
+                  <a:extLst>
+                    <a:ext uri="{9D8B030D-6E8A-4147-A177-3AD203B41FA5}">
+                      <a16:colId xmlns:a16="http://schemas.microsoft.com/office/drawing/2014/main" val="2885577738"/>
+                    </a:ext>
+                  </a:extLst>
+                </a:gridCol>
+                <a:gridCol w="1548858">
+                  <a:extLst>
+                    <a:ext uri="{9D8B030D-6E8A-4147-A177-3AD203B41FA5}">
+                      <a16:colId xmlns:a16="http://schemas.microsoft.com/office/drawing/2014/main" val="2351530261"/>
+                    </a:ext>
+                  </a:extLst>
+                </a:gridCol>
+              </a:tblGrid>
+              <a:tr h="476250">
+                <a:tc gridSpan="2">
+                  <a:txBody>
+                    <a:bodyPr/>
+                    <a:lstStyle/>
+                    <a:p>
+                      <a:r>
+                        <a:rPr lang="en-US"/>
+                        <a:t>Test Data</a:t>
+                      </a:r>
+                    </a:p>
+                  </a:txBody>
+                  <a:tcPr/>
+                </a:tc>
+                <a:tc hMerge="1">
+                  <a:txBody>
+                    <a:bodyPr/>
+                    <a:lstStyle/>
+                    <a:p>
+                      <a:endParaRPr lang="en-US"/>
+                    </a:p>
+                  </a:txBody>
+                  <a:tcPr/>
+                </a:tc>
+                <a:extLst>
+                  <a:ext uri="{0D108BD9-81ED-4DB2-BD59-A6C34878D82A}">
+                    <a16:rowId xmlns:a16="http://schemas.microsoft.com/office/drawing/2014/main" val="465726767"/>
+                  </a:ext>
+                </a:extLst>
+              </a:tr>
+              <a:tr h="448027">
+                <a:tc>
+                  <a:txBody>
+                    <a:bodyPr/>
+                    <a:lstStyle/>
+                    <a:p>
+                      <a:r>
+                        <a:rPr lang="en-US"/>
+                        <a:t>No</a:t>
+                      </a:r>
+                    </a:p>
+                  </a:txBody>
+                  <a:tcPr/>
+                </a:tc>
+                <a:tc>
+                  <a:txBody>
+                    <a:bodyPr/>
+                    <a:lstStyle/>
+                    <a:p>
+                      <a:pPr lvl="0">
+                        <a:buNone/>
+                      </a:pPr>
+                      <a:r>
+                        <a:rPr lang="en-US"/>
+                        <a:t>Yes</a:t>
+                      </a:r>
+                    </a:p>
+                  </a:txBody>
+                  <a:tcPr/>
+                </a:tc>
+                <a:extLst>
+                  <a:ext uri="{0D108BD9-81ED-4DB2-BD59-A6C34878D82A}">
+                    <a16:rowId xmlns:a16="http://schemas.microsoft.com/office/drawing/2014/main" val="336111216"/>
+                  </a:ext>
+                </a:extLst>
+              </a:tr>
+              <a:tr h="448027">
+                <a:tc>
+                  <a:txBody>
+                    <a:bodyPr/>
+                    <a:lstStyle/>
+                    <a:p>
+                      <a:r>
+                        <a:rPr lang="en-US"/>
+                        <a:t>229</a:t>
+                      </a:r>
+                    </a:p>
+                  </a:txBody>
+                  <a:tcPr/>
+                </a:tc>
+                <a:tc>
+                  <a:txBody>
+                    <a:bodyPr/>
+                    <a:lstStyle/>
+                    <a:p>
+                      <a:r>
+                        <a:rPr lang="en-US"/>
+                        <a:t>71</a:t>
+                      </a:r>
+                    </a:p>
+                  </a:txBody>
+                  <a:tcPr/>
+                </a:tc>
+                <a:extLst>
+                  <a:ext uri="{0D108BD9-81ED-4DB2-BD59-A6C34878D82A}">
+                    <a16:rowId xmlns:a16="http://schemas.microsoft.com/office/drawing/2014/main" val="3332335947"/>
+                  </a:ext>
+                </a:extLst>
+              </a:tr>
+            </a:tbl>
+          </a:graphicData>
+        </a:graphic>
+      </p:graphicFrame>
+      <p:sp>
+        <p:nvSpPr>
+          <p:cNvPr id="4" name="TextBox 3">
+            <a:extLst>
+              <a:ext uri="{FF2B5EF4-FFF2-40B4-BE49-F238E27FC236}">
+                <a16:creationId xmlns:a16="http://schemas.microsoft.com/office/drawing/2014/main" id="{6A6E15C9-C247-4700-ACBE-0C8024055763}"/>
+              </a:ext>
+            </a:extLst>
+          </p:cNvPr>
+          <p:cNvSpPr txBox="1"/>
+          <p:nvPr/>
+        </p:nvSpPr>
+        <p:spPr>
+          <a:xfrm>
+            <a:off x="649817" y="5835650"/>
+            <a:ext cx="8310033" cy="369332"/>
+          </a:xfrm>
+          <a:prstGeom prst="rect">
+            <a:avLst/>
+          </a:prstGeom>
+          <a:noFill/>
+        </p:spPr>
         <p:txBody>
-          <a:bodyPr/>
+          <a:bodyPr rot="0" spcFirstLastPara="0" vertOverflow="overflow" horzOverflow="overflow" vert="horz" wrap="square" lIns="91440" tIns="45720" rIns="91440" bIns="45720" numCol="1" spcCol="0" rtlCol="0" fromWordArt="0" anchor="t" anchorCtr="0" forceAA="0" compatLnSpc="1">
+            <a:prstTxWarp prst="textNoShape">
+              <a:avLst/>
+            </a:prstTxWarp>
+            <a:spAutoFit/>
+          </a:bodyPr>
           <a:lstStyle/>
           <a:p>
-            <a:endParaRPr lang="en-US"/>
+            <a:r>
+              <a:rPr lang="en-US"/>
+              <a:t>Because </a:t>
+            </a:r>
+            <a:r>
+              <a:rPr lang="en-US" err="1"/>
+              <a:t>knn</a:t>
+            </a:r>
+            <a:r>
+              <a:rPr lang="en-US"/>
+              <a:t> does better, I use it for prediction instead of Naïve Bayes</a:t>
+            </a:r>
           </a:p>
         </p:txBody>
       </p:sp>
     </p:spTree>
     <p:extLst>
       <p:ext uri="{BB962C8B-B14F-4D97-AF65-F5344CB8AC3E}">
-        <p14:creationId xmlns:p14="http://schemas.microsoft.com/office/powerpoint/2010/main" val="631460421"/>
+        <p14:creationId xmlns:p14="http://schemas.microsoft.com/office/powerpoint/2010/main" val="1826252599"/>
       </p:ext>
     </p:extLst>
   </p:cSld>
@@ -7299,6 +9113,1827 @@
       </p:grpSpPr>
       <p:sp>
         <p:nvSpPr>
+          <p:cNvPr id="4" name="TextBox 3">
+            <a:extLst>
+              <a:ext uri="{FF2B5EF4-FFF2-40B4-BE49-F238E27FC236}">
+                <a16:creationId xmlns:a16="http://schemas.microsoft.com/office/drawing/2014/main" id="{39D6E491-8AB9-4735-BB7A-478DEA934D89}"/>
+              </a:ext>
+            </a:extLst>
+          </p:cNvPr>
+          <p:cNvSpPr txBox="1"/>
+          <p:nvPr/>
+        </p:nvSpPr>
+        <p:spPr>
+          <a:xfrm>
+            <a:off x="427567" y="1464733"/>
+            <a:ext cx="3642783" cy="369332"/>
+          </a:xfrm>
+          <a:prstGeom prst="rect">
+            <a:avLst/>
+          </a:prstGeom>
+          <a:noFill/>
+        </p:spPr>
+        <p:txBody>
+          <a:bodyPr rot="0" spcFirstLastPara="0" vertOverflow="overflow" horzOverflow="overflow" vert="horz" wrap="square" lIns="91440" tIns="45720" rIns="91440" bIns="45720" numCol="1" spcCol="0" rtlCol="0" fromWordArt="0" anchor="t" anchorCtr="0" forceAA="0" compatLnSpc="1">
+            <a:prstTxWarp prst="textNoShape">
+              <a:avLst/>
+            </a:prstTxWarp>
+            <a:spAutoFit/>
+          </a:bodyPr>
+          <a:lstStyle/>
+          <a:p>
+            <a:r>
+              <a:rPr lang="en-US"/>
+              <a:t>Subjective Variable Selection</a:t>
+            </a:r>
+          </a:p>
+        </p:txBody>
+      </p:sp>
+      <p:sp>
+        <p:nvSpPr>
+          <p:cNvPr id="5" name="TextBox 4">
+            <a:extLst>
+              <a:ext uri="{FF2B5EF4-FFF2-40B4-BE49-F238E27FC236}">
+                <a16:creationId xmlns:a16="http://schemas.microsoft.com/office/drawing/2014/main" id="{5639DECA-7879-4378-BA3B-2F8643D2AADA}"/>
+              </a:ext>
+            </a:extLst>
+          </p:cNvPr>
+          <p:cNvSpPr txBox="1"/>
+          <p:nvPr/>
+        </p:nvSpPr>
+        <p:spPr>
+          <a:xfrm>
+            <a:off x="5952067" y="1401232"/>
+            <a:ext cx="5727699" cy="369332"/>
+          </a:xfrm>
+          <a:prstGeom prst="rect">
+            <a:avLst/>
+          </a:prstGeom>
+          <a:noFill/>
+        </p:spPr>
+        <p:txBody>
+          <a:bodyPr rot="0" spcFirstLastPara="0" vertOverflow="overflow" horzOverflow="overflow" vert="horz" wrap="square" lIns="91440" tIns="45720" rIns="91440" bIns="45720" numCol="1" spcCol="0" rtlCol="0" fromWordArt="0" anchor="t" anchorCtr="0" forceAA="0" compatLnSpc="1">
+            <a:prstTxWarp prst="textNoShape">
+              <a:avLst/>
+            </a:prstTxWarp>
+            <a:spAutoFit/>
+          </a:bodyPr>
+          <a:lstStyle/>
+          <a:p>
+            <a:r>
+              <a:rPr lang="en-US"/>
+              <a:t>Variable Selection by Stepwise AIC method</a:t>
+            </a:r>
+          </a:p>
+        </p:txBody>
+      </p:sp>
+      <p:sp>
+        <p:nvSpPr>
+          <p:cNvPr id="6" name="TextBox 5">
+            <a:extLst>
+              <a:ext uri="{FF2B5EF4-FFF2-40B4-BE49-F238E27FC236}">
+                <a16:creationId xmlns:a16="http://schemas.microsoft.com/office/drawing/2014/main" id="{6C7A67AB-A53C-443F-9553-03D9808CE209}"/>
+              </a:ext>
+            </a:extLst>
+          </p:cNvPr>
+          <p:cNvSpPr txBox="1"/>
+          <p:nvPr/>
+        </p:nvSpPr>
+        <p:spPr>
+          <a:xfrm>
+            <a:off x="543984" y="1898650"/>
+            <a:ext cx="3420534" cy="2492990"/>
+          </a:xfrm>
+          <a:prstGeom prst="rect">
+            <a:avLst/>
+          </a:prstGeom>
+          <a:noFill/>
+        </p:spPr>
+        <p:txBody>
+          <a:bodyPr rot="0" spcFirstLastPara="0" vertOverflow="overflow" horzOverflow="overflow" vert="horz" wrap="square" lIns="91440" tIns="45720" rIns="91440" bIns="45720" numCol="1" spcCol="0" rtlCol="0" fromWordArt="0" anchor="t" anchorCtr="0" forceAA="0" compatLnSpc="1">
+            <a:prstTxWarp prst="textNoShape">
+              <a:avLst/>
+            </a:prstTxWarp>
+            <a:spAutoFit/>
+          </a:bodyPr>
+          <a:lstStyle/>
+          <a:p>
+            <a:r>
+              <a:rPr lang="en-US" sz="1200"/>
+              <a:t>Categorical</a:t>
+            </a:r>
+          </a:p>
+          <a:p>
+            <a:pPr marL="285750" indent="-285750">
+              <a:buFont typeface="Arial"/>
+              <a:buChar char="•"/>
+            </a:pPr>
+            <a:r>
+              <a:rPr lang="en-US" sz="1200"/>
+              <a:t>Gender</a:t>
+            </a:r>
+          </a:p>
+          <a:p>
+            <a:pPr marL="285750" indent="-285750">
+              <a:buFont typeface="Arial"/>
+              <a:buChar char="•"/>
+            </a:pPr>
+            <a:r>
+              <a:rPr lang="en-US" sz="1200" err="1"/>
+              <a:t>JobRole</a:t>
+            </a:r>
+            <a:endParaRPr lang="en-US" sz="1200"/>
+          </a:p>
+          <a:p>
+            <a:pPr marL="285750" indent="-285750">
+              <a:buFont typeface="Arial"/>
+              <a:buChar char="•"/>
+            </a:pPr>
+            <a:r>
+              <a:rPr lang="en-US" sz="1200" err="1"/>
+              <a:t>EducationField</a:t>
+            </a:r>
+            <a:endParaRPr lang="en-US" sz="1200"/>
+          </a:p>
+          <a:p>
+            <a:endParaRPr lang="en-US" sz="1200"/>
+          </a:p>
+          <a:p>
+            <a:r>
+              <a:rPr lang="en-US" sz="1200"/>
+              <a:t>Numeric</a:t>
+            </a:r>
+          </a:p>
+          <a:p>
+            <a:pPr marL="285750" indent="-285750">
+              <a:buFont typeface="Arial"/>
+              <a:buChar char="•"/>
+            </a:pPr>
+            <a:r>
+              <a:rPr lang="en-US" sz="1200" err="1"/>
+              <a:t>JobLevel</a:t>
+            </a:r>
+            <a:endParaRPr lang="en-US" sz="1200"/>
+          </a:p>
+          <a:p>
+            <a:pPr marL="285750" indent="-285750">
+              <a:buFont typeface="Arial"/>
+              <a:buChar char="•"/>
+            </a:pPr>
+            <a:r>
+              <a:rPr lang="en-US" sz="1200" err="1"/>
+              <a:t>TotalWorkingYears</a:t>
+            </a:r>
+            <a:endParaRPr lang="en-US" sz="1200"/>
+          </a:p>
+          <a:p>
+            <a:pPr marL="285750" indent="-285750">
+              <a:buFont typeface="Arial"/>
+              <a:buChar char="•"/>
+            </a:pPr>
+            <a:r>
+              <a:rPr lang="en-US" sz="1200"/>
+              <a:t>Education</a:t>
+            </a:r>
+          </a:p>
+          <a:p>
+            <a:pPr marL="285750" indent="-285750">
+              <a:buFont typeface="Arial"/>
+              <a:buChar char="•"/>
+            </a:pPr>
+            <a:r>
+              <a:rPr lang="en-US" sz="1200" err="1"/>
+              <a:t>PerformanceRating</a:t>
+            </a:r>
+            <a:endParaRPr lang="en-US" sz="1200"/>
+          </a:p>
+          <a:p>
+            <a:pPr marL="285750" indent="-285750">
+              <a:buFont typeface="Arial"/>
+              <a:buChar char="•"/>
+            </a:pPr>
+            <a:r>
+              <a:rPr lang="en-US" sz="1200" err="1"/>
+              <a:t>RelationshipSatisfaction</a:t>
+            </a:r>
+            <a:endParaRPr lang="en-US" sz="1200"/>
+          </a:p>
+          <a:p>
+            <a:pPr marL="285750" indent="-285750">
+              <a:buFont typeface="Arial"/>
+              <a:buChar char="•"/>
+            </a:pPr>
+            <a:r>
+              <a:rPr lang="en-US" sz="1200" err="1"/>
+              <a:t>StockOptionLevel</a:t>
+            </a:r>
+            <a:endParaRPr lang="en-US" sz="1200"/>
+          </a:p>
+          <a:p>
+            <a:pPr marL="285750" indent="-285750">
+              <a:buFont typeface="Arial"/>
+              <a:buChar char="•"/>
+            </a:pPr>
+            <a:r>
+              <a:rPr lang="en-US" sz="1200" err="1"/>
+              <a:t>YearsAtCompany</a:t>
+            </a:r>
+            <a:endParaRPr lang="en-US" sz="1200"/>
+          </a:p>
+        </p:txBody>
+      </p:sp>
+      <p:sp>
+        <p:nvSpPr>
+          <p:cNvPr id="7" name="TextBox 6">
+            <a:extLst>
+              <a:ext uri="{FF2B5EF4-FFF2-40B4-BE49-F238E27FC236}">
+                <a16:creationId xmlns:a16="http://schemas.microsoft.com/office/drawing/2014/main" id="{49CA7528-27E6-434B-AF2A-D857D0091E6B}"/>
+              </a:ext>
+            </a:extLst>
+          </p:cNvPr>
+          <p:cNvSpPr txBox="1"/>
+          <p:nvPr/>
+        </p:nvSpPr>
+        <p:spPr>
+          <a:xfrm>
+            <a:off x="6063192" y="1903941"/>
+            <a:ext cx="3716866" cy="2492990"/>
+          </a:xfrm>
+          <a:prstGeom prst="rect">
+            <a:avLst/>
+          </a:prstGeom>
+          <a:noFill/>
+        </p:spPr>
+        <p:txBody>
+          <a:bodyPr rot="0" spcFirstLastPara="0" vertOverflow="overflow" horzOverflow="overflow" vert="horz" wrap="square" lIns="91440" tIns="45720" rIns="91440" bIns="45720" numCol="1" spcCol="0" rtlCol="0" fromWordArt="0" anchor="t" anchorCtr="0" forceAA="0" compatLnSpc="1">
+            <a:prstTxWarp prst="textNoShape">
+              <a:avLst/>
+            </a:prstTxWarp>
+            <a:spAutoFit/>
+          </a:bodyPr>
+          <a:lstStyle/>
+          <a:p>
+            <a:r>
+              <a:rPr lang="en-US" sz="1200">
+                <a:ea typeface="+mn-lt"/>
+                <a:cs typeface="+mn-lt"/>
+              </a:rPr>
+              <a:t>Categorical</a:t>
+            </a:r>
+          </a:p>
+          <a:p>
+            <a:pPr marL="285750" indent="-285750">
+              <a:buFont typeface="Arial"/>
+              <a:buChar char="•"/>
+            </a:pPr>
+            <a:r>
+              <a:rPr lang="en-US" sz="1200" err="1">
+                <a:ea typeface="+mn-lt"/>
+                <a:cs typeface="+mn-lt"/>
+              </a:rPr>
+              <a:t>BusinessTravel</a:t>
+            </a:r>
+            <a:endParaRPr lang="en-US" sz="1200"/>
+          </a:p>
+          <a:p>
+            <a:pPr marL="285750" indent="-285750">
+              <a:buFont typeface="Arial"/>
+              <a:buChar char="•"/>
+            </a:pPr>
+            <a:r>
+              <a:rPr lang="en-US" sz="1200">
+                <a:ea typeface="+mn-lt"/>
+                <a:cs typeface="+mn-lt"/>
+              </a:rPr>
+              <a:t>Gender</a:t>
+            </a:r>
+            <a:endParaRPr lang="en-US" sz="1200"/>
+          </a:p>
+          <a:p>
+            <a:pPr marL="285750" indent="-285750">
+              <a:buFont typeface="Arial"/>
+              <a:buChar char="•"/>
+            </a:pPr>
+            <a:r>
+              <a:rPr lang="en-US" sz="1200" err="1">
+                <a:ea typeface="+mn-lt"/>
+                <a:cs typeface="+mn-lt"/>
+              </a:rPr>
+              <a:t>JobRole</a:t>
+            </a:r>
+            <a:endParaRPr lang="en-US" sz="1200"/>
+          </a:p>
+          <a:p>
+            <a:endParaRPr lang="en-US" sz="1200">
+              <a:ea typeface="+mn-lt"/>
+              <a:cs typeface="+mn-lt"/>
+            </a:endParaRPr>
+          </a:p>
+          <a:p>
+            <a:r>
+              <a:rPr lang="en-US" sz="1200">
+                <a:ea typeface="+mn-lt"/>
+                <a:cs typeface="+mn-lt"/>
+              </a:rPr>
+              <a:t>Numeric</a:t>
+            </a:r>
+          </a:p>
+          <a:p>
+            <a:pPr marL="285750" indent="-285750">
+              <a:buFont typeface="Arial"/>
+              <a:buChar char="•"/>
+            </a:pPr>
+            <a:r>
+              <a:rPr lang="en-US" sz="1200" err="1">
+                <a:ea typeface="+mn-lt"/>
+                <a:cs typeface="+mn-lt"/>
+              </a:rPr>
+              <a:t>DistanceFromHome</a:t>
+            </a:r>
+            <a:endParaRPr lang="en-US" sz="1200"/>
+          </a:p>
+          <a:p>
+            <a:pPr marL="285750" indent="-285750">
+              <a:buFont typeface="Arial"/>
+              <a:buChar char="•"/>
+            </a:pPr>
+            <a:r>
+              <a:rPr lang="en-US" sz="1200" err="1">
+                <a:ea typeface="+mn-lt"/>
+                <a:cs typeface="+mn-lt"/>
+              </a:rPr>
+              <a:t>JobLevel</a:t>
+            </a:r>
+            <a:endParaRPr lang="en-US" sz="1200"/>
+          </a:p>
+          <a:p>
+            <a:pPr marL="285750" indent="-285750">
+              <a:buFont typeface="Arial"/>
+              <a:buChar char="•"/>
+            </a:pPr>
+            <a:r>
+              <a:rPr lang="en-US" sz="1200" err="1">
+                <a:ea typeface="+mn-lt"/>
+                <a:cs typeface="+mn-lt"/>
+              </a:rPr>
+              <a:t>PercentSalaryHike</a:t>
+            </a:r>
+            <a:endParaRPr lang="en-US" sz="1200">
+              <a:ea typeface="+mn-lt"/>
+              <a:cs typeface="+mn-lt"/>
+            </a:endParaRPr>
+          </a:p>
+          <a:p>
+            <a:pPr marL="285750" indent="-285750">
+              <a:buFont typeface="Arial"/>
+              <a:buChar char="•"/>
+            </a:pPr>
+            <a:r>
+              <a:rPr lang="en-US" sz="1200" err="1">
+                <a:ea typeface="+mn-lt"/>
+                <a:cs typeface="+mn-lt"/>
+              </a:rPr>
+              <a:t>PerformanceRating</a:t>
+            </a:r>
+            <a:endParaRPr lang="en-US" sz="1200"/>
+          </a:p>
+          <a:p>
+            <a:pPr marL="285750" indent="-285750">
+              <a:buFont typeface="Arial"/>
+              <a:buChar char="•"/>
+            </a:pPr>
+            <a:r>
+              <a:rPr lang="en-US" sz="1200" err="1">
+                <a:ea typeface="+mn-lt"/>
+                <a:cs typeface="+mn-lt"/>
+              </a:rPr>
+              <a:t>TotalWorkingYears</a:t>
+            </a:r>
+            <a:endParaRPr lang="en-US" sz="1200">
+              <a:ea typeface="+mn-lt"/>
+              <a:cs typeface="+mn-lt"/>
+            </a:endParaRPr>
+          </a:p>
+          <a:p>
+            <a:pPr marL="285750" indent="-285750">
+              <a:buFont typeface="Arial"/>
+              <a:buChar char="•"/>
+            </a:pPr>
+            <a:r>
+              <a:rPr lang="en-US" sz="1200" err="1">
+                <a:ea typeface="+mn-lt"/>
+                <a:cs typeface="+mn-lt"/>
+              </a:rPr>
+              <a:t>YearsSinceLastPromotion</a:t>
+            </a:r>
+            <a:endParaRPr lang="en-US" sz="1200"/>
+          </a:p>
+          <a:p>
+            <a:pPr marL="285750" indent="-285750" algn="l">
+              <a:buFont typeface="Arial"/>
+              <a:buChar char="•"/>
+            </a:pPr>
+            <a:r>
+              <a:rPr lang="en-US" sz="1200" err="1">
+                <a:ea typeface="+mn-lt"/>
+                <a:cs typeface="+mn-lt"/>
+              </a:rPr>
+              <a:t>YearsWithCurrManager</a:t>
+            </a:r>
+            <a:endParaRPr lang="en-US" sz="1200" err="1"/>
+          </a:p>
+        </p:txBody>
+      </p:sp>
+      <p:sp>
+        <p:nvSpPr>
+          <p:cNvPr id="8" name="Title 1">
+            <a:extLst>
+              <a:ext uri="{FF2B5EF4-FFF2-40B4-BE49-F238E27FC236}">
+                <a16:creationId xmlns:a16="http://schemas.microsoft.com/office/drawing/2014/main" id="{40F6BFEB-9A23-405A-8A45-F032C4011C73}"/>
+              </a:ext>
+            </a:extLst>
+          </p:cNvPr>
+          <p:cNvSpPr>
+            <a:spLocks noGrp="1"/>
+          </p:cNvSpPr>
+          <p:nvPr/>
+        </p:nvSpPr>
+        <p:spPr>
+          <a:xfrm>
+            <a:off x="699028" y="505634"/>
+            <a:ext cx="9404723" cy="1400530"/>
+          </a:xfrm>
+          <a:prstGeom prst="rect">
+            <a:avLst/>
+          </a:prstGeom>
+        </p:spPr>
+        <p:txBody>
+          <a:bodyPr vert="horz" lIns="91440" tIns="45720" rIns="91440" bIns="45720" rtlCol="0" anchor="t">
+            <a:noAutofit/>
+          </a:bodyPr>
+          <a:lstStyle>
+            <a:lvl1pPr algn="l" defTabSz="457200" rtl="0" eaLnBrk="1" latinLnBrk="0" hangingPunct="1">
+              <a:spcBef>
+                <a:spcPct val="0"/>
+              </a:spcBef>
+              <a:buNone/>
+              <a:defRPr sz="4200" b="0" i="0" kern="1200">
+                <a:solidFill>
+                  <a:schemeClr val="tx2"/>
+                </a:solidFill>
+                <a:latin typeface="+mj-lt"/>
+                <a:ea typeface="+mj-ea"/>
+                <a:cs typeface="+mj-cs"/>
+              </a:defRPr>
+            </a:lvl1pPr>
+            <a:lvl2pPr eaLnBrk="1" hangingPunct="1">
+              <a:defRPr>
+                <a:solidFill>
+                  <a:schemeClr val="tx2"/>
+                </a:solidFill>
+              </a:defRPr>
+            </a:lvl2pPr>
+            <a:lvl3pPr eaLnBrk="1" hangingPunct="1">
+              <a:defRPr>
+                <a:solidFill>
+                  <a:schemeClr val="tx2"/>
+                </a:solidFill>
+              </a:defRPr>
+            </a:lvl3pPr>
+            <a:lvl4pPr eaLnBrk="1" hangingPunct="1">
+              <a:defRPr>
+                <a:solidFill>
+                  <a:schemeClr val="tx2"/>
+                </a:solidFill>
+              </a:defRPr>
+            </a:lvl4pPr>
+            <a:lvl5pPr eaLnBrk="1" hangingPunct="1">
+              <a:defRPr>
+                <a:solidFill>
+                  <a:schemeClr val="tx2"/>
+                </a:solidFill>
+              </a:defRPr>
+            </a:lvl5pPr>
+            <a:lvl6pPr eaLnBrk="1" hangingPunct="1">
+              <a:defRPr>
+                <a:solidFill>
+                  <a:schemeClr val="tx2"/>
+                </a:solidFill>
+              </a:defRPr>
+            </a:lvl6pPr>
+            <a:lvl7pPr eaLnBrk="1" hangingPunct="1">
+              <a:defRPr>
+                <a:solidFill>
+                  <a:schemeClr val="tx2"/>
+                </a:solidFill>
+              </a:defRPr>
+            </a:lvl7pPr>
+            <a:lvl8pPr eaLnBrk="1" hangingPunct="1">
+              <a:defRPr>
+                <a:solidFill>
+                  <a:schemeClr val="tx2"/>
+                </a:solidFill>
+              </a:defRPr>
+            </a:lvl8pPr>
+            <a:lvl9pPr eaLnBrk="1" hangingPunct="1">
+              <a:defRPr>
+                <a:solidFill>
+                  <a:schemeClr val="tx2"/>
+                </a:solidFill>
+              </a:defRPr>
+            </a:lvl9pPr>
+          </a:lstStyle>
+          <a:p>
+            <a:r>
+              <a:rPr lang="en-US"/>
+              <a:t>Factors related to Salary</a:t>
+            </a:r>
+          </a:p>
+        </p:txBody>
+      </p:sp>
+      <p:sp>
+        <p:nvSpPr>
+          <p:cNvPr id="2" name="TextBox 1">
+            <a:extLst>
+              <a:ext uri="{FF2B5EF4-FFF2-40B4-BE49-F238E27FC236}">
+                <a16:creationId xmlns:a16="http://schemas.microsoft.com/office/drawing/2014/main" id="{BF25D8BE-4B77-476C-BE65-6420DA92DBC6}"/>
+              </a:ext>
+            </a:extLst>
+          </p:cNvPr>
+          <p:cNvSpPr txBox="1"/>
+          <p:nvPr/>
+        </p:nvSpPr>
+        <p:spPr>
+          <a:xfrm>
+            <a:off x="427567" y="4512733"/>
+            <a:ext cx="3642783" cy="369332"/>
+          </a:xfrm>
+          <a:prstGeom prst="rect">
+            <a:avLst/>
+          </a:prstGeom>
+          <a:noFill/>
+        </p:spPr>
+        <p:txBody>
+          <a:bodyPr rot="0" spcFirstLastPara="0" vertOverflow="overflow" horzOverflow="overflow" vert="horz" wrap="square" lIns="91440" tIns="45720" rIns="91440" bIns="45720" numCol="1" spcCol="0" rtlCol="0" fromWordArt="0" anchor="t" anchorCtr="0" forceAA="0" compatLnSpc="1">
+            <a:prstTxWarp prst="textNoShape">
+              <a:avLst/>
+            </a:prstTxWarp>
+            <a:spAutoFit/>
+          </a:bodyPr>
+          <a:lstStyle/>
+          <a:p>
+            <a:r>
+              <a:rPr lang="en-US"/>
+              <a:t>Minimal Set</a:t>
+            </a:r>
+          </a:p>
+        </p:txBody>
+      </p:sp>
+      <p:sp>
+        <p:nvSpPr>
+          <p:cNvPr id="3" name="TextBox 2">
+            <a:extLst>
+              <a:ext uri="{FF2B5EF4-FFF2-40B4-BE49-F238E27FC236}">
+                <a16:creationId xmlns:a16="http://schemas.microsoft.com/office/drawing/2014/main" id="{187B26C8-2276-4BB1-A3EC-19A8BDEF5D1F}"/>
+              </a:ext>
+            </a:extLst>
+          </p:cNvPr>
+          <p:cNvSpPr txBox="1"/>
+          <p:nvPr/>
+        </p:nvSpPr>
+        <p:spPr>
+          <a:xfrm>
+            <a:off x="5507567" y="4512732"/>
+            <a:ext cx="6161615" cy="369332"/>
+          </a:xfrm>
+          <a:prstGeom prst="rect">
+            <a:avLst/>
+          </a:prstGeom>
+          <a:noFill/>
+        </p:spPr>
+        <p:txBody>
+          <a:bodyPr rot="0" spcFirstLastPara="0" vertOverflow="overflow" horzOverflow="overflow" vert="horz" wrap="square" lIns="91440" tIns="45720" rIns="91440" bIns="45720" numCol="1" spcCol="0" rtlCol="0" fromWordArt="0" anchor="t" anchorCtr="0" forceAA="0" compatLnSpc="1">
+            <a:prstTxWarp prst="textNoShape">
+              <a:avLst/>
+            </a:prstTxWarp>
+            <a:spAutoFit/>
+          </a:bodyPr>
+          <a:lstStyle/>
+          <a:p>
+            <a:r>
+              <a:rPr lang="en-US"/>
+              <a:t>Stepwise AIC method: retain statisticallly significant</a:t>
+            </a:r>
+          </a:p>
+        </p:txBody>
+      </p:sp>
+      <p:sp>
+        <p:nvSpPr>
+          <p:cNvPr id="12" name="TextBox 11">
+            <a:extLst>
+              <a:ext uri="{FF2B5EF4-FFF2-40B4-BE49-F238E27FC236}">
+                <a16:creationId xmlns:a16="http://schemas.microsoft.com/office/drawing/2014/main" id="{5F09DD68-9063-48B5-A54A-6213FB1D9CDC}"/>
+              </a:ext>
+            </a:extLst>
+          </p:cNvPr>
+          <p:cNvSpPr txBox="1"/>
+          <p:nvPr/>
+        </p:nvSpPr>
+        <p:spPr>
+          <a:xfrm>
+            <a:off x="618067" y="4999567"/>
+            <a:ext cx="3420534" cy="646331"/>
+          </a:xfrm>
+          <a:prstGeom prst="rect">
+            <a:avLst/>
+          </a:prstGeom>
+          <a:noFill/>
+        </p:spPr>
+        <p:txBody>
+          <a:bodyPr rot="0" spcFirstLastPara="0" vertOverflow="overflow" horzOverflow="overflow" vert="horz" wrap="square" lIns="91440" tIns="45720" rIns="91440" bIns="45720" numCol="1" spcCol="0" rtlCol="0" fromWordArt="0" anchor="t" anchorCtr="0" forceAA="0" compatLnSpc="1">
+            <a:prstTxWarp prst="textNoShape">
+              <a:avLst/>
+            </a:prstTxWarp>
+            <a:spAutoFit/>
+          </a:bodyPr>
+          <a:lstStyle/>
+          <a:p>
+            <a:r>
+              <a:rPr lang="en-US" sz="1200"/>
+              <a:t>Numeric</a:t>
+            </a:r>
+          </a:p>
+          <a:p>
+            <a:pPr marL="285750" indent="-285750">
+              <a:buFont typeface="Arial"/>
+              <a:buChar char="•"/>
+            </a:pPr>
+            <a:r>
+              <a:rPr lang="en-US" sz="1200" err="1"/>
+              <a:t>JobLevel</a:t>
+            </a:r>
+            <a:endParaRPr lang="en-US" sz="1200"/>
+          </a:p>
+          <a:p>
+            <a:pPr marL="285750" indent="-285750">
+              <a:buFont typeface="Arial"/>
+              <a:buChar char="•"/>
+            </a:pPr>
+            <a:r>
+              <a:rPr lang="en-US" sz="1200" err="1"/>
+              <a:t>TotalWorkingYears</a:t>
+            </a:r>
+            <a:endParaRPr lang="en-US" sz="1200"/>
+          </a:p>
+        </p:txBody>
+      </p:sp>
+      <p:sp>
+        <p:nvSpPr>
+          <p:cNvPr id="14" name="TextBox 13">
+            <a:extLst>
+              <a:ext uri="{FF2B5EF4-FFF2-40B4-BE49-F238E27FC236}">
+                <a16:creationId xmlns:a16="http://schemas.microsoft.com/office/drawing/2014/main" id="{333E67DB-3C85-431C-B0AA-D548CA983081}"/>
+              </a:ext>
+            </a:extLst>
+          </p:cNvPr>
+          <p:cNvSpPr txBox="1"/>
+          <p:nvPr/>
+        </p:nvSpPr>
+        <p:spPr>
+          <a:xfrm>
+            <a:off x="6063193" y="5004858"/>
+            <a:ext cx="3716866" cy="830997"/>
+          </a:xfrm>
+          <a:prstGeom prst="rect">
+            <a:avLst/>
+          </a:prstGeom>
+          <a:noFill/>
+        </p:spPr>
+        <p:txBody>
+          <a:bodyPr rot="0" spcFirstLastPara="0" vertOverflow="overflow" horzOverflow="overflow" vert="horz" wrap="square" lIns="91440" tIns="45720" rIns="91440" bIns="45720" numCol="1" spcCol="0" rtlCol="0" fromWordArt="0" anchor="t" anchorCtr="0" forceAA="0" compatLnSpc="1">
+            <a:prstTxWarp prst="textNoShape">
+              <a:avLst/>
+            </a:prstTxWarp>
+            <a:spAutoFit/>
+          </a:bodyPr>
+          <a:lstStyle/>
+          <a:p>
+            <a:r>
+              <a:rPr lang="en-US" sz="1200">
+                <a:ea typeface="+mn-lt"/>
+                <a:cs typeface="+mn-lt"/>
+              </a:rPr>
+              <a:t>Numeric</a:t>
+            </a:r>
+            <a:endParaRPr lang="en-US" sz="1200"/>
+          </a:p>
+          <a:p>
+            <a:pPr marL="285750" indent="-285750">
+              <a:buFont typeface="Arial"/>
+              <a:buChar char="•"/>
+            </a:pPr>
+            <a:r>
+              <a:rPr lang="en-US" sz="1200" err="1">
+                <a:ea typeface="+mn-lt"/>
+                <a:cs typeface="+mn-lt"/>
+              </a:rPr>
+              <a:t>JobLevel</a:t>
+            </a:r>
+            <a:endParaRPr lang="en-US" sz="1200"/>
+          </a:p>
+          <a:p>
+            <a:pPr marL="285750" indent="-285750">
+              <a:buFont typeface="Arial"/>
+              <a:buChar char="•"/>
+            </a:pPr>
+            <a:r>
+              <a:rPr lang="en-US" sz="1200" err="1">
+                <a:ea typeface="+mn-lt"/>
+                <a:cs typeface="+mn-lt"/>
+              </a:rPr>
+              <a:t>TotalWorkingYears</a:t>
+            </a:r>
+            <a:endParaRPr lang="en-US" sz="1200">
+              <a:ea typeface="+mn-lt"/>
+              <a:cs typeface="+mn-lt"/>
+            </a:endParaRPr>
+          </a:p>
+          <a:p>
+            <a:pPr marL="285750" indent="-285750">
+              <a:buFont typeface="Arial"/>
+              <a:buChar char="•"/>
+            </a:pPr>
+            <a:r>
+              <a:rPr lang="en-US" sz="1200" err="1">
+                <a:ea typeface="+mn-lt"/>
+                <a:cs typeface="+mn-lt"/>
+              </a:rPr>
+              <a:t>YearsWithCurrManager</a:t>
+            </a:r>
+            <a:endParaRPr lang="en-US" sz="1200" err="1"/>
+          </a:p>
+        </p:txBody>
+      </p:sp>
+    </p:spTree>
+    <p:extLst>
+      <p:ext uri="{BB962C8B-B14F-4D97-AF65-F5344CB8AC3E}">
+        <p14:creationId xmlns:p14="http://schemas.microsoft.com/office/powerpoint/2010/main" val="631460421"/>
+      </p:ext>
+    </p:extLst>
+  </p:cSld>
+  <p:clrMapOvr>
+    <a:masterClrMapping/>
+  </p:clrMapOvr>
+</p:sld>
+</file>
+
+<file path=ppt/slides/slide12.xml><?xml version="1.0" encoding="utf-8"?>
+<p:sld xmlns:a="http://schemas.openxmlformats.org/drawingml/2006/main" xmlns:r="http://schemas.openxmlformats.org/officeDocument/2006/relationships" xmlns:p="http://schemas.openxmlformats.org/presentationml/2006/main">
+  <p:cSld>
+    <p:spTree>
+      <p:nvGrpSpPr>
+        <p:cNvPr id="1" name=""/>
+        <p:cNvGrpSpPr/>
+        <p:nvPr/>
+      </p:nvGrpSpPr>
+      <p:grpSpPr>
+        <a:xfrm>
+          <a:off x="0" y="0"/>
+          <a:ext cx="0" cy="0"/>
+          <a:chOff x="0" y="0"/>
+          <a:chExt cx="0" cy="0"/>
+        </a:xfrm>
+      </p:grpSpPr>
+      <p:sp>
+        <p:nvSpPr>
+          <p:cNvPr id="6" name="Title 1">
+            <a:extLst>
+              <a:ext uri="{FF2B5EF4-FFF2-40B4-BE49-F238E27FC236}">
+                <a16:creationId xmlns:a16="http://schemas.microsoft.com/office/drawing/2014/main" id="{11658270-D567-48C1-B143-386A65F06115}"/>
+              </a:ext>
+            </a:extLst>
+          </p:cNvPr>
+          <p:cNvSpPr>
+            <a:spLocks noGrp="1"/>
+          </p:cNvSpPr>
+          <p:nvPr/>
+        </p:nvSpPr>
+        <p:spPr>
+          <a:xfrm>
+            <a:off x="1386944" y="399801"/>
+            <a:ext cx="9404723" cy="881947"/>
+          </a:xfrm>
+          <a:prstGeom prst="rect">
+            <a:avLst/>
+          </a:prstGeom>
+        </p:spPr>
+        <p:txBody>
+          <a:bodyPr vert="horz" lIns="91440" tIns="45720" rIns="91440" bIns="45720" rtlCol="0" anchor="t">
+            <a:noAutofit/>
+          </a:bodyPr>
+          <a:lstStyle>
+            <a:lvl1pPr algn="l" defTabSz="457200" rtl="0" eaLnBrk="1" latinLnBrk="0" hangingPunct="1">
+              <a:spcBef>
+                <a:spcPct val="0"/>
+              </a:spcBef>
+              <a:buNone/>
+              <a:defRPr sz="4200" b="0" i="0" kern="1200">
+                <a:solidFill>
+                  <a:schemeClr val="tx2"/>
+                </a:solidFill>
+                <a:latin typeface="+mj-lt"/>
+                <a:ea typeface="+mj-ea"/>
+                <a:cs typeface="+mj-cs"/>
+              </a:defRPr>
+            </a:lvl1pPr>
+            <a:lvl2pPr eaLnBrk="1" hangingPunct="1">
+              <a:defRPr>
+                <a:solidFill>
+                  <a:schemeClr val="tx2"/>
+                </a:solidFill>
+              </a:defRPr>
+            </a:lvl2pPr>
+            <a:lvl3pPr eaLnBrk="1" hangingPunct="1">
+              <a:defRPr>
+                <a:solidFill>
+                  <a:schemeClr val="tx2"/>
+                </a:solidFill>
+              </a:defRPr>
+            </a:lvl3pPr>
+            <a:lvl4pPr eaLnBrk="1" hangingPunct="1">
+              <a:defRPr>
+                <a:solidFill>
+                  <a:schemeClr val="tx2"/>
+                </a:solidFill>
+              </a:defRPr>
+            </a:lvl4pPr>
+            <a:lvl5pPr eaLnBrk="1" hangingPunct="1">
+              <a:defRPr>
+                <a:solidFill>
+                  <a:schemeClr val="tx2"/>
+                </a:solidFill>
+              </a:defRPr>
+            </a:lvl5pPr>
+            <a:lvl6pPr eaLnBrk="1" hangingPunct="1">
+              <a:defRPr>
+                <a:solidFill>
+                  <a:schemeClr val="tx2"/>
+                </a:solidFill>
+              </a:defRPr>
+            </a:lvl6pPr>
+            <a:lvl7pPr eaLnBrk="1" hangingPunct="1">
+              <a:defRPr>
+                <a:solidFill>
+                  <a:schemeClr val="tx2"/>
+                </a:solidFill>
+              </a:defRPr>
+            </a:lvl7pPr>
+            <a:lvl8pPr eaLnBrk="1" hangingPunct="1">
+              <a:defRPr>
+                <a:solidFill>
+                  <a:schemeClr val="tx2"/>
+                </a:solidFill>
+              </a:defRPr>
+            </a:lvl8pPr>
+            <a:lvl9pPr eaLnBrk="1" hangingPunct="1">
+              <a:defRPr>
+                <a:solidFill>
+                  <a:schemeClr val="tx2"/>
+                </a:solidFill>
+              </a:defRPr>
+            </a:lvl9pPr>
+          </a:lstStyle>
+          <a:p>
+            <a:r>
+              <a:rPr lang="en-US"/>
+              <a:t>Subjective Model</a:t>
+            </a:r>
+          </a:p>
+        </p:txBody>
+      </p:sp>
+      <p:pic>
+        <p:nvPicPr>
+          <p:cNvPr id="2" name="Picture 2" descr="A screenshot of a cell phone&#10;&#10;Description generated with very high confidence">
+            <a:extLst>
+              <a:ext uri="{FF2B5EF4-FFF2-40B4-BE49-F238E27FC236}">
+                <a16:creationId xmlns:a16="http://schemas.microsoft.com/office/drawing/2014/main" id="{ECE73D98-102F-4B7E-AA50-66DF8B754BF9}"/>
+              </a:ext>
+            </a:extLst>
+          </p:cNvPr>
+          <p:cNvPicPr>
+            <a:picLocks noChangeAspect="1"/>
+          </p:cNvPicPr>
+          <p:nvPr/>
+        </p:nvPicPr>
+        <p:blipFill>
+          <a:blip r:embed="rId2"/>
+          <a:stretch>
+            <a:fillRect/>
+          </a:stretch>
+        </p:blipFill>
+        <p:spPr>
+          <a:xfrm>
+            <a:off x="3482188" y="1289920"/>
+            <a:ext cx="4396352" cy="2305815"/>
+          </a:xfrm>
+          <a:prstGeom prst="rect">
+            <a:avLst/>
+          </a:prstGeom>
+        </p:spPr>
+      </p:pic>
+      <p:pic>
+        <p:nvPicPr>
+          <p:cNvPr id="4" name="Picture 4">
+            <a:extLst>
+              <a:ext uri="{FF2B5EF4-FFF2-40B4-BE49-F238E27FC236}">
+                <a16:creationId xmlns:a16="http://schemas.microsoft.com/office/drawing/2014/main" id="{3A704620-9CB5-46BD-897D-8D008157CEAB}"/>
+              </a:ext>
+            </a:extLst>
+          </p:cNvPr>
+          <p:cNvPicPr>
+            <a:picLocks noChangeAspect="1"/>
+          </p:cNvPicPr>
+          <p:nvPr/>
+        </p:nvPicPr>
+        <p:blipFill>
+          <a:blip r:embed="rId3"/>
+          <a:stretch>
+            <a:fillRect/>
+          </a:stretch>
+        </p:blipFill>
+        <p:spPr>
+          <a:xfrm>
+            <a:off x="305370" y="4023438"/>
+            <a:ext cx="3623953" cy="2592779"/>
+          </a:xfrm>
+          <a:prstGeom prst="rect">
+            <a:avLst/>
+          </a:prstGeom>
+        </p:spPr>
+      </p:pic>
+      <p:pic>
+        <p:nvPicPr>
+          <p:cNvPr id="7" name="Picture 7">
+            <a:extLst>
+              <a:ext uri="{FF2B5EF4-FFF2-40B4-BE49-F238E27FC236}">
+                <a16:creationId xmlns:a16="http://schemas.microsoft.com/office/drawing/2014/main" id="{A2362BE0-23AD-4C99-8844-B0F88A3C60F3}"/>
+              </a:ext>
+            </a:extLst>
+          </p:cNvPr>
+          <p:cNvPicPr>
+            <a:picLocks noChangeAspect="1"/>
+          </p:cNvPicPr>
+          <p:nvPr/>
+        </p:nvPicPr>
+        <p:blipFill>
+          <a:blip r:embed="rId4"/>
+          <a:stretch>
+            <a:fillRect/>
+          </a:stretch>
+        </p:blipFill>
+        <p:spPr>
+          <a:xfrm>
+            <a:off x="4154116" y="4023438"/>
+            <a:ext cx="3653641" cy="2592779"/>
+          </a:xfrm>
+          <a:prstGeom prst="rect">
+            <a:avLst/>
+          </a:prstGeom>
+        </p:spPr>
+      </p:pic>
+      <p:pic>
+        <p:nvPicPr>
+          <p:cNvPr id="9" name="Picture 9" descr="A picture containing photo, table, different, water&#10;&#10;Description generated with very high confidence">
+            <a:extLst>
+              <a:ext uri="{FF2B5EF4-FFF2-40B4-BE49-F238E27FC236}">
+                <a16:creationId xmlns:a16="http://schemas.microsoft.com/office/drawing/2014/main" id="{5C710331-A695-474E-BFA1-F352BF566A54}"/>
+              </a:ext>
+            </a:extLst>
+          </p:cNvPr>
+          <p:cNvPicPr>
+            <a:picLocks noChangeAspect="1"/>
+          </p:cNvPicPr>
+          <p:nvPr/>
+        </p:nvPicPr>
+        <p:blipFill>
+          <a:blip r:embed="rId5"/>
+          <a:stretch>
+            <a:fillRect/>
+          </a:stretch>
+        </p:blipFill>
+        <p:spPr>
+          <a:xfrm>
+            <a:off x="8009739" y="4023438"/>
+            <a:ext cx="3643745" cy="2592779"/>
+          </a:xfrm>
+          <a:prstGeom prst="rect">
+            <a:avLst/>
+          </a:prstGeom>
+        </p:spPr>
+      </p:pic>
+    </p:spTree>
+    <p:extLst>
+      <p:ext uri="{BB962C8B-B14F-4D97-AF65-F5344CB8AC3E}">
+        <p14:creationId xmlns:p14="http://schemas.microsoft.com/office/powerpoint/2010/main" val="2720238524"/>
+      </p:ext>
+    </p:extLst>
+  </p:cSld>
+  <p:clrMapOvr>
+    <a:masterClrMapping/>
+  </p:clrMapOvr>
+</p:sld>
+</file>
+
+<file path=ppt/slides/slide13.xml><?xml version="1.0" encoding="utf-8"?>
+<p:sld xmlns:a="http://schemas.openxmlformats.org/drawingml/2006/main" xmlns:r="http://schemas.openxmlformats.org/officeDocument/2006/relationships" xmlns:p="http://schemas.openxmlformats.org/presentationml/2006/main">
+  <p:cSld>
+    <p:spTree>
+      <p:nvGrpSpPr>
+        <p:cNvPr id="1" name=""/>
+        <p:cNvGrpSpPr/>
+        <p:nvPr/>
+      </p:nvGrpSpPr>
+      <p:grpSpPr>
+        <a:xfrm>
+          <a:off x="0" y="0"/>
+          <a:ext cx="0" cy="0"/>
+          <a:chOff x="0" y="0"/>
+          <a:chExt cx="0" cy="0"/>
+        </a:xfrm>
+      </p:grpSpPr>
+      <p:sp>
+        <p:nvSpPr>
+          <p:cNvPr id="6" name="Title 1">
+            <a:extLst>
+              <a:ext uri="{FF2B5EF4-FFF2-40B4-BE49-F238E27FC236}">
+                <a16:creationId xmlns:a16="http://schemas.microsoft.com/office/drawing/2014/main" id="{11658270-D567-48C1-B143-386A65F06115}"/>
+              </a:ext>
+            </a:extLst>
+          </p:cNvPr>
+          <p:cNvSpPr>
+            <a:spLocks noGrp="1"/>
+          </p:cNvSpPr>
+          <p:nvPr/>
+        </p:nvSpPr>
+        <p:spPr>
+          <a:xfrm>
+            <a:off x="1386944" y="399801"/>
+            <a:ext cx="9404723" cy="881947"/>
+          </a:xfrm>
+          <a:prstGeom prst="rect">
+            <a:avLst/>
+          </a:prstGeom>
+        </p:spPr>
+        <p:txBody>
+          <a:bodyPr vert="horz" lIns="91440" tIns="45720" rIns="91440" bIns="45720" rtlCol="0" anchor="t">
+            <a:noAutofit/>
+          </a:bodyPr>
+          <a:lstStyle>
+            <a:lvl1pPr algn="l" defTabSz="457200" rtl="0" eaLnBrk="1" latinLnBrk="0" hangingPunct="1">
+              <a:spcBef>
+                <a:spcPct val="0"/>
+              </a:spcBef>
+              <a:buNone/>
+              <a:defRPr sz="4200" b="0" i="0" kern="1200">
+                <a:solidFill>
+                  <a:schemeClr val="tx2"/>
+                </a:solidFill>
+                <a:latin typeface="+mj-lt"/>
+                <a:ea typeface="+mj-ea"/>
+                <a:cs typeface="+mj-cs"/>
+              </a:defRPr>
+            </a:lvl1pPr>
+            <a:lvl2pPr eaLnBrk="1" hangingPunct="1">
+              <a:defRPr>
+                <a:solidFill>
+                  <a:schemeClr val="tx2"/>
+                </a:solidFill>
+              </a:defRPr>
+            </a:lvl2pPr>
+            <a:lvl3pPr eaLnBrk="1" hangingPunct="1">
+              <a:defRPr>
+                <a:solidFill>
+                  <a:schemeClr val="tx2"/>
+                </a:solidFill>
+              </a:defRPr>
+            </a:lvl3pPr>
+            <a:lvl4pPr eaLnBrk="1" hangingPunct="1">
+              <a:defRPr>
+                <a:solidFill>
+                  <a:schemeClr val="tx2"/>
+                </a:solidFill>
+              </a:defRPr>
+            </a:lvl4pPr>
+            <a:lvl5pPr eaLnBrk="1" hangingPunct="1">
+              <a:defRPr>
+                <a:solidFill>
+                  <a:schemeClr val="tx2"/>
+                </a:solidFill>
+              </a:defRPr>
+            </a:lvl5pPr>
+            <a:lvl6pPr eaLnBrk="1" hangingPunct="1">
+              <a:defRPr>
+                <a:solidFill>
+                  <a:schemeClr val="tx2"/>
+                </a:solidFill>
+              </a:defRPr>
+            </a:lvl6pPr>
+            <a:lvl7pPr eaLnBrk="1" hangingPunct="1">
+              <a:defRPr>
+                <a:solidFill>
+                  <a:schemeClr val="tx2"/>
+                </a:solidFill>
+              </a:defRPr>
+            </a:lvl7pPr>
+            <a:lvl8pPr eaLnBrk="1" hangingPunct="1">
+              <a:defRPr>
+                <a:solidFill>
+                  <a:schemeClr val="tx2"/>
+                </a:solidFill>
+              </a:defRPr>
+            </a:lvl8pPr>
+            <a:lvl9pPr eaLnBrk="1" hangingPunct="1">
+              <a:defRPr>
+                <a:solidFill>
+                  <a:schemeClr val="tx2"/>
+                </a:solidFill>
+              </a:defRPr>
+            </a:lvl9pPr>
+          </a:lstStyle>
+          <a:p>
+            <a:r>
+              <a:rPr lang="en-US"/>
+              <a:t>Stepwise Model</a:t>
+            </a:r>
+          </a:p>
+        </p:txBody>
+      </p:sp>
+      <p:pic>
+        <p:nvPicPr>
+          <p:cNvPr id="2" name="Picture 2">
+            <a:extLst>
+              <a:ext uri="{FF2B5EF4-FFF2-40B4-BE49-F238E27FC236}">
+                <a16:creationId xmlns:a16="http://schemas.microsoft.com/office/drawing/2014/main" id="{3F774206-8E3E-4FDD-A3F8-50BED1DE620B}"/>
+              </a:ext>
+            </a:extLst>
+          </p:cNvPr>
+          <p:cNvPicPr>
+            <a:picLocks noChangeAspect="1"/>
+          </p:cNvPicPr>
+          <p:nvPr/>
+        </p:nvPicPr>
+        <p:blipFill>
+          <a:blip r:embed="rId2"/>
+          <a:stretch>
+            <a:fillRect/>
+          </a:stretch>
+        </p:blipFill>
+        <p:spPr>
+          <a:xfrm>
+            <a:off x="208702" y="4070774"/>
+            <a:ext cx="3703122" cy="2642260"/>
+          </a:xfrm>
+          <a:prstGeom prst="rect">
+            <a:avLst/>
+          </a:prstGeom>
+        </p:spPr>
+      </p:pic>
+      <p:pic>
+        <p:nvPicPr>
+          <p:cNvPr id="4" name="Picture 4" descr="A screenshot of a cell phone&#10;&#10;Description generated with high confidence">
+            <a:extLst>
+              <a:ext uri="{FF2B5EF4-FFF2-40B4-BE49-F238E27FC236}">
+                <a16:creationId xmlns:a16="http://schemas.microsoft.com/office/drawing/2014/main" id="{FB773202-1D02-429D-AA1C-C3DA5084414F}"/>
+              </a:ext>
+            </a:extLst>
+          </p:cNvPr>
+          <p:cNvPicPr>
+            <a:picLocks noChangeAspect="1"/>
+          </p:cNvPicPr>
+          <p:nvPr/>
+        </p:nvPicPr>
+        <p:blipFill>
+          <a:blip r:embed="rId3"/>
+          <a:stretch>
+            <a:fillRect/>
+          </a:stretch>
+        </p:blipFill>
+        <p:spPr>
+          <a:xfrm>
+            <a:off x="4172901" y="4068054"/>
+            <a:ext cx="3703122" cy="2642260"/>
+          </a:xfrm>
+          <a:prstGeom prst="rect">
+            <a:avLst/>
+          </a:prstGeom>
+        </p:spPr>
+      </p:pic>
+      <p:pic>
+        <p:nvPicPr>
+          <p:cNvPr id="7" name="Picture 7" descr="A picture containing photo, table, different, water&#10;&#10;Description generated with very high confidence">
+            <a:extLst>
+              <a:ext uri="{FF2B5EF4-FFF2-40B4-BE49-F238E27FC236}">
+                <a16:creationId xmlns:a16="http://schemas.microsoft.com/office/drawing/2014/main" id="{C51D8B3C-998B-4808-AD5B-09BD4D680204}"/>
+              </a:ext>
+            </a:extLst>
+          </p:cNvPr>
+          <p:cNvPicPr>
+            <a:picLocks noChangeAspect="1"/>
+          </p:cNvPicPr>
+          <p:nvPr/>
+        </p:nvPicPr>
+        <p:blipFill>
+          <a:blip r:embed="rId4"/>
+          <a:stretch>
+            <a:fillRect/>
+          </a:stretch>
+        </p:blipFill>
+        <p:spPr>
+          <a:xfrm>
+            <a:off x="8105177" y="4117535"/>
+            <a:ext cx="3623953" cy="2592779"/>
+          </a:xfrm>
+          <a:prstGeom prst="rect">
+            <a:avLst/>
+          </a:prstGeom>
+        </p:spPr>
+      </p:pic>
+      <p:pic>
+        <p:nvPicPr>
+          <p:cNvPr id="9" name="Picture 9" descr="A picture containing holding&#10;&#10;Description generated with very high confidence">
+            <a:extLst>
+              <a:ext uri="{FF2B5EF4-FFF2-40B4-BE49-F238E27FC236}">
+                <a16:creationId xmlns:a16="http://schemas.microsoft.com/office/drawing/2014/main" id="{54CF6BAC-B09E-4FD2-BD47-10792E373A0A}"/>
+              </a:ext>
+            </a:extLst>
+          </p:cNvPr>
+          <p:cNvPicPr>
+            <a:picLocks noChangeAspect="1"/>
+          </p:cNvPicPr>
+          <p:nvPr/>
+        </p:nvPicPr>
+        <p:blipFill>
+          <a:blip r:embed="rId5"/>
+          <a:stretch>
+            <a:fillRect/>
+          </a:stretch>
+        </p:blipFill>
+        <p:spPr>
+          <a:xfrm>
+            <a:off x="3094059" y="1151520"/>
+            <a:ext cx="4848386" cy="2499925"/>
+          </a:xfrm>
+          <a:prstGeom prst="rect">
+            <a:avLst/>
+          </a:prstGeom>
+        </p:spPr>
+      </p:pic>
+    </p:spTree>
+    <p:extLst>
+      <p:ext uri="{BB962C8B-B14F-4D97-AF65-F5344CB8AC3E}">
+        <p14:creationId xmlns:p14="http://schemas.microsoft.com/office/powerpoint/2010/main" val="2546712907"/>
+      </p:ext>
+    </p:extLst>
+  </p:cSld>
+  <p:clrMapOvr>
+    <a:masterClrMapping/>
+  </p:clrMapOvr>
+</p:sld>
+</file>
+
+<file path=ppt/slides/slide14.xml><?xml version="1.0" encoding="utf-8"?>
+<p:sld xmlns:a="http://schemas.openxmlformats.org/drawingml/2006/main" xmlns:r="http://schemas.openxmlformats.org/officeDocument/2006/relationships" xmlns:p="http://schemas.openxmlformats.org/presentationml/2006/main">
+  <p:cSld>
+    <p:spTree>
+      <p:nvGrpSpPr>
+        <p:cNvPr id="1" name=""/>
+        <p:cNvGrpSpPr/>
+        <p:nvPr/>
+      </p:nvGrpSpPr>
+      <p:grpSpPr>
+        <a:xfrm>
+          <a:off x="0" y="0"/>
+          <a:ext cx="0" cy="0"/>
+          <a:chOff x="0" y="0"/>
+          <a:chExt cx="0" cy="0"/>
+        </a:xfrm>
+      </p:grpSpPr>
+      <p:sp>
+        <p:nvSpPr>
+          <p:cNvPr id="6" name="Title 1">
+            <a:extLst>
+              <a:ext uri="{FF2B5EF4-FFF2-40B4-BE49-F238E27FC236}">
+                <a16:creationId xmlns:a16="http://schemas.microsoft.com/office/drawing/2014/main" id="{11658270-D567-48C1-B143-386A65F06115}"/>
+              </a:ext>
+            </a:extLst>
+          </p:cNvPr>
+          <p:cNvSpPr>
+            <a:spLocks noGrp="1"/>
+          </p:cNvSpPr>
+          <p:nvPr/>
+        </p:nvSpPr>
+        <p:spPr>
+          <a:xfrm>
+            <a:off x="1386944" y="399801"/>
+            <a:ext cx="9404723" cy="881947"/>
+          </a:xfrm>
+          <a:prstGeom prst="rect">
+            <a:avLst/>
+          </a:prstGeom>
+        </p:spPr>
+        <p:txBody>
+          <a:bodyPr vert="horz" lIns="91440" tIns="45720" rIns="91440" bIns="45720" rtlCol="0" anchor="t">
+            <a:noAutofit/>
+          </a:bodyPr>
+          <a:lstStyle>
+            <a:lvl1pPr algn="l" defTabSz="457200" rtl="0" eaLnBrk="1" latinLnBrk="0" hangingPunct="1">
+              <a:spcBef>
+                <a:spcPct val="0"/>
+              </a:spcBef>
+              <a:buNone/>
+              <a:defRPr sz="4200" b="0" i="0" kern="1200">
+                <a:solidFill>
+                  <a:schemeClr val="tx2"/>
+                </a:solidFill>
+                <a:latin typeface="+mj-lt"/>
+                <a:ea typeface="+mj-ea"/>
+                <a:cs typeface="+mj-cs"/>
+              </a:defRPr>
+            </a:lvl1pPr>
+            <a:lvl2pPr eaLnBrk="1" hangingPunct="1">
+              <a:defRPr>
+                <a:solidFill>
+                  <a:schemeClr val="tx2"/>
+                </a:solidFill>
+              </a:defRPr>
+            </a:lvl2pPr>
+            <a:lvl3pPr eaLnBrk="1" hangingPunct="1">
+              <a:defRPr>
+                <a:solidFill>
+                  <a:schemeClr val="tx2"/>
+                </a:solidFill>
+              </a:defRPr>
+            </a:lvl3pPr>
+            <a:lvl4pPr eaLnBrk="1" hangingPunct="1">
+              <a:defRPr>
+                <a:solidFill>
+                  <a:schemeClr val="tx2"/>
+                </a:solidFill>
+              </a:defRPr>
+            </a:lvl4pPr>
+            <a:lvl5pPr eaLnBrk="1" hangingPunct="1">
+              <a:defRPr>
+                <a:solidFill>
+                  <a:schemeClr val="tx2"/>
+                </a:solidFill>
+              </a:defRPr>
+            </a:lvl5pPr>
+            <a:lvl6pPr eaLnBrk="1" hangingPunct="1">
+              <a:defRPr>
+                <a:solidFill>
+                  <a:schemeClr val="tx2"/>
+                </a:solidFill>
+              </a:defRPr>
+            </a:lvl6pPr>
+            <a:lvl7pPr eaLnBrk="1" hangingPunct="1">
+              <a:defRPr>
+                <a:solidFill>
+                  <a:schemeClr val="tx2"/>
+                </a:solidFill>
+              </a:defRPr>
+            </a:lvl7pPr>
+            <a:lvl8pPr eaLnBrk="1" hangingPunct="1">
+              <a:defRPr>
+                <a:solidFill>
+                  <a:schemeClr val="tx2"/>
+                </a:solidFill>
+              </a:defRPr>
+            </a:lvl8pPr>
+            <a:lvl9pPr eaLnBrk="1" hangingPunct="1">
+              <a:defRPr>
+                <a:solidFill>
+                  <a:schemeClr val="tx2"/>
+                </a:solidFill>
+              </a:defRPr>
+            </a:lvl9pPr>
+          </a:lstStyle>
+          <a:p>
+            <a:r>
+              <a:rPr lang="en-US"/>
+              <a:t>Minimal Model</a:t>
+            </a:r>
+          </a:p>
+        </p:txBody>
+      </p:sp>
+      <p:pic>
+        <p:nvPicPr>
+          <p:cNvPr id="3" name="Picture 4" descr="Screen of a cell phone&#10;&#10;Description generated with high confidence">
+            <a:extLst>
+              <a:ext uri="{FF2B5EF4-FFF2-40B4-BE49-F238E27FC236}">
+                <a16:creationId xmlns:a16="http://schemas.microsoft.com/office/drawing/2014/main" id="{4AE0200E-D1FC-46AF-A6E7-82DF101F98DE}"/>
+              </a:ext>
+            </a:extLst>
+          </p:cNvPr>
+          <p:cNvPicPr>
+            <a:picLocks noChangeAspect="1"/>
+          </p:cNvPicPr>
+          <p:nvPr/>
+        </p:nvPicPr>
+        <p:blipFill>
+          <a:blip r:embed="rId2"/>
+          <a:stretch>
+            <a:fillRect/>
+          </a:stretch>
+        </p:blipFill>
+        <p:spPr>
+          <a:xfrm>
+            <a:off x="2938406" y="1286984"/>
+            <a:ext cx="5545810" cy="2210043"/>
+          </a:xfrm>
+          <a:prstGeom prst="rect">
+            <a:avLst/>
+          </a:prstGeom>
+        </p:spPr>
+      </p:pic>
+      <p:pic>
+        <p:nvPicPr>
+          <p:cNvPr id="8" name="Picture 9" descr="A picture containing drawing&#10;&#10;Description generated with very high confidence">
+            <a:extLst>
+              <a:ext uri="{FF2B5EF4-FFF2-40B4-BE49-F238E27FC236}">
+                <a16:creationId xmlns:a16="http://schemas.microsoft.com/office/drawing/2014/main" id="{A5FDB890-B63F-4D90-A4B9-80DDE7CA0DAB}"/>
+              </a:ext>
+            </a:extLst>
+          </p:cNvPr>
+          <p:cNvPicPr>
+            <a:picLocks noChangeAspect="1"/>
+          </p:cNvPicPr>
+          <p:nvPr/>
+        </p:nvPicPr>
+        <p:blipFill>
+          <a:blip r:embed="rId3"/>
+          <a:stretch>
+            <a:fillRect/>
+          </a:stretch>
+        </p:blipFill>
+        <p:spPr>
+          <a:xfrm>
+            <a:off x="256560" y="3934372"/>
+            <a:ext cx="3683329" cy="2632364"/>
+          </a:xfrm>
+          <a:prstGeom prst="rect">
+            <a:avLst/>
+          </a:prstGeom>
+        </p:spPr>
+      </p:pic>
+      <p:pic>
+        <p:nvPicPr>
+          <p:cNvPr id="11" name="Picture 11">
+            <a:extLst>
+              <a:ext uri="{FF2B5EF4-FFF2-40B4-BE49-F238E27FC236}">
+                <a16:creationId xmlns:a16="http://schemas.microsoft.com/office/drawing/2014/main" id="{7666F415-1191-418E-BC4D-FE2F2658C1EB}"/>
+              </a:ext>
+            </a:extLst>
+          </p:cNvPr>
+          <p:cNvPicPr>
+            <a:picLocks noChangeAspect="1"/>
+          </p:cNvPicPr>
+          <p:nvPr/>
+        </p:nvPicPr>
+        <p:blipFill>
+          <a:blip r:embed="rId4"/>
+          <a:stretch>
+            <a:fillRect/>
+          </a:stretch>
+        </p:blipFill>
+        <p:spPr>
+          <a:xfrm>
+            <a:off x="4129795" y="3934372"/>
+            <a:ext cx="3673433" cy="2632364"/>
+          </a:xfrm>
+          <a:prstGeom prst="rect">
+            <a:avLst/>
+          </a:prstGeom>
+        </p:spPr>
+      </p:pic>
+      <p:pic>
+        <p:nvPicPr>
+          <p:cNvPr id="13" name="Picture 13" descr="A close up of a person&#10;&#10;Description generated with high confidence">
+            <a:extLst>
+              <a:ext uri="{FF2B5EF4-FFF2-40B4-BE49-F238E27FC236}">
+                <a16:creationId xmlns:a16="http://schemas.microsoft.com/office/drawing/2014/main" id="{8C305995-89EE-40D1-9C00-5CD04D8F62DE}"/>
+              </a:ext>
+            </a:extLst>
+          </p:cNvPr>
+          <p:cNvPicPr>
+            <a:picLocks noChangeAspect="1"/>
+          </p:cNvPicPr>
+          <p:nvPr/>
+        </p:nvPicPr>
+        <p:blipFill>
+          <a:blip r:embed="rId5"/>
+          <a:stretch>
+            <a:fillRect/>
+          </a:stretch>
+        </p:blipFill>
+        <p:spPr>
+          <a:xfrm>
+            <a:off x="7956065" y="3934372"/>
+            <a:ext cx="3673433" cy="2632364"/>
+          </a:xfrm>
+          <a:prstGeom prst="rect">
+            <a:avLst/>
+          </a:prstGeom>
+        </p:spPr>
+      </p:pic>
+    </p:spTree>
+    <p:extLst>
+      <p:ext uri="{BB962C8B-B14F-4D97-AF65-F5344CB8AC3E}">
+        <p14:creationId xmlns:p14="http://schemas.microsoft.com/office/powerpoint/2010/main" val="2958660219"/>
+      </p:ext>
+    </p:extLst>
+  </p:cSld>
+  <p:clrMapOvr>
+    <a:masterClrMapping/>
+  </p:clrMapOvr>
+</p:sld>
+</file>
+
+<file path=ppt/slides/slide15.xml><?xml version="1.0" encoding="utf-8"?>
+<p:sld xmlns:a="http://schemas.openxmlformats.org/drawingml/2006/main" xmlns:r="http://schemas.openxmlformats.org/officeDocument/2006/relationships" xmlns:p="http://schemas.openxmlformats.org/presentationml/2006/main">
+  <p:cSld>
+    <p:spTree>
+      <p:nvGrpSpPr>
+        <p:cNvPr id="1" name=""/>
+        <p:cNvGrpSpPr/>
+        <p:nvPr/>
+      </p:nvGrpSpPr>
+      <p:grpSpPr>
+        <a:xfrm>
+          <a:off x="0" y="0"/>
+          <a:ext cx="0" cy="0"/>
+          <a:chOff x="0" y="0"/>
+          <a:chExt cx="0" cy="0"/>
+        </a:xfrm>
+      </p:grpSpPr>
+      <p:sp>
+        <p:nvSpPr>
+          <p:cNvPr id="6" name="Title 1">
+            <a:extLst>
+              <a:ext uri="{FF2B5EF4-FFF2-40B4-BE49-F238E27FC236}">
+                <a16:creationId xmlns:a16="http://schemas.microsoft.com/office/drawing/2014/main" id="{11658270-D567-48C1-B143-386A65F06115}"/>
+              </a:ext>
+            </a:extLst>
+          </p:cNvPr>
+          <p:cNvSpPr>
+            <a:spLocks noGrp="1"/>
+          </p:cNvSpPr>
+          <p:nvPr/>
+        </p:nvSpPr>
+        <p:spPr>
+          <a:xfrm>
+            <a:off x="1386944" y="399801"/>
+            <a:ext cx="9404723" cy="881947"/>
+          </a:xfrm>
+          <a:prstGeom prst="rect">
+            <a:avLst/>
+          </a:prstGeom>
+        </p:spPr>
+        <p:txBody>
+          <a:bodyPr vert="horz" lIns="91440" tIns="45720" rIns="91440" bIns="45720" rtlCol="0" anchor="t">
+            <a:noAutofit/>
+          </a:bodyPr>
+          <a:lstStyle>
+            <a:lvl1pPr algn="l" defTabSz="457200" rtl="0" eaLnBrk="1" latinLnBrk="0" hangingPunct="1">
+              <a:spcBef>
+                <a:spcPct val="0"/>
+              </a:spcBef>
+              <a:buNone/>
+              <a:defRPr sz="4200" b="0" i="0" kern="1200">
+                <a:solidFill>
+                  <a:schemeClr val="tx2"/>
+                </a:solidFill>
+                <a:latin typeface="+mj-lt"/>
+                <a:ea typeface="+mj-ea"/>
+                <a:cs typeface="+mj-cs"/>
+              </a:defRPr>
+            </a:lvl1pPr>
+            <a:lvl2pPr eaLnBrk="1" hangingPunct="1">
+              <a:defRPr>
+                <a:solidFill>
+                  <a:schemeClr val="tx2"/>
+                </a:solidFill>
+              </a:defRPr>
+            </a:lvl2pPr>
+            <a:lvl3pPr eaLnBrk="1" hangingPunct="1">
+              <a:defRPr>
+                <a:solidFill>
+                  <a:schemeClr val="tx2"/>
+                </a:solidFill>
+              </a:defRPr>
+            </a:lvl3pPr>
+            <a:lvl4pPr eaLnBrk="1" hangingPunct="1">
+              <a:defRPr>
+                <a:solidFill>
+                  <a:schemeClr val="tx2"/>
+                </a:solidFill>
+              </a:defRPr>
+            </a:lvl4pPr>
+            <a:lvl5pPr eaLnBrk="1" hangingPunct="1">
+              <a:defRPr>
+                <a:solidFill>
+                  <a:schemeClr val="tx2"/>
+                </a:solidFill>
+              </a:defRPr>
+            </a:lvl5pPr>
+            <a:lvl6pPr eaLnBrk="1" hangingPunct="1">
+              <a:defRPr>
+                <a:solidFill>
+                  <a:schemeClr val="tx2"/>
+                </a:solidFill>
+              </a:defRPr>
+            </a:lvl6pPr>
+            <a:lvl7pPr eaLnBrk="1" hangingPunct="1">
+              <a:defRPr>
+                <a:solidFill>
+                  <a:schemeClr val="tx2"/>
+                </a:solidFill>
+              </a:defRPr>
+            </a:lvl7pPr>
+            <a:lvl8pPr eaLnBrk="1" hangingPunct="1">
+              <a:defRPr>
+                <a:solidFill>
+                  <a:schemeClr val="tx2"/>
+                </a:solidFill>
+              </a:defRPr>
+            </a:lvl8pPr>
+            <a:lvl9pPr eaLnBrk="1" hangingPunct="1">
+              <a:defRPr>
+                <a:solidFill>
+                  <a:schemeClr val="tx2"/>
+                </a:solidFill>
+              </a:defRPr>
+            </a:lvl9pPr>
+          </a:lstStyle>
+          <a:p>
+            <a:r>
+              <a:rPr lang="en-US"/>
+              <a:t>Simplified Model</a:t>
+            </a:r>
+          </a:p>
+        </p:txBody>
+      </p:sp>
+      <p:pic>
+        <p:nvPicPr>
+          <p:cNvPr id="3" name="Picture 4" descr="A screen shot of a social media post&#10;&#10;Description generated with very high confidence">
+            <a:extLst>
+              <a:ext uri="{FF2B5EF4-FFF2-40B4-BE49-F238E27FC236}">
+                <a16:creationId xmlns:a16="http://schemas.microsoft.com/office/drawing/2014/main" id="{344F6E6A-EA03-4D70-AAE6-E42A0171418F}"/>
+              </a:ext>
+            </a:extLst>
+          </p:cNvPr>
+          <p:cNvPicPr>
+            <a:picLocks noChangeAspect="1"/>
+          </p:cNvPicPr>
+          <p:nvPr/>
+        </p:nvPicPr>
+        <p:blipFill>
+          <a:blip r:embed="rId2"/>
+          <a:stretch>
+            <a:fillRect/>
+          </a:stretch>
+        </p:blipFill>
+        <p:spPr>
+          <a:xfrm>
+            <a:off x="3429855" y="1415876"/>
+            <a:ext cx="5078177" cy="2125860"/>
+          </a:xfrm>
+          <a:prstGeom prst="rect">
+            <a:avLst/>
+          </a:prstGeom>
+        </p:spPr>
+      </p:pic>
+      <p:pic>
+        <p:nvPicPr>
+          <p:cNvPr id="8" name="Picture 9" descr="A picture containing drawing&#10;&#10;Description generated with very high confidence">
+            <a:extLst>
+              <a:ext uri="{FF2B5EF4-FFF2-40B4-BE49-F238E27FC236}">
+                <a16:creationId xmlns:a16="http://schemas.microsoft.com/office/drawing/2014/main" id="{B77BE2B2-93D3-4974-A1EC-3007A371610D}"/>
+              </a:ext>
+            </a:extLst>
+          </p:cNvPr>
+          <p:cNvPicPr>
+            <a:picLocks noChangeAspect="1"/>
+          </p:cNvPicPr>
+          <p:nvPr/>
+        </p:nvPicPr>
+        <p:blipFill>
+          <a:blip r:embed="rId3"/>
+          <a:stretch>
+            <a:fillRect/>
+          </a:stretch>
+        </p:blipFill>
+        <p:spPr>
+          <a:xfrm>
+            <a:off x="419259" y="4038030"/>
+            <a:ext cx="3574472" cy="2553195"/>
+          </a:xfrm>
+          <a:prstGeom prst="rect">
+            <a:avLst/>
+          </a:prstGeom>
+        </p:spPr>
+      </p:pic>
+      <p:pic>
+        <p:nvPicPr>
+          <p:cNvPr id="11" name="Picture 11">
+            <a:extLst>
+              <a:ext uri="{FF2B5EF4-FFF2-40B4-BE49-F238E27FC236}">
+                <a16:creationId xmlns:a16="http://schemas.microsoft.com/office/drawing/2014/main" id="{07A34234-B83B-4F20-9C2E-A063EDD4BE51}"/>
+              </a:ext>
+            </a:extLst>
+          </p:cNvPr>
+          <p:cNvPicPr>
+            <a:picLocks noChangeAspect="1"/>
+          </p:cNvPicPr>
+          <p:nvPr/>
+        </p:nvPicPr>
+        <p:blipFill>
+          <a:blip r:embed="rId4"/>
+          <a:stretch>
+            <a:fillRect/>
+          </a:stretch>
+        </p:blipFill>
+        <p:spPr>
+          <a:xfrm>
+            <a:off x="4319834" y="4038030"/>
+            <a:ext cx="3564576" cy="2553195"/>
+          </a:xfrm>
+          <a:prstGeom prst="rect">
+            <a:avLst/>
+          </a:prstGeom>
+        </p:spPr>
+      </p:pic>
+      <p:pic>
+        <p:nvPicPr>
+          <p:cNvPr id="13" name="Picture 13" descr="A picture containing photo, table, different, man&#10;&#10;Description generated with very high confidence">
+            <a:extLst>
+              <a:ext uri="{FF2B5EF4-FFF2-40B4-BE49-F238E27FC236}">
+                <a16:creationId xmlns:a16="http://schemas.microsoft.com/office/drawing/2014/main" id="{67D0F1DD-DF34-42B8-BB4A-E790370C85DA}"/>
+              </a:ext>
+            </a:extLst>
+          </p:cNvPr>
+          <p:cNvPicPr>
+            <a:picLocks noChangeAspect="1"/>
+          </p:cNvPicPr>
+          <p:nvPr/>
+        </p:nvPicPr>
+        <p:blipFill>
+          <a:blip r:embed="rId5"/>
+          <a:stretch>
+            <a:fillRect/>
+          </a:stretch>
+        </p:blipFill>
+        <p:spPr>
+          <a:xfrm>
+            <a:off x="8077502" y="4038030"/>
+            <a:ext cx="3564576" cy="2553195"/>
+          </a:xfrm>
+          <a:prstGeom prst="rect">
+            <a:avLst/>
+          </a:prstGeom>
+        </p:spPr>
+      </p:pic>
+    </p:spTree>
+    <p:extLst>
+      <p:ext uri="{BB962C8B-B14F-4D97-AF65-F5344CB8AC3E}">
+        <p14:creationId xmlns:p14="http://schemas.microsoft.com/office/powerpoint/2010/main" val="2039184488"/>
+      </p:ext>
+    </p:extLst>
+  </p:cSld>
+  <p:clrMapOvr>
+    <a:masterClrMapping/>
+  </p:clrMapOvr>
+</p:sld>
+</file>
+
+<file path=ppt/slides/slide16.xml><?xml version="1.0" encoding="utf-8"?>
+<p:sld xmlns:a="http://schemas.openxmlformats.org/drawingml/2006/main" xmlns:r="http://schemas.openxmlformats.org/officeDocument/2006/relationships" xmlns:p="http://schemas.openxmlformats.org/presentationml/2006/main">
+  <p:cSld>
+    <p:spTree>
+      <p:nvGrpSpPr>
+        <p:cNvPr id="1" name=""/>
+        <p:cNvGrpSpPr/>
+        <p:nvPr/>
+      </p:nvGrpSpPr>
+      <p:grpSpPr>
+        <a:xfrm>
+          <a:off x="0" y="0"/>
+          <a:ext cx="0" cy="0"/>
+          <a:chOff x="0" y="0"/>
+          <a:chExt cx="0" cy="0"/>
+        </a:xfrm>
+      </p:grpSpPr>
+      <p:sp>
+        <p:nvSpPr>
           <p:cNvPr id="2" name="Title 1">
             <a:extLst>
               <a:ext uri="{FF2B5EF4-FFF2-40B4-BE49-F238E27FC236}">
@@ -7319,7 +10954,7 @@
           <a:lstStyle/>
           <a:p>
             <a:r>
-              <a:rPr lang="en-US" dirty="0"/>
+              <a:rPr lang="en-US"/>
               <a:t>Summary</a:t>
             </a:r>
           </a:p>
@@ -7343,10 +10978,36 @@
         </p:nvSpPr>
         <p:spPr/>
         <p:txBody>
-          <a:bodyPr/>
+          <a:bodyPr vert="horz" lIns="91440" tIns="45720" rIns="91440" bIns="45720" rtlCol="0" anchor="t">
+            <a:normAutofit/>
+          </a:bodyPr>
           <a:lstStyle/>
           <a:p>
+            <a:r>
+              <a:rPr lang="en-US"/>
+              <a:t>The model produced by stepwise selection appears to have the best R squared, and residuals appear normal</a:t>
+            </a:r>
+          </a:p>
+          <a:p>
+            <a:r>
+              <a:rPr lang="en-US"/>
+              <a:t>This is what is used for predictions on the blind test data.</a:t>
+            </a:r>
+          </a:p>
+          <a:p>
             <a:endParaRPr lang="en-US"/>
+          </a:p>
+          <a:p>
+            <a:r>
+              <a:rPr lang="en-US"/>
+              <a:t>..but..</a:t>
+            </a:r>
+          </a:p>
+          <a:p>
+            <a:r>
+              <a:rPr lang="en-US"/>
+              <a:t>There is clustering in the residuals that indicates some other predictor may help, but I have been unable to find it.</a:t>
+            </a:r>
           </a:p>
         </p:txBody>
       </p:sp>
@@ -7402,7 +11063,7 @@
           <a:lstStyle/>
           <a:p>
             <a:r>
-              <a:rPr lang="en-US" dirty="0"/>
+              <a:rPr lang="en-US"/>
               <a:t>Introduction</a:t>
             </a:r>
           </a:p>
@@ -7427,7 +11088,7 @@
         <p:spPr>
           <a:xfrm>
             <a:off x="1103312" y="1281022"/>
-            <a:ext cx="8946541" cy="989144"/>
+            <a:ext cx="8946541" cy="4090060"/>
           </a:xfrm>
         </p:spPr>
         <p:txBody>
@@ -7437,18 +11098,53 @@
           <a:lstStyle/>
           <a:p>
             <a:r>
-              <a:rPr lang="en-US" dirty="0"/>
-              <a:t>Goal is to find a way to predict Attrition of employees</a:t>
-            </a:r>
-          </a:p>
-          <a:p>
-            <a:r>
-              <a:rPr lang="en-US" dirty="0"/>
-              <a:t>Data on 870 Employees</a:t>
-            </a:r>
-          </a:p>
-          <a:p>
-            <a:endParaRPr lang="en-US" dirty="0"/>
+              <a:rPr lang="en-US"/>
+              <a:t>Goal is to find a way to predict both of the following:</a:t>
+            </a:r>
+          </a:p>
+          <a:p>
+            <a:pPr lvl="1"/>
+            <a:r>
+              <a:rPr lang="en-US"/>
+              <a:t>Attrition of employees (Yes or No)</a:t>
+            </a:r>
+          </a:p>
+          <a:p>
+            <a:pPr lvl="1"/>
+            <a:r>
+              <a:rPr lang="en-US"/>
+              <a:t>Monthly Income</a:t>
+            </a:r>
+          </a:p>
+          <a:p>
+            <a:r>
+              <a:rPr lang="en-US"/>
+              <a:t>Using data on 870 Employees</a:t>
+            </a:r>
+          </a:p>
+          <a:p>
+            <a:pPr lvl="1"/>
+            <a:r>
+              <a:rPr lang="en-US"/>
+              <a:t>19 numeric variables</a:t>
+            </a:r>
+          </a:p>
+          <a:p>
+            <a:pPr lvl="1"/>
+            <a:r>
+              <a:rPr lang="en-US"/>
+              <a:t>7 categorical variables</a:t>
+            </a:r>
+          </a:p>
+          <a:p>
+            <a:pPr lvl="1"/>
+            <a:r>
+              <a:rPr lang="en-US"/>
+              <a:t>6unusable variables</a:t>
+            </a:r>
+          </a:p>
+          <a:p>
+            <a:endParaRPr lang="en-US"/>
           </a:p>
         </p:txBody>
       </p:sp>
@@ -7487,6 +11183,156 @@
           <p:cNvPr id="2" name="Title 1">
             <a:extLst>
               <a:ext uri="{FF2B5EF4-FFF2-40B4-BE49-F238E27FC236}">
+                <a16:creationId xmlns:a16="http://schemas.microsoft.com/office/drawing/2014/main" id="{EB991E55-071B-4799-BA07-82F8BC421AA5}"/>
+              </a:ext>
+            </a:extLst>
+          </p:cNvPr>
+          <p:cNvSpPr>
+            <a:spLocks noGrp="1"/>
+          </p:cNvSpPr>
+          <p:nvPr>
+            <p:ph type="title"/>
+          </p:nvPr>
+        </p:nvSpPr>
+        <p:spPr/>
+        <p:txBody>
+          <a:bodyPr/>
+          <a:lstStyle/>
+          <a:p>
+            <a:r>
+              <a:rPr lang="en-US"/>
+              <a:t>Unusable Variables</a:t>
+            </a:r>
+          </a:p>
+        </p:txBody>
+      </p:sp>
+      <p:sp>
+        <p:nvSpPr>
+          <p:cNvPr id="3" name="Content Placeholder 2">
+            <a:extLst>
+              <a:ext uri="{FF2B5EF4-FFF2-40B4-BE49-F238E27FC236}">
+                <a16:creationId xmlns:a16="http://schemas.microsoft.com/office/drawing/2014/main" id="{0F4EE506-20AE-41DD-9FAD-C8FB50BC6A9D}"/>
+              </a:ext>
+            </a:extLst>
+          </p:cNvPr>
+          <p:cNvSpPr>
+            <a:spLocks noGrp="1"/>
+          </p:cNvSpPr>
+          <p:nvPr>
+            <p:ph idx="1"/>
+          </p:nvPr>
+        </p:nvSpPr>
+        <p:spPr>
+          <a:xfrm>
+            <a:off x="1103312" y="1281022"/>
+            <a:ext cx="8946541" cy="4090060"/>
+          </a:xfrm>
+        </p:spPr>
+        <p:txBody>
+          <a:bodyPr vert="horz" lIns="91440" tIns="45720" rIns="91440" bIns="45720" rtlCol="0" anchor="t">
+            <a:normAutofit/>
+          </a:bodyPr>
+          <a:lstStyle/>
+          <a:p>
+            <a:r>
+              <a:rPr lang="en-US"/>
+              <a:t>Constant values:</a:t>
+            </a:r>
+          </a:p>
+          <a:p>
+            <a:pPr lvl="1"/>
+            <a:r>
+              <a:rPr lang="en-US" err="1"/>
+              <a:t>EmployeeCount</a:t>
+            </a:r>
+            <a:endParaRPr lang="en-US"/>
+          </a:p>
+          <a:p>
+            <a:pPr lvl="1"/>
+            <a:r>
+              <a:rPr lang="en-US" err="1"/>
+              <a:t>StandardHours</a:t>
+            </a:r>
+            <a:endParaRPr lang="en-US"/>
+          </a:p>
+          <a:p>
+            <a:pPr lvl="1"/>
+            <a:r>
+              <a:rPr lang="en-US"/>
+              <a:t>Over18</a:t>
+            </a:r>
+          </a:p>
+          <a:p>
+            <a:r>
+              <a:rPr lang="en-US"/>
+              <a:t>No Correlation with </a:t>
+            </a:r>
+            <a:r>
+              <a:rPr lang="en-US" err="1"/>
+              <a:t>MonthlyIncome</a:t>
+            </a:r>
+          </a:p>
+          <a:p>
+            <a:pPr lvl="1"/>
+            <a:r>
+              <a:rPr lang="en-US" err="1"/>
+              <a:t>HourlyRate</a:t>
+            </a:r>
+          </a:p>
+          <a:p>
+            <a:pPr lvl="1"/>
+            <a:r>
+              <a:rPr lang="en-US" err="1"/>
+              <a:t>DailyRate</a:t>
+            </a:r>
+          </a:p>
+          <a:p>
+            <a:pPr lvl="1"/>
+            <a:r>
+              <a:rPr lang="en-US" err="1"/>
+              <a:t>MonthlyRate</a:t>
+            </a:r>
+          </a:p>
+          <a:p>
+            <a:endParaRPr lang="en-US"/>
+          </a:p>
+        </p:txBody>
+      </p:sp>
+    </p:spTree>
+    <p:extLst>
+      <p:ext uri="{BB962C8B-B14F-4D97-AF65-F5344CB8AC3E}">
+        <p14:creationId xmlns:p14="http://schemas.microsoft.com/office/powerpoint/2010/main" val="497441252"/>
+      </p:ext>
+    </p:extLst>
+  </p:cSld>
+  <p:clrMapOvr>
+    <a:masterClrMapping/>
+  </p:clrMapOvr>
+</p:sld>
+</file>
+
+<file path=ppt/slides/slide4.xml><?xml version="1.0" encoding="utf-8"?>
+<p:sld xmlns:a="http://schemas.openxmlformats.org/drawingml/2006/main" xmlns:r="http://schemas.openxmlformats.org/officeDocument/2006/relationships" xmlns:p="http://schemas.openxmlformats.org/presentationml/2006/main">
+  <p:cSld>
+    <p:spTree>
+      <p:nvGrpSpPr>
+        <p:cNvPr id="1" name=""/>
+        <p:cNvGrpSpPr/>
+        <p:nvPr/>
+      </p:nvGrpSpPr>
+      <p:grpSpPr>
+        <a:xfrm>
+          <a:off x="0" y="0"/>
+          <a:ext cx="0" cy="0"/>
+          <a:chOff x="0" y="0"/>
+          <a:chExt cx="0" cy="0"/>
+        </a:xfrm>
+      </p:grpSpPr>
+      <p:sp>
+        <p:nvSpPr>
+          <p:cNvPr id="2" name="Title 1">
+            <a:extLst>
+              <a:ext uri="{FF2B5EF4-FFF2-40B4-BE49-F238E27FC236}">
                 <a16:creationId xmlns:a16="http://schemas.microsoft.com/office/drawing/2014/main" id="{BB588F08-6610-4CB3-8D82-F3472115ED8E}"/>
               </a:ext>
             </a:extLst>
@@ -7504,7 +11350,7 @@
           <a:lstStyle/>
           <a:p>
             <a:r>
-              <a:rPr lang="en-US" dirty="0"/>
+              <a:rPr lang="en-US"/>
               <a:t>Data Summary</a:t>
             </a:r>
           </a:p>
@@ -7525,7 +11371,7 @@
         <p:spPr>
           <a:xfrm>
             <a:off x="647205" y="1389412"/>
-            <a:ext cx="3277589" cy="3611245"/>
+            <a:ext cx="3277589" cy="3206006"/>
           </a:xfrm>
           <a:prstGeom prst="rect">
             <a:avLst/>
@@ -7643,11 +11489,11 @@
               <a:buChar char="•"/>
             </a:pPr>
             <a:r>
-              <a:rPr lang="en-US" dirty="0"/>
+              <a:rPr lang="en-US"/>
               <a:t>Categorical</a:t>
             </a:r>
             <a:r>
-              <a:rPr lang="en-US" dirty="0">
+              <a:rPr lang="en-US">
                 <a:ea typeface="+mn-lt"/>
                 <a:cs typeface="+mn-lt"/>
               </a:rPr>
@@ -7664,7 +11510,7 @@
               <a:buChar char="•"/>
             </a:pPr>
             <a:r>
-              <a:rPr lang="en-US" dirty="0">
+              <a:rPr lang="en-US">
                 <a:ea typeface="+mn-lt"/>
                 <a:cs typeface="+mn-lt"/>
               </a:rPr>
@@ -7680,13 +11526,13 @@
               <a:buChar char="•"/>
             </a:pPr>
             <a:r>
-              <a:rPr lang="en-US" dirty="0" err="1">
+              <a:rPr lang="en-US" err="1">
                 <a:ea typeface="+mn-lt"/>
                 <a:cs typeface="+mn-lt"/>
               </a:rPr>
               <a:t>EducationField</a:t>
             </a:r>
-            <a:endParaRPr lang="en-US" dirty="0">
+            <a:endParaRPr lang="en-US">
               <a:ea typeface="+mn-lt"/>
               <a:cs typeface="+mn-lt"/>
             </a:endParaRPr>
@@ -7700,7 +11546,7 @@
               <a:buChar char="•"/>
             </a:pPr>
             <a:r>
-              <a:rPr lang="en-US" dirty="0">
+              <a:rPr lang="en-US">
                 <a:ea typeface="+mn-lt"/>
                 <a:cs typeface="+mn-lt"/>
               </a:rPr>
@@ -7716,7 +11562,7 @@
               <a:buChar char="•"/>
             </a:pPr>
             <a:r>
-              <a:rPr lang="en-US" dirty="0">
+              <a:rPr lang="en-US">
                 <a:ea typeface="+mn-lt"/>
                 <a:cs typeface="+mn-lt"/>
               </a:rPr>
@@ -7732,7 +11578,7 @@
               <a:buChar char="•"/>
             </a:pPr>
             <a:r>
-              <a:rPr lang="en-US" dirty="0">
+              <a:rPr lang="en-US">
                 <a:ea typeface="+mn-lt"/>
                 <a:cs typeface="+mn-lt"/>
               </a:rPr>
@@ -7748,7 +11594,7 @@
               <a:buChar char="•"/>
             </a:pPr>
             <a:r>
-              <a:rPr lang="en-US" dirty="0">
+              <a:rPr lang="en-US">
                 <a:ea typeface="+mn-lt"/>
                 <a:cs typeface="+mn-lt"/>
               </a:rPr>
@@ -7764,23 +11610,9 @@
               <a:buChar char="•"/>
             </a:pPr>
             <a:r>
-              <a:rPr lang="en-US" dirty="0"/>
-              <a:t>Over18</a:t>
-            </a:r>
-          </a:p>
-          <a:p>
-            <a:pPr marL="742950" lvl="1" indent="-285750">
-              <a:spcBef>
-                <a:spcPts val="1000"/>
-              </a:spcBef>
-              <a:buFont typeface="Arial"/>
-              <a:buChar char="•"/>
-            </a:pPr>
-            <a:r>
               <a:rPr lang="en-US"/>
               <a:t>Overtime</a:t>
             </a:r>
-            <a:endParaRPr lang="en-US" dirty="0"/>
           </a:p>
         </p:txBody>
       </p:sp>
@@ -7917,7 +11749,7 @@
               <a:buChar char="•"/>
             </a:pPr>
             <a:r>
-              <a:rPr lang="en-US" dirty="0"/>
+              <a:rPr lang="en-US"/>
               <a:t>Numeric Data</a:t>
             </a:r>
           </a:p>
@@ -7930,7 +11762,7 @@
               <a:buChar char="•"/>
             </a:pPr>
             <a:r>
-              <a:rPr lang="en-US" dirty="0">
+              <a:rPr lang="en-US">
                 <a:ea typeface="+mn-lt"/>
                 <a:cs typeface="+mn-lt"/>
               </a:rPr>
@@ -7946,7 +11778,7 @@
               <a:buChar char="•"/>
             </a:pPr>
             <a:r>
-              <a:rPr lang="en-US" dirty="0"/>
+              <a:rPr lang="en-US"/>
               <a:t>Distance From Home</a:t>
             </a:r>
           </a:p>
@@ -7959,7 +11791,7 @@
               <a:buChar char="•"/>
             </a:pPr>
             <a:r>
-              <a:rPr lang="en-US" dirty="0" err="1"/>
+              <a:rPr lang="en-US" err="1"/>
               <a:t>EnvironmentSatisfaction</a:t>
             </a:r>
             <a:endParaRPr lang="en-US"/>
@@ -7973,7 +11805,7 @@
               <a:buChar char="•"/>
             </a:pPr>
             <a:r>
-              <a:rPr lang="en-US" dirty="0" err="1"/>
+              <a:rPr lang="en-US" err="1"/>
               <a:t>JobInvolvement</a:t>
             </a:r>
             <a:endParaRPr lang="en-US"/>
@@ -7987,7 +11819,7 @@
               <a:buChar char="•"/>
             </a:pPr>
             <a:r>
-              <a:rPr lang="en-US" dirty="0" err="1"/>
+              <a:rPr lang="en-US" err="1"/>
               <a:t>JobLevel</a:t>
             </a:r>
             <a:endParaRPr lang="en-US"/>
@@ -8001,7 +11833,7 @@
               <a:buChar char="•"/>
             </a:pPr>
             <a:r>
-              <a:rPr lang="en-US" dirty="0" err="1"/>
+              <a:rPr lang="en-US" err="1"/>
               <a:t>JobSatisfacton</a:t>
             </a:r>
             <a:endParaRPr lang="en-US"/>
@@ -8015,7 +11847,7 @@
               <a:buChar char="•"/>
             </a:pPr>
             <a:r>
-              <a:rPr lang="en-US" dirty="0" err="1"/>
+              <a:rPr lang="en-US" err="1"/>
               <a:t>NumCompaniesWorked</a:t>
             </a:r>
             <a:endParaRPr lang="en-US"/>
@@ -8029,7 +11861,7 @@
               <a:buChar char="•"/>
             </a:pPr>
             <a:r>
-              <a:rPr lang="en-US" dirty="0" err="1"/>
+              <a:rPr lang="en-US" err="1"/>
               <a:t>PercentSalaryHike</a:t>
             </a:r>
             <a:endParaRPr lang="en-US"/>
@@ -8043,7 +11875,7 @@
               <a:buChar char="•"/>
             </a:pPr>
             <a:r>
-              <a:rPr lang="en-US" dirty="0" err="1"/>
+              <a:rPr lang="en-US" err="1"/>
               <a:t>PerformanceRating</a:t>
             </a:r>
           </a:p>
@@ -8056,7 +11888,7 @@
               <a:buChar char="•"/>
             </a:pPr>
             <a:r>
-              <a:rPr lang="en-US" dirty="0" err="1"/>
+              <a:rPr lang="en-US" err="1"/>
               <a:t>StandardHours</a:t>
             </a:r>
           </a:p>
@@ -8068,7 +11900,7 @@
               <a:buFont typeface="Arial"/>
               <a:buChar char="•"/>
             </a:pPr>
-            <a:endParaRPr lang="en-US" dirty="0"/>
+            <a:endParaRPr lang="en-US"/>
           </a:p>
         </p:txBody>
       </p:sp>
@@ -8205,7 +12037,7 @@
               <a:buChar char="•"/>
             </a:pPr>
             <a:r>
-              <a:rPr lang="en-US" dirty="0"/>
+              <a:rPr lang="en-US"/>
               <a:t>Numeric Data</a:t>
             </a:r>
           </a:p>
@@ -8218,7 +12050,7 @@
               <a:buChar char="•"/>
             </a:pPr>
             <a:r>
-              <a:rPr lang="en-US" dirty="0" err="1">
+              <a:rPr lang="en-US" err="1">
                 <a:ea typeface="+mn-lt"/>
                 <a:cs typeface="+mn-lt"/>
               </a:rPr>
@@ -8234,7 +12066,7 @@
               <a:buChar char="•"/>
             </a:pPr>
             <a:r>
-              <a:rPr lang="en-US" dirty="0" err="1"/>
+              <a:rPr lang="en-US" err="1"/>
               <a:t>StockOptionLevel</a:t>
             </a:r>
           </a:p>
@@ -8247,7 +12079,7 @@
               <a:buChar char="•"/>
             </a:pPr>
             <a:r>
-              <a:rPr lang="en-US" dirty="0" err="1"/>
+              <a:rPr lang="en-US" err="1"/>
               <a:t>TotalWorkingYears</a:t>
             </a:r>
           </a:p>
@@ -8260,7 +12092,7 @@
               <a:buChar char="•"/>
             </a:pPr>
             <a:r>
-              <a:rPr lang="en-US" dirty="0" err="1"/>
+              <a:rPr lang="en-US" err="1"/>
               <a:t>TrainingTimesLastYear</a:t>
             </a:r>
           </a:p>
@@ -8273,7 +12105,7 @@
               <a:buChar char="•"/>
             </a:pPr>
             <a:r>
-              <a:rPr lang="en-US" dirty="0" err="1"/>
+              <a:rPr lang="en-US" err="1"/>
               <a:t>WorkLifeBalance</a:t>
             </a:r>
           </a:p>
@@ -8286,7 +12118,7 @@
               <a:buChar char="•"/>
             </a:pPr>
             <a:r>
-              <a:rPr lang="en-US" dirty="0" err="1"/>
+              <a:rPr lang="en-US" err="1"/>
               <a:t>YearsAtCompany</a:t>
             </a:r>
           </a:p>
@@ -8299,7 +12131,7 @@
               <a:buChar char="•"/>
             </a:pPr>
             <a:r>
-              <a:rPr lang="en-US" dirty="0" err="1"/>
+              <a:rPr lang="en-US" err="1"/>
               <a:t>YearsInCurrentRole</a:t>
             </a:r>
           </a:p>
@@ -8312,7 +12144,7 @@
               <a:buChar char="•"/>
             </a:pPr>
             <a:r>
-              <a:rPr lang="en-US" dirty="0" err="1"/>
+              <a:rPr lang="en-US" err="1"/>
               <a:t>YearsSinceLastPromotion</a:t>
             </a:r>
           </a:p>
@@ -8325,7 +12157,7 @@
               <a:buChar char="•"/>
             </a:pPr>
             <a:r>
-              <a:rPr lang="en-US" dirty="0" err="1"/>
+              <a:rPr lang="en-US" err="1"/>
               <a:t>YearsWithCurrManager</a:t>
             </a:r>
           </a:p>
@@ -8337,7 +12169,7 @@
               <a:buFont typeface="Arial"/>
               <a:buChar char="•"/>
             </a:pPr>
-            <a:endParaRPr lang="en-US" dirty="0" err="1"/>
+            <a:endParaRPr lang="en-US" err="1"/>
           </a:p>
         </p:txBody>
       </p:sp>
@@ -8354,7 +12186,7 @@
 </p:sld>
 </file>
 
-<file path=ppt/slides/slide4.xml><?xml version="1.0" encoding="utf-8"?>
+<file path=ppt/slides/slide5.xml><?xml version="1.0" encoding="utf-8"?>
 <p:sld xmlns:a="http://schemas.openxmlformats.org/drawingml/2006/main" xmlns:r="http://schemas.openxmlformats.org/officeDocument/2006/relationships" xmlns:p="http://schemas.openxmlformats.org/presentationml/2006/main">
   <p:cSld>
     <p:spTree>
@@ -8376,6 +12208,312 @@
           <p:cNvPr id="2" name="Title 1">
             <a:extLst>
               <a:ext uri="{FF2B5EF4-FFF2-40B4-BE49-F238E27FC236}">
+                <a16:creationId xmlns:a16="http://schemas.microsoft.com/office/drawing/2014/main" id="{3B48C4BC-3A20-41B3-A430-AB29D7349382}"/>
+              </a:ext>
+            </a:extLst>
+          </p:cNvPr>
+          <p:cNvSpPr>
+            <a:spLocks noGrp="1"/>
+          </p:cNvSpPr>
+          <p:nvPr>
+            <p:ph type="title"/>
+          </p:nvPr>
+        </p:nvSpPr>
+        <p:spPr/>
+        <p:txBody>
+          <a:bodyPr/>
+          <a:lstStyle/>
+          <a:p>
+            <a:r>
+              <a:rPr lang="en-US"/>
+              <a:t>Data Transformation</a:t>
+            </a:r>
+          </a:p>
+        </p:txBody>
+      </p:sp>
+      <p:sp>
+        <p:nvSpPr>
+          <p:cNvPr id="4" name="TextBox 3">
+            <a:extLst>
+              <a:ext uri="{FF2B5EF4-FFF2-40B4-BE49-F238E27FC236}">
+                <a16:creationId xmlns:a16="http://schemas.microsoft.com/office/drawing/2014/main" id="{B7D8C75E-3919-4708-B60F-EA4869D2AD04}"/>
+              </a:ext>
+            </a:extLst>
+          </p:cNvPr>
+          <p:cNvSpPr txBox="1"/>
+          <p:nvPr/>
+        </p:nvSpPr>
+        <p:spPr>
+          <a:xfrm>
+            <a:off x="776816" y="1295400"/>
+            <a:ext cx="8902700" cy="646331"/>
+          </a:xfrm>
+          <a:prstGeom prst="rect">
+            <a:avLst/>
+          </a:prstGeom>
+          <a:noFill/>
+        </p:spPr>
+        <p:txBody>
+          <a:bodyPr rot="0" spcFirstLastPara="0" vertOverflow="overflow" horzOverflow="overflow" vert="horz" wrap="square" lIns="91440" tIns="45720" rIns="91440" bIns="45720" numCol="1" spcCol="0" rtlCol="0" fromWordArt="0" anchor="t" anchorCtr="0" forceAA="0" compatLnSpc="1">
+            <a:prstTxWarp prst="textNoShape">
+              <a:avLst/>
+            </a:prstTxWarp>
+            <a:spAutoFit/>
+          </a:bodyPr>
+          <a:lstStyle/>
+          <a:p>
+            <a:r>
+              <a:rPr lang="en-US"/>
+              <a:t>We want numeric predictors to have distributions that are close to normal.</a:t>
+            </a:r>
+          </a:p>
+          <a:p>
+            <a:r>
+              <a:rPr lang="en-US"/>
+              <a:t>Look at histograms and consider whether log() or sqrt() transforms help.</a:t>
+            </a:r>
+          </a:p>
+        </p:txBody>
+      </p:sp>
+      <p:pic>
+        <p:nvPicPr>
+          <p:cNvPr id="6" name="Picture 6" descr="A close up of a map&#10;&#10;Description generated with very high confidence">
+            <a:extLst>
+              <a:ext uri="{FF2B5EF4-FFF2-40B4-BE49-F238E27FC236}">
+                <a16:creationId xmlns:a16="http://schemas.microsoft.com/office/drawing/2014/main" id="{505D2B80-FB1D-4FFC-919C-7620DDD62EA2}"/>
+              </a:ext>
+            </a:extLst>
+          </p:cNvPr>
+          <p:cNvPicPr>
+            <a:picLocks noChangeAspect="1"/>
+          </p:cNvPicPr>
+          <p:nvPr/>
+        </p:nvPicPr>
+        <p:blipFill>
+          <a:blip r:embed="rId2"/>
+          <a:stretch>
+            <a:fillRect/>
+          </a:stretch>
+        </p:blipFill>
+        <p:spPr>
+          <a:xfrm>
+            <a:off x="8163983" y="2258785"/>
+            <a:ext cx="3780367" cy="2710846"/>
+          </a:xfrm>
+          <a:prstGeom prst="rect">
+            <a:avLst/>
+          </a:prstGeom>
+        </p:spPr>
+      </p:pic>
+      <p:pic>
+        <p:nvPicPr>
+          <p:cNvPr id="8" name="Picture 8" descr="A screenshot of a cell phone&#10;&#10;Description generated with very high confidence">
+            <a:extLst>
+              <a:ext uri="{FF2B5EF4-FFF2-40B4-BE49-F238E27FC236}">
+                <a16:creationId xmlns:a16="http://schemas.microsoft.com/office/drawing/2014/main" id="{3E17CF34-1AE3-4F37-A7AC-97C21EDA2191}"/>
+              </a:ext>
+            </a:extLst>
+          </p:cNvPr>
+          <p:cNvPicPr>
+            <a:picLocks noChangeAspect="1"/>
+          </p:cNvPicPr>
+          <p:nvPr/>
+        </p:nvPicPr>
+        <p:blipFill>
+          <a:blip r:embed="rId3"/>
+          <a:stretch>
+            <a:fillRect/>
+          </a:stretch>
+        </p:blipFill>
+        <p:spPr>
+          <a:xfrm>
+            <a:off x="4131733" y="2214659"/>
+            <a:ext cx="3812117" cy="2721429"/>
+          </a:xfrm>
+          <a:prstGeom prst="rect">
+            <a:avLst/>
+          </a:prstGeom>
+        </p:spPr>
+      </p:pic>
+      <p:sp>
+        <p:nvSpPr>
+          <p:cNvPr id="10" name="TextBox 9">
+            <a:extLst>
+              <a:ext uri="{FF2B5EF4-FFF2-40B4-BE49-F238E27FC236}">
+                <a16:creationId xmlns:a16="http://schemas.microsoft.com/office/drawing/2014/main" id="{1F773844-F9C3-461B-BA86-284717CD7B07}"/>
+              </a:ext>
+            </a:extLst>
+          </p:cNvPr>
+          <p:cNvSpPr txBox="1"/>
+          <p:nvPr/>
+        </p:nvSpPr>
+        <p:spPr>
+          <a:xfrm>
+            <a:off x="8841317" y="5211232"/>
+            <a:ext cx="2743199" cy="369332"/>
+          </a:xfrm>
+          <a:prstGeom prst="rect">
+            <a:avLst/>
+          </a:prstGeom>
+          <a:noFill/>
+        </p:spPr>
+        <p:txBody>
+          <a:bodyPr rot="0" spcFirstLastPara="0" vertOverflow="overflow" horzOverflow="overflow" vert="horz" wrap="square" lIns="91440" tIns="45720" rIns="91440" bIns="45720" numCol="1" spcCol="0" rtlCol="0" fromWordArt="0" anchor="t" anchorCtr="0" forceAA="0" compatLnSpc="1">
+            <a:prstTxWarp prst="textNoShape">
+              <a:avLst/>
+            </a:prstTxWarp>
+            <a:spAutoFit/>
+          </a:bodyPr>
+          <a:lstStyle/>
+          <a:p>
+            <a:r>
+              <a:rPr lang="en-US"/>
+              <a:t>Square Root helps</a:t>
+            </a:r>
+          </a:p>
+        </p:txBody>
+      </p:sp>
+      <p:sp>
+        <p:nvSpPr>
+          <p:cNvPr id="11" name="TextBox 10">
+            <a:extLst>
+              <a:ext uri="{FF2B5EF4-FFF2-40B4-BE49-F238E27FC236}">
+                <a16:creationId xmlns:a16="http://schemas.microsoft.com/office/drawing/2014/main" id="{897EBAB0-76DD-4783-8309-6DA8129BF359}"/>
+              </a:ext>
+            </a:extLst>
+          </p:cNvPr>
+          <p:cNvSpPr txBox="1"/>
+          <p:nvPr/>
+        </p:nvSpPr>
+        <p:spPr>
+          <a:xfrm>
+            <a:off x="5026026" y="5121275"/>
+            <a:ext cx="2743200" cy="369332"/>
+          </a:xfrm>
+          <a:prstGeom prst="rect">
+            <a:avLst/>
+          </a:prstGeom>
+          <a:noFill/>
+        </p:spPr>
+        <p:txBody>
+          <a:bodyPr rot="0" spcFirstLastPara="0" vertOverflow="overflow" horzOverflow="overflow" vert="horz" wrap="square" lIns="91440" tIns="45720" rIns="91440" bIns="45720" numCol="1" spcCol="0" rtlCol="0" fromWordArt="0" anchor="t" anchorCtr="0" forceAA="0" compatLnSpc="1">
+            <a:prstTxWarp prst="textNoShape">
+              <a:avLst/>
+            </a:prstTxWarp>
+            <a:spAutoFit/>
+          </a:bodyPr>
+          <a:lstStyle/>
+          <a:p>
+            <a:r>
+              <a:rPr lang="en-US"/>
+              <a:t>Log helps</a:t>
+            </a:r>
+          </a:p>
+        </p:txBody>
+      </p:sp>
+      <p:pic>
+        <p:nvPicPr>
+          <p:cNvPr id="12" name="Picture 12" descr="A close up of text on a white background&#10;&#10;Description generated with very high confidence">
+            <a:extLst>
+              <a:ext uri="{FF2B5EF4-FFF2-40B4-BE49-F238E27FC236}">
+                <a16:creationId xmlns:a16="http://schemas.microsoft.com/office/drawing/2014/main" id="{2D974750-8AD5-43ED-897E-E42083A272C8}"/>
+              </a:ext>
+            </a:extLst>
+          </p:cNvPr>
+          <p:cNvPicPr>
+            <a:picLocks noChangeAspect="1"/>
+          </p:cNvPicPr>
+          <p:nvPr/>
+        </p:nvPicPr>
+        <p:blipFill>
+          <a:blip r:embed="rId4"/>
+          <a:stretch>
+            <a:fillRect/>
+          </a:stretch>
+        </p:blipFill>
+        <p:spPr>
+          <a:xfrm>
+            <a:off x="162984" y="2216452"/>
+            <a:ext cx="3716866" cy="2657929"/>
+          </a:xfrm>
+          <a:prstGeom prst="rect">
+            <a:avLst/>
+          </a:prstGeom>
+        </p:spPr>
+      </p:pic>
+      <p:sp>
+        <p:nvSpPr>
+          <p:cNvPr id="14" name="TextBox 13">
+            <a:extLst>
+              <a:ext uri="{FF2B5EF4-FFF2-40B4-BE49-F238E27FC236}">
+                <a16:creationId xmlns:a16="http://schemas.microsoft.com/office/drawing/2014/main" id="{253A6AB5-B69B-4294-B360-D5C49986CAAE}"/>
+              </a:ext>
+            </a:extLst>
+          </p:cNvPr>
+          <p:cNvSpPr txBox="1"/>
+          <p:nvPr/>
+        </p:nvSpPr>
+        <p:spPr>
+          <a:xfrm>
+            <a:off x="655109" y="5121274"/>
+            <a:ext cx="2743200" cy="369332"/>
+          </a:xfrm>
+          <a:prstGeom prst="rect">
+            <a:avLst/>
+          </a:prstGeom>
+          <a:noFill/>
+        </p:spPr>
+        <p:txBody>
+          <a:bodyPr rot="0" spcFirstLastPara="0" vertOverflow="overflow" horzOverflow="overflow" vert="horz" wrap="square" lIns="91440" tIns="45720" rIns="91440" bIns="45720" numCol="1" spcCol="0" rtlCol="0" fromWordArt="0" anchor="t" anchorCtr="0" forceAA="0" compatLnSpc="1">
+            <a:prstTxWarp prst="textNoShape">
+              <a:avLst/>
+            </a:prstTxWarp>
+            <a:spAutoFit/>
+          </a:bodyPr>
+          <a:lstStyle/>
+          <a:p>
+            <a:r>
+              <a:rPr lang="en-US"/>
+              <a:t>No transform required</a:t>
+            </a:r>
+          </a:p>
+        </p:txBody>
+      </p:sp>
+    </p:spTree>
+    <p:extLst>
+      <p:ext uri="{BB962C8B-B14F-4D97-AF65-F5344CB8AC3E}">
+        <p14:creationId xmlns:p14="http://schemas.microsoft.com/office/powerpoint/2010/main" val="3062841289"/>
+      </p:ext>
+    </p:extLst>
+  </p:cSld>
+  <p:clrMapOvr>
+    <a:masterClrMapping/>
+  </p:clrMapOvr>
+</p:sld>
+</file>
+
+<file path=ppt/slides/slide6.xml><?xml version="1.0" encoding="utf-8"?>
+<p:sld xmlns:a="http://schemas.openxmlformats.org/drawingml/2006/main" xmlns:r="http://schemas.openxmlformats.org/officeDocument/2006/relationships" xmlns:p="http://schemas.openxmlformats.org/presentationml/2006/main">
+  <p:cSld>
+    <p:spTree>
+      <p:nvGrpSpPr>
+        <p:cNvPr id="1" name=""/>
+        <p:cNvGrpSpPr/>
+        <p:nvPr/>
+      </p:nvGrpSpPr>
+      <p:grpSpPr>
+        <a:xfrm>
+          <a:off x="0" y="0"/>
+          <a:ext cx="0" cy="0"/>
+          <a:chOff x="0" y="0"/>
+          <a:chExt cx="0" cy="0"/>
+        </a:xfrm>
+      </p:grpSpPr>
+      <p:sp>
+        <p:nvSpPr>
+          <p:cNvPr id="2" name="Title 1">
+            <a:extLst>
+              <a:ext uri="{FF2B5EF4-FFF2-40B4-BE49-F238E27FC236}">
                 <a16:creationId xmlns:a16="http://schemas.microsoft.com/office/drawing/2014/main" id="{BB588F08-6610-4CB3-8D82-F3472115ED8E}"/>
               </a:ext>
             </a:extLst>
@@ -8396,7 +12534,6 @@
               <a:rPr lang="en-US"/>
               <a:t>Data Transformation</a:t>
             </a:r>
-            <a:endParaRPr lang="en-US" dirty="0"/>
           </a:p>
         </p:txBody>
       </p:sp>
@@ -8415,7 +12552,7 @@
         <p:spPr>
           <a:xfrm>
             <a:off x="647205" y="1389412"/>
-            <a:ext cx="3277589" cy="3611245"/>
+            <a:ext cx="3277589" cy="2872581"/>
           </a:xfrm>
           <a:prstGeom prst="rect">
             <a:avLst/>
@@ -8533,11 +12670,11 @@
               <a:buChar char="•"/>
             </a:pPr>
             <a:r>
-              <a:rPr lang="en-US" dirty="0"/>
+              <a:rPr lang="en-US"/>
               <a:t>Categorical</a:t>
             </a:r>
             <a:r>
-              <a:rPr lang="en-US" dirty="0">
+              <a:rPr lang="en-US">
                 <a:ea typeface="+mn-lt"/>
                 <a:cs typeface="+mn-lt"/>
               </a:rPr>
@@ -8554,7 +12691,7 @@
               <a:buChar char="•"/>
             </a:pPr>
             <a:r>
-              <a:rPr lang="en-US" dirty="0">
+              <a:rPr lang="en-US" sz="1200">
                 <a:ea typeface="+mn-lt"/>
                 <a:cs typeface="+mn-lt"/>
               </a:rPr>
@@ -8570,13 +12707,13 @@
               <a:buChar char="•"/>
             </a:pPr>
             <a:r>
-              <a:rPr lang="en-US" err="1">
+              <a:rPr lang="en-US" sz="1200" err="1">
                 <a:ea typeface="+mn-lt"/>
                 <a:cs typeface="+mn-lt"/>
               </a:rPr>
               <a:t>EducationField</a:t>
             </a:r>
-            <a:endParaRPr lang="en-US">
+            <a:endParaRPr lang="en-US" sz="1200">
               <a:ea typeface="+mn-lt"/>
               <a:cs typeface="+mn-lt"/>
             </a:endParaRPr>
@@ -8590,7 +12727,7 @@
               <a:buChar char="•"/>
             </a:pPr>
             <a:r>
-              <a:rPr lang="en-US" dirty="0">
+              <a:rPr lang="en-US" sz="1200">
                 <a:ea typeface="+mn-lt"/>
                 <a:cs typeface="+mn-lt"/>
               </a:rPr>
@@ -8606,7 +12743,7 @@
               <a:buChar char="•"/>
             </a:pPr>
             <a:r>
-              <a:rPr lang="en-US" dirty="0">
+              <a:rPr lang="en-US" sz="1200">
                 <a:ea typeface="+mn-lt"/>
                 <a:cs typeface="+mn-lt"/>
               </a:rPr>
@@ -8622,7 +12759,7 @@
               <a:buChar char="•"/>
             </a:pPr>
             <a:r>
-              <a:rPr lang="en-US">
+              <a:rPr lang="en-US" sz="1200" err="1">
                 <a:solidFill>
                   <a:srgbClr val="FFFFFF"/>
                 </a:solidFill>
@@ -8631,7 +12768,7 @@
               </a:rPr>
               <a:t>BusinessTravel</a:t>
             </a:r>
-            <a:endParaRPr lang="en-US" dirty="0">
+            <a:endParaRPr lang="en-US" sz="1200">
               <a:solidFill>
                 <a:srgbClr val="FFFFFF"/>
               </a:solidFill>
@@ -8648,7 +12785,7 @@
               <a:buChar char="•"/>
             </a:pPr>
             <a:r>
-              <a:rPr lang="en-US" dirty="0">
+              <a:rPr lang="en-US" sz="1200">
                 <a:solidFill>
                   <a:srgbClr val="00B0F0"/>
                 </a:solidFill>
@@ -8667,7 +12804,7 @@
               <a:buChar char="•"/>
             </a:pPr>
             <a:r>
-              <a:rPr lang="en-US">
+              <a:rPr lang="en-US" sz="1200" err="1">
                 <a:solidFill>
                   <a:srgbClr val="00B0F0"/>
                 </a:solidFill>
@@ -8676,7 +12813,7 @@
               </a:rPr>
               <a:t>OverTime</a:t>
             </a:r>
-            <a:endParaRPr lang="en-US" dirty="0">
+            <a:endParaRPr lang="en-US" sz="1200">
               <a:solidFill>
                 <a:srgbClr val="00B0F0"/>
               </a:solidFill>
@@ -8693,11 +12830,11 @@
               <a:buChar char="•"/>
             </a:pPr>
             <a:r>
-              <a:rPr lang="en-US">
+              <a:rPr lang="en-US" sz="1200">
                 <a:solidFill>
                   <a:schemeClr val="accent1">
-                    <a:lumMod val="60000"/>
-                    <a:lumOff val="40000"/>
+                    <a:lumMod val="40000"/>
+                    <a:lumOff val="60000"/>
                   </a:schemeClr>
                 </a:solidFill>
               </a:rPr>
@@ -8721,7 +12858,7 @@
         <p:spPr>
           <a:xfrm>
             <a:off x="3695205" y="1389411"/>
-            <a:ext cx="4435432" cy="4421723"/>
+            <a:ext cx="4435432" cy="4529445"/>
           </a:xfrm>
           <a:prstGeom prst="rect">
             <a:avLst/>
@@ -8839,7 +12976,7 @@
               <a:buChar char="•"/>
             </a:pPr>
             <a:r>
-              <a:rPr lang="en-US" dirty="0"/>
+              <a:rPr lang="en-US"/>
               <a:t>Numeric Data</a:t>
             </a:r>
           </a:p>
@@ -8852,7 +12989,7 @@
               <a:buChar char="•"/>
             </a:pPr>
             <a:r>
-              <a:rPr lang="en-US" dirty="0">
+              <a:rPr lang="en-US" sz="1200">
                 <a:ea typeface="+mn-lt"/>
                 <a:cs typeface="+mn-lt"/>
               </a:rPr>
@@ -8868,10 +13005,10 @@
               <a:buChar char="•"/>
             </a:pPr>
             <a:r>
-              <a:rPr lang="en-US" err="1"/>
+              <a:rPr lang="en-US" sz="1200" err="1"/>
               <a:t>EnvironmentSatisfaction</a:t>
             </a:r>
-            <a:endParaRPr lang="en-US"/>
+            <a:endParaRPr lang="en-US" sz="1200"/>
           </a:p>
           <a:p>
             <a:pPr marL="742950" lvl="1" indent="-285750">
@@ -8882,10 +13019,10 @@
               <a:buChar char="•"/>
             </a:pPr>
             <a:r>
-              <a:rPr lang="en-US" err="1"/>
+              <a:rPr lang="en-US" sz="1200" err="1"/>
               <a:t>JobInvolvement</a:t>
             </a:r>
-            <a:endParaRPr lang="en-US"/>
+            <a:endParaRPr lang="en-US" sz="1200"/>
           </a:p>
           <a:p>
             <a:pPr marL="742950" lvl="1" indent="-285750">
@@ -8896,10 +13033,10 @@
               <a:buChar char="•"/>
             </a:pPr>
             <a:r>
-              <a:rPr lang="en-US" err="1"/>
+              <a:rPr lang="en-US" sz="1200" err="1"/>
               <a:t>JobLevel</a:t>
             </a:r>
-            <a:endParaRPr lang="en-US"/>
+            <a:endParaRPr lang="en-US" sz="1200"/>
           </a:p>
           <a:p>
             <a:pPr marL="742950" lvl="1" indent="-285750">
@@ -8910,10 +13047,10 @@
               <a:buChar char="•"/>
             </a:pPr>
             <a:r>
-              <a:rPr lang="en-US" err="1"/>
+              <a:rPr lang="en-US" sz="1200" err="1"/>
               <a:t>JobSatisfacton</a:t>
             </a:r>
-            <a:endParaRPr lang="en-US"/>
+            <a:endParaRPr lang="en-US" sz="1200"/>
           </a:p>
           <a:p>
             <a:pPr marL="742950" lvl="1" indent="-285750">
@@ -8924,10 +13061,10 @@
               <a:buChar char="•"/>
             </a:pPr>
             <a:r>
-              <a:rPr lang="en-US" err="1"/>
+              <a:rPr lang="en-US" sz="1200" err="1"/>
               <a:t>NumCompaniesWorked</a:t>
             </a:r>
-            <a:endParaRPr lang="en-US"/>
+            <a:endParaRPr lang="en-US" sz="1200"/>
           </a:p>
           <a:p>
             <a:pPr marL="742950" lvl="1" indent="-285750">
@@ -8938,10 +13075,10 @@
               <a:buChar char="•"/>
             </a:pPr>
             <a:r>
-              <a:rPr lang="en-US" err="1"/>
+              <a:rPr lang="en-US" sz="1200" err="1"/>
               <a:t>PercentSalaryHike</a:t>
             </a:r>
-            <a:endParaRPr lang="en-US"/>
+            <a:endParaRPr lang="en-US" sz="1200"/>
           </a:p>
           <a:p>
             <a:pPr marL="742950" lvl="1" indent="-285750">
@@ -8952,10 +13089,9 @@
               <a:buChar char="•"/>
             </a:pPr>
             <a:r>
-              <a:rPr lang="en-US" err="1"/>
+              <a:rPr lang="en-US" sz="1200" err="1"/>
               <a:t>PerformanceRating</a:t>
             </a:r>
-            <a:endParaRPr lang="en-US"/>
           </a:p>
           <a:p>
             <a:pPr marL="742950" lvl="1" indent="-285750">
@@ -8966,21 +13102,21 @@
               <a:buChar char="•"/>
             </a:pPr>
             <a:r>
-              <a:rPr lang="en-US" err="1">
+              <a:rPr lang="en-US" sz="1200" err="1">
                 <a:solidFill>
                   <a:schemeClr val="accent1">
-                    <a:lumMod val="60000"/>
-                    <a:lumOff val="40000"/>
+                    <a:lumMod val="40000"/>
+                    <a:lumOff val="60000"/>
                   </a:schemeClr>
                 </a:solidFill>
               </a:rPr>
-              <a:t>StandardHours</a:t>
-            </a:r>
-            <a:endParaRPr lang="en-US">
+              <a:t>HourlyRate</a:t>
+            </a:r>
+            <a:endParaRPr lang="en-US" sz="1200">
               <a:solidFill>
                 <a:schemeClr val="accent1">
-                  <a:lumMod val="60000"/>
-                  <a:lumOff val="40000"/>
+                  <a:lumMod val="40000"/>
+                  <a:lumOff val="60000"/>
                 </a:schemeClr>
               </a:solidFill>
             </a:endParaRPr>
@@ -8993,7 +13129,81 @@
               <a:buFont typeface="Arial"/>
               <a:buChar char="•"/>
             </a:pPr>
-            <a:endParaRPr lang="en-US" dirty="0"/>
+            <a:r>
+              <a:rPr lang="en-US" sz="1200" err="1">
+                <a:solidFill>
+                  <a:schemeClr val="accent1">
+                    <a:lumMod val="40000"/>
+                    <a:lumOff val="60000"/>
+                  </a:schemeClr>
+                </a:solidFill>
+              </a:rPr>
+              <a:t>DailyRate</a:t>
+            </a:r>
+            <a:endParaRPr lang="en-US" sz="1200">
+              <a:solidFill>
+                <a:schemeClr val="accent1">
+                  <a:lumMod val="40000"/>
+                  <a:lumOff val="60000"/>
+                </a:schemeClr>
+              </a:solidFill>
+            </a:endParaRPr>
+          </a:p>
+          <a:p>
+            <a:pPr marL="742950" lvl="1" indent="-285750">
+              <a:spcBef>
+                <a:spcPts val="1000"/>
+              </a:spcBef>
+              <a:buFont typeface="Arial"/>
+              <a:buChar char="•"/>
+            </a:pPr>
+            <a:r>
+              <a:rPr lang="en-US" sz="1200" err="1">
+                <a:solidFill>
+                  <a:schemeClr val="accent1">
+                    <a:lumMod val="40000"/>
+                    <a:lumOff val="60000"/>
+                  </a:schemeClr>
+                </a:solidFill>
+              </a:rPr>
+              <a:t>MonthlyRate</a:t>
+            </a:r>
+            <a:endParaRPr lang="en-US" sz="1200">
+              <a:solidFill>
+                <a:schemeClr val="accent1">
+                  <a:lumMod val="40000"/>
+                  <a:lumOff val="60000"/>
+                </a:schemeClr>
+              </a:solidFill>
+            </a:endParaRPr>
+          </a:p>
+          <a:p>
+            <a:pPr marL="742950" lvl="1" indent="-285750">
+              <a:spcBef>
+                <a:spcPts val="1000"/>
+              </a:spcBef>
+              <a:buFont typeface="Arial"/>
+              <a:buChar char="•"/>
+            </a:pPr>
+            <a:endParaRPr lang="en-US" sz="1200">
+              <a:solidFill>
+                <a:srgbClr val="ED5654"/>
+              </a:solidFill>
+            </a:endParaRPr>
+          </a:p>
+          <a:p>
+            <a:pPr marL="742950" lvl="1" indent="-285750">
+              <a:spcBef>
+                <a:spcPts val="1000"/>
+              </a:spcBef>
+              <a:buFont typeface="Arial"/>
+              <a:buChar char="•"/>
+            </a:pPr>
+            <a:endParaRPr lang="en-US">
+              <a:solidFill>
+                <a:srgbClr val="FFFFFF"/>
+              </a:solidFill>
+            </a:endParaRPr>
           </a:p>
         </p:txBody>
       </p:sp>
@@ -9012,7 +13222,7 @@
         <p:spPr>
           <a:xfrm>
             <a:off x="7327074" y="1389411"/>
-            <a:ext cx="4435432" cy="4826962"/>
+            <a:ext cx="4435432" cy="4842351"/>
           </a:xfrm>
           <a:prstGeom prst="rect">
             <a:avLst/>
@@ -9130,7 +13340,7 @@
               <a:buChar char="•"/>
             </a:pPr>
             <a:r>
-              <a:rPr lang="en-US" dirty="0"/>
+              <a:rPr lang="en-US"/>
               <a:t>Numeric Data</a:t>
             </a:r>
           </a:p>
@@ -9143,13 +13353,13 @@
               <a:buChar char="•"/>
             </a:pPr>
             <a:r>
-              <a:rPr lang="en-US" err="1">
+              <a:rPr lang="en-US" sz="1200" err="1">
                 <a:ea typeface="+mn-lt"/>
                 <a:cs typeface="+mn-lt"/>
               </a:rPr>
               <a:t>RelationshipSatisfaction</a:t>
             </a:r>
-            <a:endParaRPr lang="en-US">
+            <a:endParaRPr lang="en-US" sz="1200">
               <a:ea typeface="+mn-lt"/>
               <a:cs typeface="+mn-lt"/>
             </a:endParaRPr>
@@ -9163,9 +13373,10 @@
               <a:buChar char="•"/>
             </a:pPr>
             <a:r>
-              <a:rPr lang="en-US"/>
+              <a:rPr lang="en-US" sz="1200" err="1"/>
               <a:t>StockOptionLevel</a:t>
             </a:r>
+            <a:endParaRPr lang="en-US" sz="1200"/>
           </a:p>
           <a:p>
             <a:pPr marL="742950" lvl="1" indent="-285750">
@@ -9176,9 +13387,10 @@
               <a:buChar char="•"/>
             </a:pPr>
             <a:r>
-              <a:rPr lang="en-US"/>
+              <a:rPr lang="en-US" sz="1200" err="1"/>
               <a:t>TrainingTimesLastYear</a:t>
             </a:r>
+            <a:endParaRPr lang="en-US" sz="1200"/>
           </a:p>
           <a:p>
             <a:pPr marL="742950" lvl="1" indent="-285750">
@@ -9189,9 +13401,10 @@
               <a:buChar char="•"/>
             </a:pPr>
             <a:r>
-              <a:rPr lang="en-US"/>
+              <a:rPr lang="en-US" sz="1200" err="1"/>
               <a:t>WorkLifeBalance</a:t>
             </a:r>
+            <a:endParaRPr lang="en-US" sz="1200"/>
           </a:p>
           <a:p>
             <a:pPr marL="742950" lvl="1" indent="-285750">
@@ -9202,7 +13415,7 @@
               <a:buChar char="•"/>
             </a:pPr>
             <a:r>
-              <a:rPr lang="en-US">
+              <a:rPr lang="en-US" sz="1200" err="1">
                 <a:solidFill>
                   <a:srgbClr val="FFC000"/>
                 </a:solidFill>
@@ -9211,7 +13424,7 @@
               </a:rPr>
               <a:t>TotalWorkingYears</a:t>
             </a:r>
-            <a:endParaRPr lang="en-US">
+            <a:endParaRPr lang="en-US" sz="1200">
               <a:ea typeface="+mn-lt"/>
               <a:cs typeface="+mn-lt"/>
             </a:endParaRPr>
@@ -9225,7 +13438,7 @@
               <a:buChar char="•"/>
             </a:pPr>
             <a:r>
-              <a:rPr lang="en-US">
+              <a:rPr lang="en-US" sz="1200">
                 <a:solidFill>
                   <a:srgbClr val="FFC000"/>
                 </a:solidFill>
@@ -9233,7 +13446,7 @@
               <a:t>Distance</a:t>
             </a:r>
             <a:r>
-              <a:rPr lang="en-US">
+              <a:rPr lang="en-US" sz="1200">
                 <a:solidFill>
                   <a:srgbClr val="FFC000"/>
                 </a:solidFill>
@@ -9242,7 +13455,7 @@
               </a:rPr>
               <a:t> From Home</a:t>
             </a:r>
-            <a:endParaRPr lang="en-US">
+            <a:endParaRPr lang="en-US" sz="1200">
               <a:ea typeface="+mn-lt"/>
               <a:cs typeface="+mn-lt"/>
             </a:endParaRPr>
@@ -9256,7 +13469,7 @@
               <a:buChar char="•"/>
             </a:pPr>
             <a:r>
-              <a:rPr lang="en-US" err="1">
+              <a:rPr lang="en-US" sz="1200" err="1">
                 <a:solidFill>
                   <a:schemeClr val="accent6">
                     <a:lumMod val="60000"/>
@@ -9266,6 +13479,90 @@
               </a:rPr>
               <a:t>YearsAtCompany</a:t>
             </a:r>
+            <a:endParaRPr lang="en-US" sz="1200">
+              <a:solidFill>
+                <a:schemeClr val="accent6">
+                  <a:lumMod val="60000"/>
+                  <a:lumOff val="40000"/>
+                </a:schemeClr>
+              </a:solidFill>
+            </a:endParaRPr>
+          </a:p>
+          <a:p>
+            <a:pPr marL="742950" lvl="1" indent="-285750">
+              <a:spcBef>
+                <a:spcPts val="1000"/>
+              </a:spcBef>
+              <a:buFont typeface="Arial"/>
+              <a:buChar char="•"/>
+            </a:pPr>
+            <a:r>
+              <a:rPr lang="en-US" sz="1200" err="1">
+                <a:solidFill>
+                  <a:schemeClr val="accent6">
+                    <a:lumMod val="60000"/>
+                    <a:lumOff val="40000"/>
+                  </a:schemeClr>
+                </a:solidFill>
+              </a:rPr>
+              <a:t>YearsInCurrentRole</a:t>
+            </a:r>
+            <a:endParaRPr lang="en-US" sz="1200">
+              <a:solidFill>
+                <a:schemeClr val="accent6">
+                  <a:lumMod val="60000"/>
+                  <a:lumOff val="40000"/>
+                </a:schemeClr>
+              </a:solidFill>
+            </a:endParaRPr>
+          </a:p>
+          <a:p>
+            <a:pPr marL="742950" lvl="1" indent="-285750">
+              <a:spcBef>
+                <a:spcPts val="1000"/>
+              </a:spcBef>
+              <a:buFont typeface="Arial"/>
+              <a:buChar char="•"/>
+            </a:pPr>
+            <a:r>
+              <a:rPr lang="en-US" sz="1200" err="1">
+                <a:solidFill>
+                  <a:schemeClr val="accent6">
+                    <a:lumMod val="60000"/>
+                    <a:lumOff val="40000"/>
+                  </a:schemeClr>
+                </a:solidFill>
+              </a:rPr>
+              <a:t>YearsSinceLastPromotion</a:t>
+            </a:r>
+            <a:endParaRPr lang="en-US" sz="1200">
+              <a:solidFill>
+                <a:schemeClr val="accent6">
+                  <a:lumMod val="60000"/>
+                  <a:lumOff val="40000"/>
+                </a:schemeClr>
+              </a:solidFill>
+            </a:endParaRPr>
+          </a:p>
+          <a:p>
+            <a:pPr marL="742950" lvl="1" indent="-285750">
+              <a:spcBef>
+                <a:spcPts val="1000"/>
+              </a:spcBef>
+              <a:buFont typeface="Arial"/>
+              <a:buChar char="•"/>
+            </a:pPr>
+            <a:r>
+              <a:rPr lang="en-US" sz="1200" err="1">
+                <a:solidFill>
+                  <a:schemeClr val="accent6">
+                    <a:lumMod val="60000"/>
+                    <a:lumOff val="40000"/>
+                  </a:schemeClr>
+                </a:solidFill>
+              </a:rPr>
+              <a:t>YearsWithCurrManager</a:t>
+            </a:r>
             <a:endParaRPr lang="en-US">
               <a:solidFill>
                 <a:schemeClr val="accent6">
@@ -9284,21 +13581,21 @@
               <a:buChar char="•"/>
             </a:pPr>
             <a:r>
-              <a:rPr lang="en-US" err="1">
+              <a:rPr lang="en-US" sz="1200" err="1">
                 <a:solidFill>
-                  <a:schemeClr val="accent6">
-                    <a:lumMod val="60000"/>
-                    <a:lumOff val="40000"/>
+                  <a:schemeClr val="accent1">
+                    <a:lumMod val="40000"/>
+                    <a:lumOff val="60000"/>
                   </a:schemeClr>
                 </a:solidFill>
               </a:rPr>
-              <a:t>YearsInCurrentRole</a:t>
-            </a:r>
-            <a:endParaRPr lang="en-US">
+              <a:t>StandardHours</a:t>
+            </a:r>
+            <a:endParaRPr lang="en-US" sz="1200">
               <a:solidFill>
-                <a:schemeClr val="accent6">
-                  <a:lumMod val="60000"/>
-                  <a:lumOff val="40000"/>
+                <a:schemeClr val="accent1">
+                  <a:lumMod val="40000"/>
+                  <a:lumOff val="60000"/>
                 </a:schemeClr>
               </a:solidFill>
             </a:endParaRPr>
@@ -9312,21 +13609,21 @@
               <a:buChar char="•"/>
             </a:pPr>
             <a:r>
-              <a:rPr lang="en-US" err="1">
+              <a:rPr lang="en-US" sz="1200" err="1">
                 <a:solidFill>
-                  <a:schemeClr val="accent6">
-                    <a:lumMod val="60000"/>
-                    <a:lumOff val="40000"/>
+                  <a:schemeClr val="accent1">
+                    <a:lumMod val="40000"/>
+                    <a:lumOff val="60000"/>
                   </a:schemeClr>
                 </a:solidFill>
               </a:rPr>
-              <a:t>YearsSinceLastPromotion</a:t>
-            </a:r>
-            <a:endParaRPr lang="en-US">
+              <a:t>EmployeeCount</a:t>
+            </a:r>
+            <a:endParaRPr lang="en-US" sz="1200">
               <a:solidFill>
-                <a:schemeClr val="accent6">
-                  <a:lumMod val="60000"/>
-                  <a:lumOff val="40000"/>
+                <a:schemeClr val="accent1">
+                  <a:lumMod val="40000"/>
+                  <a:lumOff val="60000"/>
                 </a:schemeClr>
               </a:solidFill>
             </a:endParaRPr>
@@ -9339,23 +13636,9 @@
               <a:buFont typeface="Arial"/>
               <a:buChar char="•"/>
             </a:pPr>
-            <a:r>
-              <a:rPr lang="en-US" err="1">
-                <a:solidFill>
-                  <a:schemeClr val="accent6">
-                    <a:lumMod val="60000"/>
-                    <a:lumOff val="40000"/>
-                  </a:schemeClr>
-                </a:solidFill>
-              </a:rPr>
-              <a:t>YearsWithCurrManager</a:t>
-            </a:r>
-            <a:endParaRPr lang="en-US">
+            <a:endParaRPr lang="en-US" sz="1200">
               <a:solidFill>
-                <a:schemeClr val="accent6">
-                  <a:lumMod val="60000"/>
-                  <a:lumOff val="40000"/>
-                </a:schemeClr>
+                <a:srgbClr val="C59EC3"/>
               </a:solidFill>
             </a:endParaRPr>
           </a:p>
@@ -9367,7 +13650,7 @@
               <a:buFont typeface="Arial"/>
               <a:buChar char="•"/>
             </a:pPr>
-            <a:endParaRPr lang="en-US" dirty="0" err="1"/>
+            <a:endParaRPr lang="en-US" err="1"/>
           </a:p>
         </p:txBody>
       </p:sp>
@@ -9490,8 +13773,8 @@
               <a:rPr lang="en-US">
                 <a:solidFill>
                   <a:schemeClr val="accent1">
-                    <a:lumMod val="60000"/>
-                    <a:lumOff val="40000"/>
+                    <a:lumMod val="40000"/>
+                    <a:lumOff val="60000"/>
                   </a:schemeClr>
                 </a:solidFill>
               </a:rPr>
@@ -9558,7 +13841,7 @@
 </p:sld>
 </file>
 
-<file path=ppt/slides/slide5.xml><?xml version="1.0" encoding="utf-8"?>
+<file path=ppt/slides/slide7.xml><?xml version="1.0" encoding="utf-8"?>
 <p:sld xmlns:a="http://schemas.openxmlformats.org/drawingml/2006/main" xmlns:r="http://schemas.openxmlformats.org/officeDocument/2006/relationships" xmlns:p="http://schemas.openxmlformats.org/presentationml/2006/main">
   <p:cSld>
     <p:spTree>
@@ -9580,124 +13863,6 @@
           <p:cNvPr id="2" name="Title 1">
             <a:extLst>
               <a:ext uri="{FF2B5EF4-FFF2-40B4-BE49-F238E27FC236}">
-                <a16:creationId xmlns:a16="http://schemas.microsoft.com/office/drawing/2014/main" id="{3B48C4BC-3A20-41B3-A430-AB29D7349382}"/>
-              </a:ext>
-            </a:extLst>
-          </p:cNvPr>
-          <p:cNvSpPr>
-            <a:spLocks noGrp="1"/>
-          </p:cNvSpPr>
-          <p:nvPr>
-            <p:ph type="title"/>
-          </p:nvPr>
-        </p:nvSpPr>
-        <p:spPr/>
-        <p:txBody>
-          <a:bodyPr/>
-          <a:lstStyle/>
-          <a:p>
-            <a:r>
-              <a:rPr lang="en-US" dirty="0"/>
-              <a:t>Data Transformation</a:t>
-            </a:r>
-          </a:p>
-        </p:txBody>
-      </p:sp>
-      <p:pic>
-        <p:nvPicPr>
-          <p:cNvPr id="3" name="Picture 3" descr="A close up of a map&#10;&#10;Description generated with very high confidence">
-            <a:extLst>
-              <a:ext uri="{FF2B5EF4-FFF2-40B4-BE49-F238E27FC236}">
-                <a16:creationId xmlns:a16="http://schemas.microsoft.com/office/drawing/2014/main" id="{51608092-4C75-4120-B268-583247A43057}"/>
-              </a:ext>
-            </a:extLst>
-          </p:cNvPr>
-          <p:cNvPicPr>
-            <a:picLocks noChangeAspect="1"/>
-          </p:cNvPicPr>
-          <p:nvPr/>
-        </p:nvPicPr>
-        <p:blipFill>
-          <a:blip r:embed="rId2"/>
-          <a:stretch>
-            <a:fillRect/>
-          </a:stretch>
-        </p:blipFill>
-        <p:spPr>
-          <a:xfrm>
-            <a:off x="729172" y="1564599"/>
-            <a:ext cx="5080000" cy="3623129"/>
-          </a:xfrm>
-          <a:prstGeom prst="rect">
-            <a:avLst/>
-          </a:prstGeom>
-        </p:spPr>
-      </p:pic>
-      <p:pic>
-        <p:nvPicPr>
-          <p:cNvPr id="5" name="Picture 5" descr="A close up of a map&#10;&#10;Description generated with very high confidence">
-            <a:extLst>
-              <a:ext uri="{FF2B5EF4-FFF2-40B4-BE49-F238E27FC236}">
-                <a16:creationId xmlns:a16="http://schemas.microsoft.com/office/drawing/2014/main" id="{BBAD3CAA-12C7-4620-842D-987AB0DA3453}"/>
-              </a:ext>
-            </a:extLst>
-          </p:cNvPr>
-          <p:cNvPicPr>
-            <a:picLocks noChangeAspect="1"/>
-          </p:cNvPicPr>
-          <p:nvPr/>
-        </p:nvPicPr>
-        <p:blipFill>
-          <a:blip r:embed="rId3"/>
-          <a:stretch>
-            <a:fillRect/>
-          </a:stretch>
-        </p:blipFill>
-        <p:spPr>
-          <a:xfrm>
-            <a:off x="6400800" y="1560286"/>
-            <a:ext cx="5054600" cy="3623129"/>
-          </a:xfrm>
-          <a:prstGeom prst="rect">
-            <a:avLst/>
-          </a:prstGeom>
-        </p:spPr>
-      </p:pic>
-    </p:spTree>
-    <p:extLst>
-      <p:ext uri="{BB962C8B-B14F-4D97-AF65-F5344CB8AC3E}">
-        <p14:creationId xmlns:p14="http://schemas.microsoft.com/office/powerpoint/2010/main" val="3062841289"/>
-      </p:ext>
-    </p:extLst>
-  </p:cSld>
-  <p:clrMapOvr>
-    <a:masterClrMapping/>
-  </p:clrMapOvr>
-</p:sld>
-</file>
-
-<file path=ppt/slides/slide6.xml><?xml version="1.0" encoding="utf-8"?>
-<p:sld xmlns:a="http://schemas.openxmlformats.org/drawingml/2006/main" xmlns:r="http://schemas.openxmlformats.org/officeDocument/2006/relationships" xmlns:p="http://schemas.openxmlformats.org/presentationml/2006/main">
-  <p:cSld>
-    <p:spTree>
-      <p:nvGrpSpPr>
-        <p:cNvPr id="1" name=""/>
-        <p:cNvGrpSpPr/>
-        <p:nvPr/>
-      </p:nvGrpSpPr>
-      <p:grpSpPr>
-        <a:xfrm>
-          <a:off x="0" y="0"/>
-          <a:ext cx="0" cy="0"/>
-          <a:chOff x="0" y="0"/>
-          <a:chExt cx="0" cy="0"/>
-        </a:xfrm>
-      </p:grpSpPr>
-      <p:sp>
-        <p:nvSpPr>
-          <p:cNvPr id="2" name="Title 1">
-            <a:extLst>
-              <a:ext uri="{FF2B5EF4-FFF2-40B4-BE49-F238E27FC236}">
                 <a16:creationId xmlns:a16="http://schemas.microsoft.com/office/drawing/2014/main" id="{F526C19B-2C8A-4F6A-A3F6-D01D13B7A0FD}"/>
               </a:ext>
             </a:extLst>
@@ -9715,7 +13880,7 @@
           <a:lstStyle/>
           <a:p>
             <a:r>
-              <a:rPr lang="en-US" dirty="0"/>
+              <a:rPr lang="en-US"/>
               <a:t>Factors related to Attrition</a:t>
             </a:r>
           </a:p>
@@ -9743,8 +13908,8 @@
         </p:blipFill>
         <p:spPr>
           <a:xfrm>
-            <a:off x="706582" y="1410195"/>
-            <a:ext cx="2222500" cy="1591129"/>
+            <a:off x="112816" y="1321130"/>
+            <a:ext cx="2895434" cy="2076037"/>
           </a:xfrm>
           <a:prstGeom prst="rect">
             <a:avLst/>
@@ -9773,8 +13938,8 @@
         </p:blipFill>
         <p:spPr>
           <a:xfrm>
-            <a:off x="3365500" y="1407886"/>
-            <a:ext cx="2222500" cy="1591129"/>
+            <a:off x="3078513" y="1318821"/>
+            <a:ext cx="2855850" cy="2066141"/>
           </a:xfrm>
           <a:prstGeom prst="rect">
             <a:avLst/>
@@ -9803,8 +13968,8 @@
         </p:blipFill>
         <p:spPr>
           <a:xfrm>
-            <a:off x="6096000" y="1407886"/>
-            <a:ext cx="2222500" cy="1591129"/>
+            <a:off x="6006936" y="1318821"/>
+            <a:ext cx="2915227" cy="2066142"/>
           </a:xfrm>
           <a:prstGeom prst="rect">
             <a:avLst/>
@@ -9833,8 +13998,8 @@
         </p:blipFill>
         <p:spPr>
           <a:xfrm>
-            <a:off x="711200" y="3554186"/>
-            <a:ext cx="2222500" cy="1591129"/>
+            <a:off x="1245589" y="3771899"/>
+            <a:ext cx="2964708" cy="2105727"/>
           </a:xfrm>
           <a:prstGeom prst="rect">
             <a:avLst/>
@@ -9863,8 +14028,8 @@
         </p:blipFill>
         <p:spPr>
           <a:xfrm>
-            <a:off x="3365500" y="3617686"/>
-            <a:ext cx="2222500" cy="1591129"/>
+            <a:off x="4404590" y="3776024"/>
+            <a:ext cx="2935019" cy="2115622"/>
           </a:xfrm>
           <a:prstGeom prst="rect">
             <a:avLst/>
@@ -9893,8 +14058,8 @@
         </p:blipFill>
         <p:spPr>
           <a:xfrm>
-            <a:off x="8712200" y="1407886"/>
-            <a:ext cx="2222500" cy="1591129"/>
+            <a:off x="9048667" y="1318821"/>
+            <a:ext cx="2895435" cy="2066142"/>
           </a:xfrm>
           <a:prstGeom prst="rect">
             <a:avLst/>
@@ -9923,8 +14088,8 @@
         </p:blipFill>
         <p:spPr>
           <a:xfrm>
-            <a:off x="6096000" y="3617686"/>
-            <a:ext cx="2222500" cy="1591129"/>
+            <a:off x="7649689" y="3776024"/>
+            <a:ext cx="2935019" cy="2115622"/>
           </a:xfrm>
           <a:prstGeom prst="rect">
             <a:avLst/>
@@ -9935,398 +14100,6 @@
     <p:extLst>
       <p:ext uri="{BB962C8B-B14F-4D97-AF65-F5344CB8AC3E}">
         <p14:creationId xmlns:p14="http://schemas.microsoft.com/office/powerpoint/2010/main" val="296933770"/>
-      </p:ext>
-    </p:extLst>
-  </p:cSld>
-  <p:clrMapOvr>
-    <a:masterClrMapping/>
-  </p:clrMapOvr>
-</p:sld>
-</file>
-
-<file path=ppt/slides/slide7.xml><?xml version="1.0" encoding="utf-8"?>
-<p:sld xmlns:a="http://schemas.openxmlformats.org/drawingml/2006/main" xmlns:r="http://schemas.openxmlformats.org/officeDocument/2006/relationships" xmlns:p="http://schemas.openxmlformats.org/presentationml/2006/main">
-  <p:cSld>
-    <p:spTree>
-      <p:nvGrpSpPr>
-        <p:cNvPr id="1" name=""/>
-        <p:cNvGrpSpPr/>
-        <p:nvPr/>
-      </p:nvGrpSpPr>
-      <p:grpSpPr>
-        <a:xfrm>
-          <a:off x="0" y="0"/>
-          <a:ext cx="0" cy="0"/>
-          <a:chOff x="0" y="0"/>
-          <a:chExt cx="0" cy="0"/>
-        </a:xfrm>
-      </p:grpSpPr>
-      <p:sp>
-        <p:nvSpPr>
-          <p:cNvPr id="2" name="Title 1">
-            <a:extLst>
-              <a:ext uri="{FF2B5EF4-FFF2-40B4-BE49-F238E27FC236}">
-                <a16:creationId xmlns:a16="http://schemas.microsoft.com/office/drawing/2014/main" id="{4015DD45-C62F-4F04-A8F1-1FBA9B417F09}"/>
-              </a:ext>
-            </a:extLst>
-          </p:cNvPr>
-          <p:cNvSpPr>
-            <a:spLocks noGrp="1"/>
-          </p:cNvSpPr>
-          <p:nvPr>
-            <p:ph type="title"/>
-          </p:nvPr>
-        </p:nvSpPr>
-        <p:spPr/>
-        <p:txBody>
-          <a:bodyPr/>
-          <a:lstStyle/>
-          <a:p>
-            <a:r>
-              <a:rPr lang="en-US" dirty="0"/>
-              <a:t>Naïve Bayes Prediction</a:t>
-            </a:r>
-          </a:p>
-        </p:txBody>
-      </p:sp>
-      <p:sp>
-        <p:nvSpPr>
-          <p:cNvPr id="4" name="Text Placeholder 3">
-            <a:extLst>
-              <a:ext uri="{FF2B5EF4-FFF2-40B4-BE49-F238E27FC236}">
-                <a16:creationId xmlns:a16="http://schemas.microsoft.com/office/drawing/2014/main" id="{7FDDB658-3890-43C5-AC6C-FD0E2DFEDA77}"/>
-              </a:ext>
-            </a:extLst>
-          </p:cNvPr>
-          <p:cNvSpPr>
-            <a:spLocks noGrp="1"/>
-          </p:cNvSpPr>
-          <p:nvPr>
-            <p:ph type="body" idx="1"/>
-          </p:nvPr>
-        </p:nvSpPr>
-        <p:spPr>
-          <a:xfrm>
-            <a:off x="697573" y="1331026"/>
-            <a:ext cx="4396338" cy="576262"/>
-          </a:xfrm>
-        </p:spPr>
-        <p:txBody>
-          <a:bodyPr/>
-          <a:lstStyle/>
-          <a:p>
-            <a:r>
-              <a:rPr lang="en-US"/>
-              <a:t>All Factors</a:t>
-            </a:r>
-          </a:p>
-        </p:txBody>
-      </p:sp>
-      <p:sp>
-        <p:nvSpPr>
-          <p:cNvPr id="5" name="Content Placeholder 4">
-            <a:extLst>
-              <a:ext uri="{FF2B5EF4-FFF2-40B4-BE49-F238E27FC236}">
-                <a16:creationId xmlns:a16="http://schemas.microsoft.com/office/drawing/2014/main" id="{7E777EE3-1C76-4288-BD98-B6BA4F9084BD}"/>
-              </a:ext>
-            </a:extLst>
-          </p:cNvPr>
-          <p:cNvSpPr>
-            <a:spLocks noGrp="1"/>
-          </p:cNvSpPr>
-          <p:nvPr>
-            <p:ph sz="half" idx="2"/>
-          </p:nvPr>
-        </p:nvSpPr>
-        <p:spPr>
-          <a:xfrm>
-            <a:off x="697572" y="2089068"/>
-            <a:ext cx="4247897" cy="3741738"/>
-          </a:xfrm>
-        </p:spPr>
-        <p:txBody>
-          <a:bodyPr vert="horz" lIns="91440" tIns="45720" rIns="91440" bIns="45720" rtlCol="0" anchor="t">
-            <a:normAutofit/>
-          </a:bodyPr>
-          <a:lstStyle/>
-          <a:p>
-            <a:r>
-              <a:rPr lang="en-US">
-                <a:ea typeface="+mj-lt"/>
-                <a:cs typeface="+mj-lt"/>
-              </a:rPr>
-              <a:t>accuracy of 84 %</a:t>
-            </a:r>
-            <a:endParaRPr lang="en-US"/>
-          </a:p>
-          <a:p>
-            <a:r>
-              <a:rPr lang="en-US">
-                <a:ea typeface="+mj-lt"/>
-                <a:cs typeface="+mj-lt"/>
-              </a:rPr>
-              <a:t>sensitivity of 42 %</a:t>
-            </a:r>
-            <a:endParaRPr lang="en-US"/>
-          </a:p>
-          <a:p>
-            <a:r>
-              <a:rPr lang="en-US">
-                <a:ea typeface="+mj-lt"/>
-                <a:cs typeface="+mj-lt"/>
-              </a:rPr>
-              <a:t>specificity of 92 %</a:t>
-            </a:r>
-            <a:endParaRPr lang="en-US"/>
-          </a:p>
-          <a:p>
-            <a:r>
-              <a:rPr lang="en-US">
-                <a:ea typeface="+mj-lt"/>
-                <a:cs typeface="+mj-lt"/>
-              </a:rPr>
-              <a:t>“yes” predictions:13%</a:t>
-            </a:r>
-            <a:endParaRPr lang="en-US"/>
-          </a:p>
-          <a:p>
-            <a:r>
-              <a:rPr lang="en-US">
-                <a:ea typeface="+mj-lt"/>
-                <a:cs typeface="+mj-lt"/>
-              </a:rPr>
-              <a:t>“no” predictions: 87%</a:t>
-            </a:r>
-            <a:endParaRPr lang="en-US"/>
-          </a:p>
-          <a:p>
-            <a:endParaRPr lang="en-US" dirty="0"/>
-          </a:p>
-        </p:txBody>
-      </p:sp>
-      <p:sp>
-        <p:nvSpPr>
-          <p:cNvPr id="6" name="Text Placeholder 5">
-            <a:extLst>
-              <a:ext uri="{FF2B5EF4-FFF2-40B4-BE49-F238E27FC236}">
-                <a16:creationId xmlns:a16="http://schemas.microsoft.com/office/drawing/2014/main" id="{F6C4490C-F2A1-436D-8E4C-E80F4EA694FF}"/>
-              </a:ext>
-            </a:extLst>
-          </p:cNvPr>
-          <p:cNvSpPr>
-            <a:spLocks noGrp="1"/>
-          </p:cNvSpPr>
-          <p:nvPr>
-            <p:ph type="body" sz="quarter" idx="3"/>
-          </p:nvPr>
-        </p:nvSpPr>
-        <p:spPr>
-          <a:xfrm>
-            <a:off x="5060729" y="1400299"/>
-            <a:ext cx="5870858" cy="605950"/>
-          </a:xfrm>
-        </p:spPr>
-        <p:txBody>
-          <a:bodyPr/>
-          <a:lstStyle/>
-          <a:p>
-            <a:r>
-              <a:rPr lang="en-US"/>
-              <a:t>Predictors from Stepwise AIC Selection</a:t>
-            </a:r>
-          </a:p>
-        </p:txBody>
-      </p:sp>
-      <p:sp>
-        <p:nvSpPr>
-          <p:cNvPr id="7" name="Content Placeholder 6">
-            <a:extLst>
-              <a:ext uri="{FF2B5EF4-FFF2-40B4-BE49-F238E27FC236}">
-                <a16:creationId xmlns:a16="http://schemas.microsoft.com/office/drawing/2014/main" id="{0C94558E-4693-4197-8C32-BB539C4C7231}"/>
-              </a:ext>
-            </a:extLst>
-          </p:cNvPr>
-          <p:cNvSpPr>
-            <a:spLocks noGrp="1"/>
-          </p:cNvSpPr>
-          <p:nvPr>
-            <p:ph sz="quarter" idx="4"/>
-          </p:nvPr>
-        </p:nvSpPr>
-        <p:spPr>
-          <a:xfrm>
-            <a:off x="5169586" y="2089068"/>
-            <a:ext cx="3693716" cy="2247427"/>
-          </a:xfrm>
-        </p:spPr>
-        <p:txBody>
-          <a:bodyPr vert="horz" lIns="91440" tIns="45720" rIns="91440" bIns="45720" rtlCol="0" anchor="t">
-            <a:normAutofit/>
-          </a:bodyPr>
-          <a:lstStyle/>
-          <a:p>
-            <a:r>
-              <a:rPr lang="en-US">
-                <a:ea typeface="+mj-lt"/>
-                <a:cs typeface="+mj-lt"/>
-              </a:rPr>
-              <a:t>accuracy of 86 %</a:t>
-            </a:r>
-            <a:endParaRPr lang="en-US"/>
-          </a:p>
-          <a:p>
-            <a:r>
-              <a:rPr lang="en-US">
-                <a:ea typeface="+mj-lt"/>
-                <a:cs typeface="+mj-lt"/>
-              </a:rPr>
-              <a:t>sensitivity of 26 %</a:t>
-            </a:r>
-            <a:endParaRPr lang="en-US"/>
-          </a:p>
-          <a:p>
-            <a:r>
-              <a:rPr lang="en-US">
-                <a:ea typeface="+mj-lt"/>
-                <a:cs typeface="+mj-lt"/>
-              </a:rPr>
-              <a:t>specificity of 97 %</a:t>
-            </a:r>
-            <a:endParaRPr lang="en-US"/>
-          </a:p>
-          <a:p>
-            <a:r>
-              <a:rPr lang="en-US">
-                <a:ea typeface="+mj-lt"/>
-                <a:cs typeface="+mj-lt"/>
-              </a:rPr>
-              <a:t>“yes” predictions: 6%</a:t>
-            </a:r>
-          </a:p>
-          <a:p>
-            <a:r>
-              <a:rPr lang="en-US">
-                <a:ea typeface="+mj-lt"/>
-                <a:cs typeface="+mj-lt"/>
-              </a:rPr>
-              <a:t>“no” predictions: 94%</a:t>
-            </a:r>
-            <a:br>
-              <a:rPr lang="en-US" dirty="0"/>
-            </a:br>
-            <a:endParaRPr lang="en-US"/>
-          </a:p>
-          <a:p>
-            <a:endParaRPr lang="en-US" dirty="0"/>
-          </a:p>
-        </p:txBody>
-      </p:sp>
-      <p:sp>
-        <p:nvSpPr>
-          <p:cNvPr id="8" name="TextBox 7">
-            <a:extLst>
-              <a:ext uri="{FF2B5EF4-FFF2-40B4-BE49-F238E27FC236}">
-                <a16:creationId xmlns:a16="http://schemas.microsoft.com/office/drawing/2014/main" id="{0153C180-8C41-4BC7-9F34-804D3DCEF0A1}"/>
-              </a:ext>
-            </a:extLst>
-          </p:cNvPr>
-          <p:cNvSpPr txBox="1"/>
-          <p:nvPr/>
-        </p:nvSpPr>
-        <p:spPr>
-          <a:xfrm>
-            <a:off x="8860971" y="2092036"/>
-            <a:ext cx="2070265" cy="2400657"/>
-          </a:xfrm>
-          <a:prstGeom prst="rect">
-            <a:avLst/>
-          </a:prstGeom>
-          <a:noFill/>
-        </p:spPr>
-        <p:txBody>
-          <a:bodyPr rot="0" spcFirstLastPara="0" vertOverflow="overflow" horzOverflow="overflow" vert="horz" wrap="square" lIns="91440" tIns="45720" rIns="91440" bIns="45720" numCol="1" spcCol="0" rtlCol="0" fromWordArt="0" anchor="t" anchorCtr="0" forceAA="0" compatLnSpc="1">
-            <a:prstTxWarp prst="textNoShape">
-              <a:avLst/>
-            </a:prstTxWarp>
-            <a:spAutoFit/>
-          </a:bodyPr>
-          <a:lstStyle/>
-          <a:p>
-            <a:r>
-              <a:rPr lang="en-US" sz="1200"/>
-              <a:t>Distance From Home</a:t>
-            </a:r>
-          </a:p>
-          <a:p>
-            <a:r>
-              <a:rPr lang="en-US" sz="1200"/>
-              <a:t>EnvironmentSatisfaction</a:t>
-            </a:r>
-          </a:p>
-          <a:p>
-            <a:r>
-              <a:rPr lang="en-US" sz="1200"/>
-              <a:t>NumCompaniesWorked</a:t>
-            </a:r>
-          </a:p>
-          <a:p>
-            <a:r>
-              <a:rPr lang="en-US" sz="1200"/>
-              <a:t>OverTime</a:t>
-            </a:r>
-          </a:p>
-          <a:p>
-            <a:r>
-              <a:rPr lang="en-US" sz="1200"/>
-              <a:t>TotalWorkingYears</a:t>
-            </a:r>
-          </a:p>
-          <a:p>
-            <a:r>
-              <a:rPr lang="en-US" sz="1200"/>
-              <a:t>TrainingTimesLastYear</a:t>
-            </a:r>
-          </a:p>
-          <a:p>
-            <a:r>
-              <a:rPr lang="en-US" sz="1200"/>
-              <a:t>WorkLifeBalance</a:t>
-            </a:r>
-          </a:p>
-          <a:p>
-            <a:r>
-              <a:rPr lang="en-US" sz="1200"/>
-              <a:t>YearsSinceLastPromotion</a:t>
-            </a:r>
-          </a:p>
-          <a:p>
-            <a:r>
-              <a:rPr lang="en-US" sz="1200"/>
-              <a:t>JobInvolvement</a:t>
-            </a:r>
-          </a:p>
-          <a:p>
-            <a:r>
-              <a:rPr lang="en-US" sz="1200"/>
-              <a:t>JobSatisfaction</a:t>
-            </a:r>
-          </a:p>
-          <a:p>
-            <a:r>
-              <a:rPr lang="en-US" sz="1200"/>
-              <a:t>MaritalSTatus</a:t>
-            </a:r>
-            <a:endParaRPr lang="en-US" sz="1200" dirty="0"/>
-          </a:p>
-          <a:p>
-            <a:endParaRPr lang="en-US" dirty="0"/>
-          </a:p>
-        </p:txBody>
-      </p:sp>
-    </p:spTree>
-    <p:extLst>
-      <p:ext uri="{BB962C8B-B14F-4D97-AF65-F5344CB8AC3E}">
-        <p14:creationId xmlns:p14="http://schemas.microsoft.com/office/powerpoint/2010/main" val="543934158"/>
       </p:ext>
     </p:extLst>
   </p:cSld>
@@ -10358,7 +14131,7 @@
           <p:cNvPr id="2" name="Title 1">
             <a:extLst>
               <a:ext uri="{FF2B5EF4-FFF2-40B4-BE49-F238E27FC236}">
-                <a16:creationId xmlns:a16="http://schemas.microsoft.com/office/drawing/2014/main" id="{DA62DB64-5026-473E-A925-E8441BA6A8D8}"/>
+                <a16:creationId xmlns:a16="http://schemas.microsoft.com/office/drawing/2014/main" id="{4015DD45-C62F-4F04-A8F1-1FBA9B417F09}"/>
               </a:ext>
             </a:extLst>
           </p:cNvPr>
@@ -10375,18 +14148,18 @@
           <a:lstStyle/>
           <a:p>
             <a:r>
-              <a:rPr lang="en-US" dirty="0"/>
-              <a:t>Prediction with K-Nearest-Neighbor</a:t>
+              <a:rPr lang="en-US"/>
+              <a:t>Naïve Bayes Prediction</a:t>
             </a:r>
           </a:p>
         </p:txBody>
       </p:sp>
       <p:sp>
         <p:nvSpPr>
-          <p:cNvPr id="3" name="Content Placeholder 2">
+          <p:cNvPr id="4" name="Text Placeholder 3">
             <a:extLst>
               <a:ext uri="{FF2B5EF4-FFF2-40B4-BE49-F238E27FC236}">
-                <a16:creationId xmlns:a16="http://schemas.microsoft.com/office/drawing/2014/main" id="{B07AAD01-A1E0-4A34-AB84-8E806E0138D1}"/>
+                <a16:creationId xmlns:a16="http://schemas.microsoft.com/office/drawing/2014/main" id="{7FDDB658-3890-43C5-AC6C-FD0E2DFEDA77}"/>
               </a:ext>
             </a:extLst>
           </p:cNvPr>
@@ -10394,22 +14167,368 @@
             <a:spLocks noGrp="1"/>
           </p:cNvSpPr>
           <p:nvPr>
-            <p:ph idx="1"/>
+            <p:ph type="body" idx="1"/>
           </p:nvPr>
         </p:nvSpPr>
-        <p:spPr/>
+        <p:spPr>
+          <a:xfrm>
+            <a:off x="697573" y="1331026"/>
+            <a:ext cx="4396338" cy="576262"/>
+          </a:xfrm>
+        </p:spPr>
         <p:txBody>
           <a:bodyPr/>
           <a:lstStyle/>
           <a:p>
+            <a:r>
+              <a:rPr lang="en-US"/>
+              <a:t>All Factors</a:t>
+            </a:r>
+          </a:p>
+        </p:txBody>
+      </p:sp>
+      <p:sp>
+        <p:nvSpPr>
+          <p:cNvPr id="5" name="Content Placeholder 4">
+            <a:extLst>
+              <a:ext uri="{FF2B5EF4-FFF2-40B4-BE49-F238E27FC236}">
+                <a16:creationId xmlns:a16="http://schemas.microsoft.com/office/drawing/2014/main" id="{7E777EE3-1C76-4288-BD98-B6BA4F9084BD}"/>
+              </a:ext>
+            </a:extLst>
+          </p:cNvPr>
+          <p:cNvSpPr>
+            <a:spLocks noGrp="1"/>
+          </p:cNvSpPr>
+          <p:nvPr>
+            <p:ph sz="half" idx="2"/>
+          </p:nvPr>
+        </p:nvSpPr>
+        <p:spPr>
+          <a:xfrm>
+            <a:off x="697572" y="2089068"/>
+            <a:ext cx="4247897" cy="3741738"/>
+          </a:xfrm>
+        </p:spPr>
+        <p:txBody>
+          <a:bodyPr vert="horz" lIns="91440" tIns="45720" rIns="91440" bIns="45720" rtlCol="0" anchor="t">
+            <a:normAutofit/>
+          </a:bodyPr>
+          <a:lstStyle/>
+          <a:p>
+            <a:r>
+              <a:rPr lang="en-US">
+                <a:ea typeface="+mj-lt"/>
+                <a:cs typeface="+mj-lt"/>
+              </a:rPr>
+              <a:t>accuracy of 84 %</a:t>
+            </a:r>
             <a:endParaRPr lang="en-US"/>
+          </a:p>
+          <a:p>
+            <a:r>
+              <a:rPr lang="en-US">
+                <a:ea typeface="+mj-lt"/>
+                <a:cs typeface="+mj-lt"/>
+              </a:rPr>
+              <a:t>sensitivity of 42 %</a:t>
+            </a:r>
+            <a:endParaRPr lang="en-US"/>
+          </a:p>
+          <a:p>
+            <a:r>
+              <a:rPr lang="en-US">
+                <a:ea typeface="+mj-lt"/>
+                <a:cs typeface="+mj-lt"/>
+              </a:rPr>
+              <a:t>specificity of 92 %</a:t>
+            </a:r>
+            <a:endParaRPr lang="en-US"/>
+          </a:p>
+          <a:p>
+            <a:r>
+              <a:rPr lang="en-US">
+                <a:ea typeface="+mj-lt"/>
+                <a:cs typeface="+mj-lt"/>
+              </a:rPr>
+              <a:t>“yes” predictions:13%</a:t>
+            </a:r>
+            <a:endParaRPr lang="en-US"/>
+          </a:p>
+          <a:p>
+            <a:r>
+              <a:rPr lang="en-US">
+                <a:ea typeface="+mj-lt"/>
+                <a:cs typeface="+mj-lt"/>
+              </a:rPr>
+              <a:t>“no” predictions: 87%</a:t>
+            </a:r>
+            <a:endParaRPr lang="en-US"/>
+          </a:p>
+          <a:p>
+            <a:endParaRPr lang="en-US"/>
+          </a:p>
+        </p:txBody>
+      </p:sp>
+      <p:sp>
+        <p:nvSpPr>
+          <p:cNvPr id="6" name="Text Placeholder 5">
+            <a:extLst>
+              <a:ext uri="{FF2B5EF4-FFF2-40B4-BE49-F238E27FC236}">
+                <a16:creationId xmlns:a16="http://schemas.microsoft.com/office/drawing/2014/main" id="{F6C4490C-F2A1-436D-8E4C-E80F4EA694FF}"/>
+              </a:ext>
+            </a:extLst>
+          </p:cNvPr>
+          <p:cNvSpPr>
+            <a:spLocks noGrp="1"/>
+          </p:cNvSpPr>
+          <p:nvPr>
+            <p:ph type="body" sz="quarter" idx="3"/>
+          </p:nvPr>
+        </p:nvSpPr>
+        <p:spPr>
+          <a:xfrm>
+            <a:off x="5060729" y="1400299"/>
+            <a:ext cx="5870858" cy="605950"/>
+          </a:xfrm>
+        </p:spPr>
+        <p:txBody>
+          <a:bodyPr/>
+          <a:lstStyle/>
+          <a:p>
+            <a:r>
+              <a:rPr lang="en-US"/>
+              <a:t>Predictors from Stepwise AIC Selection</a:t>
+            </a:r>
+          </a:p>
+        </p:txBody>
+      </p:sp>
+      <p:sp>
+        <p:nvSpPr>
+          <p:cNvPr id="7" name="Content Placeholder 6">
+            <a:extLst>
+              <a:ext uri="{FF2B5EF4-FFF2-40B4-BE49-F238E27FC236}">
+                <a16:creationId xmlns:a16="http://schemas.microsoft.com/office/drawing/2014/main" id="{0C94558E-4693-4197-8C32-BB539C4C7231}"/>
+              </a:ext>
+            </a:extLst>
+          </p:cNvPr>
+          <p:cNvSpPr>
+            <a:spLocks noGrp="1"/>
+          </p:cNvSpPr>
+          <p:nvPr>
+            <p:ph sz="quarter" idx="4"/>
+          </p:nvPr>
+        </p:nvSpPr>
+        <p:spPr>
+          <a:xfrm>
+            <a:off x="5169586" y="2089068"/>
+            <a:ext cx="3693716" cy="2247427"/>
+          </a:xfrm>
+        </p:spPr>
+        <p:txBody>
+          <a:bodyPr vert="horz" lIns="91440" tIns="45720" rIns="91440" bIns="45720" rtlCol="0" anchor="t">
+            <a:normAutofit/>
+          </a:bodyPr>
+          <a:lstStyle/>
+          <a:p>
+            <a:r>
+              <a:rPr lang="en-US">
+                <a:ea typeface="+mj-lt"/>
+                <a:cs typeface="+mj-lt"/>
+              </a:rPr>
+              <a:t>accuracy of 86 %</a:t>
+            </a:r>
+            <a:endParaRPr lang="en-US"/>
+          </a:p>
+          <a:p>
+            <a:r>
+              <a:rPr lang="en-US">
+                <a:ea typeface="+mj-lt"/>
+                <a:cs typeface="+mj-lt"/>
+              </a:rPr>
+              <a:t>sensitivity of 26 %</a:t>
+            </a:r>
+            <a:endParaRPr lang="en-US"/>
+          </a:p>
+          <a:p>
+            <a:r>
+              <a:rPr lang="en-US">
+                <a:ea typeface="+mj-lt"/>
+                <a:cs typeface="+mj-lt"/>
+              </a:rPr>
+              <a:t>specificity of 97 %</a:t>
+            </a:r>
+            <a:endParaRPr lang="en-US"/>
+          </a:p>
+          <a:p>
+            <a:r>
+              <a:rPr lang="en-US">
+                <a:ea typeface="+mj-lt"/>
+                <a:cs typeface="+mj-lt"/>
+              </a:rPr>
+              <a:t>“yes” predictions: 6%</a:t>
+            </a:r>
+          </a:p>
+          <a:p>
+            <a:r>
+              <a:rPr lang="en-US">
+                <a:ea typeface="+mj-lt"/>
+                <a:cs typeface="+mj-lt"/>
+              </a:rPr>
+              <a:t>“no” predictions: 94%</a:t>
+            </a:r>
+            <a:br>
+              <a:rPr lang="en-US"/>
+            </a:br>
+            <a:endParaRPr lang="en-US"/>
+          </a:p>
+          <a:p>
+            <a:endParaRPr lang="en-US"/>
+          </a:p>
+        </p:txBody>
+      </p:sp>
+      <p:sp>
+        <p:nvSpPr>
+          <p:cNvPr id="8" name="TextBox 7">
+            <a:extLst>
+              <a:ext uri="{FF2B5EF4-FFF2-40B4-BE49-F238E27FC236}">
+                <a16:creationId xmlns:a16="http://schemas.microsoft.com/office/drawing/2014/main" id="{0153C180-8C41-4BC7-9F34-804D3DCEF0A1}"/>
+              </a:ext>
+            </a:extLst>
+          </p:cNvPr>
+          <p:cNvSpPr txBox="1"/>
+          <p:nvPr/>
+        </p:nvSpPr>
+        <p:spPr>
+          <a:xfrm>
+            <a:off x="8860971" y="2092036"/>
+            <a:ext cx="2070265" cy="2400657"/>
+          </a:xfrm>
+          <a:prstGeom prst="rect">
+            <a:avLst/>
+          </a:prstGeom>
+          <a:noFill/>
+        </p:spPr>
+        <p:txBody>
+          <a:bodyPr rot="0" spcFirstLastPara="0" vertOverflow="overflow" horzOverflow="overflow" vert="horz" wrap="square" lIns="91440" tIns="45720" rIns="91440" bIns="45720" numCol="1" spcCol="0" rtlCol="0" fromWordArt="0" anchor="t" anchorCtr="0" forceAA="0" compatLnSpc="1">
+            <a:prstTxWarp prst="textNoShape">
+              <a:avLst/>
+            </a:prstTxWarp>
+            <a:spAutoFit/>
+          </a:bodyPr>
+          <a:lstStyle/>
+          <a:p>
+            <a:r>
+              <a:rPr lang="en-US" sz="1200"/>
+              <a:t>Distance From Home</a:t>
+            </a:r>
+          </a:p>
+          <a:p>
+            <a:r>
+              <a:rPr lang="en-US" sz="1200"/>
+              <a:t>EnvironmentSatisfaction</a:t>
+            </a:r>
+          </a:p>
+          <a:p>
+            <a:r>
+              <a:rPr lang="en-US" sz="1200"/>
+              <a:t>NumCompaniesWorked</a:t>
+            </a:r>
+          </a:p>
+          <a:p>
+            <a:r>
+              <a:rPr lang="en-US" sz="1200"/>
+              <a:t>OverTime</a:t>
+            </a:r>
+          </a:p>
+          <a:p>
+            <a:r>
+              <a:rPr lang="en-US" sz="1200"/>
+              <a:t>TotalWorkingYears</a:t>
+            </a:r>
+          </a:p>
+          <a:p>
+            <a:r>
+              <a:rPr lang="en-US" sz="1200"/>
+              <a:t>TrainingTimesLastYear</a:t>
+            </a:r>
+          </a:p>
+          <a:p>
+            <a:r>
+              <a:rPr lang="en-US" sz="1200"/>
+              <a:t>WorkLifeBalance</a:t>
+            </a:r>
+          </a:p>
+          <a:p>
+            <a:r>
+              <a:rPr lang="en-US" sz="1200"/>
+              <a:t>YearsSinceLastPromotion</a:t>
+            </a:r>
+          </a:p>
+          <a:p>
+            <a:r>
+              <a:rPr lang="en-US" sz="1200"/>
+              <a:t>JobInvolvement</a:t>
+            </a:r>
+          </a:p>
+          <a:p>
+            <a:r>
+              <a:rPr lang="en-US" sz="1200"/>
+              <a:t>JobSatisfaction</a:t>
+            </a:r>
+          </a:p>
+          <a:p>
+            <a:r>
+              <a:rPr lang="en-US" sz="1200"/>
+              <a:t>MaritalSTatus</a:t>
+            </a:r>
+          </a:p>
+          <a:p>
+            <a:endParaRPr lang="en-US"/>
+          </a:p>
+        </p:txBody>
+      </p:sp>
+      <p:sp>
+        <p:nvSpPr>
+          <p:cNvPr id="3" name="TextBox 2">
+            <a:extLst>
+              <a:ext uri="{FF2B5EF4-FFF2-40B4-BE49-F238E27FC236}">
+                <a16:creationId xmlns:a16="http://schemas.microsoft.com/office/drawing/2014/main" id="{21ECA876-F104-4563-BC9F-BBAF6B0C46B7}"/>
+              </a:ext>
+            </a:extLst>
+          </p:cNvPr>
+          <p:cNvSpPr txBox="1"/>
+          <p:nvPr/>
+        </p:nvSpPr>
+        <p:spPr>
+          <a:xfrm>
+            <a:off x="647205" y="4942114"/>
+            <a:ext cx="8344394" cy="369332"/>
+          </a:xfrm>
+          <a:prstGeom prst="rect">
+            <a:avLst/>
+          </a:prstGeom>
+          <a:noFill/>
+        </p:spPr>
+        <p:txBody>
+          <a:bodyPr rot="0" spcFirstLastPara="0" vertOverflow="overflow" horzOverflow="overflow" vert="horz" wrap="square" lIns="91440" tIns="45720" rIns="91440" bIns="45720" numCol="1" spcCol="0" rtlCol="0" fromWordArt="0" anchor="t" anchorCtr="0" forceAA="0" compatLnSpc="1">
+            <a:prstTxWarp prst="textNoShape">
+              <a:avLst/>
+            </a:prstTxWarp>
+            <a:spAutoFit/>
+          </a:bodyPr>
+          <a:lstStyle/>
+          <a:p>
+            <a:r>
+              <a:rPr lang="en-US"/>
+              <a:t>Acceptable Accuracy, but Sensitivity is poor (Not catching all true 'YES')</a:t>
+            </a:r>
           </a:p>
         </p:txBody>
       </p:sp>
     </p:spTree>
     <p:extLst>
       <p:ext uri="{BB962C8B-B14F-4D97-AF65-F5344CB8AC3E}">
-        <p14:creationId xmlns:p14="http://schemas.microsoft.com/office/powerpoint/2010/main" val="1676086117"/>
+        <p14:creationId xmlns:p14="http://schemas.microsoft.com/office/powerpoint/2010/main" val="543934158"/>
       </p:ext>
     </p:extLst>
   </p:cSld>
@@ -10441,7 +14560,7 @@
           <p:cNvPr id="2" name="Title 1">
             <a:extLst>
               <a:ext uri="{FF2B5EF4-FFF2-40B4-BE49-F238E27FC236}">
-                <a16:creationId xmlns:a16="http://schemas.microsoft.com/office/drawing/2014/main" id="{962ECD9E-97CE-48D5-A991-0A9E0B209344}"/>
+                <a16:creationId xmlns:a16="http://schemas.microsoft.com/office/drawing/2014/main" id="{DA62DB64-5026-473E-A925-E8441BA6A8D8}"/>
               </a:ext>
             </a:extLst>
           </p:cNvPr>
@@ -10452,47 +14571,1457 @@
             <p:ph type="title"/>
           </p:nvPr>
         </p:nvSpPr>
-        <p:spPr/>
+        <p:spPr>
+          <a:xfrm>
+            <a:off x="646111" y="452718"/>
+            <a:ext cx="10102146" cy="1400530"/>
+          </a:xfrm>
+        </p:spPr>
         <p:txBody>
           <a:bodyPr/>
           <a:lstStyle/>
           <a:p>
             <a:r>
-              <a:rPr lang="en-US" dirty="0"/>
-              <a:t>Factors related to Salary</a:t>
+              <a:rPr lang="en-US"/>
+              <a:t>Prediction by K-Nearest-Neighbor (1)</a:t>
             </a:r>
           </a:p>
         </p:txBody>
       </p:sp>
-      <p:sp>
-        <p:nvSpPr>
-          <p:cNvPr id="3" name="Content Placeholder 2">
+      <p:pic>
+        <p:nvPicPr>
+          <p:cNvPr id="4" name="Picture 4" descr="A close up of a map&#10;&#10;Description generated with very high confidence">
             <a:extLst>
               <a:ext uri="{FF2B5EF4-FFF2-40B4-BE49-F238E27FC236}">
-                <a16:creationId xmlns:a16="http://schemas.microsoft.com/office/drawing/2014/main" id="{E16CA4F1-FC1F-4B45-9388-F9E0DA2D798F}"/>
+                <a16:creationId xmlns:a16="http://schemas.microsoft.com/office/drawing/2014/main" id="{EECB5684-0F7D-4A6D-BEE7-CB9C6EE1A266}"/>
               </a:ext>
             </a:extLst>
           </p:cNvPr>
-          <p:cNvSpPr>
-            <a:spLocks noGrp="1"/>
-          </p:cNvSpPr>
+          <p:cNvPicPr>
+            <a:picLocks noChangeAspect="1"/>
+          </p:cNvPicPr>
+          <p:nvPr/>
+        </p:nvPicPr>
+        <p:blipFill>
+          <a:blip r:embed="rId2"/>
+          <a:stretch>
+            <a:fillRect/>
+          </a:stretch>
+        </p:blipFill>
+        <p:spPr>
+          <a:xfrm>
+            <a:off x="7149956" y="2159051"/>
+            <a:ext cx="4538420" cy="3263869"/>
+          </a:xfrm>
+          <a:prstGeom prst="rect">
+            <a:avLst/>
+          </a:prstGeom>
+        </p:spPr>
+      </p:pic>
+      <p:sp>
+        <p:nvSpPr>
+          <p:cNvPr id="6" name="TextBox 5">
+            <a:extLst>
+              <a:ext uri="{FF2B5EF4-FFF2-40B4-BE49-F238E27FC236}">
+                <a16:creationId xmlns:a16="http://schemas.microsoft.com/office/drawing/2014/main" id="{009C17EA-14E6-4396-9E37-6227F9A5B2D9}"/>
+              </a:ext>
+            </a:extLst>
+          </p:cNvPr>
+          <p:cNvSpPr txBox="1"/>
+          <p:nvPr/>
+        </p:nvSpPr>
+        <p:spPr>
+          <a:xfrm>
+            <a:off x="7145292" y="5580931"/>
+            <a:ext cx="4859865" cy="369332"/>
+          </a:xfrm>
+          <a:prstGeom prst="rect">
+            <a:avLst/>
+          </a:prstGeom>
+          <a:noFill/>
+        </p:spPr>
+        <p:txBody>
+          <a:bodyPr rot="0" spcFirstLastPara="0" vertOverflow="overflow" horzOverflow="overflow" vert="horz" wrap="square" lIns="91440" tIns="45720" rIns="91440" bIns="45720" numCol="1" spcCol="0" rtlCol="0" fromWordArt="0" anchor="t" anchorCtr="0" forceAA="0" compatLnSpc="1">
+            <a:prstTxWarp prst="textNoShape">
+              <a:avLst/>
+            </a:prstTxWarp>
+            <a:spAutoFit/>
+          </a:bodyPr>
+          <a:lstStyle/>
+          <a:p>
+            <a:r>
+              <a:rPr lang="en-US"/>
+              <a:t>Finding appropriate neighborhood size</a:t>
+            </a:r>
+          </a:p>
+        </p:txBody>
+      </p:sp>
+      <p:sp>
+        <p:nvSpPr>
+          <p:cNvPr id="7" name="TextBox 6">
+            <a:extLst>
+              <a:ext uri="{FF2B5EF4-FFF2-40B4-BE49-F238E27FC236}">
+                <a16:creationId xmlns:a16="http://schemas.microsoft.com/office/drawing/2014/main" id="{64DDD6E2-C914-4F19-AE81-950E6AEA93D3}"/>
+              </a:ext>
+            </a:extLst>
+          </p:cNvPr>
+          <p:cNvSpPr txBox="1"/>
+          <p:nvPr/>
+        </p:nvSpPr>
+        <p:spPr>
+          <a:xfrm>
+            <a:off x="690446" y="1337644"/>
+            <a:ext cx="6124484" cy="646331"/>
+          </a:xfrm>
+          <a:prstGeom prst="rect">
+            <a:avLst/>
+          </a:prstGeom>
+          <a:noFill/>
+        </p:spPr>
+        <p:txBody>
+          <a:bodyPr rot="0" spcFirstLastPara="0" vertOverflow="overflow" horzOverflow="overflow" vert="horz" wrap="square" lIns="91440" tIns="45720" rIns="91440" bIns="45720" numCol="1" spcCol="0" rtlCol="0" fromWordArt="0" anchor="t" anchorCtr="0" forceAA="0" compatLnSpc="1">
+            <a:prstTxWarp prst="textNoShape">
+              <a:avLst/>
+            </a:prstTxWarp>
+            <a:spAutoFit/>
+          </a:bodyPr>
+          <a:lstStyle/>
+          <a:p>
+            <a:pPr marL="285750" indent="-285750">
+              <a:buFont typeface="Arial"/>
+              <a:buChar char="•"/>
+            </a:pPr>
+            <a:r>
+              <a:rPr lang="en-US"/>
+              <a:t>Transform and scale numeric predictors</a:t>
+            </a:r>
+          </a:p>
+          <a:p>
+            <a:pPr marL="285750" indent="-285750">
+              <a:buFont typeface="Arial"/>
+              <a:buChar char="•"/>
+            </a:pPr>
+            <a:r>
+              <a:rPr lang="en-US"/>
+              <a:t>Use Stepwise AIC method for variable selection</a:t>
+            </a:r>
+          </a:p>
+        </p:txBody>
+      </p:sp>
+      <p:graphicFrame>
+        <p:nvGraphicFramePr>
+          <p:cNvPr id="10" name="Table 9">
+            <a:extLst>
+              <a:ext uri="{FF2B5EF4-FFF2-40B4-BE49-F238E27FC236}">
+                <a16:creationId xmlns:a16="http://schemas.microsoft.com/office/drawing/2014/main" id="{4909268A-F99F-4612-A54F-E7E99745906A}"/>
+              </a:ext>
+            </a:extLst>
+          </p:cNvPr>
+          <p:cNvGraphicFramePr>
+            <a:graphicFrameLocks noGrp="1"/>
+          </p:cNvGraphicFramePr>
           <p:nvPr>
-            <p:ph idx="1"/>
+            <p:extLst>
+              <p:ext uri="{D42A27DB-BD31-4B8C-83A1-F6EECF244321}">
+                <p14:modId xmlns:p14="http://schemas.microsoft.com/office/powerpoint/2010/main" val="634606350"/>
+              </p:ext>
+            </p:extLst>
           </p:nvPr>
-        </p:nvSpPr>
-        <p:spPr/>
-        <p:txBody>
-          <a:bodyPr/>
-          <a:lstStyle/>
-          <a:p>
-            <a:endParaRPr lang="en-US"/>
-          </a:p>
-        </p:txBody>
-      </p:sp>
+        </p:nvGraphicFramePr>
+        <p:xfrm>
+          <a:off x="749084" y="2131016"/>
+          <a:ext cx="5943600" cy="4015740"/>
+        </p:xfrm>
+        <a:graphic>
+          <a:graphicData uri="http://schemas.openxmlformats.org/drawingml/2006/table">
+            <a:tbl>
+              <a:tblPr firstRow="1" bandRow="1">
+                <a:tableStyleId>{5C22544A-7EE6-4342-B048-85BDC9FD1C3A}</a:tableStyleId>
+              </a:tblPr>
+              <a:tblGrid>
+                <a:gridCol w="2457450">
+                  <a:extLst>
+                    <a:ext uri="{9D8B030D-6E8A-4147-A177-3AD203B41FA5}">
+                      <a16:colId xmlns:a16="http://schemas.microsoft.com/office/drawing/2014/main" val="2860626924"/>
+                    </a:ext>
+                  </a:extLst>
+                </a:gridCol>
+                <a:gridCol w="1428750">
+                  <a:extLst>
+                    <a:ext uri="{9D8B030D-6E8A-4147-A177-3AD203B41FA5}">
+                      <a16:colId xmlns:a16="http://schemas.microsoft.com/office/drawing/2014/main" val="2752451016"/>
+                    </a:ext>
+                  </a:extLst>
+                </a:gridCol>
+                <a:gridCol w="2057400">
+                  <a:extLst>
+                    <a:ext uri="{9D8B030D-6E8A-4147-A177-3AD203B41FA5}">
+                      <a16:colId xmlns:a16="http://schemas.microsoft.com/office/drawing/2014/main" val="3455335805"/>
+                    </a:ext>
+                  </a:extLst>
+                </a:gridCol>
+              </a:tblGrid>
+              <a:tr h="0">
+                <a:tc>
+                  <a:txBody>
+                    <a:bodyPr/>
+                    <a:lstStyle/>
+                    <a:p>
+                      <a:pPr rtl="0" fontAlgn="base"/>
+                      <a:r>
+                        <a:rPr lang="en-US" sz="950">
+                          <a:effectLst/>
+                        </a:rPr>
+                        <a:t>Variable </a:t>
+                      </a:r>
+                      <a:endParaRPr lang="en-US">
+                        <a:effectLst/>
+                      </a:endParaRPr>
+                    </a:p>
+                  </a:txBody>
+                  <a:tcPr/>
+                </a:tc>
+                <a:tc>
+                  <a:txBody>
+                    <a:bodyPr/>
+                    <a:lstStyle/>
+                    <a:p>
+                      <a:pPr rtl="0" fontAlgn="base"/>
+                      <a:r>
+                        <a:rPr lang="en-US" sz="950">
+                          <a:effectLst/>
+                        </a:rPr>
+                        <a:t>F Statistic </a:t>
+                      </a:r>
+                      <a:endParaRPr lang="en-US">
+                        <a:effectLst/>
+                      </a:endParaRPr>
+                    </a:p>
+                  </a:txBody>
+                  <a:tcPr/>
+                </a:tc>
+                <a:tc>
+                  <a:txBody>
+                    <a:bodyPr/>
+                    <a:lstStyle/>
+                    <a:p>
+                      <a:pPr rtl="0" fontAlgn="base"/>
+                      <a:r>
+                        <a:rPr lang="en-US" sz="950">
+                          <a:effectLst/>
+                        </a:rPr>
+                        <a:t>P value </a:t>
+                      </a:r>
+                      <a:endParaRPr lang="en-US">
+                        <a:effectLst/>
+                      </a:endParaRPr>
+                    </a:p>
+                  </a:txBody>
+                  <a:tcPr/>
+                </a:tc>
+                <a:extLst>
+                  <a:ext uri="{0D108BD9-81ED-4DB2-BD59-A6C34878D82A}">
+                    <a16:rowId xmlns:a16="http://schemas.microsoft.com/office/drawing/2014/main" val="1655208437"/>
+                  </a:ext>
+                </a:extLst>
+              </a:tr>
+              <a:tr h="0">
+                <a:tc>
+                  <a:txBody>
+                    <a:bodyPr/>
+                    <a:lstStyle/>
+                    <a:p>
+                      <a:pPr marL="0" algn="l" defTabSz="457200" rtl="0" eaLnBrk="1" fontAlgn="base" latinLnBrk="0" hangingPunct="1"/>
+                      <a:r>
+                        <a:rPr lang="en-US" sz="950" b="1" kern="1200">
+                          <a:solidFill>
+                            <a:srgbClr val="00B050"/>
+                          </a:solidFill>
+                          <a:effectLst/>
+                          <a:latin typeface="+mn-lt"/>
+                          <a:ea typeface="+mn-ea"/>
+                          <a:cs typeface="+mn-cs"/>
+                        </a:rPr>
+                        <a:t>Age </a:t>
+                      </a:r>
+                    </a:p>
+                  </a:txBody>
+                  <a:tcPr/>
+                </a:tc>
+                <a:tc>
+                  <a:txBody>
+                    <a:bodyPr/>
+                    <a:lstStyle/>
+                    <a:p>
+                      <a:pPr marL="0" algn="l" defTabSz="457200" rtl="0" eaLnBrk="1" fontAlgn="base" latinLnBrk="0" hangingPunct="1"/>
+                      <a:r>
+                        <a:rPr lang="en-US" sz="950" b="1" kern="1200">
+                          <a:solidFill>
+                            <a:srgbClr val="00B050"/>
+                          </a:solidFill>
+                          <a:effectLst/>
+                          <a:latin typeface="+mn-lt"/>
+                          <a:ea typeface="+mn-ea"/>
+                          <a:cs typeface="+mn-cs"/>
+                        </a:rPr>
+                        <a:t>25.6 </a:t>
+                      </a:r>
+                    </a:p>
+                  </a:txBody>
+                  <a:tcPr/>
+                </a:tc>
+                <a:tc>
+                  <a:txBody>
+                    <a:bodyPr/>
+                    <a:lstStyle/>
+                    <a:p>
+                      <a:pPr marL="0" algn="l" defTabSz="457200" rtl="0" eaLnBrk="1" fontAlgn="base" latinLnBrk="0" hangingPunct="1"/>
+                      <a:r>
+                        <a:rPr lang="en-US" sz="950" b="1" kern="1200">
+                          <a:solidFill>
+                            <a:srgbClr val="00B050"/>
+                          </a:solidFill>
+                          <a:effectLst/>
+                          <a:latin typeface="+mn-lt"/>
+                          <a:ea typeface="+mn-ea"/>
+                          <a:cs typeface="+mn-cs"/>
+                        </a:rPr>
+                        <a:t>5e-7 </a:t>
+                      </a:r>
+                    </a:p>
+                  </a:txBody>
+                  <a:tcPr/>
+                </a:tc>
+                <a:extLst>
+                  <a:ext uri="{0D108BD9-81ED-4DB2-BD59-A6C34878D82A}">
+                    <a16:rowId xmlns:a16="http://schemas.microsoft.com/office/drawing/2014/main" val="2023032287"/>
+                  </a:ext>
+                </a:extLst>
+              </a:tr>
+              <a:tr h="0">
+                <a:tc>
+                  <a:txBody>
+                    <a:bodyPr/>
+                    <a:lstStyle/>
+                    <a:p>
+                      <a:pPr marL="0" algn="l" defTabSz="457200" rtl="0" eaLnBrk="1" fontAlgn="base" latinLnBrk="0" hangingPunct="1"/>
+                      <a:r>
+                        <a:rPr lang="en-US" sz="950" b="1" kern="1200">
+                          <a:solidFill>
+                            <a:srgbClr val="00B050"/>
+                          </a:solidFill>
+                          <a:effectLst/>
+                          <a:latin typeface="+mn-lt"/>
+                          <a:ea typeface="+mn-ea"/>
+                          <a:cs typeface="+mn-cs"/>
+                        </a:rPr>
+                        <a:t>Distance From Home </a:t>
+                      </a:r>
+                    </a:p>
+                  </a:txBody>
+                  <a:tcPr/>
+                </a:tc>
+                <a:tc>
+                  <a:txBody>
+                    <a:bodyPr/>
+                    <a:lstStyle/>
+                    <a:p>
+                      <a:pPr marL="0" algn="l" defTabSz="457200" rtl="0" eaLnBrk="1" fontAlgn="base" latinLnBrk="0" hangingPunct="1"/>
+                      <a:r>
+                        <a:rPr lang="en-US" sz="950" b="1" kern="1200">
+                          <a:solidFill>
+                            <a:srgbClr val="00B050"/>
+                          </a:solidFill>
+                          <a:effectLst/>
+                          <a:latin typeface="+mn-lt"/>
+                          <a:ea typeface="+mn-ea"/>
+                          <a:cs typeface="+mn-cs"/>
+                        </a:rPr>
+                        <a:t>7.65 </a:t>
+                      </a:r>
+                    </a:p>
+                  </a:txBody>
+                  <a:tcPr/>
+                </a:tc>
+                <a:tc>
+                  <a:txBody>
+                    <a:bodyPr/>
+                    <a:lstStyle/>
+                    <a:p>
+                      <a:pPr marL="0" algn="l" defTabSz="457200" rtl="0" eaLnBrk="1" fontAlgn="base" latinLnBrk="0" hangingPunct="1"/>
+                      <a:r>
+                        <a:rPr lang="en-US" sz="950" b="1" kern="1200">
+                          <a:solidFill>
+                            <a:srgbClr val="00B050"/>
+                          </a:solidFill>
+                          <a:effectLst/>
+                          <a:latin typeface="+mn-lt"/>
+                          <a:ea typeface="+mn-ea"/>
+                          <a:cs typeface="+mn-cs"/>
+                        </a:rPr>
+                        <a:t>.00580 </a:t>
+                      </a:r>
+                    </a:p>
+                  </a:txBody>
+                  <a:tcPr/>
+                </a:tc>
+                <a:extLst>
+                  <a:ext uri="{0D108BD9-81ED-4DB2-BD59-A6C34878D82A}">
+                    <a16:rowId xmlns:a16="http://schemas.microsoft.com/office/drawing/2014/main" val="4020758282"/>
+                  </a:ext>
+                </a:extLst>
+              </a:tr>
+              <a:tr h="0">
+                <a:tc>
+                  <a:txBody>
+                    <a:bodyPr/>
+                    <a:lstStyle/>
+                    <a:p>
+                      <a:pPr marL="0" algn="l" defTabSz="457200" rtl="0" eaLnBrk="1" fontAlgn="base" latinLnBrk="0" hangingPunct="1"/>
+                      <a:r>
+                        <a:rPr lang="en-US" sz="950" b="1" kern="1200">
+                          <a:solidFill>
+                            <a:srgbClr val="00B050"/>
+                          </a:solidFill>
+                          <a:effectLst/>
+                          <a:latin typeface="+mn-lt"/>
+                          <a:ea typeface="+mn-ea"/>
+                          <a:cs typeface="+mn-cs"/>
+                        </a:rPr>
+                        <a:t>Environment Satisfaction </a:t>
+                      </a:r>
+                    </a:p>
+                  </a:txBody>
+                  <a:tcPr/>
+                </a:tc>
+                <a:tc>
+                  <a:txBody>
+                    <a:bodyPr/>
+                    <a:lstStyle/>
+                    <a:p>
+                      <a:pPr marL="0" algn="l" defTabSz="457200" rtl="0" eaLnBrk="1" fontAlgn="base" latinLnBrk="0" hangingPunct="1"/>
+                      <a:r>
+                        <a:rPr lang="en-US" sz="950" b="1" kern="1200">
+                          <a:solidFill>
+                            <a:srgbClr val="00B050"/>
+                          </a:solidFill>
+                          <a:effectLst/>
+                          <a:latin typeface="+mn-lt"/>
+                          <a:ea typeface="+mn-ea"/>
+                          <a:cs typeface="+mn-cs"/>
+                        </a:rPr>
+                        <a:t>6.62 </a:t>
+                      </a:r>
+                    </a:p>
+                  </a:txBody>
+                  <a:tcPr/>
+                </a:tc>
+                <a:tc>
+                  <a:txBody>
+                    <a:bodyPr/>
+                    <a:lstStyle/>
+                    <a:p>
+                      <a:pPr marL="0" algn="l" defTabSz="457200" rtl="0" eaLnBrk="1" fontAlgn="base" latinLnBrk="0" hangingPunct="1"/>
+                      <a:r>
+                        <a:rPr lang="en-US" sz="950" b="1" kern="1200">
+                          <a:solidFill>
+                            <a:srgbClr val="00B050"/>
+                          </a:solidFill>
+                          <a:effectLst/>
+                          <a:latin typeface="+mn-lt"/>
+                          <a:ea typeface="+mn-ea"/>
+                          <a:cs typeface="+mn-cs"/>
+                        </a:rPr>
+                        <a:t>.0102 </a:t>
+                      </a:r>
+                    </a:p>
+                  </a:txBody>
+                  <a:tcPr/>
+                </a:tc>
+                <a:extLst>
+                  <a:ext uri="{0D108BD9-81ED-4DB2-BD59-A6C34878D82A}">
+                    <a16:rowId xmlns:a16="http://schemas.microsoft.com/office/drawing/2014/main" val="2645137209"/>
+                  </a:ext>
+                </a:extLst>
+              </a:tr>
+              <a:tr h="0">
+                <a:tc>
+                  <a:txBody>
+                    <a:bodyPr/>
+                    <a:lstStyle/>
+                    <a:p>
+                      <a:pPr marL="0" algn="l" defTabSz="457200" rtl="0" eaLnBrk="1" fontAlgn="base" latinLnBrk="0" hangingPunct="1"/>
+                      <a:r>
+                        <a:rPr lang="en-US" sz="950" b="1" kern="1200">
+                          <a:solidFill>
+                            <a:srgbClr val="00B050"/>
+                          </a:solidFill>
+                          <a:effectLst/>
+                          <a:latin typeface="+mn-lt"/>
+                          <a:ea typeface="+mn-ea"/>
+                          <a:cs typeface="+mn-cs"/>
+                        </a:rPr>
+                        <a:t>Job Involvement </a:t>
+                      </a:r>
+                    </a:p>
+                  </a:txBody>
+                  <a:tcPr/>
+                </a:tc>
+                <a:tc>
+                  <a:txBody>
+                    <a:bodyPr/>
+                    <a:lstStyle/>
+                    <a:p>
+                      <a:pPr marL="0" algn="l" defTabSz="457200" rtl="0" eaLnBrk="1" fontAlgn="base" latinLnBrk="0" hangingPunct="1"/>
+                      <a:r>
+                        <a:rPr lang="en-US" sz="950" b="1" kern="1200">
+                          <a:solidFill>
+                            <a:srgbClr val="00B050"/>
+                          </a:solidFill>
+                          <a:effectLst/>
+                          <a:latin typeface="+mn-lt"/>
+                          <a:ea typeface="+mn-ea"/>
+                          <a:cs typeface="+mn-cs"/>
+                        </a:rPr>
+                        <a:t>39.5 </a:t>
+                      </a:r>
+                    </a:p>
+                  </a:txBody>
+                  <a:tcPr/>
+                </a:tc>
+                <a:tc>
+                  <a:txBody>
+                    <a:bodyPr/>
+                    <a:lstStyle/>
+                    <a:p>
+                      <a:pPr marL="0" algn="l" defTabSz="457200" rtl="0" eaLnBrk="1" fontAlgn="base" latinLnBrk="0" hangingPunct="1"/>
+                      <a:r>
+                        <a:rPr lang="en-US" sz="950" b="1" kern="1200">
+                          <a:solidFill>
+                            <a:srgbClr val="00B050"/>
+                          </a:solidFill>
+                          <a:effectLst/>
+                          <a:latin typeface="+mn-lt"/>
+                          <a:ea typeface="+mn-ea"/>
+                          <a:cs typeface="+mn-cs"/>
+                        </a:rPr>
+                        <a:t>5e-10 </a:t>
+                      </a:r>
+                    </a:p>
+                  </a:txBody>
+                  <a:tcPr/>
+                </a:tc>
+                <a:extLst>
+                  <a:ext uri="{0D108BD9-81ED-4DB2-BD59-A6C34878D82A}">
+                    <a16:rowId xmlns:a16="http://schemas.microsoft.com/office/drawing/2014/main" val="3954331676"/>
+                  </a:ext>
+                </a:extLst>
+              </a:tr>
+              <a:tr h="232474">
+                <a:tc>
+                  <a:txBody>
+                    <a:bodyPr/>
+                    <a:lstStyle/>
+                    <a:p>
+                      <a:pPr marL="0" algn="l" defTabSz="457200" rtl="0" eaLnBrk="1" fontAlgn="base" latinLnBrk="0" hangingPunct="1"/>
+                      <a:r>
+                        <a:rPr lang="en-US" sz="950" b="1" kern="1200">
+                          <a:solidFill>
+                            <a:srgbClr val="00B050"/>
+                          </a:solidFill>
+                          <a:effectLst/>
+                          <a:latin typeface="+mn-lt"/>
+                          <a:ea typeface="+mn-ea"/>
+                          <a:cs typeface="+mn-cs"/>
+                        </a:rPr>
+                        <a:t>Job Satisfaction </a:t>
+                      </a:r>
+                    </a:p>
+                  </a:txBody>
+                  <a:tcPr/>
+                </a:tc>
+                <a:tc>
+                  <a:txBody>
+                    <a:bodyPr/>
+                    <a:lstStyle/>
+                    <a:p>
+                      <a:pPr marL="0" algn="l" defTabSz="457200" rtl="0" eaLnBrk="1" fontAlgn="base" latinLnBrk="0" hangingPunct="1"/>
+                      <a:r>
+                        <a:rPr lang="en-US" sz="950" b="1" kern="1200">
+                          <a:solidFill>
+                            <a:srgbClr val="00B050"/>
+                          </a:solidFill>
+                          <a:effectLst/>
+                          <a:latin typeface="+mn-lt"/>
+                          <a:ea typeface="+mn-ea"/>
+                          <a:cs typeface="+mn-cs"/>
+                        </a:rPr>
+                        <a:t>16.6 </a:t>
+                      </a:r>
+                    </a:p>
+                  </a:txBody>
+                  <a:tcPr/>
+                </a:tc>
+                <a:tc>
+                  <a:txBody>
+                    <a:bodyPr/>
+                    <a:lstStyle/>
+                    <a:p>
+                      <a:pPr marL="0" algn="l" defTabSz="457200" rtl="0" eaLnBrk="1" fontAlgn="base" latinLnBrk="0" hangingPunct="1"/>
+                      <a:r>
+                        <a:rPr lang="en-US" sz="950" b="1" kern="1200">
+                          <a:solidFill>
+                            <a:srgbClr val="00B050"/>
+                          </a:solidFill>
+                          <a:effectLst/>
+                          <a:latin typeface="+mn-lt"/>
+                          <a:ea typeface="+mn-ea"/>
+                          <a:cs typeface="+mn-cs"/>
+                        </a:rPr>
+                        <a:t>5e-5 </a:t>
+                      </a:r>
+                    </a:p>
+                  </a:txBody>
+                  <a:tcPr/>
+                </a:tc>
+                <a:extLst>
+                  <a:ext uri="{0D108BD9-81ED-4DB2-BD59-A6C34878D82A}">
+                    <a16:rowId xmlns:a16="http://schemas.microsoft.com/office/drawing/2014/main" val="4073937105"/>
+                  </a:ext>
+                </a:extLst>
+              </a:tr>
+              <a:tr h="0">
+                <a:tc>
+                  <a:txBody>
+                    <a:bodyPr/>
+                    <a:lstStyle/>
+                    <a:p>
+                      <a:pPr marL="0" algn="l" defTabSz="457200" rtl="0" eaLnBrk="1" fontAlgn="base" latinLnBrk="0" hangingPunct="1"/>
+                      <a:r>
+                        <a:rPr lang="en-US" sz="950" b="1" kern="1200">
+                          <a:solidFill>
+                            <a:srgbClr val="00B050"/>
+                          </a:solidFill>
+                          <a:effectLst/>
+                          <a:latin typeface="+mn-lt"/>
+                          <a:ea typeface="+mn-ea"/>
+                          <a:cs typeface="+mn-cs"/>
+                        </a:rPr>
+                        <a:t>Num Companies Worked </a:t>
+                      </a:r>
+                    </a:p>
+                  </a:txBody>
+                  <a:tcPr/>
+                </a:tc>
+                <a:tc>
+                  <a:txBody>
+                    <a:bodyPr/>
+                    <a:lstStyle/>
+                    <a:p>
+                      <a:pPr marL="0" algn="l" defTabSz="457200" rtl="0" eaLnBrk="1" fontAlgn="base" latinLnBrk="0" hangingPunct="1"/>
+                      <a:r>
+                        <a:rPr lang="en-US" sz="950" b="1" kern="1200">
+                          <a:solidFill>
+                            <a:srgbClr val="00B050"/>
+                          </a:solidFill>
+                          <a:effectLst/>
+                          <a:latin typeface="+mn-lt"/>
+                          <a:ea typeface="+mn-ea"/>
+                          <a:cs typeface="+mn-cs"/>
+                        </a:rPr>
+                        <a:t>12.4 </a:t>
+                      </a:r>
+                    </a:p>
+                  </a:txBody>
+                  <a:tcPr/>
+                </a:tc>
+                <a:tc>
+                  <a:txBody>
+                    <a:bodyPr/>
+                    <a:lstStyle/>
+                    <a:p>
+                      <a:pPr marL="0" algn="l" defTabSz="457200" rtl="0" eaLnBrk="1" fontAlgn="base" latinLnBrk="0" hangingPunct="1"/>
+                      <a:r>
+                        <a:rPr lang="en-US" sz="950" b="1" kern="1200">
+                          <a:solidFill>
+                            <a:srgbClr val="00B050"/>
+                          </a:solidFill>
+                          <a:effectLst/>
+                          <a:latin typeface="+mn-lt"/>
+                          <a:ea typeface="+mn-ea"/>
+                          <a:cs typeface="+mn-cs"/>
+                        </a:rPr>
+                        <a:t>.000448 </a:t>
+                      </a:r>
+                    </a:p>
+                  </a:txBody>
+                  <a:tcPr/>
+                </a:tc>
+                <a:extLst>
+                  <a:ext uri="{0D108BD9-81ED-4DB2-BD59-A6C34878D82A}">
+                    <a16:rowId xmlns:a16="http://schemas.microsoft.com/office/drawing/2014/main" val="1055965148"/>
+                  </a:ext>
+                </a:extLst>
+              </a:tr>
+              <a:tr h="0">
+                <a:tc>
+                  <a:txBody>
+                    <a:bodyPr/>
+                    <a:lstStyle/>
+                    <a:p>
+                      <a:pPr rtl="0" fontAlgn="base"/>
+                      <a:r>
+                        <a:rPr lang="en-US" sz="950">
+                          <a:effectLst/>
+                        </a:rPr>
+                        <a:t>Relationship Satisfaction </a:t>
+                      </a:r>
+                      <a:endParaRPr lang="en-US">
+                        <a:effectLst/>
+                      </a:endParaRPr>
+                    </a:p>
+                  </a:txBody>
+                  <a:tcPr/>
+                </a:tc>
+                <a:tc>
+                  <a:txBody>
+                    <a:bodyPr/>
+                    <a:lstStyle/>
+                    <a:p>
+                      <a:pPr rtl="0" fontAlgn="base"/>
+                      <a:r>
+                        <a:rPr lang="en-US" sz="950">
+                          <a:effectLst/>
+                        </a:rPr>
+                        <a:t>2.71 </a:t>
+                      </a:r>
+                      <a:endParaRPr lang="en-US">
+                        <a:effectLst/>
+                      </a:endParaRPr>
+                    </a:p>
+                  </a:txBody>
+                  <a:tcPr/>
+                </a:tc>
+                <a:tc>
+                  <a:txBody>
+                    <a:bodyPr/>
+                    <a:lstStyle/>
+                    <a:p>
+                      <a:pPr rtl="0" fontAlgn="base"/>
+                      <a:r>
+                        <a:rPr lang="en-US" sz="950">
+                          <a:effectLst/>
+                        </a:rPr>
+                        <a:t>.100 </a:t>
+                      </a:r>
+                      <a:endParaRPr lang="en-US">
+                        <a:effectLst/>
+                      </a:endParaRPr>
+                    </a:p>
+                  </a:txBody>
+                  <a:tcPr/>
+                </a:tc>
+                <a:extLst>
+                  <a:ext uri="{0D108BD9-81ED-4DB2-BD59-A6C34878D82A}">
+                    <a16:rowId xmlns:a16="http://schemas.microsoft.com/office/drawing/2014/main" val="3349930636"/>
+                  </a:ext>
+                </a:extLst>
+              </a:tr>
+              <a:tr h="0">
+                <a:tc>
+                  <a:txBody>
+                    <a:bodyPr/>
+                    <a:lstStyle/>
+                    <a:p>
+                      <a:pPr rtl="0" fontAlgn="base"/>
+                      <a:r>
+                        <a:rPr lang="en-US" sz="950" b="1">
+                          <a:solidFill>
+                            <a:srgbClr val="00B050"/>
+                          </a:solidFill>
+                          <a:effectLst/>
+                        </a:rPr>
+                        <a:t>Total Working Years </a:t>
+                      </a:r>
+                      <a:endParaRPr lang="en-US" b="1">
+                        <a:solidFill>
+                          <a:srgbClr val="00B050"/>
+                        </a:solidFill>
+                        <a:effectLst/>
+                      </a:endParaRPr>
+                    </a:p>
+                  </a:txBody>
+                  <a:tcPr/>
+                </a:tc>
+                <a:tc>
+                  <a:txBody>
+                    <a:bodyPr/>
+                    <a:lstStyle/>
+                    <a:p>
+                      <a:pPr rtl="0" fontAlgn="base"/>
+                      <a:r>
+                        <a:rPr lang="en-US" sz="950" b="1">
+                          <a:solidFill>
+                            <a:srgbClr val="00B050"/>
+                          </a:solidFill>
+                          <a:effectLst/>
+                        </a:rPr>
+                        <a:t>36.5 </a:t>
+                      </a:r>
+                      <a:endParaRPr lang="en-US" b="1">
+                        <a:solidFill>
+                          <a:srgbClr val="00B050"/>
+                        </a:solidFill>
+                        <a:effectLst/>
+                      </a:endParaRPr>
+                    </a:p>
+                  </a:txBody>
+                  <a:tcPr/>
+                </a:tc>
+                <a:tc>
+                  <a:txBody>
+                    <a:bodyPr/>
+                    <a:lstStyle/>
+                    <a:p>
+                      <a:pPr rtl="0" fontAlgn="base"/>
+                      <a:r>
+                        <a:rPr lang="en-US" sz="950" b="1">
+                          <a:solidFill>
+                            <a:srgbClr val="00B050"/>
+                          </a:solidFill>
+                          <a:effectLst/>
+                        </a:rPr>
+                        <a:t>2e-9 </a:t>
+                      </a:r>
+                      <a:endParaRPr lang="en-US" b="1">
+                        <a:solidFill>
+                          <a:srgbClr val="00B050"/>
+                        </a:solidFill>
+                        <a:effectLst/>
+                      </a:endParaRPr>
+                    </a:p>
+                  </a:txBody>
+                  <a:tcPr/>
+                </a:tc>
+                <a:extLst>
+                  <a:ext uri="{0D108BD9-81ED-4DB2-BD59-A6C34878D82A}">
+                    <a16:rowId xmlns:a16="http://schemas.microsoft.com/office/drawing/2014/main" val="815994666"/>
+                  </a:ext>
+                </a:extLst>
+              </a:tr>
+              <a:tr h="0">
+                <a:tc>
+                  <a:txBody>
+                    <a:bodyPr/>
+                    <a:lstStyle/>
+                    <a:p>
+                      <a:pPr rtl="0" fontAlgn="base"/>
+                      <a:r>
+                        <a:rPr lang="en-US" sz="950" b="1">
+                          <a:solidFill>
+                            <a:srgbClr val="00B050"/>
+                          </a:solidFill>
+                          <a:effectLst/>
+                        </a:rPr>
+                        <a:t>Training Times Last Year </a:t>
+                      </a:r>
+                      <a:endParaRPr lang="en-US" b="1">
+                        <a:solidFill>
+                          <a:srgbClr val="00B050"/>
+                        </a:solidFill>
+                        <a:effectLst/>
+                      </a:endParaRPr>
+                    </a:p>
+                  </a:txBody>
+                  <a:tcPr/>
+                </a:tc>
+                <a:tc>
+                  <a:txBody>
+                    <a:bodyPr/>
+                    <a:lstStyle/>
+                    <a:p>
+                      <a:pPr rtl="0" fontAlgn="base"/>
+                      <a:r>
+                        <a:rPr lang="en-US" sz="950" b="1">
+                          <a:solidFill>
+                            <a:srgbClr val="00B050"/>
+                          </a:solidFill>
+                          <a:effectLst/>
+                        </a:rPr>
+                        <a:t>5.12 </a:t>
+                      </a:r>
+                      <a:endParaRPr lang="en-US" b="1">
+                        <a:solidFill>
+                          <a:srgbClr val="00B050"/>
+                        </a:solidFill>
+                        <a:effectLst/>
+                      </a:endParaRPr>
+                    </a:p>
+                  </a:txBody>
+                  <a:tcPr/>
+                </a:tc>
+                <a:tc>
+                  <a:txBody>
+                    <a:bodyPr/>
+                    <a:lstStyle/>
+                    <a:p>
+                      <a:pPr rtl="0" fontAlgn="base"/>
+                      <a:r>
+                        <a:rPr lang="en-US" sz="950" b="1">
+                          <a:solidFill>
+                            <a:srgbClr val="00B050"/>
+                          </a:solidFill>
+                          <a:effectLst/>
+                        </a:rPr>
+                        <a:t>.0239 </a:t>
+                      </a:r>
+                      <a:endParaRPr lang="en-US" b="1">
+                        <a:solidFill>
+                          <a:srgbClr val="00B050"/>
+                        </a:solidFill>
+                        <a:effectLst/>
+                      </a:endParaRPr>
+                    </a:p>
+                  </a:txBody>
+                  <a:tcPr/>
+                </a:tc>
+                <a:extLst>
+                  <a:ext uri="{0D108BD9-81ED-4DB2-BD59-A6C34878D82A}">
+                    <a16:rowId xmlns:a16="http://schemas.microsoft.com/office/drawing/2014/main" val="2773274497"/>
+                  </a:ext>
+                </a:extLst>
+              </a:tr>
+              <a:tr h="0">
+                <a:tc>
+                  <a:txBody>
+                    <a:bodyPr/>
+                    <a:lstStyle/>
+                    <a:p>
+                      <a:pPr rtl="0" fontAlgn="base"/>
+                      <a:r>
+                        <a:rPr lang="en-US" sz="950" b="1">
+                          <a:solidFill>
+                            <a:srgbClr val="00B050"/>
+                          </a:solidFill>
+                          <a:effectLst/>
+                        </a:rPr>
+                        <a:t>Work Life Balance </a:t>
+                      </a:r>
+                      <a:endParaRPr lang="en-US" b="1">
+                        <a:solidFill>
+                          <a:srgbClr val="00B050"/>
+                        </a:solidFill>
+                        <a:effectLst/>
+                      </a:endParaRPr>
+                    </a:p>
+                  </a:txBody>
+                  <a:tcPr/>
+                </a:tc>
+                <a:tc>
+                  <a:txBody>
+                    <a:bodyPr/>
+                    <a:lstStyle/>
+                    <a:p>
+                      <a:pPr rtl="0" fontAlgn="base"/>
+                      <a:r>
+                        <a:rPr lang="en-US" sz="950" b="1">
+                          <a:solidFill>
+                            <a:srgbClr val="00B050"/>
+                          </a:solidFill>
+                          <a:effectLst/>
+                        </a:rPr>
+                        <a:t>7.03 </a:t>
+                      </a:r>
+                      <a:endParaRPr lang="en-US" b="1">
+                        <a:solidFill>
+                          <a:srgbClr val="00B050"/>
+                        </a:solidFill>
+                        <a:effectLst/>
+                      </a:endParaRPr>
+                    </a:p>
+                  </a:txBody>
+                  <a:tcPr/>
+                </a:tc>
+                <a:tc>
+                  <a:txBody>
+                    <a:bodyPr/>
+                    <a:lstStyle/>
+                    <a:p>
+                      <a:pPr rtl="0" fontAlgn="base"/>
+                      <a:r>
+                        <a:rPr lang="en-US" sz="950" b="1">
+                          <a:solidFill>
+                            <a:srgbClr val="00B050"/>
+                          </a:solidFill>
+                          <a:effectLst/>
+                        </a:rPr>
+                        <a:t>.00817 </a:t>
+                      </a:r>
+                      <a:endParaRPr lang="en-US" b="1">
+                        <a:solidFill>
+                          <a:srgbClr val="00B050"/>
+                        </a:solidFill>
+                        <a:effectLst/>
+                      </a:endParaRPr>
+                    </a:p>
+                  </a:txBody>
+                  <a:tcPr/>
+                </a:tc>
+                <a:extLst>
+                  <a:ext uri="{0D108BD9-81ED-4DB2-BD59-A6C34878D82A}">
+                    <a16:rowId xmlns:a16="http://schemas.microsoft.com/office/drawing/2014/main" val="2906084720"/>
+                  </a:ext>
+                </a:extLst>
+              </a:tr>
+              <a:tr h="0">
+                <a:tc>
+                  <a:txBody>
+                    <a:bodyPr/>
+                    <a:lstStyle/>
+                    <a:p>
+                      <a:pPr rtl="0" fontAlgn="base"/>
+                      <a:r>
+                        <a:rPr lang="en-US" sz="950">
+                          <a:effectLst/>
+                        </a:rPr>
+                        <a:t>Years In Current Role </a:t>
+                      </a:r>
+                      <a:endParaRPr lang="en-US">
+                        <a:effectLst/>
+                      </a:endParaRPr>
+                    </a:p>
+                  </a:txBody>
+                  <a:tcPr/>
+                </a:tc>
+                <a:tc>
+                  <a:txBody>
+                    <a:bodyPr/>
+                    <a:lstStyle/>
+                    <a:p>
+                      <a:pPr rtl="0" fontAlgn="base"/>
+                      <a:r>
+                        <a:rPr lang="en-US" sz="950">
+                          <a:effectLst/>
+                        </a:rPr>
+                        <a:t>3.71 </a:t>
+                      </a:r>
+                      <a:endParaRPr lang="en-US">
+                        <a:effectLst/>
+                      </a:endParaRPr>
+                    </a:p>
+                  </a:txBody>
+                  <a:tcPr/>
+                </a:tc>
+                <a:tc>
+                  <a:txBody>
+                    <a:bodyPr/>
+                    <a:lstStyle/>
+                    <a:p>
+                      <a:pPr rtl="0" fontAlgn="base"/>
+                      <a:r>
+                        <a:rPr lang="en-US" sz="950">
+                          <a:effectLst/>
+                        </a:rPr>
+                        <a:t>.00545 </a:t>
+                      </a:r>
+                      <a:endParaRPr lang="en-US">
+                        <a:effectLst/>
+                      </a:endParaRPr>
+                    </a:p>
+                  </a:txBody>
+                  <a:tcPr/>
+                </a:tc>
+                <a:extLst>
+                  <a:ext uri="{0D108BD9-81ED-4DB2-BD59-A6C34878D82A}">
+                    <a16:rowId xmlns:a16="http://schemas.microsoft.com/office/drawing/2014/main" val="64567834"/>
+                  </a:ext>
+                </a:extLst>
+              </a:tr>
+              <a:tr h="0">
+                <a:tc>
+                  <a:txBody>
+                    <a:bodyPr/>
+                    <a:lstStyle/>
+                    <a:p>
+                      <a:pPr rtl="0" fontAlgn="base"/>
+                      <a:r>
+                        <a:rPr lang="en-US" sz="950" b="1">
+                          <a:solidFill>
+                            <a:srgbClr val="00B050"/>
+                          </a:solidFill>
+                          <a:effectLst/>
+                        </a:rPr>
+                        <a:t>Years Since Last Promotion </a:t>
+                      </a:r>
+                      <a:endParaRPr lang="en-US" b="1">
+                        <a:solidFill>
+                          <a:srgbClr val="00B050"/>
+                        </a:solidFill>
+                        <a:effectLst/>
+                      </a:endParaRPr>
+                    </a:p>
+                  </a:txBody>
+                  <a:tcPr/>
+                </a:tc>
+                <a:tc>
+                  <a:txBody>
+                    <a:bodyPr/>
+                    <a:lstStyle/>
+                    <a:p>
+                      <a:pPr rtl="0" fontAlgn="base"/>
+                      <a:r>
+                        <a:rPr lang="en-US" sz="950" b="1">
+                          <a:solidFill>
+                            <a:srgbClr val="00B050"/>
+                          </a:solidFill>
+                          <a:effectLst/>
+                        </a:rPr>
+                        <a:t>20.7 </a:t>
+                      </a:r>
+                      <a:endParaRPr lang="en-US" b="1">
+                        <a:solidFill>
+                          <a:srgbClr val="00B050"/>
+                        </a:solidFill>
+                        <a:effectLst/>
+                      </a:endParaRPr>
+                    </a:p>
+                  </a:txBody>
+                  <a:tcPr/>
+                </a:tc>
+                <a:tc>
+                  <a:txBody>
+                    <a:bodyPr/>
+                    <a:lstStyle/>
+                    <a:p>
+                      <a:pPr rtl="0" fontAlgn="base"/>
+                      <a:r>
+                        <a:rPr lang="en-US" sz="950" b="1">
+                          <a:solidFill>
+                            <a:srgbClr val="00B050"/>
+                          </a:solidFill>
+                          <a:effectLst/>
+                        </a:rPr>
+                        <a:t>6e-6 </a:t>
+                      </a:r>
+                      <a:endParaRPr lang="en-US" b="1">
+                        <a:solidFill>
+                          <a:srgbClr val="00B050"/>
+                        </a:solidFill>
+                        <a:effectLst/>
+                      </a:endParaRPr>
+                    </a:p>
+                  </a:txBody>
+                  <a:tcPr/>
+                </a:tc>
+                <a:extLst>
+                  <a:ext uri="{0D108BD9-81ED-4DB2-BD59-A6C34878D82A}">
+                    <a16:rowId xmlns:a16="http://schemas.microsoft.com/office/drawing/2014/main" val="2564603346"/>
+                  </a:ext>
+                </a:extLst>
+              </a:tr>
+              <a:tr h="0">
+                <a:tc>
+                  <a:txBody>
+                    <a:bodyPr/>
+                    <a:lstStyle/>
+                    <a:p>
+                      <a:pPr rtl="0" fontAlgn="base"/>
+                      <a:r>
+                        <a:rPr lang="en-US" sz="950">
+                          <a:effectLst/>
+                        </a:rPr>
+                        <a:t>Years With Current Manager </a:t>
+                      </a:r>
+                      <a:endParaRPr lang="en-US">
+                        <a:effectLst/>
+                      </a:endParaRPr>
+                    </a:p>
+                  </a:txBody>
+                  <a:tcPr/>
+                </a:tc>
+                <a:tc>
+                  <a:txBody>
+                    <a:bodyPr/>
+                    <a:lstStyle/>
+                    <a:p>
+                      <a:pPr rtl="0" fontAlgn="base"/>
+                      <a:r>
+                        <a:rPr lang="en-US" sz="950">
+                          <a:effectLst/>
+                        </a:rPr>
+                        <a:t>1.65 </a:t>
+                      </a:r>
+                      <a:endParaRPr lang="en-US">
+                        <a:effectLst/>
+                      </a:endParaRPr>
+                    </a:p>
+                  </a:txBody>
+                  <a:tcPr/>
+                </a:tc>
+                <a:tc>
+                  <a:txBody>
+                    <a:bodyPr/>
+                    <a:lstStyle/>
+                    <a:p>
+                      <a:pPr rtl="0" fontAlgn="base"/>
+                      <a:r>
+                        <a:rPr lang="en-US" sz="950">
+                          <a:effectLst/>
+                        </a:rPr>
+                        <a:t>.200 </a:t>
+                      </a:r>
+                      <a:endParaRPr lang="en-US">
+                        <a:effectLst/>
+                      </a:endParaRPr>
+                    </a:p>
+                  </a:txBody>
+                  <a:tcPr/>
+                </a:tc>
+                <a:extLst>
+                  <a:ext uri="{0D108BD9-81ED-4DB2-BD59-A6C34878D82A}">
+                    <a16:rowId xmlns:a16="http://schemas.microsoft.com/office/drawing/2014/main" val="3404831295"/>
+                  </a:ext>
+                </a:extLst>
+              </a:tr>
+              <a:tr h="0">
+                <a:tc>
+                  <a:txBody>
+                    <a:bodyPr/>
+                    <a:lstStyle/>
+                    <a:p>
+                      <a:pPr rtl="0" fontAlgn="base"/>
+                      <a:r>
+                        <a:rPr lang="en-US" sz="950" b="1" err="1">
+                          <a:solidFill>
+                            <a:srgbClr val="00B050"/>
+                          </a:solidFill>
+                          <a:effectLst/>
+                        </a:rPr>
+                        <a:t>OverTime</a:t>
+                      </a:r>
+                      <a:r>
+                        <a:rPr lang="en-US" sz="950" b="1">
+                          <a:solidFill>
+                            <a:srgbClr val="00B050"/>
+                          </a:solidFill>
+                          <a:effectLst/>
+                        </a:rPr>
+                        <a:t> </a:t>
+                      </a:r>
+                      <a:endParaRPr lang="en-US" b="1">
+                        <a:solidFill>
+                          <a:srgbClr val="00B050"/>
+                        </a:solidFill>
+                        <a:effectLst/>
+                      </a:endParaRPr>
+                    </a:p>
+                  </a:txBody>
+                  <a:tcPr/>
+                </a:tc>
+                <a:tc>
+                  <a:txBody>
+                    <a:bodyPr/>
+                    <a:lstStyle/>
+                    <a:p>
+                      <a:pPr rtl="0" fontAlgn="base"/>
+                      <a:r>
+                        <a:rPr lang="en-US" sz="950" b="1">
+                          <a:solidFill>
+                            <a:srgbClr val="00B050"/>
+                          </a:solidFill>
+                          <a:effectLst/>
+                        </a:rPr>
+                        <a:t>74.3 </a:t>
+                      </a:r>
+                      <a:endParaRPr lang="en-US" b="1">
+                        <a:solidFill>
+                          <a:srgbClr val="00B050"/>
+                        </a:solidFill>
+                        <a:effectLst/>
+                      </a:endParaRPr>
+                    </a:p>
+                  </a:txBody>
+                  <a:tcPr/>
+                </a:tc>
+                <a:tc>
+                  <a:txBody>
+                    <a:bodyPr/>
+                    <a:lstStyle/>
+                    <a:p>
+                      <a:pPr rtl="0" fontAlgn="base"/>
+                      <a:r>
+                        <a:rPr lang="en-US" sz="950" b="1">
+                          <a:solidFill>
+                            <a:srgbClr val="00B050"/>
+                          </a:solidFill>
+                          <a:effectLst/>
+                        </a:rPr>
+                        <a:t>2e-16 </a:t>
+                      </a:r>
+                      <a:endParaRPr lang="en-US" b="1">
+                        <a:solidFill>
+                          <a:srgbClr val="00B050"/>
+                        </a:solidFill>
+                        <a:effectLst/>
+                      </a:endParaRPr>
+                    </a:p>
+                  </a:txBody>
+                  <a:tcPr/>
+                </a:tc>
+                <a:extLst>
+                  <a:ext uri="{0D108BD9-81ED-4DB2-BD59-A6C34878D82A}">
+                    <a16:rowId xmlns:a16="http://schemas.microsoft.com/office/drawing/2014/main" val="4214120435"/>
+                  </a:ext>
+                </a:extLst>
+              </a:tr>
+              <a:tr h="0">
+                <a:tc>
+                  <a:txBody>
+                    <a:bodyPr/>
+                    <a:lstStyle/>
+                    <a:p>
+                      <a:pPr rtl="0" fontAlgn="base"/>
+                      <a:r>
+                        <a:rPr lang="en-US" sz="950" b="1">
+                          <a:solidFill>
+                            <a:srgbClr val="00B050"/>
+                          </a:solidFill>
+                          <a:effectLst/>
+                        </a:rPr>
+                        <a:t>Marital Status </a:t>
+                      </a:r>
+                      <a:endParaRPr lang="en-US" b="1">
+                        <a:solidFill>
+                          <a:srgbClr val="00B050"/>
+                        </a:solidFill>
+                        <a:effectLst/>
+                      </a:endParaRPr>
+                    </a:p>
+                  </a:txBody>
+                  <a:tcPr/>
+                </a:tc>
+                <a:tc>
+                  <a:txBody>
+                    <a:bodyPr/>
+                    <a:lstStyle/>
+                    <a:p>
+                      <a:pPr rtl="0" fontAlgn="base"/>
+                      <a:r>
+                        <a:rPr lang="en-US" sz="950" b="1">
+                          <a:solidFill>
+                            <a:srgbClr val="00B050"/>
+                          </a:solidFill>
+                          <a:effectLst/>
+                        </a:rPr>
+                        <a:t>31.4 </a:t>
+                      </a:r>
+                      <a:endParaRPr lang="en-US" b="1">
+                        <a:solidFill>
+                          <a:srgbClr val="00B050"/>
+                        </a:solidFill>
+                        <a:effectLst/>
+                      </a:endParaRPr>
+                    </a:p>
+                  </a:txBody>
+                  <a:tcPr/>
+                </a:tc>
+                <a:tc>
+                  <a:txBody>
+                    <a:bodyPr/>
+                    <a:lstStyle/>
+                    <a:p>
+                      <a:pPr rtl="0" fontAlgn="base"/>
+                      <a:r>
+                        <a:rPr lang="en-US" sz="950" b="1">
+                          <a:solidFill>
+                            <a:srgbClr val="00B050"/>
+                          </a:solidFill>
+                          <a:effectLst/>
+                        </a:rPr>
+                        <a:t>2e-8 </a:t>
+                      </a:r>
+                      <a:endParaRPr lang="en-US" b="1">
+                        <a:solidFill>
+                          <a:srgbClr val="00B050"/>
+                        </a:solidFill>
+                        <a:effectLst/>
+                      </a:endParaRPr>
+                    </a:p>
+                  </a:txBody>
+                  <a:tcPr/>
+                </a:tc>
+                <a:extLst>
+                  <a:ext uri="{0D108BD9-81ED-4DB2-BD59-A6C34878D82A}">
+                    <a16:rowId xmlns:a16="http://schemas.microsoft.com/office/drawing/2014/main" val="2520996529"/>
+                  </a:ext>
+                </a:extLst>
+              </a:tr>
+              <a:tr h="0">
+                <a:tc>
+                  <a:txBody>
+                    <a:bodyPr/>
+                    <a:lstStyle/>
+                    <a:p>
+                      <a:pPr rtl="0" fontAlgn="base"/>
+                      <a:endParaRPr lang="en-US" sz="950">
+                        <a:solidFill>
+                          <a:srgbClr val="333333"/>
+                        </a:solidFill>
+                        <a:effectLst/>
+                        <a:latin typeface="Calibri" panose="020F0502020204030204" pitchFamily="34" charset="0"/>
+                      </a:endParaRPr>
+                    </a:p>
+                  </a:txBody>
+                  <a:tcPr/>
+                </a:tc>
+                <a:tc>
+                  <a:txBody>
+                    <a:bodyPr/>
+                    <a:lstStyle/>
+                    <a:p>
+                      <a:pPr rtl="0" fontAlgn="base"/>
+                      <a:endParaRPr lang="en-US" sz="950">
+                        <a:solidFill>
+                          <a:srgbClr val="333333"/>
+                        </a:solidFill>
+                        <a:effectLst/>
+                        <a:latin typeface="Calibri" panose="020F0502020204030204" pitchFamily="34" charset="0"/>
+                      </a:endParaRPr>
+                    </a:p>
+                  </a:txBody>
+                  <a:tcPr/>
+                </a:tc>
+                <a:tc>
+                  <a:txBody>
+                    <a:bodyPr/>
+                    <a:lstStyle/>
+                    <a:p>
+                      <a:pPr rtl="0" fontAlgn="base"/>
+                      <a:endParaRPr lang="en-US" sz="950">
+                        <a:solidFill>
+                          <a:srgbClr val="333333"/>
+                        </a:solidFill>
+                        <a:effectLst/>
+                        <a:latin typeface="Calibri" panose="020F0502020204030204" pitchFamily="34" charset="0"/>
+                      </a:endParaRPr>
+                    </a:p>
+                  </a:txBody>
+                  <a:tcPr/>
+                </a:tc>
+                <a:extLst>
+                  <a:ext uri="{0D108BD9-81ED-4DB2-BD59-A6C34878D82A}">
+                    <a16:rowId xmlns:a16="http://schemas.microsoft.com/office/drawing/2014/main" val="1302314564"/>
+                  </a:ext>
+                </a:extLst>
+              </a:tr>
+            </a:tbl>
+          </a:graphicData>
+        </a:graphic>
+      </p:graphicFrame>
     </p:spTree>
     <p:extLst>
       <p:ext uri="{BB962C8B-B14F-4D97-AF65-F5344CB8AC3E}">
-        <p14:creationId xmlns:p14="http://schemas.microsoft.com/office/powerpoint/2010/main" val="2720238524"/>
+        <p14:creationId xmlns:p14="http://schemas.microsoft.com/office/powerpoint/2010/main" val="1226730694"/>
       </p:ext>
     </p:extLst>
   </p:cSld>
